--- a/Salary_Predictor.pptx
+++ b/Salary_Predictor.pptx
@@ -6,7 +6,13 @@
   </p:sldMasterIdLst>
   <p:sldIdLst>
     <p:sldId id="256" r:id="rId2"/>
-    <p:sldId id="257" r:id="rId3"/>
+    <p:sldId id="259" r:id="rId3"/>
+    <p:sldId id="263" r:id="rId4"/>
+    <p:sldId id="257" r:id="rId5"/>
+    <p:sldId id="258" r:id="rId6"/>
+    <p:sldId id="261" r:id="rId7"/>
+    <p:sldId id="262" r:id="rId8"/>
+    <p:sldId id="264" r:id="rId9"/>
   </p:sldIdLst>
   <p:sldSz cx="12192000" cy="6858000"/>
   <p:notesSz cx="6858000" cy="9144000"/>
@@ -105,21 +111,24 @@
       </a:defRPr>
     </a:lvl9pPr>
   </p:defaultTextStyle>
+  <p:extLst>
+    <p:ext uri="{EFAFB233-063F-42B5-8137-9DF3F51BA10A}">
+      <p15:sldGuideLst xmlns:p15="http://schemas.microsoft.com/office/powerpoint/2012/main"/>
+    </p:ext>
+  </p:extLst>
 </p:presentation>
 </file>
 
 <file path=ppt/diagrams/colors1.xml><?xml version="1.0" encoding="utf-8"?>
-<dgm:colorsDef xmlns:dgm="http://schemas.openxmlformats.org/drawingml/2006/diagram" xmlns:a="http://schemas.openxmlformats.org/drawingml/2006/main" uniqueId="urn:microsoft.com/office/officeart/2005/8/colors/accent1_3">
+<dgm:colorsDef xmlns:dgm="http://schemas.openxmlformats.org/drawingml/2006/diagram" xmlns:a="http://schemas.openxmlformats.org/drawingml/2006/main" uniqueId="urn:microsoft.com/office/officeart/2005/8/colors/accent4_2">
   <dgm:title val=""/>
   <dgm:desc val=""/>
   <dgm:catLst>
-    <dgm:cat type="accent1" pri="11300"/>
+    <dgm:cat type="accent4" pri="11200"/>
   </dgm:catLst>
   <dgm:styleLbl name="node0">
     <dgm:fillClrLst meth="repeat">
-      <a:schemeClr val="accent1">
-        <a:shade val="80000"/>
-      </a:schemeClr>
+      <a:schemeClr val="accent4"/>
     </dgm:fillClrLst>
     <dgm:linClrLst meth="repeat">
       <a:schemeClr val="lt1"/>
@@ -129,36 +138,9 @@
     <dgm:txFillClrLst/>
     <dgm:txEffectClrLst/>
   </dgm:styleLbl>
-  <dgm:styleLbl name="alignNode1">
-    <dgm:fillClrLst>
-      <a:schemeClr val="accent1">
-        <a:shade val="80000"/>
-      </a:schemeClr>
-      <a:schemeClr val="accent1">
-        <a:tint val="70000"/>
-      </a:schemeClr>
-    </dgm:fillClrLst>
-    <dgm:linClrLst>
-      <a:schemeClr val="accent1">
-        <a:shade val="80000"/>
-      </a:schemeClr>
-      <a:schemeClr val="accent1">
-        <a:tint val="70000"/>
-      </a:schemeClr>
-    </dgm:linClrLst>
-    <dgm:effectClrLst/>
-    <dgm:txLinClrLst/>
-    <dgm:txFillClrLst/>
-    <dgm:txEffectClrLst/>
-  </dgm:styleLbl>
   <dgm:styleLbl name="node1">
-    <dgm:fillClrLst>
-      <a:schemeClr val="accent1">
-        <a:shade val="80000"/>
-      </a:schemeClr>
-      <a:schemeClr val="accent1">
-        <a:tint val="70000"/>
-      </a:schemeClr>
+    <dgm:fillClrLst meth="repeat">
+      <a:schemeClr val="accent4"/>
     </dgm:fillClrLst>
     <dgm:linClrLst meth="repeat">
       <a:schemeClr val="lt1"/>
@@ -168,14 +150,21 @@
     <dgm:txFillClrLst/>
     <dgm:txEffectClrLst/>
   </dgm:styleLbl>
+  <dgm:styleLbl name="alignNode1">
+    <dgm:fillClrLst meth="repeat">
+      <a:schemeClr val="accent4"/>
+    </dgm:fillClrLst>
+    <dgm:linClrLst meth="repeat">
+      <a:schemeClr val="accent4"/>
+    </dgm:linClrLst>
+    <dgm:effectClrLst/>
+    <dgm:txLinClrLst/>
+    <dgm:txFillClrLst/>
+    <dgm:txEffectClrLst/>
+  </dgm:styleLbl>
   <dgm:styleLbl name="lnNode1">
-    <dgm:fillClrLst>
-      <a:schemeClr val="accent1">
-        <a:shade val="80000"/>
-      </a:schemeClr>
-      <a:schemeClr val="accent1">
-        <a:tint val="70000"/>
-      </a:schemeClr>
+    <dgm:fillClrLst meth="repeat">
+      <a:schemeClr val="accent4"/>
     </dgm:fillClrLst>
     <dgm:linClrLst meth="repeat">
       <a:schemeClr val="lt1"/>
@@ -186,13 +175,8 @@
     <dgm:txEffectClrLst/>
   </dgm:styleLbl>
   <dgm:styleLbl name="vennNode1">
-    <dgm:fillClrLst>
-      <a:schemeClr val="accent1">
-        <a:shade val="80000"/>
-        <a:alpha val="50000"/>
-      </a:schemeClr>
-      <a:schemeClr val="accent1">
-        <a:tint val="70000"/>
+    <dgm:fillClrLst meth="repeat">
+      <a:schemeClr val="accent4">
         <a:alpha val="50000"/>
       </a:schemeClr>
     </dgm:fillClrLst>
@@ -205,10 +189,8 @@
     <dgm:txEffectClrLst/>
   </dgm:styleLbl>
   <dgm:styleLbl name="node2">
-    <dgm:fillClrLst>
-      <a:schemeClr val="accent1">
-        <a:tint val="99000"/>
-      </a:schemeClr>
+    <dgm:fillClrLst meth="repeat">
+      <a:schemeClr val="accent4"/>
     </dgm:fillClrLst>
     <dgm:linClrLst meth="repeat">
       <a:schemeClr val="lt1"/>
@@ -219,10 +201,8 @@
     <dgm:txEffectClrLst/>
   </dgm:styleLbl>
   <dgm:styleLbl name="node3">
-    <dgm:fillClrLst>
-      <a:schemeClr val="accent1">
-        <a:tint val="80000"/>
-      </a:schemeClr>
+    <dgm:fillClrLst meth="repeat">
+      <a:schemeClr val="accent4"/>
     </dgm:fillClrLst>
     <dgm:linClrLst meth="repeat">
       <a:schemeClr val="lt1"/>
@@ -233,10 +213,8 @@
     <dgm:txEffectClrLst/>
   </dgm:styleLbl>
   <dgm:styleLbl name="node4">
-    <dgm:fillClrLst>
-      <a:schemeClr val="accent1">
-        <a:tint val="70000"/>
-      </a:schemeClr>
+    <dgm:fillClrLst meth="repeat">
+      <a:schemeClr val="accent4"/>
     </dgm:fillClrLst>
     <dgm:linClrLst meth="repeat">
       <a:schemeClr val="lt1"/>
@@ -247,12 +225,9 @@
     <dgm:txEffectClrLst/>
   </dgm:styleLbl>
   <dgm:styleLbl name="fgImgPlace1">
-    <dgm:fillClrLst>
-      <a:schemeClr val="accent1">
+    <dgm:fillClrLst meth="repeat">
+      <a:schemeClr val="accent4">
         <a:tint val="50000"/>
-      </a:schemeClr>
-      <a:schemeClr val="accent1">
-        <a:tint val="20000"/>
       </a:schemeClr>
     </dgm:fillClrLst>
     <dgm:linClrLst meth="repeat">
@@ -266,12 +241,9 @@
     <dgm:txEffectClrLst/>
   </dgm:styleLbl>
   <dgm:styleLbl name="alignImgPlace1">
-    <dgm:fillClrLst>
-      <a:schemeClr val="accent1">
+    <dgm:fillClrLst meth="repeat">
+      <a:schemeClr val="accent4">
         <a:tint val="50000"/>
-      </a:schemeClr>
-      <a:schemeClr val="accent1">
-        <a:tint val="20000"/>
       </a:schemeClr>
     </dgm:fillClrLst>
     <dgm:linClrLst meth="repeat">
@@ -285,12 +257,9 @@
     <dgm:txEffectClrLst/>
   </dgm:styleLbl>
   <dgm:styleLbl name="bgImgPlace1">
-    <dgm:fillClrLst>
-      <a:schemeClr val="accent1">
+    <dgm:fillClrLst meth="repeat">
+      <a:schemeClr val="accent4">
         <a:tint val="50000"/>
-      </a:schemeClr>
-      <a:schemeClr val="accent1">
-        <a:tint val="20000"/>
       </a:schemeClr>
     </dgm:fillClrLst>
     <dgm:linClrLst meth="repeat">
@@ -304,20 +273,14 @@
     <dgm:txEffectClrLst/>
   </dgm:styleLbl>
   <dgm:styleLbl name="sibTrans2D1">
-    <dgm:fillClrLst>
-      <a:schemeClr val="accent1">
-        <a:shade val="90000"/>
-      </a:schemeClr>
-      <a:schemeClr val="accent1">
-        <a:tint val="70000"/>
+    <dgm:fillClrLst meth="repeat">
+      <a:schemeClr val="accent4">
+        <a:tint val="60000"/>
       </a:schemeClr>
     </dgm:fillClrLst>
-    <dgm:linClrLst>
-      <a:schemeClr val="accent1">
-        <a:shade val="90000"/>
-      </a:schemeClr>
-      <a:schemeClr val="accent1">
-        <a:tint val="70000"/>
+    <dgm:linClrLst meth="repeat">
+      <a:schemeClr val="accent4">
+        <a:tint val="60000"/>
       </a:schemeClr>
     </dgm:linClrLst>
     <dgm:effectClrLst/>
@@ -326,68 +289,58 @@
     <dgm:txEffectClrLst/>
   </dgm:styleLbl>
   <dgm:styleLbl name="fgSibTrans2D1">
-    <dgm:fillClrLst>
-      <a:schemeClr val="accent1">
-        <a:shade val="90000"/>
-      </a:schemeClr>
-      <a:schemeClr val="accent1">
-        <a:tint val="70000"/>
+    <dgm:fillClrLst meth="repeat">
+      <a:schemeClr val="accent4">
+        <a:tint val="60000"/>
       </a:schemeClr>
     </dgm:fillClrLst>
-    <dgm:linClrLst>
-      <a:schemeClr val="accent1">
-        <a:shade val="90000"/>
-      </a:schemeClr>
-      <a:schemeClr val="accent1">
-        <a:tint val="70000"/>
+    <dgm:linClrLst meth="repeat">
+      <a:schemeClr val="accent4">
+        <a:tint val="60000"/>
       </a:schemeClr>
     </dgm:linClrLst>
     <dgm:effectClrLst/>
     <dgm:txLinClrLst/>
-    <dgm:txFillClrLst meth="repeat">
-      <a:schemeClr val="lt1"/>
-    </dgm:txFillClrLst>
+    <dgm:txFillClrLst/>
     <dgm:txEffectClrLst/>
   </dgm:styleLbl>
   <dgm:styleLbl name="bgSibTrans2D1">
-    <dgm:fillClrLst>
-      <a:schemeClr val="accent1">
-        <a:shade val="90000"/>
-      </a:schemeClr>
-      <a:schemeClr val="accent1">
-        <a:tint val="70000"/>
+    <dgm:fillClrLst meth="repeat">
+      <a:schemeClr val="accent4">
+        <a:tint val="60000"/>
       </a:schemeClr>
     </dgm:fillClrLst>
-    <dgm:linClrLst>
-      <a:schemeClr val="accent1">
-        <a:shade val="90000"/>
-      </a:schemeClr>
-      <a:schemeClr val="accent1">
-        <a:tint val="70000"/>
+    <dgm:linClrLst meth="repeat">
+      <a:schemeClr val="accent4">
+        <a:tint val="60000"/>
       </a:schemeClr>
     </dgm:linClrLst>
     <dgm:effectClrLst/>
     <dgm:txLinClrLst/>
+    <dgm:txFillClrLst/>
+    <dgm:txEffectClrLst/>
+  </dgm:styleLbl>
+  <dgm:styleLbl name="sibTrans1D1">
+    <dgm:fillClrLst meth="repeat">
+      <a:schemeClr val="accent4"/>
+    </dgm:fillClrLst>
+    <dgm:linClrLst meth="repeat">
+      <a:schemeClr val="accent4"/>
+    </dgm:linClrLst>
+    <dgm:effectClrLst/>
+    <dgm:txLinClrLst/>
     <dgm:txFillClrLst meth="repeat">
-      <a:schemeClr val="lt1"/>
+      <a:schemeClr val="tx1"/>
     </dgm:txFillClrLst>
     <dgm:txEffectClrLst/>
   </dgm:styleLbl>
-  <dgm:styleLbl name="sibTrans1D1">
-    <dgm:fillClrLst>
-      <a:schemeClr val="accent1">
-        <a:shade val="90000"/>
-      </a:schemeClr>
-      <a:schemeClr val="accent1">
-        <a:tint val="70000"/>
-      </a:schemeClr>
+  <dgm:styleLbl name="callout">
+    <dgm:fillClrLst meth="repeat">
+      <a:schemeClr val="accent4"/>
     </dgm:fillClrLst>
-    <dgm:linClrLst>
-      <a:schemeClr val="accent1">
-        <a:shade val="90000"/>
-      </a:schemeClr>
-      <a:schemeClr val="accent1">
-        <a:tint val="70000"/>
+    <dgm:linClrLst meth="repeat">
+      <a:schemeClr val="accent4">
+        <a:tint val="50000"/>
       </a:schemeClr>
     </dgm:linClrLst>
     <dgm:effectClrLst/>
@@ -397,25 +350,9 @@
     </dgm:txFillClrLst>
     <dgm:txEffectClrLst/>
   </dgm:styleLbl>
-  <dgm:styleLbl name="callout">
-    <dgm:fillClrLst meth="repeat">
-      <a:schemeClr val="accent1"/>
-    </dgm:fillClrLst>
-    <dgm:linClrLst meth="repeat">
-      <a:schemeClr val="accent1"/>
-    </dgm:linClrLst>
-    <dgm:effectClrLst/>
-    <dgm:txLinClrLst/>
-    <dgm:txFillClrLst meth="repeat">
-      <a:schemeClr val="tx1"/>
-    </dgm:txFillClrLst>
-    <dgm:txEffectClrLst/>
-  </dgm:styleLbl>
   <dgm:styleLbl name="asst0">
     <dgm:fillClrLst meth="repeat">
-      <a:schemeClr val="accent1">
-        <a:shade val="80000"/>
-      </a:schemeClr>
+      <a:schemeClr val="accent4"/>
     </dgm:fillClrLst>
     <dgm:linClrLst meth="repeat">
       <a:schemeClr val="lt1"/>
@@ -427,9 +364,7 @@
   </dgm:styleLbl>
   <dgm:styleLbl name="asst1">
     <dgm:fillClrLst meth="repeat">
-      <a:schemeClr val="accent1">
-        <a:shade val="80000"/>
-      </a:schemeClr>
+      <a:schemeClr val="accent4"/>
     </dgm:fillClrLst>
     <dgm:linClrLst meth="repeat">
       <a:schemeClr val="lt1"/>
@@ -440,10 +375,8 @@
     <dgm:txEffectClrLst/>
   </dgm:styleLbl>
   <dgm:styleLbl name="asst2">
-    <dgm:fillClrLst>
-      <a:schemeClr val="accent1">
-        <a:tint val="99000"/>
-      </a:schemeClr>
+    <dgm:fillClrLst meth="repeat">
+      <a:schemeClr val="accent4"/>
     </dgm:fillClrLst>
     <dgm:linClrLst meth="repeat">
       <a:schemeClr val="lt1"/>
@@ -454,10 +387,8 @@
     <dgm:txEffectClrLst/>
   </dgm:styleLbl>
   <dgm:styleLbl name="asst3">
-    <dgm:fillClrLst>
-      <a:schemeClr val="accent1">
-        <a:tint val="80000"/>
-      </a:schemeClr>
+    <dgm:fillClrLst meth="repeat">
+      <a:schemeClr val="accent4"/>
     </dgm:fillClrLst>
     <dgm:linClrLst meth="repeat">
       <a:schemeClr val="lt1"/>
@@ -468,10 +399,8 @@
     <dgm:txEffectClrLst/>
   </dgm:styleLbl>
   <dgm:styleLbl name="asst4">
-    <dgm:fillClrLst>
-      <a:schemeClr val="accent1">
-        <a:tint val="70000"/>
-      </a:schemeClr>
+    <dgm:fillClrLst meth="repeat">
+      <a:schemeClr val="accent4"/>
     </dgm:fillClrLst>
     <dgm:linClrLst meth="repeat">
       <a:schemeClr val="lt1"/>
@@ -483,12 +412,12 @@
   </dgm:styleLbl>
   <dgm:styleLbl name="parChTrans2D1">
     <dgm:fillClrLst meth="repeat">
-      <a:schemeClr val="accent1">
+      <a:schemeClr val="accent4">
         <a:tint val="60000"/>
       </a:schemeClr>
     </dgm:fillClrLst>
     <dgm:linClrLst meth="repeat">
-      <a:schemeClr val="accent1">
+      <a:schemeClr val="accent4">
         <a:tint val="60000"/>
       </a:schemeClr>
     </dgm:linClrLst>
@@ -501,46 +430,10 @@
   </dgm:styleLbl>
   <dgm:styleLbl name="parChTrans2D2">
     <dgm:fillClrLst meth="repeat">
-      <a:schemeClr val="accent1">
-        <a:tint val="90000"/>
-      </a:schemeClr>
+      <a:schemeClr val="accent4"/>
     </dgm:fillClrLst>
     <dgm:linClrLst meth="repeat">
-      <a:schemeClr val="accent1">
-        <a:tint val="90000"/>
-      </a:schemeClr>
-    </dgm:linClrLst>
-    <dgm:effectClrLst/>
-    <dgm:txLinClrLst/>
-    <dgm:txFillClrLst/>
-    <dgm:txEffectClrLst/>
-  </dgm:styleLbl>
-  <dgm:styleLbl name="parChTrans2D3">
-    <dgm:fillClrLst meth="repeat">
-      <a:schemeClr val="accent1">
-        <a:tint val="70000"/>
-      </a:schemeClr>
-    </dgm:fillClrLst>
-    <dgm:linClrLst meth="repeat">
-      <a:schemeClr val="accent1">
-        <a:tint val="70000"/>
-      </a:schemeClr>
-    </dgm:linClrLst>
-    <dgm:effectClrLst/>
-    <dgm:txLinClrLst/>
-    <dgm:txFillClrLst/>
-    <dgm:txEffectClrLst/>
-  </dgm:styleLbl>
-  <dgm:styleLbl name="parChTrans2D4">
-    <dgm:fillClrLst meth="repeat">
-      <a:schemeClr val="accent1">
-        <a:tint val="50000"/>
-      </a:schemeClr>
-    </dgm:fillClrLst>
-    <dgm:linClrLst meth="repeat">
-      <a:schemeClr val="accent1">
-        <a:tint val="50000"/>
-      </a:schemeClr>
+      <a:schemeClr val="accent4"/>
     </dgm:linClrLst>
     <dgm:effectClrLst/>
     <dgm:txLinClrLst/>
@@ -549,14 +442,72 @@
     </dgm:txFillClrLst>
     <dgm:txEffectClrLst/>
   </dgm:styleLbl>
+  <dgm:styleLbl name="parChTrans2D3">
+    <dgm:fillClrLst meth="repeat">
+      <a:schemeClr val="accent4"/>
+    </dgm:fillClrLst>
+    <dgm:linClrLst meth="repeat">
+      <a:schemeClr val="accent4"/>
+    </dgm:linClrLst>
+    <dgm:effectClrLst/>
+    <dgm:txLinClrLst/>
+    <dgm:txFillClrLst meth="repeat">
+      <a:schemeClr val="lt1"/>
+    </dgm:txFillClrLst>
+    <dgm:txEffectClrLst/>
+  </dgm:styleLbl>
+  <dgm:styleLbl name="parChTrans2D4">
+    <dgm:fillClrLst meth="repeat">
+      <a:schemeClr val="accent4"/>
+    </dgm:fillClrLst>
+    <dgm:linClrLst meth="repeat">
+      <a:schemeClr val="accent4"/>
+    </dgm:linClrLst>
+    <dgm:effectClrLst/>
+    <dgm:txLinClrLst/>
+    <dgm:txFillClrLst meth="repeat">
+      <a:schemeClr val="lt1"/>
+    </dgm:txFillClrLst>
+    <dgm:txEffectClrLst/>
+  </dgm:styleLbl>
   <dgm:styleLbl name="parChTrans1D1">
     <dgm:fillClrLst meth="repeat">
-      <a:schemeClr val="accent1">
-        <a:shade val="80000"/>
-      </a:schemeClr>
+      <a:schemeClr val="accent4"/>
     </dgm:fillClrLst>
     <dgm:linClrLst meth="repeat">
-      <a:schemeClr val="accent1">
+      <a:schemeClr val="accent4">
+        <a:shade val="60000"/>
+      </a:schemeClr>
+    </dgm:linClrLst>
+    <dgm:effectClrLst/>
+    <dgm:txLinClrLst/>
+    <dgm:txFillClrLst meth="repeat">
+      <a:schemeClr val="tx1"/>
+    </dgm:txFillClrLst>
+    <dgm:txEffectClrLst/>
+  </dgm:styleLbl>
+  <dgm:styleLbl name="parChTrans1D2">
+    <dgm:fillClrLst meth="repeat">
+      <a:schemeClr val="accent4"/>
+    </dgm:fillClrLst>
+    <dgm:linClrLst meth="repeat">
+      <a:schemeClr val="accent4">
+        <a:shade val="60000"/>
+      </a:schemeClr>
+    </dgm:linClrLst>
+    <dgm:effectClrLst/>
+    <dgm:txLinClrLst/>
+    <dgm:txFillClrLst meth="repeat">
+      <a:schemeClr val="tx1"/>
+    </dgm:txFillClrLst>
+    <dgm:txEffectClrLst/>
+  </dgm:styleLbl>
+  <dgm:styleLbl name="parChTrans1D3">
+    <dgm:fillClrLst meth="repeat">
+      <a:schemeClr val="accent4"/>
+    </dgm:fillClrLst>
+    <dgm:linClrLst meth="repeat">
+      <a:schemeClr val="accent4">
         <a:shade val="80000"/>
       </a:schemeClr>
     </dgm:linClrLst>
@@ -567,15 +518,13 @@
     </dgm:txFillClrLst>
     <dgm:txEffectClrLst/>
   </dgm:styleLbl>
-  <dgm:styleLbl name="parChTrans1D2">
+  <dgm:styleLbl name="parChTrans1D4">
     <dgm:fillClrLst meth="repeat">
-      <a:schemeClr val="accent1">
-        <a:tint val="99000"/>
-      </a:schemeClr>
+      <a:schemeClr val="accent4"/>
     </dgm:fillClrLst>
     <dgm:linClrLst meth="repeat">
-      <a:schemeClr val="accent1">
-        <a:tint val="99000"/>
+      <a:schemeClr val="accent4">
+        <a:shade val="80000"/>
       </a:schemeClr>
     </dgm:linClrLst>
     <dgm:effectClrLst/>
@@ -585,55 +534,14 @@
     </dgm:txFillClrLst>
     <dgm:txEffectClrLst/>
   </dgm:styleLbl>
-  <dgm:styleLbl name="parChTrans1D3">
-    <dgm:fillClrLst meth="repeat">
-      <a:schemeClr val="accent1">
-        <a:tint val="80000"/>
-      </a:schemeClr>
-    </dgm:fillClrLst>
-    <dgm:linClrLst meth="repeat">
-      <a:schemeClr val="accent1">
-        <a:tint val="80000"/>
-      </a:schemeClr>
-    </dgm:linClrLst>
-    <dgm:effectClrLst/>
-    <dgm:txLinClrLst/>
-    <dgm:txFillClrLst meth="repeat">
-      <a:schemeClr val="tx1"/>
-    </dgm:txFillClrLst>
-    <dgm:txEffectClrLst/>
-  </dgm:styleLbl>
-  <dgm:styleLbl name="parChTrans1D4">
-    <dgm:fillClrLst meth="repeat">
-      <a:schemeClr val="accent1">
-        <a:tint val="70000"/>
-      </a:schemeClr>
-    </dgm:fillClrLst>
-    <dgm:linClrLst meth="repeat">
-      <a:schemeClr val="accent1">
-        <a:tint val="70000"/>
-      </a:schemeClr>
-    </dgm:linClrLst>
-    <dgm:effectClrLst/>
-    <dgm:txLinClrLst/>
-    <dgm:txFillClrLst meth="repeat">
-      <a:schemeClr val="tx1"/>
-    </dgm:txFillClrLst>
-    <dgm:txEffectClrLst/>
-  </dgm:styleLbl>
   <dgm:styleLbl name="fgAcc1">
     <dgm:fillClrLst meth="repeat">
       <a:schemeClr val="lt1">
         <a:alpha val="90000"/>
       </a:schemeClr>
     </dgm:fillClrLst>
-    <dgm:linClrLst>
-      <a:schemeClr val="accent1">
-        <a:shade val="80000"/>
-      </a:schemeClr>
-      <a:schemeClr val="accent1">
-        <a:tint val="70000"/>
-      </a:schemeClr>
+    <dgm:linClrLst meth="repeat">
+      <a:schemeClr val="accent4"/>
     </dgm:linClrLst>
     <dgm:effectClrLst/>
     <dgm:txLinClrLst/>
@@ -648,13 +556,8 @@
         <a:alpha val="90000"/>
       </a:schemeClr>
     </dgm:fillClrLst>
-    <dgm:linClrLst>
-      <a:schemeClr val="accent1">
-        <a:shade val="80000"/>
-      </a:schemeClr>
-      <a:schemeClr val="accent1">
-        <a:tint val="70000"/>
-      </a:schemeClr>
+    <dgm:linClrLst meth="repeat">
+      <a:schemeClr val="accent4"/>
     </dgm:linClrLst>
     <dgm:effectClrLst/>
     <dgm:txLinClrLst/>
@@ -669,13 +572,8 @@
         <a:alpha val="90000"/>
       </a:schemeClr>
     </dgm:fillClrLst>
-    <dgm:linClrLst>
-      <a:schemeClr val="accent1">
-        <a:shade val="80000"/>
-      </a:schemeClr>
-      <a:schemeClr val="accent1">
-        <a:tint val="70000"/>
-      </a:schemeClr>
+    <dgm:linClrLst meth="repeat">
+      <a:schemeClr val="accent4"/>
     </dgm:linClrLst>
     <dgm:effectClrLst/>
     <dgm:txLinClrLst/>
@@ -691,7 +589,7 @@
       </a:schemeClr>
     </dgm:fillClrLst>
     <dgm:linClrLst meth="repeat">
-      <a:schemeClr val="accent1"/>
+      <a:schemeClr val="accent4"/>
     </dgm:linClrLst>
     <dgm:effectClrLst/>
     <dgm:txLinClrLst/>
@@ -706,13 +604,8 @@
         <a:alpha val="90000"/>
       </a:schemeClr>
     </dgm:fillClrLst>
-    <dgm:linClrLst>
-      <a:schemeClr val="accent1">
-        <a:shade val="80000"/>
-      </a:schemeClr>
-      <a:schemeClr val="accent1">
-        <a:tint val="70000"/>
-      </a:schemeClr>
+    <dgm:linClrLst meth="repeat">
+      <a:schemeClr val="accent4"/>
     </dgm:linClrLst>
     <dgm:effectClrLst/>
     <dgm:txLinClrLst/>
@@ -725,13 +618,8 @@
     <dgm:fillClrLst meth="repeat">
       <a:schemeClr val="lt1"/>
     </dgm:fillClrLst>
-    <dgm:linClrLst>
-      <a:schemeClr val="accent1">
-        <a:shade val="80000"/>
-      </a:schemeClr>
-      <a:schemeClr val="accent1">
-        <a:tint val="70000"/>
-      </a:schemeClr>
+    <dgm:linClrLst meth="repeat">
+      <a:schemeClr val="accent4"/>
     </dgm:linClrLst>
     <dgm:effectClrLst/>
     <dgm:txLinClrLst/>
@@ -745,7 +633,7 @@
       <a:schemeClr val="lt1"/>
     </dgm:fillClrLst>
     <dgm:linClrLst meth="repeat">
-      <a:schemeClr val="accent1"/>
+      <a:schemeClr val="accent4"/>
     </dgm:linClrLst>
     <dgm:effectClrLst/>
     <dgm:txLinClrLst/>
@@ -759,7 +647,7 @@
       <a:schemeClr val="lt1"/>
     </dgm:fillClrLst>
     <dgm:linClrLst meth="repeat">
-      <a:schemeClr val="accent1"/>
+      <a:schemeClr val="accent4"/>
     </dgm:linClrLst>
     <dgm:effectClrLst/>
     <dgm:txLinClrLst/>
@@ -770,13 +658,13 @@
   </dgm:styleLbl>
   <dgm:styleLbl name="fgAccFollowNode1">
     <dgm:fillClrLst meth="repeat">
-      <a:schemeClr val="accent1">
+      <a:schemeClr val="accent4">
         <a:alpha val="90000"/>
         <a:tint val="40000"/>
       </a:schemeClr>
     </dgm:fillClrLst>
     <dgm:linClrLst meth="repeat">
-      <a:schemeClr val="accent1">
+      <a:schemeClr val="accent4">
         <a:alpha val="90000"/>
         <a:tint val="40000"/>
       </a:schemeClr>
@@ -790,13 +678,13 @@
   </dgm:styleLbl>
   <dgm:styleLbl name="alignAccFollowNode1">
     <dgm:fillClrLst meth="repeat">
-      <a:schemeClr val="accent1">
+      <a:schemeClr val="accent4">
         <a:alpha val="90000"/>
         <a:tint val="40000"/>
       </a:schemeClr>
     </dgm:fillClrLst>
     <dgm:linClrLst meth="repeat">
-      <a:schemeClr val="accent1">
+      <a:schemeClr val="accent4">
         <a:alpha val="90000"/>
         <a:tint val="40000"/>
       </a:schemeClr>
@@ -810,30 +698,15 @@
   </dgm:styleLbl>
   <dgm:styleLbl name="bgAccFollowNode1">
     <dgm:fillClrLst meth="repeat">
-      <a:schemeClr val="accent1">
+      <a:schemeClr val="accent4">
         <a:alpha val="90000"/>
         <a:tint val="40000"/>
       </a:schemeClr>
     </dgm:fillClrLst>
     <dgm:linClrLst meth="repeat">
-      <a:schemeClr val="lt1"/>
-    </dgm:linClrLst>
-    <dgm:effectClrLst/>
-    <dgm:txLinClrLst/>
-    <dgm:txFillClrLst meth="repeat">
-      <a:schemeClr val="dk1"/>
-    </dgm:txFillClrLst>
-    <dgm:txEffectClrLst/>
-  </dgm:styleLbl>
-  <dgm:styleLbl name="fgAcc0">
-    <dgm:fillClrLst meth="repeat">
-      <a:schemeClr val="lt1">
+      <a:schemeClr val="accent4">
         <a:alpha val="90000"/>
-      </a:schemeClr>
-    </dgm:fillClrLst>
-    <dgm:linClrLst meth="repeat">
-      <a:schemeClr val="accent1">
-        <a:shade val="80000"/>
+        <a:tint val="40000"/>
       </a:schemeClr>
     </dgm:linClrLst>
     <dgm:effectClrLst/>
@@ -843,6 +716,22 @@
     </dgm:txFillClrLst>
     <dgm:txEffectClrLst/>
   </dgm:styleLbl>
+  <dgm:styleLbl name="fgAcc0">
+    <dgm:fillClrLst meth="repeat">
+      <a:schemeClr val="lt1">
+        <a:alpha val="90000"/>
+      </a:schemeClr>
+    </dgm:fillClrLst>
+    <dgm:linClrLst meth="repeat">
+      <a:schemeClr val="accent4"/>
+    </dgm:linClrLst>
+    <dgm:effectClrLst/>
+    <dgm:txLinClrLst/>
+    <dgm:txFillClrLst meth="repeat">
+      <a:schemeClr val="dk1"/>
+    </dgm:txFillClrLst>
+    <dgm:txEffectClrLst/>
+  </dgm:styleLbl>
   <dgm:styleLbl name="fgAcc2">
     <dgm:fillClrLst meth="repeat">
       <a:schemeClr val="lt1">
@@ -850,9 +739,7 @@
       </a:schemeClr>
     </dgm:fillClrLst>
     <dgm:linClrLst meth="repeat">
-      <a:schemeClr val="accent1">
-        <a:tint val="99000"/>
-      </a:schemeClr>
+      <a:schemeClr val="accent4"/>
     </dgm:linClrLst>
     <dgm:effectClrLst/>
     <dgm:txLinClrLst/>
@@ -868,9 +755,7 @@
       </a:schemeClr>
     </dgm:fillClrLst>
     <dgm:linClrLst meth="repeat">
-      <a:schemeClr val="accent1">
-        <a:tint val="80000"/>
-      </a:schemeClr>
+      <a:schemeClr val="accent4"/>
     </dgm:linClrLst>
     <dgm:effectClrLst/>
     <dgm:txLinClrLst/>
@@ -886,9 +771,7 @@
       </a:schemeClr>
     </dgm:fillClrLst>
     <dgm:linClrLst meth="repeat">
-      <a:schemeClr val="accent1">
-        <a:tint val="70000"/>
-      </a:schemeClr>
+      <a:schemeClr val="accent4"/>
     </dgm:linClrLst>
     <dgm:effectClrLst/>
     <dgm:txLinClrLst/>
@@ -899,12 +782,12 @@
   </dgm:styleLbl>
   <dgm:styleLbl name="bgShp">
     <dgm:fillClrLst meth="repeat">
-      <a:schemeClr val="accent1">
+      <a:schemeClr val="accent4">
         <a:tint val="40000"/>
       </a:schemeClr>
     </dgm:fillClrLst>
     <dgm:linClrLst meth="repeat">
-      <a:schemeClr val="dk1"/>
+      <a:schemeClr val="accent4"/>
     </dgm:linClrLst>
     <dgm:effectClrLst/>
     <dgm:txLinClrLst/>
@@ -915,12 +798,12 @@
   </dgm:styleLbl>
   <dgm:styleLbl name="dkBgShp">
     <dgm:fillClrLst meth="repeat">
-      <a:schemeClr val="accent1">
-        <a:shade val="90000"/>
+      <a:schemeClr val="accent4">
+        <a:shade val="80000"/>
       </a:schemeClr>
     </dgm:fillClrLst>
     <dgm:linClrLst meth="repeat">
-      <a:schemeClr val="dk1"/>
+      <a:schemeClr val="accent4"/>
     </dgm:linClrLst>
     <dgm:effectClrLst/>
     <dgm:txLinClrLst/>
@@ -931,13 +814,13 @@
   </dgm:styleLbl>
   <dgm:styleLbl name="trBgShp">
     <dgm:fillClrLst meth="repeat">
-      <a:schemeClr val="accent1">
+      <a:schemeClr val="accent4">
         <a:tint val="50000"/>
         <a:alpha val="40000"/>
       </a:schemeClr>
     </dgm:fillClrLst>
     <dgm:linClrLst meth="repeat">
-      <a:schemeClr val="accent1"/>
+      <a:schemeClr val="accent4"/>
     </dgm:linClrLst>
     <dgm:effectClrLst/>
     <dgm:txLinClrLst/>
@@ -948,8 +831,8 @@
   </dgm:styleLbl>
   <dgm:styleLbl name="fgShp">
     <dgm:fillClrLst meth="repeat">
-      <a:schemeClr val="accent1">
-        <a:tint val="40000"/>
+      <a:schemeClr val="accent4">
+        <a:tint val="60000"/>
       </a:schemeClr>
     </dgm:fillClrLst>
     <dgm:linClrLst meth="repeat">
@@ -983,11 +866,930 @@
 </dgm:colorsDef>
 </file>
 
+<file path=ppt/diagrams/colors2.xml><?xml version="1.0" encoding="utf-8"?>
+<dgm:colorsDef xmlns:dgm="http://schemas.openxmlformats.org/drawingml/2006/diagram" xmlns:a="http://schemas.openxmlformats.org/drawingml/2006/main" uniqueId="urn:microsoft.com/office/officeart/2005/8/colors/colorful1">
+  <dgm:title val=""/>
+  <dgm:desc val=""/>
+  <dgm:catLst>
+    <dgm:cat type="colorful" pri="10100"/>
+  </dgm:catLst>
+  <dgm:styleLbl name="node0">
+    <dgm:fillClrLst meth="repeat">
+      <a:schemeClr val="accent1"/>
+    </dgm:fillClrLst>
+    <dgm:linClrLst meth="repeat">
+      <a:schemeClr val="lt1"/>
+    </dgm:linClrLst>
+    <dgm:effectClrLst/>
+    <dgm:txLinClrLst/>
+    <dgm:txFillClrLst/>
+    <dgm:txEffectClrLst/>
+  </dgm:styleLbl>
+  <dgm:styleLbl name="node1">
+    <dgm:fillClrLst meth="repeat">
+      <a:schemeClr val="accent2"/>
+      <a:schemeClr val="accent3"/>
+      <a:schemeClr val="accent4"/>
+      <a:schemeClr val="accent5"/>
+      <a:schemeClr val="accent6"/>
+    </dgm:fillClrLst>
+    <dgm:linClrLst meth="repeat">
+      <a:schemeClr val="lt1"/>
+    </dgm:linClrLst>
+    <dgm:effectClrLst/>
+    <dgm:txLinClrLst/>
+    <dgm:txFillClrLst/>
+    <dgm:txEffectClrLst/>
+  </dgm:styleLbl>
+  <dgm:styleLbl name="alignNode1">
+    <dgm:fillClrLst meth="repeat">
+      <a:schemeClr val="accent2"/>
+      <a:schemeClr val="accent3"/>
+      <a:schemeClr val="accent4"/>
+      <a:schemeClr val="accent5"/>
+      <a:schemeClr val="accent6"/>
+    </dgm:fillClrLst>
+    <dgm:linClrLst meth="repeat">
+      <a:schemeClr val="accent2"/>
+      <a:schemeClr val="accent3"/>
+      <a:schemeClr val="accent4"/>
+      <a:schemeClr val="accent5"/>
+      <a:schemeClr val="accent6"/>
+    </dgm:linClrLst>
+    <dgm:effectClrLst/>
+    <dgm:txLinClrLst/>
+    <dgm:txFillClrLst/>
+    <dgm:txEffectClrLst/>
+  </dgm:styleLbl>
+  <dgm:styleLbl name="lnNode1">
+    <dgm:fillClrLst meth="repeat">
+      <a:schemeClr val="accent2"/>
+      <a:schemeClr val="accent3"/>
+      <a:schemeClr val="accent4"/>
+      <a:schemeClr val="accent5"/>
+      <a:schemeClr val="accent6"/>
+    </dgm:fillClrLst>
+    <dgm:linClrLst meth="repeat">
+      <a:schemeClr val="lt1"/>
+    </dgm:linClrLst>
+    <dgm:effectClrLst/>
+    <dgm:txLinClrLst/>
+    <dgm:txFillClrLst/>
+    <dgm:txEffectClrLst/>
+  </dgm:styleLbl>
+  <dgm:styleLbl name="vennNode1">
+    <dgm:fillClrLst meth="repeat">
+      <a:schemeClr val="accent2">
+        <a:alpha val="50000"/>
+      </a:schemeClr>
+      <a:schemeClr val="accent3">
+        <a:alpha val="50000"/>
+      </a:schemeClr>
+      <a:schemeClr val="accent4">
+        <a:alpha val="50000"/>
+      </a:schemeClr>
+      <a:schemeClr val="accent5">
+        <a:alpha val="50000"/>
+      </a:schemeClr>
+      <a:schemeClr val="accent6">
+        <a:alpha val="50000"/>
+      </a:schemeClr>
+    </dgm:fillClrLst>
+    <dgm:linClrLst meth="repeat">
+      <a:schemeClr val="lt1"/>
+    </dgm:linClrLst>
+    <dgm:effectClrLst/>
+    <dgm:txLinClrLst/>
+    <dgm:txFillClrLst/>
+    <dgm:txEffectClrLst/>
+  </dgm:styleLbl>
+  <dgm:styleLbl name="node2">
+    <dgm:fillClrLst>
+      <a:schemeClr val="accent2"/>
+    </dgm:fillClrLst>
+    <dgm:linClrLst meth="repeat">
+      <a:schemeClr val="lt1"/>
+    </dgm:linClrLst>
+    <dgm:effectClrLst/>
+    <dgm:txLinClrLst/>
+    <dgm:txFillClrLst/>
+    <dgm:txEffectClrLst/>
+  </dgm:styleLbl>
+  <dgm:styleLbl name="node3">
+    <dgm:fillClrLst>
+      <a:schemeClr val="accent3"/>
+    </dgm:fillClrLst>
+    <dgm:linClrLst meth="repeat">
+      <a:schemeClr val="lt1"/>
+    </dgm:linClrLst>
+    <dgm:effectClrLst/>
+    <dgm:txLinClrLst/>
+    <dgm:txFillClrLst/>
+    <dgm:txEffectClrLst/>
+  </dgm:styleLbl>
+  <dgm:styleLbl name="node4">
+    <dgm:fillClrLst>
+      <a:schemeClr val="accent4"/>
+    </dgm:fillClrLst>
+    <dgm:linClrLst meth="repeat">
+      <a:schemeClr val="lt1"/>
+    </dgm:linClrLst>
+    <dgm:effectClrLst/>
+    <dgm:txLinClrLst/>
+    <dgm:txFillClrLst/>
+    <dgm:txEffectClrLst/>
+  </dgm:styleLbl>
+  <dgm:styleLbl name="fgImgPlace1">
+    <dgm:fillClrLst meth="repeat">
+      <a:schemeClr val="accent2">
+        <a:tint val="50000"/>
+      </a:schemeClr>
+      <a:schemeClr val="accent3">
+        <a:tint val="50000"/>
+      </a:schemeClr>
+      <a:schemeClr val="accent4">
+        <a:tint val="50000"/>
+      </a:schemeClr>
+      <a:schemeClr val="accent5">
+        <a:tint val="50000"/>
+      </a:schemeClr>
+      <a:schemeClr val="accent6">
+        <a:tint val="50000"/>
+      </a:schemeClr>
+    </dgm:fillClrLst>
+    <dgm:linClrLst meth="repeat">
+      <a:schemeClr val="lt1"/>
+    </dgm:linClrLst>
+    <dgm:effectClrLst/>
+    <dgm:txLinClrLst/>
+    <dgm:txFillClrLst meth="repeat">
+      <a:schemeClr val="lt1"/>
+    </dgm:txFillClrLst>
+    <dgm:txEffectClrLst/>
+  </dgm:styleLbl>
+  <dgm:styleLbl name="alignImgPlace1">
+    <dgm:fillClrLst>
+      <a:schemeClr val="accent1">
+        <a:tint val="50000"/>
+      </a:schemeClr>
+      <a:schemeClr val="accent2">
+        <a:tint val="20000"/>
+      </a:schemeClr>
+    </dgm:fillClrLst>
+    <dgm:linClrLst meth="repeat">
+      <a:schemeClr val="lt1"/>
+    </dgm:linClrLst>
+    <dgm:effectClrLst/>
+    <dgm:txLinClrLst/>
+    <dgm:txFillClrLst meth="repeat">
+      <a:schemeClr val="lt1"/>
+    </dgm:txFillClrLst>
+    <dgm:txEffectClrLst/>
+  </dgm:styleLbl>
+  <dgm:styleLbl name="bgImgPlace1">
+    <dgm:fillClrLst>
+      <a:schemeClr val="accent1">
+        <a:tint val="50000"/>
+      </a:schemeClr>
+      <a:schemeClr val="accent2">
+        <a:tint val="20000"/>
+      </a:schemeClr>
+    </dgm:fillClrLst>
+    <dgm:linClrLst meth="repeat">
+      <a:schemeClr val="lt1"/>
+    </dgm:linClrLst>
+    <dgm:effectClrLst/>
+    <dgm:txLinClrLst/>
+    <dgm:txFillClrLst meth="repeat">
+      <a:schemeClr val="lt1"/>
+    </dgm:txFillClrLst>
+    <dgm:txEffectClrLst/>
+  </dgm:styleLbl>
+  <dgm:styleLbl name="sibTrans2D1">
+    <dgm:fillClrLst meth="repeat">
+      <a:schemeClr val="accent2"/>
+      <a:schemeClr val="accent3"/>
+      <a:schemeClr val="accent4"/>
+      <a:schemeClr val="accent5"/>
+      <a:schemeClr val="accent6"/>
+    </dgm:fillClrLst>
+    <dgm:linClrLst meth="cycle">
+      <a:schemeClr val="lt1"/>
+    </dgm:linClrLst>
+    <dgm:effectClrLst/>
+    <dgm:txLinClrLst/>
+    <dgm:txFillClrLst/>
+    <dgm:txEffectClrLst/>
+  </dgm:styleLbl>
+  <dgm:styleLbl name="fgSibTrans2D1">
+    <dgm:fillClrLst meth="repeat">
+      <a:schemeClr val="accent2"/>
+      <a:schemeClr val="accent3"/>
+      <a:schemeClr val="accent4"/>
+      <a:schemeClr val="accent5"/>
+      <a:schemeClr val="accent6"/>
+    </dgm:fillClrLst>
+    <dgm:linClrLst meth="cycle">
+      <a:schemeClr val="lt1"/>
+    </dgm:linClrLst>
+    <dgm:effectClrLst/>
+    <dgm:txLinClrLst/>
+    <dgm:txFillClrLst meth="repeat">
+      <a:schemeClr val="lt1"/>
+    </dgm:txFillClrLst>
+    <dgm:txEffectClrLst/>
+  </dgm:styleLbl>
+  <dgm:styleLbl name="bgSibTrans2D1">
+    <dgm:fillClrLst meth="repeat">
+      <a:schemeClr val="accent2"/>
+      <a:schemeClr val="accent3"/>
+      <a:schemeClr val="accent4"/>
+      <a:schemeClr val="accent5"/>
+      <a:schemeClr val="accent6"/>
+    </dgm:fillClrLst>
+    <dgm:linClrLst meth="cycle">
+      <a:schemeClr val="lt1"/>
+    </dgm:linClrLst>
+    <dgm:effectClrLst/>
+    <dgm:txLinClrLst/>
+    <dgm:txFillClrLst meth="repeat">
+      <a:schemeClr val="lt1"/>
+    </dgm:txFillClrLst>
+    <dgm:txEffectClrLst/>
+  </dgm:styleLbl>
+  <dgm:styleLbl name="sibTrans1D1">
+    <dgm:fillClrLst meth="repeat">
+      <a:schemeClr val="accent2"/>
+      <a:schemeClr val="accent3"/>
+      <a:schemeClr val="accent4"/>
+      <a:schemeClr val="accent5"/>
+      <a:schemeClr val="accent6"/>
+    </dgm:fillClrLst>
+    <dgm:linClrLst meth="repeat">
+      <a:schemeClr val="accent2"/>
+      <a:schemeClr val="accent3"/>
+      <a:schemeClr val="accent4"/>
+      <a:schemeClr val="accent5"/>
+      <a:schemeClr val="accent6"/>
+    </dgm:linClrLst>
+    <dgm:effectClrLst/>
+    <dgm:txLinClrLst/>
+    <dgm:txFillClrLst meth="repeat">
+      <a:schemeClr val="tx1"/>
+    </dgm:txFillClrLst>
+    <dgm:txEffectClrLst/>
+  </dgm:styleLbl>
+  <dgm:styleLbl name="callout">
+    <dgm:fillClrLst meth="repeat">
+      <a:schemeClr val="accent2"/>
+    </dgm:fillClrLst>
+    <dgm:linClrLst meth="repeat">
+      <a:schemeClr val="accent2">
+        <a:tint val="50000"/>
+      </a:schemeClr>
+    </dgm:linClrLst>
+    <dgm:effectClrLst/>
+    <dgm:txLinClrLst/>
+    <dgm:txFillClrLst meth="repeat">
+      <a:schemeClr val="tx1"/>
+    </dgm:txFillClrLst>
+    <dgm:txEffectClrLst/>
+  </dgm:styleLbl>
+  <dgm:styleLbl name="asst0">
+    <dgm:fillClrLst meth="repeat">
+      <a:schemeClr val="accent1"/>
+    </dgm:fillClrLst>
+    <dgm:linClrLst meth="repeat">
+      <a:schemeClr val="lt1"/>
+    </dgm:linClrLst>
+    <dgm:effectClrLst/>
+    <dgm:txLinClrLst/>
+    <dgm:txFillClrLst/>
+    <dgm:txEffectClrLst/>
+  </dgm:styleLbl>
+  <dgm:styleLbl name="asst1">
+    <dgm:fillClrLst meth="repeat">
+      <a:schemeClr val="accent2"/>
+    </dgm:fillClrLst>
+    <dgm:linClrLst meth="repeat">
+      <a:schemeClr val="lt1"/>
+    </dgm:linClrLst>
+    <dgm:effectClrLst/>
+    <dgm:txLinClrLst/>
+    <dgm:txFillClrLst/>
+    <dgm:txEffectClrLst/>
+  </dgm:styleLbl>
+  <dgm:styleLbl name="asst2">
+    <dgm:fillClrLst>
+      <a:schemeClr val="accent3"/>
+    </dgm:fillClrLst>
+    <dgm:linClrLst meth="repeat">
+      <a:schemeClr val="lt1"/>
+    </dgm:linClrLst>
+    <dgm:effectClrLst/>
+    <dgm:txLinClrLst/>
+    <dgm:txFillClrLst/>
+    <dgm:txEffectClrLst/>
+  </dgm:styleLbl>
+  <dgm:styleLbl name="asst3">
+    <dgm:fillClrLst>
+      <a:schemeClr val="accent4"/>
+    </dgm:fillClrLst>
+    <dgm:linClrLst meth="repeat">
+      <a:schemeClr val="lt1"/>
+    </dgm:linClrLst>
+    <dgm:effectClrLst/>
+    <dgm:txLinClrLst/>
+    <dgm:txFillClrLst/>
+    <dgm:txEffectClrLst/>
+  </dgm:styleLbl>
+  <dgm:styleLbl name="asst4">
+    <dgm:fillClrLst>
+      <a:schemeClr val="accent5"/>
+    </dgm:fillClrLst>
+    <dgm:linClrLst meth="repeat">
+      <a:schemeClr val="lt1"/>
+    </dgm:linClrLst>
+    <dgm:effectClrLst/>
+    <dgm:txLinClrLst/>
+    <dgm:txFillClrLst/>
+    <dgm:txEffectClrLst/>
+  </dgm:styleLbl>
+  <dgm:styleLbl name="parChTrans2D1">
+    <dgm:fillClrLst meth="repeat">
+      <a:schemeClr val="accent2"/>
+    </dgm:fillClrLst>
+    <dgm:linClrLst meth="repeat">
+      <a:schemeClr val="lt1"/>
+    </dgm:linClrLst>
+    <dgm:effectClrLst/>
+    <dgm:txLinClrLst/>
+    <dgm:txFillClrLst meth="repeat">
+      <a:schemeClr val="lt1"/>
+    </dgm:txFillClrLst>
+    <dgm:txEffectClrLst/>
+  </dgm:styleLbl>
+  <dgm:styleLbl name="parChTrans2D2">
+    <dgm:fillClrLst meth="repeat">
+      <a:schemeClr val="accent3"/>
+    </dgm:fillClrLst>
+    <dgm:linClrLst meth="repeat">
+      <a:schemeClr val="lt1"/>
+    </dgm:linClrLst>
+    <dgm:effectClrLst/>
+    <dgm:txLinClrLst/>
+    <dgm:txFillClrLst/>
+    <dgm:txEffectClrLst/>
+  </dgm:styleLbl>
+  <dgm:styleLbl name="parChTrans2D3">
+    <dgm:fillClrLst meth="repeat">
+      <a:schemeClr val="accent4"/>
+    </dgm:fillClrLst>
+    <dgm:linClrLst meth="repeat">
+      <a:schemeClr val="lt1"/>
+    </dgm:linClrLst>
+    <dgm:effectClrLst/>
+    <dgm:txLinClrLst/>
+    <dgm:txFillClrLst/>
+    <dgm:txEffectClrLst/>
+  </dgm:styleLbl>
+  <dgm:styleLbl name="parChTrans2D4">
+    <dgm:fillClrLst meth="repeat">
+      <a:schemeClr val="accent5"/>
+    </dgm:fillClrLst>
+    <dgm:linClrLst meth="repeat">
+      <a:schemeClr val="lt1"/>
+    </dgm:linClrLst>
+    <dgm:effectClrLst/>
+    <dgm:txLinClrLst/>
+    <dgm:txFillClrLst meth="repeat">
+      <a:schemeClr val="lt1"/>
+    </dgm:txFillClrLst>
+    <dgm:txEffectClrLst/>
+  </dgm:styleLbl>
+  <dgm:styleLbl name="parChTrans1D1">
+    <dgm:fillClrLst meth="repeat">
+      <a:schemeClr val="accent2"/>
+    </dgm:fillClrLst>
+    <dgm:linClrLst meth="repeat">
+      <a:schemeClr val="accent1"/>
+    </dgm:linClrLst>
+    <dgm:effectClrLst/>
+    <dgm:txLinClrLst/>
+    <dgm:txFillClrLst meth="repeat">
+      <a:schemeClr val="tx1"/>
+    </dgm:txFillClrLst>
+    <dgm:txEffectClrLst/>
+  </dgm:styleLbl>
+  <dgm:styleLbl name="parChTrans1D2">
+    <dgm:fillClrLst meth="repeat">
+      <a:schemeClr val="accent3">
+        <a:tint val="90000"/>
+      </a:schemeClr>
+    </dgm:fillClrLst>
+    <dgm:linClrLst meth="repeat">
+      <a:schemeClr val="accent2"/>
+    </dgm:linClrLst>
+    <dgm:effectClrLst/>
+    <dgm:txLinClrLst/>
+    <dgm:txFillClrLst meth="repeat">
+      <a:schemeClr val="tx1"/>
+    </dgm:txFillClrLst>
+    <dgm:txEffectClrLst/>
+  </dgm:styleLbl>
+  <dgm:styleLbl name="parChTrans1D3">
+    <dgm:fillClrLst meth="repeat">
+      <a:schemeClr val="accent4">
+        <a:tint val="70000"/>
+      </a:schemeClr>
+    </dgm:fillClrLst>
+    <dgm:linClrLst meth="repeat">
+      <a:schemeClr val="accent3"/>
+    </dgm:linClrLst>
+    <dgm:effectClrLst/>
+    <dgm:txLinClrLst/>
+    <dgm:txFillClrLst meth="repeat">
+      <a:schemeClr val="tx1"/>
+    </dgm:txFillClrLst>
+    <dgm:txEffectClrLst/>
+  </dgm:styleLbl>
+  <dgm:styleLbl name="parChTrans1D4">
+    <dgm:fillClrLst meth="repeat">
+      <a:schemeClr val="accent5">
+        <a:tint val="50000"/>
+      </a:schemeClr>
+    </dgm:fillClrLst>
+    <dgm:linClrLst meth="repeat">
+      <a:schemeClr val="accent4"/>
+    </dgm:linClrLst>
+    <dgm:effectClrLst/>
+    <dgm:txLinClrLst/>
+    <dgm:txFillClrLst meth="repeat">
+      <a:schemeClr val="tx1"/>
+    </dgm:txFillClrLst>
+    <dgm:txEffectClrLst/>
+  </dgm:styleLbl>
+  <dgm:styleLbl name="fgAcc1">
+    <dgm:fillClrLst meth="repeat">
+      <a:schemeClr val="lt1">
+        <a:alpha val="90000"/>
+      </a:schemeClr>
+    </dgm:fillClrLst>
+    <dgm:linClrLst meth="repeat">
+      <a:schemeClr val="accent2"/>
+      <a:schemeClr val="accent3"/>
+      <a:schemeClr val="accent4"/>
+      <a:schemeClr val="accent5"/>
+      <a:schemeClr val="accent6"/>
+    </dgm:linClrLst>
+    <dgm:effectClrLst/>
+    <dgm:txLinClrLst/>
+    <dgm:txFillClrLst meth="repeat">
+      <a:schemeClr val="dk1"/>
+    </dgm:txFillClrLst>
+    <dgm:txEffectClrLst/>
+  </dgm:styleLbl>
+  <dgm:styleLbl name="conFgAcc1">
+    <dgm:fillClrLst meth="repeat">
+      <a:schemeClr val="lt1">
+        <a:alpha val="90000"/>
+      </a:schemeClr>
+    </dgm:fillClrLst>
+    <dgm:linClrLst meth="repeat">
+      <a:schemeClr val="accent2"/>
+      <a:schemeClr val="accent3"/>
+      <a:schemeClr val="accent4"/>
+      <a:schemeClr val="accent5"/>
+      <a:schemeClr val="accent6"/>
+    </dgm:linClrLst>
+    <dgm:effectClrLst/>
+    <dgm:txLinClrLst/>
+    <dgm:txFillClrLst meth="repeat">
+      <a:schemeClr val="dk1"/>
+    </dgm:txFillClrLst>
+    <dgm:txEffectClrLst/>
+  </dgm:styleLbl>
+  <dgm:styleLbl name="alignAcc1">
+    <dgm:fillClrLst meth="repeat">
+      <a:schemeClr val="lt1">
+        <a:alpha val="90000"/>
+      </a:schemeClr>
+    </dgm:fillClrLst>
+    <dgm:linClrLst meth="repeat">
+      <a:schemeClr val="accent2"/>
+      <a:schemeClr val="accent3"/>
+      <a:schemeClr val="accent4"/>
+      <a:schemeClr val="accent5"/>
+      <a:schemeClr val="accent6"/>
+    </dgm:linClrLst>
+    <dgm:effectClrLst/>
+    <dgm:txLinClrLst/>
+    <dgm:txFillClrLst meth="repeat">
+      <a:schemeClr val="dk1"/>
+    </dgm:txFillClrLst>
+    <dgm:txEffectClrLst/>
+  </dgm:styleLbl>
+  <dgm:styleLbl name="trAlignAcc1">
+    <dgm:fillClrLst meth="repeat">
+      <a:schemeClr val="lt1">
+        <a:alpha val="40000"/>
+      </a:schemeClr>
+    </dgm:fillClrLst>
+    <dgm:linClrLst meth="repeat">
+      <a:schemeClr val="accent1"/>
+    </dgm:linClrLst>
+    <dgm:effectClrLst/>
+    <dgm:txLinClrLst/>
+    <dgm:txFillClrLst meth="repeat">
+      <a:schemeClr val="dk1"/>
+    </dgm:txFillClrLst>
+    <dgm:txEffectClrLst/>
+  </dgm:styleLbl>
+  <dgm:styleLbl name="bgAcc1">
+    <dgm:fillClrLst meth="repeat">
+      <a:schemeClr val="lt1">
+        <a:alpha val="90000"/>
+      </a:schemeClr>
+    </dgm:fillClrLst>
+    <dgm:linClrLst meth="repeat">
+      <a:schemeClr val="accent2"/>
+      <a:schemeClr val="accent3"/>
+      <a:schemeClr val="accent4"/>
+      <a:schemeClr val="accent5"/>
+      <a:schemeClr val="accent6"/>
+    </dgm:linClrLst>
+    <dgm:effectClrLst/>
+    <dgm:txLinClrLst/>
+    <dgm:txFillClrLst meth="repeat">
+      <a:schemeClr val="dk1"/>
+    </dgm:txFillClrLst>
+    <dgm:txEffectClrLst/>
+  </dgm:styleLbl>
+  <dgm:styleLbl name="solidFgAcc1">
+    <dgm:fillClrLst meth="repeat">
+      <a:schemeClr val="lt1"/>
+    </dgm:fillClrLst>
+    <dgm:linClrLst meth="repeat">
+      <a:schemeClr val="accent2"/>
+      <a:schemeClr val="accent3"/>
+      <a:schemeClr val="accent4"/>
+      <a:schemeClr val="accent5"/>
+      <a:schemeClr val="accent6"/>
+    </dgm:linClrLst>
+    <dgm:effectClrLst/>
+    <dgm:txLinClrLst/>
+    <dgm:txFillClrLst meth="repeat">
+      <a:schemeClr val="dk1"/>
+    </dgm:txFillClrLst>
+    <dgm:txEffectClrLst/>
+  </dgm:styleLbl>
+  <dgm:styleLbl name="solidAlignAcc1">
+    <dgm:fillClrLst meth="repeat">
+      <a:schemeClr val="lt1"/>
+    </dgm:fillClrLst>
+    <dgm:linClrLst meth="repeat">
+      <a:schemeClr val="accent2"/>
+      <a:schemeClr val="accent3"/>
+      <a:schemeClr val="accent4"/>
+      <a:schemeClr val="accent5"/>
+      <a:schemeClr val="accent6"/>
+    </dgm:linClrLst>
+    <dgm:effectClrLst/>
+    <dgm:txLinClrLst/>
+    <dgm:txFillClrLst meth="repeat">
+      <a:schemeClr val="dk1"/>
+    </dgm:txFillClrLst>
+    <dgm:txEffectClrLst/>
+  </dgm:styleLbl>
+  <dgm:styleLbl name="solidBgAcc1">
+    <dgm:fillClrLst meth="repeat">
+      <a:schemeClr val="lt1"/>
+    </dgm:fillClrLst>
+    <dgm:linClrLst meth="repeat">
+      <a:schemeClr val="accent2"/>
+      <a:schemeClr val="accent3"/>
+      <a:schemeClr val="accent4"/>
+      <a:schemeClr val="accent5"/>
+      <a:schemeClr val="accent6"/>
+    </dgm:linClrLst>
+    <dgm:effectClrLst/>
+    <dgm:txLinClrLst/>
+    <dgm:txFillClrLst meth="repeat">
+      <a:schemeClr val="dk1"/>
+    </dgm:txFillClrLst>
+    <dgm:txEffectClrLst/>
+  </dgm:styleLbl>
+  <dgm:styleLbl name="fgAccFollowNode1">
+    <dgm:fillClrLst meth="repeat">
+      <a:schemeClr val="accent2">
+        <a:tint val="40000"/>
+        <a:alpha val="90000"/>
+      </a:schemeClr>
+      <a:schemeClr val="accent3">
+        <a:tint val="40000"/>
+        <a:alpha val="90000"/>
+      </a:schemeClr>
+      <a:schemeClr val="accent4">
+        <a:tint val="40000"/>
+        <a:alpha val="90000"/>
+      </a:schemeClr>
+      <a:schemeClr val="accent5">
+        <a:tint val="40000"/>
+        <a:alpha val="90000"/>
+      </a:schemeClr>
+      <a:schemeClr val="accent6">
+        <a:tint val="40000"/>
+        <a:alpha val="90000"/>
+      </a:schemeClr>
+    </dgm:fillClrLst>
+    <dgm:linClrLst meth="repeat">
+      <a:schemeClr val="accent2">
+        <a:tint val="40000"/>
+        <a:alpha val="90000"/>
+      </a:schemeClr>
+      <a:schemeClr val="accent3">
+        <a:tint val="40000"/>
+        <a:alpha val="90000"/>
+      </a:schemeClr>
+      <a:schemeClr val="accent4">
+        <a:tint val="40000"/>
+        <a:alpha val="90000"/>
+      </a:schemeClr>
+      <a:schemeClr val="accent5">
+        <a:tint val="40000"/>
+        <a:alpha val="90000"/>
+      </a:schemeClr>
+      <a:schemeClr val="accent6">
+        <a:tint val="40000"/>
+        <a:alpha val="90000"/>
+      </a:schemeClr>
+    </dgm:linClrLst>
+    <dgm:effectClrLst/>
+    <dgm:txLinClrLst/>
+    <dgm:txFillClrLst meth="repeat">
+      <a:schemeClr val="dk1"/>
+    </dgm:txFillClrLst>
+    <dgm:txEffectClrLst/>
+  </dgm:styleLbl>
+  <dgm:styleLbl name="alignAccFollowNode1">
+    <dgm:fillClrLst meth="repeat">
+      <a:schemeClr val="accent2">
+        <a:tint val="40000"/>
+        <a:alpha val="90000"/>
+      </a:schemeClr>
+      <a:schemeClr val="accent3">
+        <a:tint val="40000"/>
+        <a:alpha val="90000"/>
+      </a:schemeClr>
+      <a:schemeClr val="accent4">
+        <a:tint val="40000"/>
+        <a:alpha val="90000"/>
+      </a:schemeClr>
+      <a:schemeClr val="accent5">
+        <a:tint val="40000"/>
+        <a:alpha val="90000"/>
+      </a:schemeClr>
+      <a:schemeClr val="accent6">
+        <a:tint val="40000"/>
+        <a:alpha val="90000"/>
+      </a:schemeClr>
+    </dgm:fillClrLst>
+    <dgm:linClrLst meth="repeat">
+      <a:schemeClr val="accent2">
+        <a:tint val="40000"/>
+        <a:alpha val="90000"/>
+      </a:schemeClr>
+      <a:schemeClr val="accent3">
+        <a:tint val="40000"/>
+        <a:alpha val="90000"/>
+      </a:schemeClr>
+      <a:schemeClr val="accent4">
+        <a:tint val="40000"/>
+        <a:alpha val="90000"/>
+      </a:schemeClr>
+      <a:schemeClr val="accent5">
+        <a:tint val="40000"/>
+        <a:alpha val="90000"/>
+      </a:schemeClr>
+      <a:schemeClr val="accent6">
+        <a:tint val="40000"/>
+        <a:alpha val="90000"/>
+      </a:schemeClr>
+    </dgm:linClrLst>
+    <dgm:effectClrLst/>
+    <dgm:txLinClrLst/>
+    <dgm:txFillClrLst meth="repeat">
+      <a:schemeClr val="dk1"/>
+    </dgm:txFillClrLst>
+    <dgm:txEffectClrLst/>
+  </dgm:styleLbl>
+  <dgm:styleLbl name="bgAccFollowNode1">
+    <dgm:fillClrLst meth="repeat">
+      <a:schemeClr val="accent2">
+        <a:tint val="40000"/>
+        <a:alpha val="90000"/>
+      </a:schemeClr>
+      <a:schemeClr val="accent3">
+        <a:tint val="40000"/>
+        <a:alpha val="90000"/>
+      </a:schemeClr>
+      <a:schemeClr val="accent4">
+        <a:tint val="40000"/>
+        <a:alpha val="90000"/>
+      </a:schemeClr>
+      <a:schemeClr val="accent5">
+        <a:tint val="40000"/>
+        <a:alpha val="90000"/>
+      </a:schemeClr>
+      <a:schemeClr val="accent6">
+        <a:tint val="40000"/>
+        <a:alpha val="90000"/>
+      </a:schemeClr>
+    </dgm:fillClrLst>
+    <dgm:linClrLst meth="repeat">
+      <a:schemeClr val="accent2">
+        <a:tint val="40000"/>
+        <a:alpha val="90000"/>
+      </a:schemeClr>
+      <a:schemeClr val="accent3">
+        <a:tint val="40000"/>
+        <a:alpha val="90000"/>
+      </a:schemeClr>
+      <a:schemeClr val="accent4">
+        <a:tint val="40000"/>
+        <a:alpha val="90000"/>
+      </a:schemeClr>
+      <a:schemeClr val="accent5">
+        <a:tint val="40000"/>
+        <a:alpha val="90000"/>
+      </a:schemeClr>
+      <a:schemeClr val="accent6">
+        <a:tint val="40000"/>
+        <a:alpha val="90000"/>
+      </a:schemeClr>
+    </dgm:linClrLst>
+    <dgm:effectClrLst/>
+    <dgm:txLinClrLst/>
+    <dgm:txFillClrLst meth="repeat">
+      <a:schemeClr val="dk1"/>
+    </dgm:txFillClrLst>
+    <dgm:txEffectClrLst/>
+  </dgm:styleLbl>
+  <dgm:styleLbl name="fgAcc0">
+    <dgm:fillClrLst meth="repeat">
+      <a:schemeClr val="lt1">
+        <a:alpha val="90000"/>
+      </a:schemeClr>
+    </dgm:fillClrLst>
+    <dgm:linClrLst>
+      <a:schemeClr val="accent1"/>
+    </dgm:linClrLst>
+    <dgm:effectClrLst/>
+    <dgm:txLinClrLst/>
+    <dgm:txFillClrLst meth="repeat">
+      <a:schemeClr val="dk1"/>
+    </dgm:txFillClrLst>
+    <dgm:txEffectClrLst/>
+  </dgm:styleLbl>
+  <dgm:styleLbl name="fgAcc2">
+    <dgm:fillClrLst meth="repeat">
+      <a:schemeClr val="lt1">
+        <a:alpha val="90000"/>
+      </a:schemeClr>
+    </dgm:fillClrLst>
+    <dgm:linClrLst>
+      <a:schemeClr val="accent2"/>
+    </dgm:linClrLst>
+    <dgm:effectClrLst/>
+    <dgm:txLinClrLst/>
+    <dgm:txFillClrLst meth="repeat">
+      <a:schemeClr val="dk1"/>
+    </dgm:txFillClrLst>
+    <dgm:txEffectClrLst/>
+  </dgm:styleLbl>
+  <dgm:styleLbl name="fgAcc3">
+    <dgm:fillClrLst meth="repeat">
+      <a:schemeClr val="lt1">
+        <a:alpha val="90000"/>
+      </a:schemeClr>
+    </dgm:fillClrLst>
+    <dgm:linClrLst>
+      <a:schemeClr val="accent3"/>
+    </dgm:linClrLst>
+    <dgm:effectClrLst/>
+    <dgm:txLinClrLst/>
+    <dgm:txFillClrLst meth="repeat">
+      <a:schemeClr val="dk1"/>
+    </dgm:txFillClrLst>
+    <dgm:txEffectClrLst/>
+  </dgm:styleLbl>
+  <dgm:styleLbl name="fgAcc4">
+    <dgm:fillClrLst meth="repeat">
+      <a:schemeClr val="lt1">
+        <a:alpha val="90000"/>
+      </a:schemeClr>
+    </dgm:fillClrLst>
+    <dgm:linClrLst>
+      <a:schemeClr val="accent4"/>
+    </dgm:linClrLst>
+    <dgm:effectClrLst/>
+    <dgm:txLinClrLst/>
+    <dgm:txFillClrLst meth="repeat">
+      <a:schemeClr val="dk1"/>
+    </dgm:txFillClrLst>
+    <dgm:txEffectClrLst/>
+  </dgm:styleLbl>
+  <dgm:styleLbl name="bgShp">
+    <dgm:fillClrLst meth="repeat">
+      <a:schemeClr val="accent2">
+        <a:tint val="40000"/>
+      </a:schemeClr>
+    </dgm:fillClrLst>
+    <dgm:linClrLst meth="repeat">
+      <a:schemeClr val="dk1"/>
+    </dgm:linClrLst>
+    <dgm:effectClrLst/>
+    <dgm:txLinClrLst/>
+    <dgm:txFillClrLst meth="repeat">
+      <a:schemeClr val="dk1"/>
+    </dgm:txFillClrLst>
+    <dgm:txEffectClrLst/>
+  </dgm:styleLbl>
+  <dgm:styleLbl name="dkBgShp">
+    <dgm:fillClrLst meth="repeat">
+      <a:schemeClr val="accent2">
+        <a:shade val="90000"/>
+      </a:schemeClr>
+    </dgm:fillClrLst>
+    <dgm:linClrLst meth="repeat">
+      <a:schemeClr val="dk1"/>
+    </dgm:linClrLst>
+    <dgm:effectClrLst/>
+    <dgm:txLinClrLst/>
+    <dgm:txFillClrLst meth="repeat">
+      <a:schemeClr val="lt1"/>
+    </dgm:txFillClrLst>
+    <dgm:txEffectClrLst/>
+  </dgm:styleLbl>
+  <dgm:styleLbl name="trBgShp">
+    <dgm:fillClrLst meth="repeat">
+      <a:schemeClr val="accent1">
+        <a:tint val="50000"/>
+        <a:alpha val="40000"/>
+      </a:schemeClr>
+    </dgm:fillClrLst>
+    <dgm:linClrLst meth="repeat">
+      <a:schemeClr val="accent2"/>
+    </dgm:linClrLst>
+    <dgm:effectClrLst/>
+    <dgm:txLinClrLst/>
+    <dgm:txFillClrLst meth="repeat">
+      <a:schemeClr val="lt1"/>
+    </dgm:txFillClrLst>
+    <dgm:txEffectClrLst/>
+  </dgm:styleLbl>
+  <dgm:styleLbl name="fgShp">
+    <dgm:fillClrLst meth="repeat">
+      <a:schemeClr val="accent2">
+        <a:tint val="40000"/>
+      </a:schemeClr>
+    </dgm:fillClrLst>
+    <dgm:linClrLst meth="repeat">
+      <a:schemeClr val="lt1"/>
+    </dgm:linClrLst>
+    <dgm:effectClrLst/>
+    <dgm:txLinClrLst/>
+    <dgm:txFillClrLst meth="repeat">
+      <a:schemeClr val="dk1"/>
+    </dgm:txFillClrLst>
+    <dgm:txEffectClrLst/>
+  </dgm:styleLbl>
+  <dgm:styleLbl name="revTx">
+    <dgm:fillClrLst meth="repeat">
+      <a:schemeClr val="lt1">
+        <a:alpha val="0"/>
+      </a:schemeClr>
+    </dgm:fillClrLst>
+    <dgm:linClrLst meth="repeat">
+      <a:schemeClr val="dk1">
+        <a:alpha val="0"/>
+      </a:schemeClr>
+    </dgm:linClrLst>
+    <dgm:effectClrLst/>
+    <dgm:txLinClrLst/>
+    <dgm:txFillClrLst meth="repeat">
+      <a:schemeClr val="tx1"/>
+    </dgm:txFillClrLst>
+    <dgm:txEffectClrLst/>
+  </dgm:styleLbl>
+</dgm:colorsDef>
+</file>
+
 <file path=ppt/diagrams/data1.xml><?xml version="1.0" encoding="utf-8"?>
 <dgm:dataModel xmlns:dgm="http://schemas.openxmlformats.org/drawingml/2006/diagram" xmlns:a="http://schemas.openxmlformats.org/drawingml/2006/main">
   <dgm:ptLst>
     <dgm:pt modelId="{94F39561-53C1-46A6-B653-671D81668BE8}" type="doc">
-      <dgm:prSet loTypeId="urn:microsoft.com/office/officeart/2005/8/layout/chevron1" loCatId="process" qsTypeId="urn:microsoft.com/office/officeart/2005/8/quickstyle/simple1" qsCatId="simple" csTypeId="urn:microsoft.com/office/officeart/2005/8/colors/accent1_3" csCatId="accent1" phldr="1"/>
+      <dgm:prSet loTypeId="urn:microsoft.com/office/officeart/2005/8/layout/StepDownProcess" loCatId="process" qsTypeId="urn:microsoft.com/office/officeart/2005/8/quickstyle/simple1" qsCatId="simple" csTypeId="urn:microsoft.com/office/officeart/2005/8/colors/accent4_2" csCatId="accent4" phldr="1"/>
       <dgm:spPr/>
       <dgm:t>
         <a:bodyPr/>
@@ -1005,14 +1807,11 @@
         <a:lstStyle/>
         <a:p>
           <a:r>
-            <a:rPr lang="en-GB" sz="2000">
+            <a:rPr lang="en-GB" sz="2000" dirty="0">
               <a:latin typeface="Montserrat" panose="02000505000000020004" pitchFamily="2" charset="0"/>
             </a:rPr>
-            <a:t>EDA</a:t>
+            <a:t>Raw Data</a:t>
           </a:r>
-          <a:endParaRPr lang="en-GB" sz="2000" dirty="0">
-            <a:latin typeface="Montserrat" panose="02000505000000020004" pitchFamily="2" charset="0"/>
-          </a:endParaRPr>
         </a:p>
       </dgm:t>
     </dgm:pt>
@@ -1042,48 +1841,6 @@
         </a:p>
       </dgm:t>
     </dgm:pt>
-    <dgm:pt modelId="{911FCF2C-652D-4980-A904-54057195D52E}">
-      <dgm:prSet phldrT="[Texto]" custT="1"/>
-      <dgm:spPr/>
-      <dgm:t>
-        <a:bodyPr/>
-        <a:lstStyle/>
-        <a:p>
-          <a:r>
-            <a:rPr lang="en-GB" sz="1200" dirty="0">
-              <a:latin typeface="Montserrat" panose="02000505000000020004" pitchFamily="2" charset="0"/>
-            </a:rPr>
-            <a:t>Data loading</a:t>
-          </a:r>
-        </a:p>
-      </dgm:t>
-    </dgm:pt>
-    <dgm:pt modelId="{A9EB37F9-0DA1-4633-A99A-3E4CB5506A57}" type="parTrans" cxnId="{9ECBA80F-02A2-4948-909D-1D107B1D6308}">
-      <dgm:prSet/>
-      <dgm:spPr/>
-      <dgm:t>
-        <a:bodyPr/>
-        <a:lstStyle/>
-        <a:p>
-          <a:endParaRPr lang="en-GB" sz="1200">
-            <a:latin typeface="Montserrat" panose="02000505000000020004" pitchFamily="2" charset="0"/>
-          </a:endParaRPr>
-        </a:p>
-      </dgm:t>
-    </dgm:pt>
-    <dgm:pt modelId="{9745684A-D798-4137-ADDB-D62B41BAE01E}" type="sibTrans" cxnId="{9ECBA80F-02A2-4948-909D-1D107B1D6308}">
-      <dgm:prSet/>
-      <dgm:spPr/>
-      <dgm:t>
-        <a:bodyPr/>
-        <a:lstStyle/>
-        <a:p>
-          <a:endParaRPr lang="en-GB" sz="1200">
-            <a:latin typeface="Montserrat" panose="02000505000000020004" pitchFamily="2" charset="0"/>
-          </a:endParaRPr>
-        </a:p>
-      </dgm:t>
-    </dgm:pt>
     <dgm:pt modelId="{49FC7308-F7BF-442C-B2CC-8E3B8AC6C527}">
       <dgm:prSet phldrT="[Texto]" custT="1"/>
       <dgm:spPr/>
@@ -1092,10 +1849,10 @@
         <a:lstStyle/>
         <a:p>
           <a:r>
-            <a:rPr lang="en-GB" sz="1200">
+            <a:rPr lang="en-GB" sz="1800" dirty="0">
               <a:latin typeface="Montserrat" panose="02000505000000020004" pitchFamily="2" charset="0"/>
             </a:rPr>
-            <a:t>Analysis</a:t>
+            <a:t>Cleaning and preprocessing</a:t>
           </a:r>
           <a:endParaRPr lang="en-GB" sz="1200" dirty="0">
             <a:latin typeface="Montserrat" panose="02000505000000020004" pitchFamily="2" charset="0"/>
@@ -1129,123 +1886,6 @@
         </a:p>
       </dgm:t>
     </dgm:pt>
-    <dgm:pt modelId="{6F0598EF-C0CB-49D4-B4BA-6B7007977CC8}">
-      <dgm:prSet phldrT="[Texto]" custT="1"/>
-      <dgm:spPr/>
-      <dgm:t>
-        <a:bodyPr/>
-        <a:lstStyle/>
-        <a:p>
-          <a:endParaRPr lang="en-GB" sz="1800" dirty="0">
-            <a:latin typeface="Montserrat" panose="02000505000000020004" pitchFamily="2" charset="0"/>
-          </a:endParaRPr>
-        </a:p>
-      </dgm:t>
-    </dgm:pt>
-    <dgm:pt modelId="{9A134D9E-12CC-4C3E-AA2C-1ADA78C86FE3}" type="parTrans" cxnId="{8FF35DA2-1C9D-45C7-A86B-EFE14B02A597}">
-      <dgm:prSet/>
-      <dgm:spPr/>
-      <dgm:t>
-        <a:bodyPr/>
-        <a:lstStyle/>
-        <a:p>
-          <a:endParaRPr lang="en-GB" sz="1200">
-            <a:latin typeface="Montserrat" panose="02000505000000020004" pitchFamily="2" charset="0"/>
-          </a:endParaRPr>
-        </a:p>
-      </dgm:t>
-    </dgm:pt>
-    <dgm:pt modelId="{CF1B992B-CD36-44ED-9F46-0573022E0943}" type="sibTrans" cxnId="{8FF35DA2-1C9D-45C7-A86B-EFE14B02A597}">
-      <dgm:prSet/>
-      <dgm:spPr/>
-      <dgm:t>
-        <a:bodyPr/>
-        <a:lstStyle/>
-        <a:p>
-          <a:endParaRPr lang="en-GB" sz="1200">
-            <a:latin typeface="Montserrat" panose="02000505000000020004" pitchFamily="2" charset="0"/>
-          </a:endParaRPr>
-        </a:p>
-      </dgm:t>
-    </dgm:pt>
-    <dgm:pt modelId="{ADBDB905-B707-4630-9ACD-B894917B6811}">
-      <dgm:prSet phldrT="[Texto]" phldr="1" custT="1"/>
-      <dgm:spPr/>
-      <dgm:t>
-        <a:bodyPr/>
-        <a:lstStyle/>
-        <a:p>
-          <a:endParaRPr lang="en-GB" sz="1200">
-            <a:latin typeface="Montserrat" panose="02000505000000020004" pitchFamily="2" charset="0"/>
-          </a:endParaRPr>
-        </a:p>
-      </dgm:t>
-    </dgm:pt>
-    <dgm:pt modelId="{3D623204-9875-43B3-A64A-6EAB53D1CB8C}" type="parTrans" cxnId="{05F190F5-6533-4D88-9920-F0B2794C6058}">
-      <dgm:prSet/>
-      <dgm:spPr/>
-      <dgm:t>
-        <a:bodyPr/>
-        <a:lstStyle/>
-        <a:p>
-          <a:endParaRPr lang="en-GB" sz="1200">
-            <a:latin typeface="Montserrat" panose="02000505000000020004" pitchFamily="2" charset="0"/>
-          </a:endParaRPr>
-        </a:p>
-      </dgm:t>
-    </dgm:pt>
-    <dgm:pt modelId="{D00C0281-27F9-4749-9AC7-8A26D36F5DE1}" type="sibTrans" cxnId="{05F190F5-6533-4D88-9920-F0B2794C6058}">
-      <dgm:prSet/>
-      <dgm:spPr/>
-      <dgm:t>
-        <a:bodyPr/>
-        <a:lstStyle/>
-        <a:p>
-          <a:endParaRPr lang="en-GB" sz="1200">
-            <a:latin typeface="Montserrat" panose="02000505000000020004" pitchFamily="2" charset="0"/>
-          </a:endParaRPr>
-        </a:p>
-      </dgm:t>
-    </dgm:pt>
-    <dgm:pt modelId="{3E98EDF9-7943-48A0-9F7E-41FB39E3A9D8}">
-      <dgm:prSet phldrT="[Texto]" phldr="1" custT="1"/>
-      <dgm:spPr/>
-      <dgm:t>
-        <a:bodyPr/>
-        <a:lstStyle/>
-        <a:p>
-          <a:endParaRPr lang="en-GB" sz="1200">
-            <a:latin typeface="Montserrat" panose="02000505000000020004" pitchFamily="2" charset="0"/>
-          </a:endParaRPr>
-        </a:p>
-      </dgm:t>
-    </dgm:pt>
-    <dgm:pt modelId="{C0A0EDF4-6DC5-44EE-B993-F33C693EEA54}" type="parTrans" cxnId="{41C663D0-8031-4EEF-9350-94341F908013}">
-      <dgm:prSet/>
-      <dgm:spPr/>
-      <dgm:t>
-        <a:bodyPr/>
-        <a:lstStyle/>
-        <a:p>
-          <a:endParaRPr lang="en-GB" sz="1200">
-            <a:latin typeface="Montserrat" panose="02000505000000020004" pitchFamily="2" charset="0"/>
-          </a:endParaRPr>
-        </a:p>
-      </dgm:t>
-    </dgm:pt>
-    <dgm:pt modelId="{ED868EC8-DEAA-4B60-8283-5252B6D21E2C}" type="sibTrans" cxnId="{41C663D0-8031-4EEF-9350-94341F908013}">
-      <dgm:prSet/>
-      <dgm:spPr/>
-      <dgm:t>
-        <a:bodyPr/>
-        <a:lstStyle/>
-        <a:p>
-          <a:endParaRPr lang="en-GB" sz="1200">
-            <a:latin typeface="Montserrat" panose="02000505000000020004" pitchFamily="2" charset="0"/>
-          </a:endParaRPr>
-        </a:p>
-      </dgm:t>
-    </dgm:pt>
     <dgm:pt modelId="{8E80F3AA-967B-464C-9CF8-829D987E9044}">
       <dgm:prSet phldrT="[Texto]" custT="1"/>
       <dgm:spPr/>
@@ -1254,14 +1894,11 @@
         <a:lstStyle/>
         <a:p>
           <a:r>
-            <a:rPr lang="en-GB" sz="1200" dirty="0" err="1">
+            <a:rPr lang="en-GB" sz="2000" dirty="0">
               <a:latin typeface="Montserrat" panose="02000505000000020004" pitchFamily="2" charset="0"/>
             </a:rPr>
-            <a:t>Modelo</a:t>
+            <a:t>Training and testing</a:t>
           </a:r>
-          <a:endParaRPr lang="en-GB" sz="1200" dirty="0">
-            <a:latin typeface="Montserrat" panose="02000505000000020004" pitchFamily="2" charset="0"/>
-          </a:endParaRPr>
         </a:p>
       </dgm:t>
     </dgm:pt>
@@ -1291,121 +1928,268 @@
         </a:p>
       </dgm:t>
     </dgm:pt>
-    <dgm:pt modelId="{8A482AF9-CA18-47B8-85A6-1A400C422D74}">
-      <dgm:prSet phldrT="[Texto]" phldr="1" custT="1"/>
+    <dgm:pt modelId="{ED47150B-BC4C-42DE-B227-68A08060AADF}">
+      <dgm:prSet phldrT="[Texto]" custT="1"/>
       <dgm:spPr/>
       <dgm:t>
         <a:bodyPr/>
         <a:lstStyle/>
         <a:p>
-          <a:endParaRPr lang="en-GB" sz="1200">
-            <a:latin typeface="Montserrat" panose="02000505000000020004" pitchFamily="2" charset="0"/>
-          </a:endParaRPr>
+          <a:r>
+            <a:rPr lang="en-GB" sz="1200" dirty="0">
+              <a:latin typeface="Montserrat" panose="02000505000000020004" pitchFamily="2" charset="0"/>
+            </a:rPr>
+            <a:t>Drop duplicates</a:t>
+          </a:r>
         </a:p>
       </dgm:t>
     </dgm:pt>
-    <dgm:pt modelId="{C3BB2883-BE0A-4B9A-AF7D-2A49A20A9997}" type="parTrans" cxnId="{6B37655C-94E7-45FC-A5FE-ED684E1E6D03}">
+    <dgm:pt modelId="{C0EB48F2-CEAD-4237-A970-4A4487A63616}" type="parTrans" cxnId="{B06E9E88-A543-4591-8371-AF5B4B269FA9}">
       <dgm:prSet/>
       <dgm:spPr/>
       <dgm:t>
         <a:bodyPr/>
         <a:lstStyle/>
         <a:p>
-          <a:endParaRPr lang="en-GB" sz="1200">
-            <a:latin typeface="Montserrat" panose="02000505000000020004" pitchFamily="2" charset="0"/>
-          </a:endParaRPr>
+          <a:endParaRPr lang="en-GB"/>
         </a:p>
       </dgm:t>
     </dgm:pt>
-    <dgm:pt modelId="{DB9BE482-EF01-45FA-B942-8AE872AF1510}" type="sibTrans" cxnId="{6B37655C-94E7-45FC-A5FE-ED684E1E6D03}">
+    <dgm:pt modelId="{1F3E390D-F55E-4213-A5CB-605556829DF1}" type="sibTrans" cxnId="{B06E9E88-A543-4591-8371-AF5B4B269FA9}">
       <dgm:prSet/>
       <dgm:spPr/>
       <dgm:t>
         <a:bodyPr/>
         <a:lstStyle/>
         <a:p>
-          <a:endParaRPr lang="en-GB" sz="1200">
-            <a:latin typeface="Montserrat" panose="02000505000000020004" pitchFamily="2" charset="0"/>
-          </a:endParaRPr>
+          <a:endParaRPr lang="en-GB"/>
         </a:p>
       </dgm:t>
     </dgm:pt>
-    <dgm:pt modelId="{D5BF4A7E-9CB5-4C6A-8C9D-677C2446796F}">
-      <dgm:prSet phldrT="[Texto]" phldr="1" custT="1"/>
+    <dgm:pt modelId="{20A38340-4B4D-48D9-8242-4EBAE95C4CDC}">
+      <dgm:prSet phldrT="[Texto]" custT="1"/>
       <dgm:spPr/>
       <dgm:t>
         <a:bodyPr/>
         <a:lstStyle/>
         <a:p>
-          <a:endParaRPr lang="en-GB" sz="1200">
-            <a:latin typeface="Montserrat" panose="02000505000000020004" pitchFamily="2" charset="0"/>
-          </a:endParaRPr>
+          <a:r>
+            <a:rPr lang="en-GB" sz="1200" dirty="0">
+              <a:latin typeface="Montserrat" panose="02000505000000020004" pitchFamily="2" charset="0"/>
+            </a:rPr>
+            <a:t>Categorical to numerical variables</a:t>
+          </a:r>
         </a:p>
       </dgm:t>
     </dgm:pt>
-    <dgm:pt modelId="{1E73BE25-3AD2-4103-8523-489114C2C714}" type="parTrans" cxnId="{6ED10B43-53D2-4CDB-AF1B-144BAA756FDC}">
+    <dgm:pt modelId="{350FB7EB-690A-4145-83C4-5A8D732FD514}" type="parTrans" cxnId="{875108A8-C964-4075-A5C5-1FC300D0F045}">
       <dgm:prSet/>
       <dgm:spPr/>
       <dgm:t>
         <a:bodyPr/>
         <a:lstStyle/>
         <a:p>
-          <a:endParaRPr lang="en-GB" sz="1200">
-            <a:latin typeface="Montserrat" panose="02000505000000020004" pitchFamily="2" charset="0"/>
-          </a:endParaRPr>
+          <a:endParaRPr lang="en-GB"/>
         </a:p>
       </dgm:t>
     </dgm:pt>
-    <dgm:pt modelId="{A428BDF6-1F7B-4962-92E6-06E2315D1D94}" type="sibTrans" cxnId="{6ED10B43-53D2-4CDB-AF1B-144BAA756FDC}">
+    <dgm:pt modelId="{E22FA3AC-D23E-4C7F-8AAC-034AC0E464F5}" type="sibTrans" cxnId="{875108A8-C964-4075-A5C5-1FC300D0F045}">
       <dgm:prSet/>
       <dgm:spPr/>
       <dgm:t>
         <a:bodyPr/>
         <a:lstStyle/>
         <a:p>
-          <a:endParaRPr lang="en-GB" sz="1200">
-            <a:latin typeface="Montserrat" panose="02000505000000020004" pitchFamily="2" charset="0"/>
-          </a:endParaRPr>
+          <a:endParaRPr lang="en-GB"/>
         </a:p>
       </dgm:t>
     </dgm:pt>
-    <dgm:pt modelId="{C3215829-64BF-4655-8921-62153371C67D}">
+    <dgm:pt modelId="{4D0F428F-A908-4A02-833C-4BEE33EF77B9}">
       <dgm:prSet phldrT="[Texto]" custT="1"/>
       <dgm:spPr/>
       <dgm:t>
         <a:bodyPr/>
         <a:lstStyle/>
         <a:p>
-          <a:endParaRPr lang="en-GB" sz="1200" dirty="0">
+          <a:r>
+            <a:rPr lang="en-GB" sz="1200" dirty="0">
+              <a:latin typeface="Montserrat" panose="02000505000000020004" pitchFamily="2" charset="0"/>
+            </a:rPr>
+            <a:t>XGBR</a:t>
+          </a:r>
+        </a:p>
+      </dgm:t>
+    </dgm:pt>
+    <dgm:pt modelId="{3CB86315-BA1D-487C-B6D0-D66851FAB3C3}" type="parTrans" cxnId="{C03387BD-4D96-4FE6-8F08-9EA47D6D88B8}">
+      <dgm:prSet/>
+      <dgm:spPr/>
+      <dgm:t>
+        <a:bodyPr/>
+        <a:lstStyle/>
+        <a:p>
+          <a:endParaRPr lang="en-GB"/>
+        </a:p>
+      </dgm:t>
+    </dgm:pt>
+    <dgm:pt modelId="{C250B7A9-5BC6-46B8-9AD0-858572924F8F}" type="sibTrans" cxnId="{C03387BD-4D96-4FE6-8F08-9EA47D6D88B8}">
+      <dgm:prSet/>
+      <dgm:spPr/>
+      <dgm:t>
+        <a:bodyPr/>
+        <a:lstStyle/>
+        <a:p>
+          <a:endParaRPr lang="en-GB"/>
+        </a:p>
+      </dgm:t>
+    </dgm:pt>
+    <dgm:pt modelId="{71972B53-505B-43AC-9D3F-E7F50E2AFCD5}">
+      <dgm:prSet phldrT="[Texto]" custT="1"/>
+      <dgm:spPr/>
+      <dgm:t>
+        <a:bodyPr/>
+        <a:lstStyle/>
+        <a:p>
+          <a:r>
+            <a:rPr lang="en-GB" sz="1200" dirty="0">
+              <a:latin typeface="Montserrat" panose="02000505000000020004" pitchFamily="2" charset="0"/>
+            </a:rPr>
+            <a:t>Random Forest</a:t>
+          </a:r>
+        </a:p>
+      </dgm:t>
+    </dgm:pt>
+    <dgm:pt modelId="{9C51E2B5-6E5B-4FAB-A30D-052302DAB2F8}" type="parTrans" cxnId="{114B9E25-8B0E-4D7D-8A03-F219F3C48893}">
+      <dgm:prSet/>
+      <dgm:spPr/>
+      <dgm:t>
+        <a:bodyPr/>
+        <a:lstStyle/>
+        <a:p>
+          <a:endParaRPr lang="en-GB"/>
+        </a:p>
+      </dgm:t>
+    </dgm:pt>
+    <dgm:pt modelId="{7BF26105-9601-4B78-B860-83364DDE7C70}" type="sibTrans" cxnId="{114B9E25-8B0E-4D7D-8A03-F219F3C48893}">
+      <dgm:prSet/>
+      <dgm:spPr/>
+      <dgm:t>
+        <a:bodyPr/>
+        <a:lstStyle/>
+        <a:p>
+          <a:endParaRPr lang="en-GB"/>
+        </a:p>
+      </dgm:t>
+    </dgm:pt>
+    <dgm:pt modelId="{AF62F7C8-BF32-4D5D-B325-B0A984D046AA}">
+      <dgm:prSet phldrT="[Texto]" custT="1"/>
+      <dgm:spPr/>
+      <dgm:t>
+        <a:bodyPr/>
+        <a:lstStyle/>
+        <a:p>
+          <a:r>
+            <a:rPr lang="en-GB" sz="2000" dirty="0">
+              <a:latin typeface="Montserrat" panose="02000505000000020004" pitchFamily="2" charset="0"/>
+            </a:rPr>
+            <a:t>Validation</a:t>
+          </a:r>
+          <a:endParaRPr lang="en-GB" sz="1400" dirty="0">
             <a:latin typeface="Montserrat" panose="02000505000000020004" pitchFamily="2" charset="0"/>
           </a:endParaRPr>
         </a:p>
       </dgm:t>
     </dgm:pt>
-    <dgm:pt modelId="{124DF4E6-4D76-49D9-BC52-C21949C45D1A}" type="parTrans" cxnId="{016940E1-EEFE-4210-97B0-9A02A9657950}">
+    <dgm:pt modelId="{3BE81FC8-D646-42F8-99AA-569AE6875C33}" type="parTrans" cxnId="{778AAA49-2D13-4904-97AA-F1777114D10B}">
       <dgm:prSet/>
       <dgm:spPr/>
+      <dgm:t>
+        <a:bodyPr/>
+        <a:lstStyle/>
+        <a:p>
+          <a:endParaRPr lang="en-GB"/>
+        </a:p>
+      </dgm:t>
     </dgm:pt>
-    <dgm:pt modelId="{63D02B57-7FD6-4C6F-9734-6B968B25B3F4}" type="sibTrans" cxnId="{016940E1-EEFE-4210-97B0-9A02A9657950}">
+    <dgm:pt modelId="{78D1BEC1-4B8F-4EC5-8DF3-21539020A258}" type="sibTrans" cxnId="{778AAA49-2D13-4904-97AA-F1777114D10B}">
       <dgm:prSet/>
       <dgm:spPr/>
+      <dgm:t>
+        <a:bodyPr/>
+        <a:lstStyle/>
+        <a:p>
+          <a:endParaRPr lang="en-GB"/>
+        </a:p>
+      </dgm:t>
     </dgm:pt>
-    <dgm:pt modelId="{AE44B031-A44F-4C7E-A202-56F1B0135B49}" type="pres">
-      <dgm:prSet presAssocID="{94F39561-53C1-46A6-B653-671D81668BE8}" presName="Name0" presStyleCnt="0">
+    <dgm:pt modelId="{152EB940-8F66-4447-8B00-202389E04B2A}">
+      <dgm:prSet phldrT="[Texto]" custT="1"/>
+      <dgm:spPr/>
+      <dgm:t>
+        <a:bodyPr/>
+        <a:lstStyle/>
+        <a:p>
+          <a:r>
+            <a:rPr lang="en-GB" sz="1200" b="1" dirty="0">
+              <a:latin typeface="Montserrat" panose="02000505000000020004" pitchFamily="2" charset="0"/>
+            </a:rPr>
+            <a:t>GBM</a:t>
+          </a:r>
+        </a:p>
+      </dgm:t>
+    </dgm:pt>
+    <dgm:pt modelId="{6A622D41-B891-4163-8C21-2C7C892CAD6B}" type="parTrans" cxnId="{D6110F54-1F66-4646-BC09-0712C360CBB6}">
+      <dgm:prSet/>
+      <dgm:spPr/>
+      <dgm:t>
+        <a:bodyPr/>
+        <a:lstStyle/>
+        <a:p>
+          <a:endParaRPr lang="en-GB"/>
+        </a:p>
+      </dgm:t>
+    </dgm:pt>
+    <dgm:pt modelId="{B6C5EF91-B504-40D7-8D03-F159DD6758FD}" type="sibTrans" cxnId="{D6110F54-1F66-4646-BC09-0712C360CBB6}">
+      <dgm:prSet/>
+      <dgm:spPr/>
+      <dgm:t>
+        <a:bodyPr/>
+        <a:lstStyle/>
+        <a:p>
+          <a:endParaRPr lang="en-GB"/>
+        </a:p>
+      </dgm:t>
+    </dgm:pt>
+    <dgm:pt modelId="{F755811A-728C-4826-83D1-C9E567B3907A}" type="pres">
+      <dgm:prSet presAssocID="{94F39561-53C1-46A6-B653-671D81668BE8}" presName="rootnode" presStyleCnt="0">
         <dgm:presLayoutVars>
+          <dgm:chMax/>
+          <dgm:chPref/>
           <dgm:dir/>
           <dgm:animLvl val="lvl"/>
-          <dgm:resizeHandles val="exact"/>
         </dgm:presLayoutVars>
       </dgm:prSet>
       <dgm:spPr/>
     </dgm:pt>
-    <dgm:pt modelId="{5CBE26FB-D2F0-4DE7-8296-F4A3EB340980}" type="pres">
+    <dgm:pt modelId="{52DC5AA1-28AB-45EB-ABA8-B05F1C3B316B}" type="pres">
       <dgm:prSet presAssocID="{350C09B5-24B2-48FE-9C93-47572404BA38}" presName="composite" presStyleCnt="0"/>
       <dgm:spPr/>
     </dgm:pt>
-    <dgm:pt modelId="{B89A76DA-21C1-477C-AA39-80B157A6B069}" type="pres">
-      <dgm:prSet presAssocID="{350C09B5-24B2-48FE-9C93-47572404BA38}" presName="parTx" presStyleLbl="node1" presStyleIdx="0" presStyleCnt="3">
+    <dgm:pt modelId="{69478E03-A516-4935-AA4F-B4A7A08E1A8A}" type="pres">
+      <dgm:prSet presAssocID="{350C09B5-24B2-48FE-9C93-47572404BA38}" presName="bentUpArrow1" presStyleLbl="alignImgPlace1" presStyleIdx="0" presStyleCnt="3"/>
+      <dgm:spPr/>
+    </dgm:pt>
+    <dgm:pt modelId="{600B9660-F0E8-4D6B-B428-1EA195C30EBF}" type="pres">
+      <dgm:prSet presAssocID="{350C09B5-24B2-48FE-9C93-47572404BA38}" presName="ParentText" presStyleLbl="node1" presStyleIdx="0" presStyleCnt="4">
+        <dgm:presLayoutVars>
+          <dgm:chMax val="1"/>
+          <dgm:chPref val="1"/>
+          <dgm:bulletEnabled val="1"/>
+        </dgm:presLayoutVars>
+      </dgm:prSet>
+      <dgm:spPr/>
+    </dgm:pt>
+    <dgm:pt modelId="{40F669E3-B077-4E26-84F9-C46F5FDADBF8}" type="pres">
+      <dgm:prSet presAssocID="{350C09B5-24B2-48FE-9C93-47572404BA38}" presName="ChildText" presStyleLbl="revTx" presStyleIdx="0" presStyleCnt="3">
         <dgm:presLayoutVars>
           <dgm:chMax val="0"/>
           <dgm:chPref val="0"/>
@@ -1414,24 +2198,30 @@
       </dgm:prSet>
       <dgm:spPr/>
     </dgm:pt>
-    <dgm:pt modelId="{13EB7FA4-C5B1-4704-B1DF-A7BA66468610}" type="pres">
-      <dgm:prSet presAssocID="{350C09B5-24B2-48FE-9C93-47572404BA38}" presName="desTx" presStyleLbl="revTx" presStyleIdx="0" presStyleCnt="3">
+    <dgm:pt modelId="{BBF903D4-5F24-4664-9E77-0244AC95673F}" type="pres">
+      <dgm:prSet presAssocID="{FF5CAAC4-724C-47A5-8969-CDA45EAA44BA}" presName="sibTrans" presStyleCnt="0"/>
+      <dgm:spPr/>
+    </dgm:pt>
+    <dgm:pt modelId="{3D7D3CAA-1E29-41EE-A916-C42D0BAF27F5}" type="pres">
+      <dgm:prSet presAssocID="{49FC7308-F7BF-442C-B2CC-8E3B8AC6C527}" presName="composite" presStyleCnt="0"/>
+      <dgm:spPr/>
+    </dgm:pt>
+    <dgm:pt modelId="{B2F4CC20-6D60-4F0A-9CEB-E50861FA3D0D}" type="pres">
+      <dgm:prSet presAssocID="{49FC7308-F7BF-442C-B2CC-8E3B8AC6C527}" presName="bentUpArrow1" presStyleLbl="alignImgPlace1" presStyleIdx="1" presStyleCnt="3"/>
+      <dgm:spPr/>
+    </dgm:pt>
+    <dgm:pt modelId="{0C021313-19F7-4AFA-B3F8-DA2C03536F9D}" type="pres">
+      <dgm:prSet presAssocID="{49FC7308-F7BF-442C-B2CC-8E3B8AC6C527}" presName="ParentText" presStyleLbl="node1" presStyleIdx="1" presStyleCnt="4">
         <dgm:presLayoutVars>
+          <dgm:chMax val="1"/>
+          <dgm:chPref val="1"/>
           <dgm:bulletEnabled val="1"/>
         </dgm:presLayoutVars>
       </dgm:prSet>
       <dgm:spPr/>
     </dgm:pt>
-    <dgm:pt modelId="{883095CF-13EC-4CCB-B011-55372821F31F}" type="pres">
-      <dgm:prSet presAssocID="{FF5CAAC4-724C-47A5-8969-CDA45EAA44BA}" presName="space" presStyleCnt="0"/>
-      <dgm:spPr/>
-    </dgm:pt>
-    <dgm:pt modelId="{08D8BAFE-455C-4AB4-814A-9CAC115481E3}" type="pres">
-      <dgm:prSet presAssocID="{6F0598EF-C0CB-49D4-B4BA-6B7007977CC8}" presName="composite" presStyleCnt="0"/>
-      <dgm:spPr/>
-    </dgm:pt>
-    <dgm:pt modelId="{6A0432B2-C797-4DCD-910A-7AF84118EC1C}" type="pres">
-      <dgm:prSet presAssocID="{6F0598EF-C0CB-49D4-B4BA-6B7007977CC8}" presName="parTx" presStyleLbl="node1" presStyleIdx="1" presStyleCnt="3">
+    <dgm:pt modelId="{F2AD5BFF-2E3D-4B49-A589-260C64EE5907}" type="pres">
+      <dgm:prSet presAssocID="{49FC7308-F7BF-442C-B2CC-8E3B8AC6C527}" presName="ChildText" presStyleLbl="revTx" presStyleIdx="1" presStyleCnt="3">
         <dgm:presLayoutVars>
           <dgm:chMax val="0"/>
           <dgm:chPref val="0"/>
@@ -1440,24 +2230,30 @@
       </dgm:prSet>
       <dgm:spPr/>
     </dgm:pt>
-    <dgm:pt modelId="{F94CE225-D483-4A08-A3B6-10F8D21D17EE}" type="pres">
-      <dgm:prSet presAssocID="{6F0598EF-C0CB-49D4-B4BA-6B7007977CC8}" presName="desTx" presStyleLbl="revTx" presStyleIdx="1" presStyleCnt="3">
+    <dgm:pt modelId="{C97A80D7-1232-410C-85F4-20E0A7A8706C}" type="pres">
+      <dgm:prSet presAssocID="{71F6374E-6EB4-437D-AF9A-333404A6FA62}" presName="sibTrans" presStyleCnt="0"/>
+      <dgm:spPr/>
+    </dgm:pt>
+    <dgm:pt modelId="{688933E6-A8A4-4152-8343-DB698B06D192}" type="pres">
+      <dgm:prSet presAssocID="{8E80F3AA-967B-464C-9CF8-829D987E9044}" presName="composite" presStyleCnt="0"/>
+      <dgm:spPr/>
+    </dgm:pt>
+    <dgm:pt modelId="{FD5CB5AA-C1C5-49DE-B6B9-E17A49D2AA85}" type="pres">
+      <dgm:prSet presAssocID="{8E80F3AA-967B-464C-9CF8-829D987E9044}" presName="bentUpArrow1" presStyleLbl="alignImgPlace1" presStyleIdx="2" presStyleCnt="3"/>
+      <dgm:spPr/>
+    </dgm:pt>
+    <dgm:pt modelId="{BBAEE02C-85F8-4494-ACF1-946B2496AC9D}" type="pres">
+      <dgm:prSet presAssocID="{8E80F3AA-967B-464C-9CF8-829D987E9044}" presName="ParentText" presStyleLbl="node1" presStyleIdx="2" presStyleCnt="4">
         <dgm:presLayoutVars>
+          <dgm:chMax val="1"/>
+          <dgm:chPref val="1"/>
           <dgm:bulletEnabled val="1"/>
         </dgm:presLayoutVars>
       </dgm:prSet>
       <dgm:spPr/>
     </dgm:pt>
-    <dgm:pt modelId="{B2F62BB0-377C-4580-A640-F037F76B9792}" type="pres">
-      <dgm:prSet presAssocID="{CF1B992B-CD36-44ED-9F46-0573022E0943}" presName="space" presStyleCnt="0"/>
-      <dgm:spPr/>
-    </dgm:pt>
-    <dgm:pt modelId="{12DD28A1-FEAC-4BD4-A02B-3E359D4B3AA0}" type="pres">
-      <dgm:prSet presAssocID="{8E80F3AA-967B-464C-9CF8-829D987E9044}" presName="composite" presStyleCnt="0"/>
-      <dgm:spPr/>
-    </dgm:pt>
-    <dgm:pt modelId="{ED8254E2-FFD2-4745-8793-8F701CC491F1}" type="pres">
-      <dgm:prSet presAssocID="{8E80F3AA-967B-464C-9CF8-829D987E9044}" presName="parTx" presStyleLbl="node1" presStyleIdx="2" presStyleCnt="3">
+    <dgm:pt modelId="{DDF08EAB-B3D9-4037-94AF-920D6EA35BC3}" type="pres">
+      <dgm:prSet presAssocID="{8E80F3AA-967B-464C-9CF8-829D987E9044}" presName="ChildText" presStyleLbl="revTx" presStyleIdx="2" presStyleCnt="3">
         <dgm:presLayoutVars>
           <dgm:chMax val="0"/>
           <dgm:chPref val="0"/>
@@ -1466,8 +2262,742 @@
       </dgm:prSet>
       <dgm:spPr/>
     </dgm:pt>
-    <dgm:pt modelId="{94BD33B7-877C-42CA-AC30-F13F93D57156}" type="pres">
-      <dgm:prSet presAssocID="{8E80F3AA-967B-464C-9CF8-829D987E9044}" presName="desTx" presStyleLbl="revTx" presStyleIdx="2" presStyleCnt="3">
+    <dgm:pt modelId="{26A11FA5-668E-4828-B1E4-3E7B46B7ACAB}" type="pres">
+      <dgm:prSet presAssocID="{5884209C-9AFA-492C-8AE1-5361EB8B7CBF}" presName="sibTrans" presStyleCnt="0"/>
+      <dgm:spPr/>
+    </dgm:pt>
+    <dgm:pt modelId="{50D6EFFD-2294-4BBB-9F99-E2A6A4422280}" type="pres">
+      <dgm:prSet presAssocID="{AF62F7C8-BF32-4D5D-B325-B0A984D046AA}" presName="composite" presStyleCnt="0"/>
+      <dgm:spPr/>
+    </dgm:pt>
+    <dgm:pt modelId="{3333734C-1309-4C1E-832A-38BED0AF2264}" type="pres">
+      <dgm:prSet presAssocID="{AF62F7C8-BF32-4D5D-B325-B0A984D046AA}" presName="ParentText" presStyleLbl="node1" presStyleIdx="3" presStyleCnt="4">
+        <dgm:presLayoutVars>
+          <dgm:chMax val="1"/>
+          <dgm:chPref val="1"/>
+          <dgm:bulletEnabled val="1"/>
+        </dgm:presLayoutVars>
+      </dgm:prSet>
+      <dgm:spPr/>
+    </dgm:pt>
+  </dgm:ptLst>
+  <dgm:cxnLst>
+    <dgm:cxn modelId="{76D6E70C-1DF5-4B3E-A470-8F10A9FC8EA2}" type="presOf" srcId="{AF62F7C8-BF32-4D5D-B325-B0A984D046AA}" destId="{3333734C-1309-4C1E-832A-38BED0AF2264}" srcOrd="0" destOrd="0" presId="urn:microsoft.com/office/officeart/2005/8/layout/StepDownProcess"/>
+    <dgm:cxn modelId="{5F1F1019-65F2-44EE-9781-FD93E2A2FB06}" srcId="{94F39561-53C1-46A6-B653-671D81668BE8}" destId="{49FC7308-F7BF-442C-B2CC-8E3B8AC6C527}" srcOrd="1" destOrd="0" parTransId="{96099A35-BBEF-4ED9-8BE8-795EB19BED34}" sibTransId="{71F6374E-6EB4-437D-AF9A-333404A6FA62}"/>
+    <dgm:cxn modelId="{A3E8B61B-DC26-4884-BB08-34A6A40249A3}" type="presOf" srcId="{94F39561-53C1-46A6-B653-671D81668BE8}" destId="{F755811A-728C-4826-83D1-C9E567B3907A}" srcOrd="0" destOrd="0" presId="urn:microsoft.com/office/officeart/2005/8/layout/StepDownProcess"/>
+    <dgm:cxn modelId="{114B9E25-8B0E-4D7D-8A03-F219F3C48893}" srcId="{8E80F3AA-967B-464C-9CF8-829D987E9044}" destId="{71972B53-505B-43AC-9D3F-E7F50E2AFCD5}" srcOrd="2" destOrd="0" parTransId="{9C51E2B5-6E5B-4FAB-A30D-052302DAB2F8}" sibTransId="{7BF26105-9601-4B78-B860-83364DDE7C70}"/>
+    <dgm:cxn modelId="{CC24A43E-800D-4FDF-8C36-52B26B26006B}" type="presOf" srcId="{152EB940-8F66-4447-8B00-202389E04B2A}" destId="{DDF08EAB-B3D9-4037-94AF-920D6EA35BC3}" srcOrd="0" destOrd="1" presId="urn:microsoft.com/office/officeart/2005/8/layout/StepDownProcess"/>
+    <dgm:cxn modelId="{A2019763-BE15-4B73-8F43-EC341FD82983}" srcId="{94F39561-53C1-46A6-B653-671D81668BE8}" destId="{350C09B5-24B2-48FE-9C93-47572404BA38}" srcOrd="0" destOrd="0" parTransId="{86CDF8D4-B159-4874-A720-5B270D512E12}" sibTransId="{FF5CAAC4-724C-47A5-8969-CDA45EAA44BA}"/>
+    <dgm:cxn modelId="{778AAA49-2D13-4904-97AA-F1777114D10B}" srcId="{94F39561-53C1-46A6-B653-671D81668BE8}" destId="{AF62F7C8-BF32-4D5D-B325-B0A984D046AA}" srcOrd="3" destOrd="0" parTransId="{3BE81FC8-D646-42F8-99AA-569AE6875C33}" sibTransId="{78D1BEC1-4B8F-4EC5-8DF3-21539020A258}"/>
+    <dgm:cxn modelId="{6D42F469-39B9-442B-99DE-5D9B9AE77BE7}" type="presOf" srcId="{350C09B5-24B2-48FE-9C93-47572404BA38}" destId="{600B9660-F0E8-4D6B-B428-1EA195C30EBF}" srcOrd="0" destOrd="0" presId="urn:microsoft.com/office/officeart/2005/8/layout/StepDownProcess"/>
+    <dgm:cxn modelId="{D6110F54-1F66-4646-BC09-0712C360CBB6}" srcId="{8E80F3AA-967B-464C-9CF8-829D987E9044}" destId="{152EB940-8F66-4447-8B00-202389E04B2A}" srcOrd="1" destOrd="0" parTransId="{6A622D41-B891-4163-8C21-2C7C892CAD6B}" sibTransId="{B6C5EF91-B504-40D7-8D03-F159DD6758FD}"/>
+    <dgm:cxn modelId="{B06E9E88-A543-4591-8371-AF5B4B269FA9}" srcId="{49FC7308-F7BF-442C-B2CC-8E3B8AC6C527}" destId="{ED47150B-BC4C-42DE-B227-68A08060AADF}" srcOrd="0" destOrd="0" parTransId="{C0EB48F2-CEAD-4237-A970-4A4487A63616}" sibTransId="{1F3E390D-F55E-4213-A5CB-605556829DF1}"/>
+    <dgm:cxn modelId="{1F037590-68F1-49E0-A743-5D23621B6DD5}" srcId="{94F39561-53C1-46A6-B653-671D81668BE8}" destId="{8E80F3AA-967B-464C-9CF8-829D987E9044}" srcOrd="2" destOrd="0" parTransId="{3FA0DB22-52CB-4E55-8374-996FD7C33F1F}" sibTransId="{5884209C-9AFA-492C-8AE1-5361EB8B7CBF}"/>
+    <dgm:cxn modelId="{79FD6E91-D0DE-43E7-B9DD-6379451339E5}" type="presOf" srcId="{49FC7308-F7BF-442C-B2CC-8E3B8AC6C527}" destId="{0C021313-19F7-4AFA-B3F8-DA2C03536F9D}" srcOrd="0" destOrd="0" presId="urn:microsoft.com/office/officeart/2005/8/layout/StepDownProcess"/>
+    <dgm:cxn modelId="{95B95CA3-9922-4AFE-A841-4FBE6C40B3B3}" type="presOf" srcId="{8E80F3AA-967B-464C-9CF8-829D987E9044}" destId="{BBAEE02C-85F8-4494-ACF1-946B2496AC9D}" srcOrd="0" destOrd="0" presId="urn:microsoft.com/office/officeart/2005/8/layout/StepDownProcess"/>
+    <dgm:cxn modelId="{875108A8-C964-4075-A5C5-1FC300D0F045}" srcId="{49FC7308-F7BF-442C-B2CC-8E3B8AC6C527}" destId="{20A38340-4B4D-48D9-8242-4EBAE95C4CDC}" srcOrd="1" destOrd="0" parTransId="{350FB7EB-690A-4145-83C4-5A8D732FD514}" sibTransId="{E22FA3AC-D23E-4C7F-8AAC-034AC0E464F5}"/>
+    <dgm:cxn modelId="{15C5EDB0-0D87-496A-B89D-7E178E426372}" type="presOf" srcId="{20A38340-4B4D-48D9-8242-4EBAE95C4CDC}" destId="{F2AD5BFF-2E3D-4B49-A589-260C64EE5907}" srcOrd="0" destOrd="1" presId="urn:microsoft.com/office/officeart/2005/8/layout/StepDownProcess"/>
+    <dgm:cxn modelId="{393D21BB-ACCF-4463-8D89-BAC83D1B3F80}" type="presOf" srcId="{71972B53-505B-43AC-9D3F-E7F50E2AFCD5}" destId="{DDF08EAB-B3D9-4037-94AF-920D6EA35BC3}" srcOrd="0" destOrd="2" presId="urn:microsoft.com/office/officeart/2005/8/layout/StepDownProcess"/>
+    <dgm:cxn modelId="{C03387BD-4D96-4FE6-8F08-9EA47D6D88B8}" srcId="{8E80F3AA-967B-464C-9CF8-829D987E9044}" destId="{4D0F428F-A908-4A02-833C-4BEE33EF77B9}" srcOrd="0" destOrd="0" parTransId="{3CB86315-BA1D-487C-B6D0-D66851FAB3C3}" sibTransId="{C250B7A9-5BC6-46B8-9AD0-858572924F8F}"/>
+    <dgm:cxn modelId="{8E6523CC-2C89-4582-B50A-5E7A0BA0DB09}" type="presOf" srcId="{ED47150B-BC4C-42DE-B227-68A08060AADF}" destId="{F2AD5BFF-2E3D-4B49-A589-260C64EE5907}" srcOrd="0" destOrd="0" presId="urn:microsoft.com/office/officeart/2005/8/layout/StepDownProcess"/>
+    <dgm:cxn modelId="{C7C795FF-35AB-40C6-A3AD-5B8B5249AEE0}" type="presOf" srcId="{4D0F428F-A908-4A02-833C-4BEE33EF77B9}" destId="{DDF08EAB-B3D9-4037-94AF-920D6EA35BC3}" srcOrd="0" destOrd="0" presId="urn:microsoft.com/office/officeart/2005/8/layout/StepDownProcess"/>
+    <dgm:cxn modelId="{4FFA6AD5-A2C5-4782-80CA-55DB59A50F25}" type="presParOf" srcId="{F755811A-728C-4826-83D1-C9E567B3907A}" destId="{52DC5AA1-28AB-45EB-ABA8-B05F1C3B316B}" srcOrd="0" destOrd="0" presId="urn:microsoft.com/office/officeart/2005/8/layout/StepDownProcess"/>
+    <dgm:cxn modelId="{D402F657-1CA4-4F33-BF2D-0308F26EC77B}" type="presParOf" srcId="{52DC5AA1-28AB-45EB-ABA8-B05F1C3B316B}" destId="{69478E03-A516-4935-AA4F-B4A7A08E1A8A}" srcOrd="0" destOrd="0" presId="urn:microsoft.com/office/officeart/2005/8/layout/StepDownProcess"/>
+    <dgm:cxn modelId="{A6C428C5-3B9B-4F74-925F-4F1BE30EDD49}" type="presParOf" srcId="{52DC5AA1-28AB-45EB-ABA8-B05F1C3B316B}" destId="{600B9660-F0E8-4D6B-B428-1EA195C30EBF}" srcOrd="1" destOrd="0" presId="urn:microsoft.com/office/officeart/2005/8/layout/StepDownProcess"/>
+    <dgm:cxn modelId="{94000C32-CEC7-4F70-8742-964A77A6E5C2}" type="presParOf" srcId="{52DC5AA1-28AB-45EB-ABA8-B05F1C3B316B}" destId="{40F669E3-B077-4E26-84F9-C46F5FDADBF8}" srcOrd="2" destOrd="0" presId="urn:microsoft.com/office/officeart/2005/8/layout/StepDownProcess"/>
+    <dgm:cxn modelId="{26840C56-26CE-4FD0-A4E0-009E532CE07C}" type="presParOf" srcId="{F755811A-728C-4826-83D1-C9E567B3907A}" destId="{BBF903D4-5F24-4664-9E77-0244AC95673F}" srcOrd="1" destOrd="0" presId="urn:microsoft.com/office/officeart/2005/8/layout/StepDownProcess"/>
+    <dgm:cxn modelId="{0E4424E8-2D01-4B1B-BA47-54D4F449B374}" type="presParOf" srcId="{F755811A-728C-4826-83D1-C9E567B3907A}" destId="{3D7D3CAA-1E29-41EE-A916-C42D0BAF27F5}" srcOrd="2" destOrd="0" presId="urn:microsoft.com/office/officeart/2005/8/layout/StepDownProcess"/>
+    <dgm:cxn modelId="{482C7E24-72FA-4F2D-8406-CC2E068EDABD}" type="presParOf" srcId="{3D7D3CAA-1E29-41EE-A916-C42D0BAF27F5}" destId="{B2F4CC20-6D60-4F0A-9CEB-E50861FA3D0D}" srcOrd="0" destOrd="0" presId="urn:microsoft.com/office/officeart/2005/8/layout/StepDownProcess"/>
+    <dgm:cxn modelId="{B8937C70-CB30-4541-BC19-5076C8A55A53}" type="presParOf" srcId="{3D7D3CAA-1E29-41EE-A916-C42D0BAF27F5}" destId="{0C021313-19F7-4AFA-B3F8-DA2C03536F9D}" srcOrd="1" destOrd="0" presId="urn:microsoft.com/office/officeart/2005/8/layout/StepDownProcess"/>
+    <dgm:cxn modelId="{671D0813-5986-41A1-AE4C-932A54293A93}" type="presParOf" srcId="{3D7D3CAA-1E29-41EE-A916-C42D0BAF27F5}" destId="{F2AD5BFF-2E3D-4B49-A589-260C64EE5907}" srcOrd="2" destOrd="0" presId="urn:microsoft.com/office/officeart/2005/8/layout/StepDownProcess"/>
+    <dgm:cxn modelId="{B51EBF48-7D31-44C3-86A1-0E08DE82759F}" type="presParOf" srcId="{F755811A-728C-4826-83D1-C9E567B3907A}" destId="{C97A80D7-1232-410C-85F4-20E0A7A8706C}" srcOrd="3" destOrd="0" presId="urn:microsoft.com/office/officeart/2005/8/layout/StepDownProcess"/>
+    <dgm:cxn modelId="{7D9196B9-DA92-4E2B-B4E7-B4CF500D6F90}" type="presParOf" srcId="{F755811A-728C-4826-83D1-C9E567B3907A}" destId="{688933E6-A8A4-4152-8343-DB698B06D192}" srcOrd="4" destOrd="0" presId="urn:microsoft.com/office/officeart/2005/8/layout/StepDownProcess"/>
+    <dgm:cxn modelId="{C0CCB1BA-D440-4E57-9D07-4704D919E9D4}" type="presParOf" srcId="{688933E6-A8A4-4152-8343-DB698B06D192}" destId="{FD5CB5AA-C1C5-49DE-B6B9-E17A49D2AA85}" srcOrd="0" destOrd="0" presId="urn:microsoft.com/office/officeart/2005/8/layout/StepDownProcess"/>
+    <dgm:cxn modelId="{F9D526B6-4240-4241-8B5A-9C9C78B2972A}" type="presParOf" srcId="{688933E6-A8A4-4152-8343-DB698B06D192}" destId="{BBAEE02C-85F8-4494-ACF1-946B2496AC9D}" srcOrd="1" destOrd="0" presId="urn:microsoft.com/office/officeart/2005/8/layout/StepDownProcess"/>
+    <dgm:cxn modelId="{F09803BB-A81F-471F-AE99-6D910D0C6ED4}" type="presParOf" srcId="{688933E6-A8A4-4152-8343-DB698B06D192}" destId="{DDF08EAB-B3D9-4037-94AF-920D6EA35BC3}" srcOrd="2" destOrd="0" presId="urn:microsoft.com/office/officeart/2005/8/layout/StepDownProcess"/>
+    <dgm:cxn modelId="{A7A5E371-0BE5-4CA1-AFE2-DA8DC4ED9B6A}" type="presParOf" srcId="{F755811A-728C-4826-83D1-C9E567B3907A}" destId="{26A11FA5-668E-4828-B1E4-3E7B46B7ACAB}" srcOrd="5" destOrd="0" presId="urn:microsoft.com/office/officeart/2005/8/layout/StepDownProcess"/>
+    <dgm:cxn modelId="{3AAC733B-817B-4B42-A1A8-F06B2C81997E}" type="presParOf" srcId="{F755811A-728C-4826-83D1-C9E567B3907A}" destId="{50D6EFFD-2294-4BBB-9F99-E2A6A4422280}" srcOrd="6" destOrd="0" presId="urn:microsoft.com/office/officeart/2005/8/layout/StepDownProcess"/>
+    <dgm:cxn modelId="{803E476E-F8FE-455E-A07D-E9DCFBD110EA}" type="presParOf" srcId="{50D6EFFD-2294-4BBB-9F99-E2A6A4422280}" destId="{3333734C-1309-4C1E-832A-38BED0AF2264}" srcOrd="0" destOrd="0" presId="urn:microsoft.com/office/officeart/2005/8/layout/StepDownProcess"/>
+  </dgm:cxnLst>
+  <dgm:bg/>
+  <dgm:whole/>
+  <dgm:extLst>
+    <a:ext uri="http://schemas.microsoft.com/office/drawing/2008/diagram">
+      <dsp:dataModelExt xmlns:dsp="http://schemas.microsoft.com/office/drawing/2008/diagram" relId="rId6" minVer="http://schemas.openxmlformats.org/drawingml/2006/diagram"/>
+    </a:ext>
+  </dgm:extLst>
+</dgm:dataModel>
+</file>
+
+<file path=ppt/diagrams/data2.xml><?xml version="1.0" encoding="utf-8"?>
+<dgm:dataModel xmlns:dgm="http://schemas.openxmlformats.org/drawingml/2006/diagram" xmlns:a="http://schemas.openxmlformats.org/drawingml/2006/main">
+  <dgm:ptLst>
+    <dgm:pt modelId="{88EFB9FA-D167-4766-885A-9407B966383F}" type="doc">
+      <dgm:prSet loTypeId="urn:microsoft.com/office/officeart/2005/8/layout/vList6" loCatId="list" qsTypeId="urn:microsoft.com/office/officeart/2005/8/quickstyle/simple1" qsCatId="simple" csTypeId="urn:microsoft.com/office/officeart/2005/8/colors/colorful1" csCatId="colorful" phldr="1"/>
+      <dgm:spPr/>
+      <dgm:t>
+        <a:bodyPr/>
+        <a:lstStyle/>
+        <a:p>
+          <a:endParaRPr lang="en-GB"/>
+        </a:p>
+      </dgm:t>
+    </dgm:pt>
+    <dgm:pt modelId="{E9BC0BE1-0740-471B-A73F-5F97A8FBB693}">
+      <dgm:prSet phldrT="[Texto]"/>
+      <dgm:spPr/>
+      <dgm:t>
+        <a:bodyPr/>
+        <a:lstStyle/>
+        <a:p>
+          <a:r>
+            <a:rPr lang="en-GB" dirty="0">
+              <a:latin typeface="Montserrat Medium" pitchFamily="2" charset="0"/>
+            </a:rPr>
+            <a:t>5 cols erased</a:t>
+          </a:r>
+        </a:p>
+      </dgm:t>
+    </dgm:pt>
+    <dgm:pt modelId="{F8E75ACC-F5F8-444F-925B-3D2176CE2256}" type="parTrans" cxnId="{FB0BE283-F903-4A4E-849B-74F0831EFF4B}">
+      <dgm:prSet/>
+      <dgm:spPr/>
+      <dgm:t>
+        <a:bodyPr/>
+        <a:lstStyle/>
+        <a:p>
+          <a:endParaRPr lang="en-GB">
+            <a:latin typeface="Montserrat Medium" pitchFamily="2" charset="0"/>
+          </a:endParaRPr>
+        </a:p>
+      </dgm:t>
+    </dgm:pt>
+    <dgm:pt modelId="{7D5CF3B8-882D-4A9C-B099-10A71F58CA88}" type="sibTrans" cxnId="{FB0BE283-F903-4A4E-849B-74F0831EFF4B}">
+      <dgm:prSet/>
+      <dgm:spPr/>
+      <dgm:t>
+        <a:bodyPr/>
+        <a:lstStyle/>
+        <a:p>
+          <a:endParaRPr lang="en-GB">
+            <a:latin typeface="Montserrat Medium" pitchFamily="2" charset="0"/>
+          </a:endParaRPr>
+        </a:p>
+      </dgm:t>
+    </dgm:pt>
+    <dgm:pt modelId="{70D13AFD-41B9-4D69-A1C8-68BD0752B6EE}">
+      <dgm:prSet phldrT="[Texto]"/>
+      <dgm:spPr/>
+      <dgm:t>
+        <a:bodyPr/>
+        <a:lstStyle/>
+        <a:p>
+          <a:r>
+            <a:rPr lang="en-GB" dirty="0">
+              <a:latin typeface="Montserrat Medium" pitchFamily="2" charset="0"/>
+            </a:rPr>
+            <a:t>Label encoder custom</a:t>
+          </a:r>
+        </a:p>
+      </dgm:t>
+    </dgm:pt>
+    <dgm:pt modelId="{F9FE2DEC-D839-400F-8CC7-A64C6A47F3F2}" type="parTrans" cxnId="{F7B6D0C6-EC6B-4DD8-9BAD-438D768B957A}">
+      <dgm:prSet/>
+      <dgm:spPr/>
+      <dgm:t>
+        <a:bodyPr/>
+        <a:lstStyle/>
+        <a:p>
+          <a:endParaRPr lang="en-GB">
+            <a:latin typeface="Montserrat Medium" pitchFamily="2" charset="0"/>
+          </a:endParaRPr>
+        </a:p>
+      </dgm:t>
+    </dgm:pt>
+    <dgm:pt modelId="{48190FEB-FD00-46DF-9AEB-855476E3862F}" type="sibTrans" cxnId="{F7B6D0C6-EC6B-4DD8-9BAD-438D768B957A}">
+      <dgm:prSet/>
+      <dgm:spPr/>
+      <dgm:t>
+        <a:bodyPr/>
+        <a:lstStyle/>
+        <a:p>
+          <a:endParaRPr lang="en-GB">
+            <a:latin typeface="Montserrat Medium" pitchFamily="2" charset="0"/>
+          </a:endParaRPr>
+        </a:p>
+      </dgm:t>
+    </dgm:pt>
+    <dgm:pt modelId="{413B0256-B3CD-48D6-BF13-8E16A152339F}">
+      <dgm:prSet phldrT="[Texto]"/>
+      <dgm:spPr/>
+      <dgm:t>
+        <a:bodyPr/>
+        <a:lstStyle/>
+        <a:p>
+          <a:r>
+            <a:rPr lang="en-GB" dirty="0">
+              <a:latin typeface="Montserrat Medium" pitchFamily="2" charset="0"/>
+            </a:rPr>
+            <a:t>Label encoder random</a:t>
+          </a:r>
+        </a:p>
+      </dgm:t>
+    </dgm:pt>
+    <dgm:pt modelId="{FE790E65-DA0C-462C-8C8C-61FCC85098B6}" type="parTrans" cxnId="{D5374038-4766-48D0-AFDF-C456D1FA1876}">
+      <dgm:prSet/>
+      <dgm:spPr/>
+      <dgm:t>
+        <a:bodyPr/>
+        <a:lstStyle/>
+        <a:p>
+          <a:endParaRPr lang="en-GB">
+            <a:latin typeface="Montserrat Medium" pitchFamily="2" charset="0"/>
+          </a:endParaRPr>
+        </a:p>
+      </dgm:t>
+    </dgm:pt>
+    <dgm:pt modelId="{BC81A531-06E3-48C4-99A0-B0D3946C0DBF}" type="sibTrans" cxnId="{D5374038-4766-48D0-AFDF-C456D1FA1876}">
+      <dgm:prSet/>
+      <dgm:spPr/>
+      <dgm:t>
+        <a:bodyPr/>
+        <a:lstStyle/>
+        <a:p>
+          <a:endParaRPr lang="en-GB">
+            <a:latin typeface="Montserrat Medium" pitchFamily="2" charset="0"/>
+          </a:endParaRPr>
+        </a:p>
+      </dgm:t>
+    </dgm:pt>
+    <dgm:pt modelId="{09F2AA27-39FD-42B1-8D44-0859CEBE8AAB}">
+      <dgm:prSet/>
+      <dgm:spPr/>
+      <dgm:t>
+        <a:bodyPr/>
+        <a:lstStyle/>
+        <a:p>
+          <a:r>
+            <a:rPr lang="en-GB" dirty="0">
+              <a:latin typeface="Montserrat Medium" pitchFamily="2" charset="0"/>
+            </a:rPr>
+            <a:t>Employment Type</a:t>
+          </a:r>
+        </a:p>
+      </dgm:t>
+    </dgm:pt>
+    <dgm:pt modelId="{64E9F99D-B7A9-458D-BEDC-DB787CEB7886}" type="parTrans" cxnId="{8AA8EC63-D7CF-418A-A1F1-AB47FE81BC76}">
+      <dgm:prSet/>
+      <dgm:spPr/>
+      <dgm:t>
+        <a:bodyPr/>
+        <a:lstStyle/>
+        <a:p>
+          <a:endParaRPr lang="en-GB"/>
+        </a:p>
+      </dgm:t>
+    </dgm:pt>
+    <dgm:pt modelId="{89F11903-6574-4C3C-8A30-366DE57989F9}" type="sibTrans" cxnId="{8AA8EC63-D7CF-418A-A1F1-AB47FE81BC76}">
+      <dgm:prSet/>
+      <dgm:spPr/>
+      <dgm:t>
+        <a:bodyPr/>
+        <a:lstStyle/>
+        <a:p>
+          <a:endParaRPr lang="en-GB"/>
+        </a:p>
+      </dgm:t>
+    </dgm:pt>
+    <dgm:pt modelId="{3CE15F4C-7794-4C4B-98AD-C2B3C335147E}">
+      <dgm:prSet phldrT="[Texto]"/>
+      <dgm:spPr/>
+      <dgm:t>
+        <a:bodyPr/>
+        <a:lstStyle/>
+        <a:p>
+          <a:r>
+            <a:rPr lang="en-US" b="1" i="0" dirty="0">
+              <a:latin typeface="Montserrat Medium" pitchFamily="2" charset="0"/>
+            </a:rPr>
+            <a:t>remote_ratio</a:t>
+          </a:r>
+          <a:endParaRPr lang="en-GB" dirty="0">
+            <a:latin typeface="Montserrat Medium" pitchFamily="2" charset="0"/>
+          </a:endParaRPr>
+        </a:p>
+      </dgm:t>
+    </dgm:pt>
+    <dgm:pt modelId="{D5F10B5A-A906-460F-9E6F-D2C425D79E1D}" type="parTrans" cxnId="{B81F9329-BBFB-4959-89CD-93F7BDE966DA}">
+      <dgm:prSet/>
+      <dgm:spPr/>
+      <dgm:t>
+        <a:bodyPr/>
+        <a:lstStyle/>
+        <a:p>
+          <a:endParaRPr lang="en-GB"/>
+        </a:p>
+      </dgm:t>
+    </dgm:pt>
+    <dgm:pt modelId="{7E7F605A-EF6B-4313-BCCA-E6545098849F}" type="sibTrans" cxnId="{B81F9329-BBFB-4959-89CD-93F7BDE966DA}">
+      <dgm:prSet/>
+      <dgm:spPr/>
+      <dgm:t>
+        <a:bodyPr/>
+        <a:lstStyle/>
+        <a:p>
+          <a:endParaRPr lang="en-GB"/>
+        </a:p>
+      </dgm:t>
+    </dgm:pt>
+    <dgm:pt modelId="{510A0CE3-EAAD-4FF4-A471-72A3E6DF8E49}">
+      <dgm:prSet phldrT="[Texto]"/>
+      <dgm:spPr/>
+      <dgm:t>
+        <a:bodyPr/>
+        <a:lstStyle/>
+        <a:p>
+          <a:r>
+            <a:rPr lang="en-US" b="1" i="0" dirty="0">
+              <a:latin typeface="Montserrat Medium" pitchFamily="2" charset="0"/>
+            </a:rPr>
+            <a:t>salary</a:t>
+          </a:r>
+          <a:endParaRPr lang="en-GB" dirty="0">
+            <a:latin typeface="Montserrat Medium" pitchFamily="2" charset="0"/>
+          </a:endParaRPr>
+        </a:p>
+      </dgm:t>
+    </dgm:pt>
+    <dgm:pt modelId="{2CD3A6C2-771C-4195-B02E-E213122AA031}" type="parTrans" cxnId="{CCAED427-3628-496B-A058-ABB6A93B92B8}">
+      <dgm:prSet/>
+      <dgm:spPr/>
+      <dgm:t>
+        <a:bodyPr/>
+        <a:lstStyle/>
+        <a:p>
+          <a:endParaRPr lang="en-GB"/>
+        </a:p>
+      </dgm:t>
+    </dgm:pt>
+    <dgm:pt modelId="{B33B923B-FB50-4518-8519-6F5B85156E2D}" type="sibTrans" cxnId="{CCAED427-3628-496B-A058-ABB6A93B92B8}">
+      <dgm:prSet/>
+      <dgm:spPr/>
+      <dgm:t>
+        <a:bodyPr/>
+        <a:lstStyle/>
+        <a:p>
+          <a:endParaRPr lang="en-GB"/>
+        </a:p>
+      </dgm:t>
+    </dgm:pt>
+    <dgm:pt modelId="{E4AA6B36-4AB9-4B7B-B82E-5A2F04B7C8FE}">
+      <dgm:prSet phldrT="[Texto]"/>
+      <dgm:spPr/>
+      <dgm:t>
+        <a:bodyPr/>
+        <a:lstStyle/>
+        <a:p>
+          <a:r>
+            <a:rPr lang="en-US" b="1" i="0" dirty="0">
+              <a:latin typeface="Montserrat Medium" pitchFamily="2" charset="0"/>
+            </a:rPr>
+            <a:t>company_location</a:t>
+          </a:r>
+          <a:endParaRPr lang="en-GB" dirty="0">
+            <a:latin typeface="Montserrat Medium" pitchFamily="2" charset="0"/>
+          </a:endParaRPr>
+        </a:p>
+      </dgm:t>
+    </dgm:pt>
+    <dgm:pt modelId="{A584CE36-FFEE-4482-B2BE-1A7CCEADF0AC}" type="parTrans" cxnId="{F326CEDF-AE0C-45F8-9D87-D7BCA9F6802B}">
+      <dgm:prSet/>
+      <dgm:spPr/>
+      <dgm:t>
+        <a:bodyPr/>
+        <a:lstStyle/>
+        <a:p>
+          <a:endParaRPr lang="en-GB"/>
+        </a:p>
+      </dgm:t>
+    </dgm:pt>
+    <dgm:pt modelId="{1890A2D1-ED15-4ADA-A20D-E9C7C0242ECC}" type="sibTrans" cxnId="{F326CEDF-AE0C-45F8-9D87-D7BCA9F6802B}">
+      <dgm:prSet/>
+      <dgm:spPr/>
+      <dgm:t>
+        <a:bodyPr/>
+        <a:lstStyle/>
+        <a:p>
+          <a:endParaRPr lang="en-GB"/>
+        </a:p>
+      </dgm:t>
+    </dgm:pt>
+    <dgm:pt modelId="{0B1986BD-6FE6-4153-A388-3A488866BC77}">
+      <dgm:prSet phldrT="[Texto]"/>
+      <dgm:spPr/>
+      <dgm:t>
+        <a:bodyPr/>
+        <a:lstStyle/>
+        <a:p>
+          <a:r>
+            <a:rPr lang="en-US" b="1" i="0" dirty="0">
+              <a:latin typeface="Montserrat Medium" pitchFamily="2" charset="0"/>
+            </a:rPr>
+            <a:t>salary_currency</a:t>
+          </a:r>
+          <a:endParaRPr lang="en-GB" dirty="0">
+            <a:latin typeface="Montserrat Medium" pitchFamily="2" charset="0"/>
+          </a:endParaRPr>
+        </a:p>
+      </dgm:t>
+    </dgm:pt>
+    <dgm:pt modelId="{2ED087E6-C810-4C05-9466-12AC39223439}" type="parTrans" cxnId="{0A9EB7D3-0F25-4D34-B21F-4E40E091FF43}">
+      <dgm:prSet/>
+      <dgm:spPr/>
+      <dgm:t>
+        <a:bodyPr/>
+        <a:lstStyle/>
+        <a:p>
+          <a:endParaRPr lang="en-GB"/>
+        </a:p>
+      </dgm:t>
+    </dgm:pt>
+    <dgm:pt modelId="{EFD166E3-CCA7-4203-9F67-A06D78CB6E2C}" type="sibTrans" cxnId="{0A9EB7D3-0F25-4D34-B21F-4E40E091FF43}">
+      <dgm:prSet/>
+      <dgm:spPr/>
+      <dgm:t>
+        <a:bodyPr/>
+        <a:lstStyle/>
+        <a:p>
+          <a:endParaRPr lang="en-GB"/>
+        </a:p>
+      </dgm:t>
+    </dgm:pt>
+    <dgm:pt modelId="{3815A932-0C2F-4E37-999F-8178EB93880E}">
+      <dgm:prSet phldrT="[Texto]"/>
+      <dgm:spPr/>
+      <dgm:t>
+        <a:bodyPr/>
+        <a:lstStyle/>
+        <a:p>
+          <a:r>
+            <a:rPr lang="en-US" b="1" i="0" dirty="0">
+              <a:latin typeface="Montserrat Medium" pitchFamily="2" charset="0"/>
+            </a:rPr>
+            <a:t>work_year</a:t>
+          </a:r>
+          <a:endParaRPr lang="en-GB" dirty="0">
+            <a:latin typeface="Montserrat Medium" pitchFamily="2" charset="0"/>
+          </a:endParaRPr>
+        </a:p>
+      </dgm:t>
+    </dgm:pt>
+    <dgm:pt modelId="{35ABEF6E-8824-47A3-B0E0-C55741B4F4AF}" type="parTrans" cxnId="{95CD2128-CD43-4E49-B9F1-DC057773316F}">
+      <dgm:prSet/>
+      <dgm:spPr/>
+      <dgm:t>
+        <a:bodyPr/>
+        <a:lstStyle/>
+        <a:p>
+          <a:endParaRPr lang="en-GB"/>
+        </a:p>
+      </dgm:t>
+    </dgm:pt>
+    <dgm:pt modelId="{2538D02D-B58B-4E3B-9028-DE8854266C41}" type="sibTrans" cxnId="{95CD2128-CD43-4E49-B9F1-DC057773316F}">
+      <dgm:prSet/>
+      <dgm:spPr/>
+      <dgm:t>
+        <a:bodyPr/>
+        <a:lstStyle/>
+        <a:p>
+          <a:endParaRPr lang="en-GB"/>
+        </a:p>
+      </dgm:t>
+    </dgm:pt>
+    <dgm:pt modelId="{CD0AED86-BD0B-4775-BEA6-B8D67905EC0B}">
+      <dgm:prSet/>
+      <dgm:spPr/>
+      <dgm:t>
+        <a:bodyPr/>
+        <a:lstStyle/>
+        <a:p>
+          <a:r>
+            <a:rPr lang="en-GB" dirty="0">
+              <a:latin typeface="Montserrat Medium" pitchFamily="2" charset="0"/>
+            </a:rPr>
+            <a:t>Company Size</a:t>
+          </a:r>
+        </a:p>
+      </dgm:t>
+    </dgm:pt>
+    <dgm:pt modelId="{EC64B2FF-163F-4648-9684-C6D1BEE0D7F2}" type="parTrans" cxnId="{6EAB284D-7B50-4EC7-B776-B4824D869310}">
+      <dgm:prSet/>
+      <dgm:spPr/>
+      <dgm:t>
+        <a:bodyPr/>
+        <a:lstStyle/>
+        <a:p>
+          <a:endParaRPr lang="en-GB"/>
+        </a:p>
+      </dgm:t>
+    </dgm:pt>
+    <dgm:pt modelId="{0FE8A603-5FAC-4088-BDD2-29A11196014F}" type="sibTrans" cxnId="{6EAB284D-7B50-4EC7-B776-B4824D869310}">
+      <dgm:prSet/>
+      <dgm:spPr/>
+      <dgm:t>
+        <a:bodyPr/>
+        <a:lstStyle/>
+        <a:p>
+          <a:endParaRPr lang="en-GB"/>
+        </a:p>
+      </dgm:t>
+    </dgm:pt>
+    <dgm:pt modelId="{6ED6D13F-3DA0-4A5A-A497-EBFF3AD4F5F2}">
+      <dgm:prSet/>
+      <dgm:spPr/>
+      <dgm:t>
+        <a:bodyPr/>
+        <a:lstStyle/>
+        <a:p>
+          <a:r>
+            <a:rPr lang="en-GB" dirty="0">
+              <a:latin typeface="Montserrat Medium" pitchFamily="2" charset="0"/>
+            </a:rPr>
+            <a:t>Experience level</a:t>
+          </a:r>
+        </a:p>
+      </dgm:t>
+    </dgm:pt>
+    <dgm:pt modelId="{07F02F41-740D-407F-B0A6-EF0C1F3446AD}" type="parTrans" cxnId="{36BBC259-560B-4A91-B248-915E4CBF5B19}">
+      <dgm:prSet/>
+      <dgm:spPr/>
+      <dgm:t>
+        <a:bodyPr/>
+        <a:lstStyle/>
+        <a:p>
+          <a:endParaRPr lang="en-GB"/>
+        </a:p>
+      </dgm:t>
+    </dgm:pt>
+    <dgm:pt modelId="{7DDAB1F8-010D-421C-9738-72C6D0E3F55A}" type="sibTrans" cxnId="{36BBC259-560B-4A91-B248-915E4CBF5B19}">
+      <dgm:prSet/>
+      <dgm:spPr/>
+      <dgm:t>
+        <a:bodyPr/>
+        <a:lstStyle/>
+        <a:p>
+          <a:endParaRPr lang="en-GB"/>
+        </a:p>
+      </dgm:t>
+    </dgm:pt>
+    <dgm:pt modelId="{0BFE3376-978D-4938-BFDC-E5D250F95DDB}">
+      <dgm:prSet/>
+      <dgm:spPr/>
+      <dgm:t>
+        <a:bodyPr/>
+        <a:lstStyle/>
+        <a:p>
+          <a:r>
+            <a:rPr lang="en-GB" dirty="0">
+              <a:latin typeface="Montserrat Medium" pitchFamily="2" charset="0"/>
+            </a:rPr>
+            <a:t>Job title</a:t>
+          </a:r>
+        </a:p>
+      </dgm:t>
+    </dgm:pt>
+    <dgm:pt modelId="{1F40C617-5563-4BCF-A0DB-261CD7E069B2}" type="parTrans" cxnId="{198CA463-7DF7-433B-9880-55D7E136FEE6}">
+      <dgm:prSet/>
+      <dgm:spPr/>
+      <dgm:t>
+        <a:bodyPr/>
+        <a:lstStyle/>
+        <a:p>
+          <a:endParaRPr lang="en-GB"/>
+        </a:p>
+      </dgm:t>
+    </dgm:pt>
+    <dgm:pt modelId="{D27B9E58-6090-44F9-894B-A913FAC7C99C}" type="sibTrans" cxnId="{198CA463-7DF7-433B-9880-55D7E136FEE6}">
+      <dgm:prSet/>
+      <dgm:spPr/>
+      <dgm:t>
+        <a:bodyPr/>
+        <a:lstStyle/>
+        <a:p>
+          <a:endParaRPr lang="en-GB"/>
+        </a:p>
+      </dgm:t>
+    </dgm:pt>
+    <dgm:pt modelId="{D9D29136-29CF-42B4-8EFE-CD17D9ACD5B7}">
+      <dgm:prSet/>
+      <dgm:spPr/>
+      <dgm:t>
+        <a:bodyPr/>
+        <a:lstStyle/>
+        <a:p>
+          <a:r>
+            <a:rPr lang="en-GB" dirty="0">
+              <a:latin typeface="Montserrat Medium" pitchFamily="2" charset="0"/>
+            </a:rPr>
+            <a:t>Employee residence</a:t>
+          </a:r>
+        </a:p>
+      </dgm:t>
+    </dgm:pt>
+    <dgm:pt modelId="{1ADD42FB-2EB6-4D70-85C9-CB505926D2ED}" type="parTrans" cxnId="{A7B386BB-4C19-427C-AFC6-EA9ABCE3E770}">
+      <dgm:prSet/>
+      <dgm:spPr/>
+      <dgm:t>
+        <a:bodyPr/>
+        <a:lstStyle/>
+        <a:p>
+          <a:endParaRPr lang="en-GB"/>
+        </a:p>
+      </dgm:t>
+    </dgm:pt>
+    <dgm:pt modelId="{B69080EC-0393-4F24-AA20-B15FEE7320D8}" type="sibTrans" cxnId="{A7B386BB-4C19-427C-AFC6-EA9ABCE3E770}">
+      <dgm:prSet/>
+      <dgm:spPr/>
+      <dgm:t>
+        <a:bodyPr/>
+        <a:lstStyle/>
+        <a:p>
+          <a:endParaRPr lang="en-GB"/>
+        </a:p>
+      </dgm:t>
+    </dgm:pt>
+    <dgm:pt modelId="{5256CDD2-33F1-4CEB-8F47-FC0C1FFD1875}">
+      <dgm:prSet/>
+      <dgm:spPr/>
+      <dgm:t>
+        <a:bodyPr/>
+        <a:lstStyle/>
+        <a:p>
+          <a:r>
+            <a:rPr lang="en-GB" dirty="0">
+              <a:latin typeface="Montserrat Medium" pitchFamily="2" charset="0"/>
+            </a:rPr>
+            <a:t>Join DF to transform data</a:t>
+          </a:r>
+        </a:p>
+      </dgm:t>
+    </dgm:pt>
+    <dgm:pt modelId="{7405E966-EB65-4531-B31A-7501D7951A3A}" type="parTrans" cxnId="{18598ED4-32F2-4C1E-9BA7-FA51E81F0AAE}">
+      <dgm:prSet/>
+      <dgm:spPr/>
+      <dgm:t>
+        <a:bodyPr/>
+        <a:lstStyle/>
+        <a:p>
+          <a:endParaRPr lang="en-GB"/>
+        </a:p>
+      </dgm:t>
+    </dgm:pt>
+    <dgm:pt modelId="{88C4F5AB-1326-4B92-91A9-F15E88FDEE83}" type="sibTrans" cxnId="{18598ED4-32F2-4C1E-9BA7-FA51E81F0AAE}">
+      <dgm:prSet/>
+      <dgm:spPr/>
+      <dgm:t>
+        <a:bodyPr/>
+        <a:lstStyle/>
+        <a:p>
+          <a:endParaRPr lang="en-GB"/>
+        </a:p>
+      </dgm:t>
+    </dgm:pt>
+    <dgm:pt modelId="{139A5ACA-7753-4AFE-B3A4-6E282A2A8267}" type="pres">
+      <dgm:prSet presAssocID="{88EFB9FA-D167-4766-885A-9407B966383F}" presName="Name0" presStyleCnt="0">
+        <dgm:presLayoutVars>
+          <dgm:dir/>
+          <dgm:animLvl val="lvl"/>
+          <dgm:resizeHandles/>
+        </dgm:presLayoutVars>
+      </dgm:prSet>
+      <dgm:spPr/>
+    </dgm:pt>
+    <dgm:pt modelId="{26C8B185-66FB-4663-926C-DB622F6991DA}" type="pres">
+      <dgm:prSet presAssocID="{E9BC0BE1-0740-471B-A73F-5F97A8FBB693}" presName="linNode" presStyleCnt="0"/>
+      <dgm:spPr/>
+    </dgm:pt>
+    <dgm:pt modelId="{1274FA8D-819D-4713-8AD9-8FFFFD678ED8}" type="pres">
+      <dgm:prSet presAssocID="{E9BC0BE1-0740-471B-A73F-5F97A8FBB693}" presName="parentShp" presStyleLbl="node1" presStyleIdx="0" presStyleCnt="4">
+        <dgm:presLayoutVars>
+          <dgm:bulletEnabled val="1"/>
+        </dgm:presLayoutVars>
+      </dgm:prSet>
+      <dgm:spPr/>
+    </dgm:pt>
+    <dgm:pt modelId="{EFC8D43C-0EF8-4EE7-875B-163A3FFF8FB1}" type="pres">
+      <dgm:prSet presAssocID="{E9BC0BE1-0740-471B-A73F-5F97A8FBB693}" presName="childShp" presStyleLbl="bgAccFollowNode1" presStyleIdx="0" presStyleCnt="4">
+        <dgm:presLayoutVars>
+          <dgm:bulletEnabled val="1"/>
+        </dgm:presLayoutVars>
+      </dgm:prSet>
+      <dgm:spPr/>
+    </dgm:pt>
+    <dgm:pt modelId="{73590D31-5989-4064-8FF5-E3158FB08F6C}" type="pres">
+      <dgm:prSet presAssocID="{7D5CF3B8-882D-4A9C-B099-10A71F58CA88}" presName="spacing" presStyleCnt="0"/>
+      <dgm:spPr/>
+    </dgm:pt>
+    <dgm:pt modelId="{16E4781F-6729-47A9-8AC4-80F81DA99CA5}" type="pres">
+      <dgm:prSet presAssocID="{70D13AFD-41B9-4D69-A1C8-68BD0752B6EE}" presName="linNode" presStyleCnt="0"/>
+      <dgm:spPr/>
+    </dgm:pt>
+    <dgm:pt modelId="{C61217D4-ACB7-4DE6-84F1-EBD38A75032F}" type="pres">
+      <dgm:prSet presAssocID="{70D13AFD-41B9-4D69-A1C8-68BD0752B6EE}" presName="parentShp" presStyleLbl="node1" presStyleIdx="1" presStyleCnt="4">
+        <dgm:presLayoutVars>
+          <dgm:bulletEnabled val="1"/>
+        </dgm:presLayoutVars>
+      </dgm:prSet>
+      <dgm:spPr/>
+    </dgm:pt>
+    <dgm:pt modelId="{F86398BA-DAFF-4535-AF0C-639B7C8172DF}" type="pres">
+      <dgm:prSet presAssocID="{70D13AFD-41B9-4D69-A1C8-68BD0752B6EE}" presName="childShp" presStyleLbl="bgAccFollowNode1" presStyleIdx="1" presStyleCnt="4">
+        <dgm:presLayoutVars>
+          <dgm:bulletEnabled val="1"/>
+        </dgm:presLayoutVars>
+      </dgm:prSet>
+      <dgm:spPr/>
+    </dgm:pt>
+    <dgm:pt modelId="{D288A890-3135-40A7-B43D-9B43272FB04D}" type="pres">
+      <dgm:prSet presAssocID="{48190FEB-FD00-46DF-9AEB-855476E3862F}" presName="spacing" presStyleCnt="0"/>
+      <dgm:spPr/>
+    </dgm:pt>
+    <dgm:pt modelId="{3A5626E8-712B-43E5-ADB6-675D8BF18741}" type="pres">
+      <dgm:prSet presAssocID="{5256CDD2-33F1-4CEB-8F47-FC0C1FFD1875}" presName="linNode" presStyleCnt="0"/>
+      <dgm:spPr/>
+    </dgm:pt>
+    <dgm:pt modelId="{AED38D7C-8DF3-40A8-9FFC-132CF615911D}" type="pres">
+      <dgm:prSet presAssocID="{5256CDD2-33F1-4CEB-8F47-FC0C1FFD1875}" presName="parentShp" presStyleLbl="node1" presStyleIdx="2" presStyleCnt="4">
+        <dgm:presLayoutVars>
+          <dgm:bulletEnabled val="1"/>
+        </dgm:presLayoutVars>
+      </dgm:prSet>
+      <dgm:spPr/>
+    </dgm:pt>
+    <dgm:pt modelId="{B276F184-8DA2-408A-8C01-3D6DB478B6E9}" type="pres">
+      <dgm:prSet presAssocID="{5256CDD2-33F1-4CEB-8F47-FC0C1FFD1875}" presName="childShp" presStyleLbl="bgAccFollowNode1" presStyleIdx="2" presStyleCnt="4">
+        <dgm:presLayoutVars>
+          <dgm:bulletEnabled val="1"/>
+        </dgm:presLayoutVars>
+      </dgm:prSet>
+      <dgm:spPr/>
+    </dgm:pt>
+    <dgm:pt modelId="{86F09CB9-BA71-4566-AF3F-376CF33F734A}" type="pres">
+      <dgm:prSet presAssocID="{88C4F5AB-1326-4B92-91A9-F15E88FDEE83}" presName="spacing" presStyleCnt="0"/>
+      <dgm:spPr/>
+    </dgm:pt>
+    <dgm:pt modelId="{DD50C7D8-BC98-4852-81E4-CBAFA182A012}" type="pres">
+      <dgm:prSet presAssocID="{413B0256-B3CD-48D6-BF13-8E16A152339F}" presName="linNode" presStyleCnt="0"/>
+      <dgm:spPr/>
+    </dgm:pt>
+    <dgm:pt modelId="{4941E670-D6C1-4880-888F-F12659DE4854}" type="pres">
+      <dgm:prSet presAssocID="{413B0256-B3CD-48D6-BF13-8E16A152339F}" presName="parentShp" presStyleLbl="node1" presStyleIdx="3" presStyleCnt="4">
+        <dgm:presLayoutVars>
+          <dgm:bulletEnabled val="1"/>
+        </dgm:presLayoutVars>
+      </dgm:prSet>
+      <dgm:spPr/>
+    </dgm:pt>
+    <dgm:pt modelId="{9B89FC2A-6A7F-4F9B-B096-D1D7988B0BFE}" type="pres">
+      <dgm:prSet presAssocID="{413B0256-B3CD-48D6-BF13-8E16A152339F}" presName="childShp" presStyleLbl="bgAccFollowNode1" presStyleIdx="3" presStyleCnt="4">
         <dgm:presLayoutVars>
           <dgm:bulletEnabled val="1"/>
         </dgm:presLayoutVars>
@@ -1476,38 +3006,50 @@
     </dgm:pt>
   </dgm:ptLst>
   <dgm:cxnLst>
-    <dgm:cxn modelId="{9ECBA80F-02A2-4948-909D-1D107B1D6308}" srcId="{350C09B5-24B2-48FE-9C93-47572404BA38}" destId="{911FCF2C-652D-4980-A904-54057195D52E}" srcOrd="0" destOrd="0" parTransId="{A9EB37F9-0DA1-4633-A99A-3E4CB5506A57}" sibTransId="{9745684A-D798-4137-ADDB-D62B41BAE01E}"/>
-    <dgm:cxn modelId="{5F1F1019-65F2-44EE-9781-FD93E2A2FB06}" srcId="{350C09B5-24B2-48FE-9C93-47572404BA38}" destId="{49FC7308-F7BF-442C-B2CC-8E3B8AC6C527}" srcOrd="1" destOrd="0" parTransId="{96099A35-BBEF-4ED9-8BE8-795EB19BED34}" sibTransId="{71F6374E-6EB4-437D-AF9A-333404A6FA62}"/>
-    <dgm:cxn modelId="{F8C69D3C-D0FB-4551-A4A1-2C1EBB6D777A}" type="presOf" srcId="{3E98EDF9-7943-48A0-9F7E-41FB39E3A9D8}" destId="{F94CE225-D483-4A08-A3B6-10F8D21D17EE}" srcOrd="0" destOrd="1" presId="urn:microsoft.com/office/officeart/2005/8/layout/chevron1"/>
-    <dgm:cxn modelId="{6B37655C-94E7-45FC-A5FE-ED684E1E6D03}" srcId="{8E80F3AA-967B-464C-9CF8-829D987E9044}" destId="{8A482AF9-CA18-47B8-85A6-1A400C422D74}" srcOrd="0" destOrd="0" parTransId="{C3BB2883-BE0A-4B9A-AF7D-2A49A20A9997}" sibTransId="{DB9BE482-EF01-45FA-B942-8AE872AF1510}"/>
-    <dgm:cxn modelId="{9FE6925C-C6F9-44AD-925B-601DAB65B11F}" type="presOf" srcId="{350C09B5-24B2-48FE-9C93-47572404BA38}" destId="{B89A76DA-21C1-477C-AA39-80B157A6B069}" srcOrd="0" destOrd="0" presId="urn:microsoft.com/office/officeart/2005/8/layout/chevron1"/>
-    <dgm:cxn modelId="{657BB442-7E79-48D5-B3C4-34C185A12FF7}" type="presOf" srcId="{49FC7308-F7BF-442C-B2CC-8E3B8AC6C527}" destId="{13EB7FA4-C5B1-4704-B1DF-A7BA66468610}" srcOrd="0" destOrd="1" presId="urn:microsoft.com/office/officeart/2005/8/layout/chevron1"/>
-    <dgm:cxn modelId="{6ED10B43-53D2-4CDB-AF1B-144BAA756FDC}" srcId="{8E80F3AA-967B-464C-9CF8-829D987E9044}" destId="{D5BF4A7E-9CB5-4C6A-8C9D-677C2446796F}" srcOrd="1" destOrd="0" parTransId="{1E73BE25-3AD2-4103-8523-489114C2C714}" sibTransId="{A428BDF6-1F7B-4962-92E6-06E2315D1D94}"/>
-    <dgm:cxn modelId="{A2019763-BE15-4B73-8F43-EC341FD82983}" srcId="{94F39561-53C1-46A6-B653-671D81668BE8}" destId="{350C09B5-24B2-48FE-9C93-47572404BA38}" srcOrd="0" destOrd="0" parTransId="{86CDF8D4-B159-4874-A720-5B270D512E12}" sibTransId="{FF5CAAC4-724C-47A5-8969-CDA45EAA44BA}"/>
-    <dgm:cxn modelId="{0890ED7F-8EAC-4349-A4FE-AE1F056A3AB0}" type="presOf" srcId="{6F0598EF-C0CB-49D4-B4BA-6B7007977CC8}" destId="{6A0432B2-C797-4DCD-910A-7AF84118EC1C}" srcOrd="0" destOrd="0" presId="urn:microsoft.com/office/officeart/2005/8/layout/chevron1"/>
-    <dgm:cxn modelId="{1BC87B8A-5EA3-4D42-B107-B2BA5E0FA349}" type="presOf" srcId="{ADBDB905-B707-4630-9ACD-B894917B6811}" destId="{F94CE225-D483-4A08-A3B6-10F8D21D17EE}" srcOrd="0" destOrd="0" presId="urn:microsoft.com/office/officeart/2005/8/layout/chevron1"/>
-    <dgm:cxn modelId="{1F037590-68F1-49E0-A743-5D23621B6DD5}" srcId="{94F39561-53C1-46A6-B653-671D81668BE8}" destId="{8E80F3AA-967B-464C-9CF8-829D987E9044}" srcOrd="2" destOrd="0" parTransId="{3FA0DB22-52CB-4E55-8374-996FD7C33F1F}" sibTransId="{5884209C-9AFA-492C-8AE1-5361EB8B7CBF}"/>
-    <dgm:cxn modelId="{8FF35DA2-1C9D-45C7-A86B-EFE14B02A597}" srcId="{94F39561-53C1-46A6-B653-671D81668BE8}" destId="{6F0598EF-C0CB-49D4-B4BA-6B7007977CC8}" srcOrd="1" destOrd="0" parTransId="{9A134D9E-12CC-4C3E-AA2C-1ADA78C86FE3}" sibTransId="{CF1B992B-CD36-44ED-9F46-0573022E0943}"/>
-    <dgm:cxn modelId="{41C663D0-8031-4EEF-9350-94341F908013}" srcId="{6F0598EF-C0CB-49D4-B4BA-6B7007977CC8}" destId="{3E98EDF9-7943-48A0-9F7E-41FB39E3A9D8}" srcOrd="1" destOrd="0" parTransId="{C0A0EDF4-6DC5-44EE-B993-F33C693EEA54}" sibTransId="{ED868EC8-DEAA-4B60-8283-5252B6D21E2C}"/>
-    <dgm:cxn modelId="{509533D1-BEC5-472D-835C-E2F049E5A527}" type="presOf" srcId="{C3215829-64BF-4655-8921-62153371C67D}" destId="{13EB7FA4-C5B1-4704-B1DF-A7BA66468610}" srcOrd="0" destOrd="2" presId="urn:microsoft.com/office/officeart/2005/8/layout/chevron1"/>
-    <dgm:cxn modelId="{E6FBD1D7-AE0B-49A8-909B-D2F5CEA086C9}" type="presOf" srcId="{8A482AF9-CA18-47B8-85A6-1A400C422D74}" destId="{94BD33B7-877C-42CA-AC30-F13F93D57156}" srcOrd="0" destOrd="0" presId="urn:microsoft.com/office/officeart/2005/8/layout/chevron1"/>
-    <dgm:cxn modelId="{78B9E3D8-47E4-49A4-BEE8-F611EE6443BA}" type="presOf" srcId="{8E80F3AA-967B-464C-9CF8-829D987E9044}" destId="{ED8254E2-FFD2-4745-8793-8F701CC491F1}" srcOrd="0" destOrd="0" presId="urn:microsoft.com/office/officeart/2005/8/layout/chevron1"/>
-    <dgm:cxn modelId="{016940E1-EEFE-4210-97B0-9A02A9657950}" srcId="{350C09B5-24B2-48FE-9C93-47572404BA38}" destId="{C3215829-64BF-4655-8921-62153371C67D}" srcOrd="2" destOrd="0" parTransId="{124DF4E6-4D76-49D9-BC52-C21949C45D1A}" sibTransId="{63D02B57-7FD6-4C6F-9734-6B968B25B3F4}"/>
-    <dgm:cxn modelId="{74DB0FE5-EFBB-4686-BA05-181B5F82040E}" type="presOf" srcId="{94F39561-53C1-46A6-B653-671D81668BE8}" destId="{AE44B031-A44F-4C7E-A202-56F1B0135B49}" srcOrd="0" destOrd="0" presId="urn:microsoft.com/office/officeart/2005/8/layout/chevron1"/>
-    <dgm:cxn modelId="{05F190F5-6533-4D88-9920-F0B2794C6058}" srcId="{6F0598EF-C0CB-49D4-B4BA-6B7007977CC8}" destId="{ADBDB905-B707-4630-9ACD-B894917B6811}" srcOrd="0" destOrd="0" parTransId="{3D623204-9875-43B3-A64A-6EAB53D1CB8C}" sibTransId="{D00C0281-27F9-4749-9AC7-8A26D36F5DE1}"/>
-    <dgm:cxn modelId="{B2F8B4FC-1BFF-4B9F-952E-AF24F2AB860D}" type="presOf" srcId="{D5BF4A7E-9CB5-4C6A-8C9D-677C2446796F}" destId="{94BD33B7-877C-42CA-AC30-F13F93D57156}" srcOrd="0" destOrd="1" presId="urn:microsoft.com/office/officeart/2005/8/layout/chevron1"/>
-    <dgm:cxn modelId="{4D2226FF-AE87-46F3-97DA-8E78D902ECB6}" type="presOf" srcId="{911FCF2C-652D-4980-A904-54057195D52E}" destId="{13EB7FA4-C5B1-4704-B1DF-A7BA66468610}" srcOrd="0" destOrd="0" presId="urn:microsoft.com/office/officeart/2005/8/layout/chevron1"/>
-    <dgm:cxn modelId="{6DCAC393-DFB9-431B-A499-5B8C63DC06A4}" type="presParOf" srcId="{AE44B031-A44F-4C7E-A202-56F1B0135B49}" destId="{5CBE26FB-D2F0-4DE7-8296-F4A3EB340980}" srcOrd="0" destOrd="0" presId="urn:microsoft.com/office/officeart/2005/8/layout/chevron1"/>
-    <dgm:cxn modelId="{BBAB0D39-3190-4EA4-9242-F46B04A21CD5}" type="presParOf" srcId="{5CBE26FB-D2F0-4DE7-8296-F4A3EB340980}" destId="{B89A76DA-21C1-477C-AA39-80B157A6B069}" srcOrd="0" destOrd="0" presId="urn:microsoft.com/office/officeart/2005/8/layout/chevron1"/>
-    <dgm:cxn modelId="{D5DD1045-89DB-48F1-80DD-7B76412BF1AF}" type="presParOf" srcId="{5CBE26FB-D2F0-4DE7-8296-F4A3EB340980}" destId="{13EB7FA4-C5B1-4704-B1DF-A7BA66468610}" srcOrd="1" destOrd="0" presId="urn:microsoft.com/office/officeart/2005/8/layout/chevron1"/>
-    <dgm:cxn modelId="{FDA37CE6-57FC-48AC-BA14-99E219789C1F}" type="presParOf" srcId="{AE44B031-A44F-4C7E-A202-56F1B0135B49}" destId="{883095CF-13EC-4CCB-B011-55372821F31F}" srcOrd="1" destOrd="0" presId="urn:microsoft.com/office/officeart/2005/8/layout/chevron1"/>
-    <dgm:cxn modelId="{D49144CE-281F-4407-B06F-144ED538231E}" type="presParOf" srcId="{AE44B031-A44F-4C7E-A202-56F1B0135B49}" destId="{08D8BAFE-455C-4AB4-814A-9CAC115481E3}" srcOrd="2" destOrd="0" presId="urn:microsoft.com/office/officeart/2005/8/layout/chevron1"/>
-    <dgm:cxn modelId="{FD356889-C6CA-4A8B-AD49-CFD4BB8A3401}" type="presParOf" srcId="{08D8BAFE-455C-4AB4-814A-9CAC115481E3}" destId="{6A0432B2-C797-4DCD-910A-7AF84118EC1C}" srcOrd="0" destOrd="0" presId="urn:microsoft.com/office/officeart/2005/8/layout/chevron1"/>
-    <dgm:cxn modelId="{75A16A6A-D2FF-431A-8B68-FE126724D048}" type="presParOf" srcId="{08D8BAFE-455C-4AB4-814A-9CAC115481E3}" destId="{F94CE225-D483-4A08-A3B6-10F8D21D17EE}" srcOrd="1" destOrd="0" presId="urn:microsoft.com/office/officeart/2005/8/layout/chevron1"/>
-    <dgm:cxn modelId="{49294DB0-5446-42BC-8553-52A91B8515EF}" type="presParOf" srcId="{AE44B031-A44F-4C7E-A202-56F1B0135B49}" destId="{B2F62BB0-377C-4580-A640-F037F76B9792}" srcOrd="3" destOrd="0" presId="urn:microsoft.com/office/officeart/2005/8/layout/chevron1"/>
-    <dgm:cxn modelId="{ABFE1706-4E1E-4E81-A84B-2D6757D449F0}" type="presParOf" srcId="{AE44B031-A44F-4C7E-A202-56F1B0135B49}" destId="{12DD28A1-FEAC-4BD4-A02B-3E359D4B3AA0}" srcOrd="4" destOrd="0" presId="urn:microsoft.com/office/officeart/2005/8/layout/chevron1"/>
-    <dgm:cxn modelId="{65094861-6BD7-4EB1-B087-8FD402C42386}" type="presParOf" srcId="{12DD28A1-FEAC-4BD4-A02B-3E359D4B3AA0}" destId="{ED8254E2-FFD2-4745-8793-8F701CC491F1}" srcOrd="0" destOrd="0" presId="urn:microsoft.com/office/officeart/2005/8/layout/chevron1"/>
-    <dgm:cxn modelId="{14DF1B62-EF04-4A83-BFBD-24723D528412}" type="presParOf" srcId="{12DD28A1-FEAC-4BD4-A02B-3E359D4B3AA0}" destId="{94BD33B7-877C-42CA-AC30-F13F93D57156}" srcOrd="1" destOrd="0" presId="urn:microsoft.com/office/officeart/2005/8/layout/chevron1"/>
+    <dgm:cxn modelId="{3186A609-9C26-4801-8B92-DFD9209005F8}" type="presOf" srcId="{09F2AA27-39FD-42B1-8D44-0859CEBE8AAB}" destId="{F86398BA-DAFF-4535-AF0C-639B7C8172DF}" srcOrd="0" destOrd="0" presId="urn:microsoft.com/office/officeart/2005/8/layout/vList6"/>
+    <dgm:cxn modelId="{0608900B-F603-4ECA-8DA1-572E8FB686E3}" type="presOf" srcId="{D9D29136-29CF-42B4-8EFE-CD17D9ACD5B7}" destId="{9B89FC2A-6A7F-4F9B-B096-D1D7988B0BFE}" srcOrd="0" destOrd="1" presId="urn:microsoft.com/office/officeart/2005/8/layout/vList6"/>
+    <dgm:cxn modelId="{78E74B15-6453-40E2-BAE0-0A95826559F3}" type="presOf" srcId="{0B1986BD-6FE6-4153-A388-3A488866BC77}" destId="{EFC8D43C-0EF8-4EE7-875B-163A3FFF8FB1}" srcOrd="0" destOrd="3" presId="urn:microsoft.com/office/officeart/2005/8/layout/vList6"/>
+    <dgm:cxn modelId="{E9F89B15-4916-4B6C-ACB4-85F1A7D8EC4B}" type="presOf" srcId="{88EFB9FA-D167-4766-885A-9407B966383F}" destId="{139A5ACA-7753-4AFE-B3A4-6E282A2A8267}" srcOrd="0" destOrd="0" presId="urn:microsoft.com/office/officeart/2005/8/layout/vList6"/>
+    <dgm:cxn modelId="{CCAED427-3628-496B-A058-ABB6A93B92B8}" srcId="{E9BC0BE1-0740-471B-A73F-5F97A8FBB693}" destId="{510A0CE3-EAAD-4FF4-A471-72A3E6DF8E49}" srcOrd="1" destOrd="0" parTransId="{2CD3A6C2-771C-4195-B02E-E213122AA031}" sibTransId="{B33B923B-FB50-4518-8519-6F5B85156E2D}"/>
+    <dgm:cxn modelId="{95CD2128-CD43-4E49-B9F1-DC057773316F}" srcId="{E9BC0BE1-0740-471B-A73F-5F97A8FBB693}" destId="{3815A932-0C2F-4E37-999F-8178EB93880E}" srcOrd="4" destOrd="0" parTransId="{35ABEF6E-8824-47A3-B0E0-C55741B4F4AF}" sibTransId="{2538D02D-B58B-4E3B-9028-DE8854266C41}"/>
+    <dgm:cxn modelId="{B1809C28-6B00-459A-8802-DDE4E541682C}" type="presOf" srcId="{6ED6D13F-3DA0-4A5A-A497-EBFF3AD4F5F2}" destId="{F86398BA-DAFF-4535-AF0C-639B7C8172DF}" srcOrd="0" destOrd="2" presId="urn:microsoft.com/office/officeart/2005/8/layout/vList6"/>
+    <dgm:cxn modelId="{B81F9329-BBFB-4959-89CD-93F7BDE966DA}" srcId="{E9BC0BE1-0740-471B-A73F-5F97A8FBB693}" destId="{3CE15F4C-7794-4C4B-98AD-C2B3C335147E}" srcOrd="0" destOrd="0" parTransId="{D5F10B5A-A906-460F-9E6F-D2C425D79E1D}" sibTransId="{7E7F605A-EF6B-4313-BCCA-E6545098849F}"/>
+    <dgm:cxn modelId="{D5374038-4766-48D0-AFDF-C456D1FA1876}" srcId="{88EFB9FA-D167-4766-885A-9407B966383F}" destId="{413B0256-B3CD-48D6-BF13-8E16A152339F}" srcOrd="3" destOrd="0" parTransId="{FE790E65-DA0C-462C-8C8C-61FCC85098B6}" sibTransId="{BC81A531-06E3-48C4-99A0-B0D3946C0DBF}"/>
+    <dgm:cxn modelId="{858A553D-A313-4B33-9572-F85DD628B829}" type="presOf" srcId="{0BFE3376-978D-4938-BFDC-E5D250F95DDB}" destId="{9B89FC2A-6A7F-4F9B-B096-D1D7988B0BFE}" srcOrd="0" destOrd="0" presId="urn:microsoft.com/office/officeart/2005/8/layout/vList6"/>
+    <dgm:cxn modelId="{561E375E-2C86-4054-B62B-5CFED7B58454}" type="presOf" srcId="{3815A932-0C2F-4E37-999F-8178EB93880E}" destId="{EFC8D43C-0EF8-4EE7-875B-163A3FFF8FB1}" srcOrd="0" destOrd="4" presId="urn:microsoft.com/office/officeart/2005/8/layout/vList6"/>
+    <dgm:cxn modelId="{50093E63-7779-4D04-82B8-17E06E0523AB}" type="presOf" srcId="{510A0CE3-EAAD-4FF4-A471-72A3E6DF8E49}" destId="{EFC8D43C-0EF8-4EE7-875B-163A3FFF8FB1}" srcOrd="0" destOrd="1" presId="urn:microsoft.com/office/officeart/2005/8/layout/vList6"/>
+    <dgm:cxn modelId="{198CA463-7DF7-433B-9880-55D7E136FEE6}" srcId="{413B0256-B3CD-48D6-BF13-8E16A152339F}" destId="{0BFE3376-978D-4938-BFDC-E5D250F95DDB}" srcOrd="0" destOrd="0" parTransId="{1F40C617-5563-4BCF-A0DB-261CD7E069B2}" sibTransId="{D27B9E58-6090-44F9-894B-A913FAC7C99C}"/>
+    <dgm:cxn modelId="{8AA8EC63-D7CF-418A-A1F1-AB47FE81BC76}" srcId="{70D13AFD-41B9-4D69-A1C8-68BD0752B6EE}" destId="{09F2AA27-39FD-42B1-8D44-0859CEBE8AAB}" srcOrd="0" destOrd="0" parTransId="{64E9F99D-B7A9-458D-BEDC-DB787CEB7886}" sibTransId="{89F11903-6574-4C3C-8A30-366DE57989F9}"/>
+    <dgm:cxn modelId="{633CF847-38BA-4AAC-833F-7BA5D1F5EBC2}" type="presOf" srcId="{5256CDD2-33F1-4CEB-8F47-FC0C1FFD1875}" destId="{AED38D7C-8DF3-40A8-9FFC-132CF615911D}" srcOrd="0" destOrd="0" presId="urn:microsoft.com/office/officeart/2005/8/layout/vList6"/>
+    <dgm:cxn modelId="{6EAB284D-7B50-4EC7-B776-B4824D869310}" srcId="{70D13AFD-41B9-4D69-A1C8-68BD0752B6EE}" destId="{CD0AED86-BD0B-4775-BEA6-B8D67905EC0B}" srcOrd="1" destOrd="0" parTransId="{EC64B2FF-163F-4648-9684-C6D1BEE0D7F2}" sibTransId="{0FE8A603-5FAC-4088-BDD2-29A11196014F}"/>
+    <dgm:cxn modelId="{36BBC259-560B-4A91-B248-915E4CBF5B19}" srcId="{70D13AFD-41B9-4D69-A1C8-68BD0752B6EE}" destId="{6ED6D13F-3DA0-4A5A-A497-EBFF3AD4F5F2}" srcOrd="2" destOrd="0" parTransId="{07F02F41-740D-407F-B0A6-EF0C1F3446AD}" sibTransId="{7DDAB1F8-010D-421C-9738-72C6D0E3F55A}"/>
+    <dgm:cxn modelId="{FB0BE283-F903-4A4E-849B-74F0831EFF4B}" srcId="{88EFB9FA-D167-4766-885A-9407B966383F}" destId="{E9BC0BE1-0740-471B-A73F-5F97A8FBB693}" srcOrd="0" destOrd="0" parTransId="{F8E75ACC-F5F8-444F-925B-3D2176CE2256}" sibTransId="{7D5CF3B8-882D-4A9C-B099-10A71F58CA88}"/>
+    <dgm:cxn modelId="{41C96791-D3AE-4D5B-9B9D-B6F12F3357D7}" type="presOf" srcId="{413B0256-B3CD-48D6-BF13-8E16A152339F}" destId="{4941E670-D6C1-4880-888F-F12659DE4854}" srcOrd="0" destOrd="0" presId="urn:microsoft.com/office/officeart/2005/8/layout/vList6"/>
+    <dgm:cxn modelId="{319FD79D-C145-4A5C-9A8C-FEF20A79F846}" type="presOf" srcId="{70D13AFD-41B9-4D69-A1C8-68BD0752B6EE}" destId="{C61217D4-ACB7-4DE6-84F1-EBD38A75032F}" srcOrd="0" destOrd="0" presId="urn:microsoft.com/office/officeart/2005/8/layout/vList6"/>
+    <dgm:cxn modelId="{F1B420AA-91F2-46C9-8B1A-8270E169D3A9}" type="presOf" srcId="{3CE15F4C-7794-4C4B-98AD-C2B3C335147E}" destId="{EFC8D43C-0EF8-4EE7-875B-163A3FFF8FB1}" srcOrd="0" destOrd="0" presId="urn:microsoft.com/office/officeart/2005/8/layout/vList6"/>
+    <dgm:cxn modelId="{A7B386BB-4C19-427C-AFC6-EA9ABCE3E770}" srcId="{413B0256-B3CD-48D6-BF13-8E16A152339F}" destId="{D9D29136-29CF-42B4-8EFE-CD17D9ACD5B7}" srcOrd="1" destOrd="0" parTransId="{1ADD42FB-2EB6-4D70-85C9-CB505926D2ED}" sibTransId="{B69080EC-0393-4F24-AA20-B15FEE7320D8}"/>
+    <dgm:cxn modelId="{F7B6D0C6-EC6B-4DD8-9BAD-438D768B957A}" srcId="{88EFB9FA-D167-4766-885A-9407B966383F}" destId="{70D13AFD-41B9-4D69-A1C8-68BD0752B6EE}" srcOrd="1" destOrd="0" parTransId="{F9FE2DEC-D839-400F-8CC7-A64C6A47F3F2}" sibTransId="{48190FEB-FD00-46DF-9AEB-855476E3862F}"/>
+    <dgm:cxn modelId="{0A9EB7D3-0F25-4D34-B21F-4E40E091FF43}" srcId="{E9BC0BE1-0740-471B-A73F-5F97A8FBB693}" destId="{0B1986BD-6FE6-4153-A388-3A488866BC77}" srcOrd="3" destOrd="0" parTransId="{2ED087E6-C810-4C05-9466-12AC39223439}" sibTransId="{EFD166E3-CCA7-4203-9F67-A06D78CB6E2C}"/>
+    <dgm:cxn modelId="{18598ED4-32F2-4C1E-9BA7-FA51E81F0AAE}" srcId="{88EFB9FA-D167-4766-885A-9407B966383F}" destId="{5256CDD2-33F1-4CEB-8F47-FC0C1FFD1875}" srcOrd="2" destOrd="0" parTransId="{7405E966-EB65-4531-B31A-7501D7951A3A}" sibTransId="{88C4F5AB-1326-4B92-91A9-F15E88FDEE83}"/>
+    <dgm:cxn modelId="{F326CEDF-AE0C-45F8-9D87-D7BCA9F6802B}" srcId="{E9BC0BE1-0740-471B-A73F-5F97A8FBB693}" destId="{E4AA6B36-4AB9-4B7B-B82E-5A2F04B7C8FE}" srcOrd="2" destOrd="0" parTransId="{A584CE36-FFEE-4482-B2BE-1A7CCEADF0AC}" sibTransId="{1890A2D1-ED15-4ADA-A20D-E9C7C0242ECC}"/>
+    <dgm:cxn modelId="{47820EEB-0DBF-45AF-ADB3-B631B2DA8564}" type="presOf" srcId="{E9BC0BE1-0740-471B-A73F-5F97A8FBB693}" destId="{1274FA8D-819D-4713-8AD9-8FFFFD678ED8}" srcOrd="0" destOrd="0" presId="urn:microsoft.com/office/officeart/2005/8/layout/vList6"/>
+    <dgm:cxn modelId="{1C0FBBF5-369A-4AAC-8FFF-1244277F36A2}" type="presOf" srcId="{E4AA6B36-4AB9-4B7B-B82E-5A2F04B7C8FE}" destId="{EFC8D43C-0EF8-4EE7-875B-163A3FFF8FB1}" srcOrd="0" destOrd="2" presId="urn:microsoft.com/office/officeart/2005/8/layout/vList6"/>
+    <dgm:cxn modelId="{9AC9F9FA-2005-4578-AF8C-E2499A5385EE}" type="presOf" srcId="{CD0AED86-BD0B-4775-BEA6-B8D67905EC0B}" destId="{F86398BA-DAFF-4535-AF0C-639B7C8172DF}" srcOrd="0" destOrd="1" presId="urn:microsoft.com/office/officeart/2005/8/layout/vList6"/>
+    <dgm:cxn modelId="{A6F98CF7-181F-4E8C-8B33-E54FCF4519EF}" type="presParOf" srcId="{139A5ACA-7753-4AFE-B3A4-6E282A2A8267}" destId="{26C8B185-66FB-4663-926C-DB622F6991DA}" srcOrd="0" destOrd="0" presId="urn:microsoft.com/office/officeart/2005/8/layout/vList6"/>
+    <dgm:cxn modelId="{6C311104-BF8B-4F36-A942-7E797D14B034}" type="presParOf" srcId="{26C8B185-66FB-4663-926C-DB622F6991DA}" destId="{1274FA8D-819D-4713-8AD9-8FFFFD678ED8}" srcOrd="0" destOrd="0" presId="urn:microsoft.com/office/officeart/2005/8/layout/vList6"/>
+    <dgm:cxn modelId="{546C1FD4-9D33-4237-A875-F33ED9D9EB32}" type="presParOf" srcId="{26C8B185-66FB-4663-926C-DB622F6991DA}" destId="{EFC8D43C-0EF8-4EE7-875B-163A3FFF8FB1}" srcOrd="1" destOrd="0" presId="urn:microsoft.com/office/officeart/2005/8/layout/vList6"/>
+    <dgm:cxn modelId="{8A29BD1A-7A5A-4017-A288-106287FC7E71}" type="presParOf" srcId="{139A5ACA-7753-4AFE-B3A4-6E282A2A8267}" destId="{73590D31-5989-4064-8FF5-E3158FB08F6C}" srcOrd="1" destOrd="0" presId="urn:microsoft.com/office/officeart/2005/8/layout/vList6"/>
+    <dgm:cxn modelId="{5A887F6A-97A1-4678-9949-EE2EF84CA412}" type="presParOf" srcId="{139A5ACA-7753-4AFE-B3A4-6E282A2A8267}" destId="{16E4781F-6729-47A9-8AC4-80F81DA99CA5}" srcOrd="2" destOrd="0" presId="urn:microsoft.com/office/officeart/2005/8/layout/vList6"/>
+    <dgm:cxn modelId="{010B5944-E822-436B-B6AD-ED19B2DECA05}" type="presParOf" srcId="{16E4781F-6729-47A9-8AC4-80F81DA99CA5}" destId="{C61217D4-ACB7-4DE6-84F1-EBD38A75032F}" srcOrd="0" destOrd="0" presId="urn:microsoft.com/office/officeart/2005/8/layout/vList6"/>
+    <dgm:cxn modelId="{9532E16C-5F34-43B7-BF94-0AE41E23D9A3}" type="presParOf" srcId="{16E4781F-6729-47A9-8AC4-80F81DA99CA5}" destId="{F86398BA-DAFF-4535-AF0C-639B7C8172DF}" srcOrd="1" destOrd="0" presId="urn:microsoft.com/office/officeart/2005/8/layout/vList6"/>
+    <dgm:cxn modelId="{B298B94A-6BE3-4A83-9C1E-C770EE5CBAEA}" type="presParOf" srcId="{139A5ACA-7753-4AFE-B3A4-6E282A2A8267}" destId="{D288A890-3135-40A7-B43D-9B43272FB04D}" srcOrd="3" destOrd="0" presId="urn:microsoft.com/office/officeart/2005/8/layout/vList6"/>
+    <dgm:cxn modelId="{E7EB49B9-D0DA-4B1D-A2ED-29850383D756}" type="presParOf" srcId="{139A5ACA-7753-4AFE-B3A4-6E282A2A8267}" destId="{3A5626E8-712B-43E5-ADB6-675D8BF18741}" srcOrd="4" destOrd="0" presId="urn:microsoft.com/office/officeart/2005/8/layout/vList6"/>
+    <dgm:cxn modelId="{50136F39-E805-4D92-9F45-B2F54F6323D6}" type="presParOf" srcId="{3A5626E8-712B-43E5-ADB6-675D8BF18741}" destId="{AED38D7C-8DF3-40A8-9FFC-132CF615911D}" srcOrd="0" destOrd="0" presId="urn:microsoft.com/office/officeart/2005/8/layout/vList6"/>
+    <dgm:cxn modelId="{D819B9D6-89E4-4DD8-9FC6-65068ADE16A7}" type="presParOf" srcId="{3A5626E8-712B-43E5-ADB6-675D8BF18741}" destId="{B276F184-8DA2-408A-8C01-3D6DB478B6E9}" srcOrd="1" destOrd="0" presId="urn:microsoft.com/office/officeart/2005/8/layout/vList6"/>
+    <dgm:cxn modelId="{5D181915-9ABC-41D5-B5D8-C320806C6BD1}" type="presParOf" srcId="{139A5ACA-7753-4AFE-B3A4-6E282A2A8267}" destId="{86F09CB9-BA71-4566-AF3F-376CF33F734A}" srcOrd="5" destOrd="0" presId="urn:microsoft.com/office/officeart/2005/8/layout/vList6"/>
+    <dgm:cxn modelId="{DDAED6BC-B23D-4BF5-A2FD-E61948F464FB}" type="presParOf" srcId="{139A5ACA-7753-4AFE-B3A4-6E282A2A8267}" destId="{DD50C7D8-BC98-4852-81E4-CBAFA182A012}" srcOrd="6" destOrd="0" presId="urn:microsoft.com/office/officeart/2005/8/layout/vList6"/>
+    <dgm:cxn modelId="{C5627349-AD19-4A6B-B58C-606CDE69A251}" type="presParOf" srcId="{DD50C7D8-BC98-4852-81E4-CBAFA182A012}" destId="{4941E670-D6C1-4880-888F-F12659DE4854}" srcOrd="0" destOrd="0" presId="urn:microsoft.com/office/officeart/2005/8/layout/vList6"/>
+    <dgm:cxn modelId="{FF2A9F73-2BD7-4A27-9C4C-16E544237B60}" type="presParOf" srcId="{DD50C7D8-BC98-4852-81E4-CBAFA182A012}" destId="{9B89FC2A-6A7F-4F9B-B096-D1D7988B0BFE}" srcOrd="1" destOrd="0" presId="urn:microsoft.com/office/officeart/2005/8/layout/vList6"/>
   </dgm:cxnLst>
   <dgm:bg/>
   <dgm:whole/>
@@ -1527,22 +3069,75 @@
       <dsp:cNvGrpSpPr/>
     </dsp:nvGrpSpPr>
     <dsp:grpSpPr/>
-    <dsp:sp modelId="{B89A76DA-21C1-477C-AA39-80B157A6B069}">
+    <dsp:sp modelId="{69478E03-A516-4935-AA4F-B4A7A08E1A8A}">
+      <dsp:nvSpPr>
+        <dsp:cNvPr id="0" name=""/>
+        <dsp:cNvSpPr/>
+      </dsp:nvSpPr>
+      <dsp:spPr>
+        <a:xfrm rot="5400000">
+          <a:off x="4188569" y="1341630"/>
+          <a:ext cx="1178243" cy="1341388"/>
+        </a:xfrm>
+        <a:prstGeom prst="bentUpArrow">
+          <a:avLst>
+            <a:gd name="adj1" fmla="val 32840"/>
+            <a:gd name="adj2" fmla="val 25000"/>
+            <a:gd name="adj3" fmla="val 35780"/>
+          </a:avLst>
+        </a:prstGeom>
+        <a:solidFill>
+          <a:schemeClr val="accent4">
+            <a:tint val="50000"/>
+            <a:hueOff val="0"/>
+            <a:satOff val="0"/>
+            <a:lumOff val="0"/>
+            <a:alphaOff val="0"/>
+          </a:schemeClr>
+        </a:solidFill>
+        <a:ln w="15875" cap="flat" cmpd="sng" algn="ctr">
+          <a:solidFill>
+            <a:schemeClr val="lt1">
+              <a:hueOff val="0"/>
+              <a:satOff val="0"/>
+              <a:lumOff val="0"/>
+              <a:alphaOff val="0"/>
+            </a:schemeClr>
+          </a:solidFill>
+          <a:prstDash val="solid"/>
+        </a:ln>
+        <a:effectLst/>
+      </dsp:spPr>
+      <dsp:style>
+        <a:lnRef idx="2">
+          <a:scrgbClr r="0" g="0" b="0"/>
+        </a:lnRef>
+        <a:fillRef idx="1">
+          <a:scrgbClr r="0" g="0" b="0"/>
+        </a:fillRef>
+        <a:effectRef idx="0">
+          <a:scrgbClr r="0" g="0" b="0"/>
+        </a:effectRef>
+        <a:fontRef idx="minor"/>
+      </dsp:style>
+    </dsp:sp>
+    <dsp:sp modelId="{600B9660-F0E8-4D6B-B428-1EA195C30EBF}">
       <dsp:nvSpPr>
         <dsp:cNvPr id="0" name=""/>
         <dsp:cNvSpPr/>
       </dsp:nvSpPr>
       <dsp:spPr>
         <a:xfrm>
-          <a:off x="1892" y="1425994"/>
-          <a:ext cx="3707723" cy="1483089"/>
+          <a:off x="3876406" y="35524"/>
+          <a:ext cx="1983467" cy="1388363"/>
         </a:xfrm>
-        <a:prstGeom prst="chevron">
-          <a:avLst/>
+        <a:prstGeom prst="roundRect">
+          <a:avLst>
+            <a:gd name="adj" fmla="val 16670"/>
+          </a:avLst>
         </a:prstGeom>
         <a:solidFill>
-          <a:schemeClr val="accent1">
-            <a:shade val="80000"/>
+          <a:schemeClr val="accent4">
             <a:hueOff val="0"/>
             <a:satOff val="0"/>
             <a:lumOff val="0"/>
@@ -1577,7 +3172,7 @@
         </a:fontRef>
       </dsp:style>
       <dsp:txBody>
-        <a:bodyPr spcFirstLastPara="0" vert="horz" wrap="square" lIns="80010" tIns="26670" rIns="26670" bIns="26670" numCol="1" spcCol="1270" anchor="ctr" anchorCtr="0">
+        <a:bodyPr spcFirstLastPara="0" vert="horz" wrap="square" lIns="76200" tIns="76200" rIns="76200" bIns="76200" numCol="1" spcCol="1270" anchor="ctr" anchorCtr="0">
           <a:noAutofit/>
         </a:bodyPr>
         <a:lstStyle/>
@@ -1595,30 +3190,27 @@
             <a:buNone/>
           </a:pPr>
           <a:r>
-            <a:rPr lang="en-GB" sz="2000" kern="1200">
+            <a:rPr lang="en-GB" sz="2000" kern="1200" dirty="0">
               <a:latin typeface="Montserrat" panose="02000505000000020004" pitchFamily="2" charset="0"/>
             </a:rPr>
-            <a:t>EDA</a:t>
+            <a:t>Raw Data</a:t>
           </a:r>
-          <a:endParaRPr lang="en-GB" sz="2000" kern="1200" dirty="0">
-            <a:latin typeface="Montserrat" panose="02000505000000020004" pitchFamily="2" charset="0"/>
-          </a:endParaRPr>
         </a:p>
       </dsp:txBody>
       <dsp:txXfrm>
-        <a:off x="743437" y="1425994"/>
-        <a:ext cx="2224634" cy="1483089"/>
+        <a:off x="3944192" y="103310"/>
+        <a:ext cx="1847895" cy="1252791"/>
       </dsp:txXfrm>
     </dsp:sp>
-    <dsp:sp modelId="{13EB7FA4-C5B1-4704-B1DF-A7BA66468610}">
+    <dsp:sp modelId="{40F669E3-B077-4E26-84F9-C46F5FDADBF8}">
       <dsp:nvSpPr>
         <dsp:cNvPr id="0" name=""/>
         <dsp:cNvSpPr/>
       </dsp:nvSpPr>
       <dsp:spPr>
         <a:xfrm>
-          <a:off x="1892" y="3094470"/>
-          <a:ext cx="2966178" cy="1170000"/>
+          <a:off x="5859874" y="167936"/>
+          <a:ext cx="1442585" cy="1122136"/>
         </a:xfrm>
         <a:prstGeom prst="rect">
           <a:avLst/>
@@ -1641,96 +3233,79 @@
         </a:effectRef>
         <a:fontRef idx="minor"/>
       </dsp:style>
-      <dsp:txBody>
-        <a:bodyPr spcFirstLastPara="0" vert="horz" wrap="square" lIns="0" tIns="0" rIns="0" bIns="0" numCol="1" spcCol="1270" anchor="t" anchorCtr="0">
-          <a:noAutofit/>
-        </a:bodyPr>
-        <a:lstStyle/>
-        <a:p>
-          <a:pPr marL="114300" lvl="1" indent="-114300" algn="l" defTabSz="533400">
-            <a:lnSpc>
-              <a:spcPct val="90000"/>
-            </a:lnSpc>
-            <a:spcBef>
-              <a:spcPct val="0"/>
-            </a:spcBef>
-            <a:spcAft>
-              <a:spcPct val="15000"/>
-            </a:spcAft>
-            <a:buChar char="•"/>
-          </a:pPr>
-          <a:r>
-            <a:rPr lang="en-GB" sz="1200" kern="1200" dirty="0">
-              <a:latin typeface="Montserrat" panose="02000505000000020004" pitchFamily="2" charset="0"/>
-            </a:rPr>
-            <a:t>Data loading</a:t>
-          </a:r>
-        </a:p>
-        <a:p>
-          <a:pPr marL="114300" lvl="1" indent="-114300" algn="l" defTabSz="533400">
-            <a:lnSpc>
-              <a:spcPct val="90000"/>
-            </a:lnSpc>
-            <a:spcBef>
-              <a:spcPct val="0"/>
-            </a:spcBef>
-            <a:spcAft>
-              <a:spcPct val="15000"/>
-            </a:spcAft>
-            <a:buChar char="•"/>
-          </a:pPr>
-          <a:r>
-            <a:rPr lang="en-GB" sz="1200" kern="1200">
-              <a:latin typeface="Montserrat" panose="02000505000000020004" pitchFamily="2" charset="0"/>
-            </a:rPr>
-            <a:t>Analysis</a:t>
-          </a:r>
-          <a:endParaRPr lang="en-GB" sz="1200" kern="1200" dirty="0">
-            <a:latin typeface="Montserrat" panose="02000505000000020004" pitchFamily="2" charset="0"/>
-          </a:endParaRPr>
-        </a:p>
-        <a:p>
-          <a:pPr marL="114300" lvl="1" indent="-114300" algn="l" defTabSz="533400">
-            <a:lnSpc>
-              <a:spcPct val="90000"/>
-            </a:lnSpc>
-            <a:spcBef>
-              <a:spcPct val="0"/>
-            </a:spcBef>
-            <a:spcAft>
-              <a:spcPct val="15000"/>
-            </a:spcAft>
-            <a:buChar char="•"/>
-          </a:pPr>
-          <a:endParaRPr lang="en-GB" sz="1200" kern="1200" dirty="0">
-            <a:latin typeface="Montserrat" panose="02000505000000020004" pitchFamily="2" charset="0"/>
-          </a:endParaRPr>
-        </a:p>
-      </dsp:txBody>
-      <dsp:txXfrm>
-        <a:off x="1892" y="3094470"/>
-        <a:ext cx="2966178" cy="1170000"/>
-      </dsp:txXfrm>
     </dsp:sp>
-    <dsp:sp modelId="{6A0432B2-C797-4DCD-910A-7AF84118EC1C}">
+    <dsp:sp modelId="{B2F4CC20-6D60-4F0A-9CEB-E50861FA3D0D}">
+      <dsp:nvSpPr>
+        <dsp:cNvPr id="0" name=""/>
+        <dsp:cNvSpPr/>
+      </dsp:nvSpPr>
+      <dsp:spPr>
+        <a:xfrm rot="5400000">
+          <a:off x="5833075" y="2901220"/>
+          <a:ext cx="1178243" cy="1341388"/>
+        </a:xfrm>
+        <a:prstGeom prst="bentUpArrow">
+          <a:avLst>
+            <a:gd name="adj1" fmla="val 32840"/>
+            <a:gd name="adj2" fmla="val 25000"/>
+            <a:gd name="adj3" fmla="val 35780"/>
+          </a:avLst>
+        </a:prstGeom>
+        <a:solidFill>
+          <a:schemeClr val="accent4">
+            <a:tint val="50000"/>
+            <a:hueOff val="0"/>
+            <a:satOff val="0"/>
+            <a:lumOff val="0"/>
+            <a:alphaOff val="0"/>
+          </a:schemeClr>
+        </a:solidFill>
+        <a:ln w="15875" cap="flat" cmpd="sng" algn="ctr">
+          <a:solidFill>
+            <a:schemeClr val="lt1">
+              <a:hueOff val="0"/>
+              <a:satOff val="0"/>
+              <a:lumOff val="0"/>
+              <a:alphaOff val="0"/>
+            </a:schemeClr>
+          </a:solidFill>
+          <a:prstDash val="solid"/>
+        </a:ln>
+        <a:effectLst/>
+      </dsp:spPr>
+      <dsp:style>
+        <a:lnRef idx="2">
+          <a:scrgbClr r="0" g="0" b="0"/>
+        </a:lnRef>
+        <a:fillRef idx="1">
+          <a:scrgbClr r="0" g="0" b="0"/>
+        </a:fillRef>
+        <a:effectRef idx="0">
+          <a:scrgbClr r="0" g="0" b="0"/>
+        </a:effectRef>
+        <a:fontRef idx="minor"/>
+      </dsp:style>
+    </dsp:sp>
+    <dsp:sp modelId="{0C021313-19F7-4AFA-B3F8-DA2C03536F9D}">
       <dsp:nvSpPr>
         <dsp:cNvPr id="0" name=""/>
         <dsp:cNvSpPr/>
       </dsp:nvSpPr>
       <dsp:spPr>
         <a:xfrm>
-          <a:off x="3493615" y="1425994"/>
-          <a:ext cx="3707723" cy="1483089"/>
+          <a:off x="5520912" y="1595114"/>
+          <a:ext cx="1983467" cy="1388363"/>
         </a:xfrm>
-        <a:prstGeom prst="chevron">
-          <a:avLst/>
+        <a:prstGeom prst="roundRect">
+          <a:avLst>
+            <a:gd name="adj" fmla="val 16670"/>
+          </a:avLst>
         </a:prstGeom>
         <a:solidFill>
-          <a:schemeClr val="accent1">
-            <a:shade val="80000"/>
-            <a:hueOff val="157847"/>
-            <a:satOff val="-11729"/>
-            <a:lumOff val="15268"/>
+          <a:schemeClr val="accent4">
+            <a:hueOff val="0"/>
+            <a:satOff val="0"/>
+            <a:lumOff val="0"/>
             <a:alphaOff val="0"/>
           </a:schemeClr>
         </a:solidFill>
@@ -1762,7 +3337,7 @@
         </a:fontRef>
       </dsp:style>
       <dsp:txBody>
-        <a:bodyPr spcFirstLastPara="0" vert="horz" wrap="square" lIns="72009" tIns="24003" rIns="24003" bIns="24003" numCol="1" spcCol="1270" anchor="ctr" anchorCtr="0">
+        <a:bodyPr spcFirstLastPara="0" vert="horz" wrap="square" lIns="68580" tIns="68580" rIns="68580" bIns="68580" numCol="1" spcCol="1270" anchor="ctr" anchorCtr="0">
           <a:noAutofit/>
         </a:bodyPr>
         <a:lstStyle/>
@@ -1779,25 +3354,31 @@
             </a:spcAft>
             <a:buNone/>
           </a:pPr>
-          <a:endParaRPr lang="en-GB" sz="1800" kern="1200" dirty="0">
+          <a:r>
+            <a:rPr lang="en-GB" sz="1800" kern="1200" dirty="0">
+              <a:latin typeface="Montserrat" panose="02000505000000020004" pitchFamily="2" charset="0"/>
+            </a:rPr>
+            <a:t>Cleaning and preprocessing</a:t>
+          </a:r>
+          <a:endParaRPr lang="en-GB" sz="1200" kern="1200" dirty="0">
             <a:latin typeface="Montserrat" panose="02000505000000020004" pitchFamily="2" charset="0"/>
           </a:endParaRPr>
         </a:p>
       </dsp:txBody>
       <dsp:txXfrm>
-        <a:off x="4235160" y="1425994"/>
-        <a:ext cx="2224634" cy="1483089"/>
+        <a:off x="5588698" y="1662900"/>
+        <a:ext cx="1847895" cy="1252791"/>
       </dsp:txXfrm>
     </dsp:sp>
-    <dsp:sp modelId="{F94CE225-D483-4A08-A3B6-10F8D21D17EE}">
+    <dsp:sp modelId="{F2AD5BFF-2E3D-4B49-A589-260C64EE5907}">
       <dsp:nvSpPr>
         <dsp:cNvPr id="0" name=""/>
         <dsp:cNvSpPr/>
       </dsp:nvSpPr>
       <dsp:spPr>
         <a:xfrm>
-          <a:off x="3493615" y="3094470"/>
-          <a:ext cx="2966178" cy="1170000"/>
+          <a:off x="7504380" y="1727526"/>
+          <a:ext cx="1442585" cy="1122136"/>
         </a:xfrm>
         <a:prstGeom prst="rect">
           <a:avLst/>
@@ -1821,7 +3402,7 @@
         <a:fontRef idx="minor"/>
       </dsp:style>
       <dsp:txBody>
-        <a:bodyPr spcFirstLastPara="0" vert="horz" wrap="square" lIns="0" tIns="0" rIns="0" bIns="0" numCol="1" spcCol="1270" anchor="t" anchorCtr="0">
+        <a:bodyPr spcFirstLastPara="0" vert="horz" wrap="square" lIns="45720" tIns="45720" rIns="45720" bIns="45720" numCol="1" spcCol="1270" anchor="ctr" anchorCtr="0">
           <a:noAutofit/>
         </a:bodyPr>
         <a:lstStyle/>
@@ -1838,9 +3419,12 @@
             </a:spcAft>
             <a:buChar char="•"/>
           </a:pPr>
-          <a:endParaRPr lang="en-GB" sz="1200" kern="1200">
-            <a:latin typeface="Montserrat" panose="02000505000000020004" pitchFamily="2" charset="0"/>
-          </a:endParaRPr>
+          <a:r>
+            <a:rPr lang="en-GB" sz="1200" kern="1200" dirty="0">
+              <a:latin typeface="Montserrat" panose="02000505000000020004" pitchFamily="2" charset="0"/>
+            </a:rPr>
+            <a:t>Drop duplicates</a:t>
+          </a:r>
         </a:p>
         <a:p>
           <a:pPr marL="114300" lvl="1" indent="-114300" algn="l" defTabSz="533400">
@@ -1855,35 +3439,91 @@
             </a:spcAft>
             <a:buChar char="•"/>
           </a:pPr>
-          <a:endParaRPr lang="en-GB" sz="1200" kern="1200">
-            <a:latin typeface="Montserrat" panose="02000505000000020004" pitchFamily="2" charset="0"/>
-          </a:endParaRPr>
+          <a:r>
+            <a:rPr lang="en-GB" sz="1200" kern="1200" dirty="0">
+              <a:latin typeface="Montserrat" panose="02000505000000020004" pitchFamily="2" charset="0"/>
+            </a:rPr>
+            <a:t>Categorical to numerical variables</a:t>
+          </a:r>
         </a:p>
       </dsp:txBody>
       <dsp:txXfrm>
-        <a:off x="3493615" y="3094470"/>
-        <a:ext cx="2966178" cy="1170000"/>
+        <a:off x="7504380" y="1727526"/>
+        <a:ext cx="1442585" cy="1122136"/>
       </dsp:txXfrm>
     </dsp:sp>
-    <dsp:sp modelId="{ED8254E2-FFD2-4745-8793-8F701CC491F1}">
+    <dsp:sp modelId="{FD5CB5AA-C1C5-49DE-B6B9-E17A49D2AA85}">
+      <dsp:nvSpPr>
+        <dsp:cNvPr id="0" name=""/>
+        <dsp:cNvSpPr/>
+      </dsp:nvSpPr>
+      <dsp:spPr>
+        <a:xfrm rot="5400000">
+          <a:off x="7477580" y="4460810"/>
+          <a:ext cx="1178243" cy="1341388"/>
+        </a:xfrm>
+        <a:prstGeom prst="bentUpArrow">
+          <a:avLst>
+            <a:gd name="adj1" fmla="val 32840"/>
+            <a:gd name="adj2" fmla="val 25000"/>
+            <a:gd name="adj3" fmla="val 35780"/>
+          </a:avLst>
+        </a:prstGeom>
+        <a:solidFill>
+          <a:schemeClr val="accent4">
+            <a:tint val="50000"/>
+            <a:hueOff val="0"/>
+            <a:satOff val="0"/>
+            <a:lumOff val="0"/>
+            <a:alphaOff val="0"/>
+          </a:schemeClr>
+        </a:solidFill>
+        <a:ln w="15875" cap="flat" cmpd="sng" algn="ctr">
+          <a:solidFill>
+            <a:schemeClr val="lt1">
+              <a:hueOff val="0"/>
+              <a:satOff val="0"/>
+              <a:lumOff val="0"/>
+              <a:alphaOff val="0"/>
+            </a:schemeClr>
+          </a:solidFill>
+          <a:prstDash val="solid"/>
+        </a:ln>
+        <a:effectLst/>
+      </dsp:spPr>
+      <dsp:style>
+        <a:lnRef idx="2">
+          <a:scrgbClr r="0" g="0" b="0"/>
+        </a:lnRef>
+        <a:fillRef idx="1">
+          <a:scrgbClr r="0" g="0" b="0"/>
+        </a:fillRef>
+        <a:effectRef idx="0">
+          <a:scrgbClr r="0" g="0" b="0"/>
+        </a:effectRef>
+        <a:fontRef idx="minor"/>
+      </dsp:style>
+    </dsp:sp>
+    <dsp:sp modelId="{BBAEE02C-85F8-4494-ACF1-946B2496AC9D}">
       <dsp:nvSpPr>
         <dsp:cNvPr id="0" name=""/>
         <dsp:cNvSpPr/>
       </dsp:nvSpPr>
       <dsp:spPr>
         <a:xfrm>
-          <a:off x="6985339" y="1425994"/>
-          <a:ext cx="3707723" cy="1483089"/>
+          <a:off x="7165417" y="3154704"/>
+          <a:ext cx="1983467" cy="1388363"/>
         </a:xfrm>
-        <a:prstGeom prst="chevron">
-          <a:avLst/>
+        <a:prstGeom prst="roundRect">
+          <a:avLst>
+            <a:gd name="adj" fmla="val 16670"/>
+          </a:avLst>
         </a:prstGeom>
         <a:solidFill>
-          <a:schemeClr val="accent1">
-            <a:shade val="80000"/>
-            <a:hueOff val="315693"/>
-            <a:satOff val="-23458"/>
-            <a:lumOff val="30536"/>
+          <a:schemeClr val="accent4">
+            <a:hueOff val="0"/>
+            <a:satOff val="0"/>
+            <a:lumOff val="0"/>
             <a:alphaOff val="0"/>
           </a:schemeClr>
         </a:solidFill>
@@ -1915,12 +3555,12 @@
         </a:fontRef>
       </dsp:style>
       <dsp:txBody>
-        <a:bodyPr spcFirstLastPara="0" vert="horz" wrap="square" lIns="48006" tIns="16002" rIns="16002" bIns="16002" numCol="1" spcCol="1270" anchor="ctr" anchorCtr="0">
+        <a:bodyPr spcFirstLastPara="0" vert="horz" wrap="square" lIns="76200" tIns="76200" rIns="76200" bIns="76200" numCol="1" spcCol="1270" anchor="ctr" anchorCtr="0">
           <a:noAutofit/>
         </a:bodyPr>
         <a:lstStyle/>
         <a:p>
-          <a:pPr marL="0" lvl="0" indent="0" algn="ctr" defTabSz="533400">
+          <a:pPr marL="0" lvl="0" indent="0" algn="ctr" defTabSz="889000">
             <a:lnSpc>
               <a:spcPct val="90000"/>
             </a:lnSpc>
@@ -1933,30 +3573,27 @@
             <a:buNone/>
           </a:pPr>
           <a:r>
-            <a:rPr lang="en-GB" sz="1200" kern="1200" dirty="0" err="1">
+            <a:rPr lang="en-GB" sz="2000" kern="1200" dirty="0">
               <a:latin typeface="Montserrat" panose="02000505000000020004" pitchFamily="2" charset="0"/>
             </a:rPr>
-            <a:t>Modelo</a:t>
+            <a:t>Training and testing</a:t>
           </a:r>
-          <a:endParaRPr lang="en-GB" sz="1200" kern="1200" dirty="0">
-            <a:latin typeface="Montserrat" panose="02000505000000020004" pitchFamily="2" charset="0"/>
-          </a:endParaRPr>
         </a:p>
       </dsp:txBody>
       <dsp:txXfrm>
-        <a:off x="7726884" y="1425994"/>
-        <a:ext cx="2224634" cy="1483089"/>
+        <a:off x="7233203" y="3222490"/>
+        <a:ext cx="1847895" cy="1252791"/>
       </dsp:txXfrm>
     </dsp:sp>
-    <dsp:sp modelId="{94BD33B7-877C-42CA-AC30-F13F93D57156}">
+    <dsp:sp modelId="{DDF08EAB-B3D9-4037-94AF-920D6EA35BC3}">
       <dsp:nvSpPr>
         <dsp:cNvPr id="0" name=""/>
         <dsp:cNvSpPr/>
       </dsp:nvSpPr>
       <dsp:spPr>
         <a:xfrm>
-          <a:off x="6985339" y="3094470"/>
-          <a:ext cx="2966178" cy="1170000"/>
+          <a:off x="9148885" y="3287116"/>
+          <a:ext cx="1442585" cy="1122136"/>
         </a:xfrm>
         <a:prstGeom prst="rect">
           <a:avLst/>
@@ -1980,7 +3617,7 @@
         <a:fontRef idx="minor"/>
       </dsp:style>
       <dsp:txBody>
-        <a:bodyPr spcFirstLastPara="0" vert="horz" wrap="square" lIns="0" tIns="0" rIns="0" bIns="0" numCol="1" spcCol="1270" anchor="t" anchorCtr="0">
+        <a:bodyPr spcFirstLastPara="0" vert="horz" wrap="square" lIns="45720" tIns="45720" rIns="45720" bIns="45720" numCol="1" spcCol="1270" anchor="ctr" anchorCtr="0">
           <a:noAutofit/>
         </a:bodyPr>
         <a:lstStyle/>
@@ -1997,9 +3634,12 @@
             </a:spcAft>
             <a:buChar char="•"/>
           </a:pPr>
-          <a:endParaRPr lang="en-GB" sz="1200" kern="1200">
-            <a:latin typeface="Montserrat" panose="02000505000000020004" pitchFamily="2" charset="0"/>
-          </a:endParaRPr>
+          <a:r>
+            <a:rPr lang="en-GB" sz="1200" kern="1200" dirty="0">
+              <a:latin typeface="Montserrat" panose="02000505000000020004" pitchFamily="2" charset="0"/>
+            </a:rPr>
+            <a:t>XGBR</a:t>
+          </a:r>
         </a:p>
         <a:p>
           <a:pPr marL="114300" lvl="1" indent="-114300" algn="l" defTabSz="533400">
@@ -2014,14 +3654,910 @@
             </a:spcAft>
             <a:buChar char="•"/>
           </a:pPr>
-          <a:endParaRPr lang="en-GB" sz="1200" kern="1200">
+          <a:r>
+            <a:rPr lang="en-GB" sz="1200" b="1" kern="1200" dirty="0">
+              <a:latin typeface="Montserrat" panose="02000505000000020004" pitchFamily="2" charset="0"/>
+            </a:rPr>
+            <a:t>GBM</a:t>
+          </a:r>
+        </a:p>
+        <a:p>
+          <a:pPr marL="114300" lvl="1" indent="-114300" algn="l" defTabSz="533400">
+            <a:lnSpc>
+              <a:spcPct val="90000"/>
+            </a:lnSpc>
+            <a:spcBef>
+              <a:spcPct val="0"/>
+            </a:spcBef>
+            <a:spcAft>
+              <a:spcPct val="15000"/>
+            </a:spcAft>
+            <a:buChar char="•"/>
+          </a:pPr>
+          <a:r>
+            <a:rPr lang="en-GB" sz="1200" kern="1200" dirty="0">
+              <a:latin typeface="Montserrat" panose="02000505000000020004" pitchFamily="2" charset="0"/>
+            </a:rPr>
+            <a:t>Random Forest</a:t>
+          </a:r>
+        </a:p>
+      </dsp:txBody>
+      <dsp:txXfrm>
+        <a:off x="9148885" y="3287116"/>
+        <a:ext cx="1442585" cy="1122136"/>
+      </dsp:txXfrm>
+    </dsp:sp>
+    <dsp:sp modelId="{3333734C-1309-4C1E-832A-38BED0AF2264}">
+      <dsp:nvSpPr>
+        <dsp:cNvPr id="0" name=""/>
+        <dsp:cNvSpPr/>
+      </dsp:nvSpPr>
+      <dsp:spPr>
+        <a:xfrm>
+          <a:off x="8809923" y="4714294"/>
+          <a:ext cx="1983467" cy="1388363"/>
+        </a:xfrm>
+        <a:prstGeom prst="roundRect">
+          <a:avLst>
+            <a:gd name="adj" fmla="val 16670"/>
+          </a:avLst>
+        </a:prstGeom>
+        <a:solidFill>
+          <a:schemeClr val="accent4">
+            <a:hueOff val="0"/>
+            <a:satOff val="0"/>
+            <a:lumOff val="0"/>
+            <a:alphaOff val="0"/>
+          </a:schemeClr>
+        </a:solidFill>
+        <a:ln w="15875" cap="flat" cmpd="sng" algn="ctr">
+          <a:solidFill>
+            <a:schemeClr val="lt1">
+              <a:hueOff val="0"/>
+              <a:satOff val="0"/>
+              <a:lumOff val="0"/>
+              <a:alphaOff val="0"/>
+            </a:schemeClr>
+          </a:solidFill>
+          <a:prstDash val="solid"/>
+        </a:ln>
+        <a:effectLst/>
+      </dsp:spPr>
+      <dsp:style>
+        <a:lnRef idx="2">
+          <a:scrgbClr r="0" g="0" b="0"/>
+        </a:lnRef>
+        <a:fillRef idx="1">
+          <a:scrgbClr r="0" g="0" b="0"/>
+        </a:fillRef>
+        <a:effectRef idx="0">
+          <a:scrgbClr r="0" g="0" b="0"/>
+        </a:effectRef>
+        <a:fontRef idx="minor">
+          <a:schemeClr val="lt1"/>
+        </a:fontRef>
+      </dsp:style>
+      <dsp:txBody>
+        <a:bodyPr spcFirstLastPara="0" vert="horz" wrap="square" lIns="76200" tIns="76200" rIns="76200" bIns="76200" numCol="1" spcCol="1270" anchor="ctr" anchorCtr="0">
+          <a:noAutofit/>
+        </a:bodyPr>
+        <a:lstStyle/>
+        <a:p>
+          <a:pPr marL="0" lvl="0" indent="0" algn="ctr" defTabSz="889000">
+            <a:lnSpc>
+              <a:spcPct val="90000"/>
+            </a:lnSpc>
+            <a:spcBef>
+              <a:spcPct val="0"/>
+            </a:spcBef>
+            <a:spcAft>
+              <a:spcPct val="35000"/>
+            </a:spcAft>
+            <a:buNone/>
+          </a:pPr>
+          <a:r>
+            <a:rPr lang="en-GB" sz="2000" kern="1200" dirty="0">
+              <a:latin typeface="Montserrat" panose="02000505000000020004" pitchFamily="2" charset="0"/>
+            </a:rPr>
+            <a:t>Validation</a:t>
+          </a:r>
+          <a:endParaRPr lang="en-GB" sz="1400" kern="1200" dirty="0">
             <a:latin typeface="Montserrat" panose="02000505000000020004" pitchFamily="2" charset="0"/>
           </a:endParaRPr>
         </a:p>
       </dsp:txBody>
       <dsp:txXfrm>
-        <a:off x="6985339" y="3094470"/>
-        <a:ext cx="2966178" cy="1170000"/>
+        <a:off x="8877709" y="4782080"/>
+        <a:ext cx="1847895" cy="1252791"/>
+      </dsp:txXfrm>
+    </dsp:sp>
+  </dsp:spTree>
+</dsp:drawing>
+</file>
+
+<file path=ppt/diagrams/drawing2.xml><?xml version="1.0" encoding="utf-8"?>
+<dsp:drawing xmlns:dgm="http://schemas.openxmlformats.org/drawingml/2006/diagram" xmlns:dsp="http://schemas.microsoft.com/office/drawing/2008/diagram" xmlns:a="http://schemas.openxmlformats.org/drawingml/2006/main">
+  <dsp:spTree>
+    <dsp:nvGrpSpPr>
+      <dsp:cNvPr id="0" name=""/>
+      <dsp:cNvGrpSpPr/>
+    </dsp:nvGrpSpPr>
+    <dsp:grpSpPr/>
+    <dsp:sp modelId="{EFC8D43C-0EF8-4EE7-875B-163A3FFF8FB1}">
+      <dsp:nvSpPr>
+        <dsp:cNvPr id="0" name=""/>
+        <dsp:cNvSpPr/>
+      </dsp:nvSpPr>
+      <dsp:spPr>
+        <a:xfrm>
+          <a:off x="2745739" y="1548"/>
+          <a:ext cx="4118610" cy="1228669"/>
+        </a:xfrm>
+        <a:prstGeom prst="rightArrow">
+          <a:avLst>
+            <a:gd name="adj1" fmla="val 75000"/>
+            <a:gd name="adj2" fmla="val 50000"/>
+          </a:avLst>
+        </a:prstGeom>
+        <a:solidFill>
+          <a:schemeClr val="accent2">
+            <a:tint val="40000"/>
+            <a:alpha val="90000"/>
+            <a:hueOff val="0"/>
+            <a:satOff val="0"/>
+            <a:lumOff val="0"/>
+            <a:alphaOff val="0"/>
+          </a:schemeClr>
+        </a:solidFill>
+        <a:ln w="15875" cap="flat" cmpd="sng" algn="ctr">
+          <a:solidFill>
+            <a:schemeClr val="accent2">
+              <a:tint val="40000"/>
+              <a:alpha val="90000"/>
+              <a:hueOff val="0"/>
+              <a:satOff val="0"/>
+              <a:lumOff val="0"/>
+              <a:alphaOff val="0"/>
+            </a:schemeClr>
+          </a:solidFill>
+          <a:prstDash val="solid"/>
+        </a:ln>
+        <a:effectLst/>
+      </dsp:spPr>
+      <dsp:style>
+        <a:lnRef idx="2">
+          <a:scrgbClr r="0" g="0" b="0"/>
+        </a:lnRef>
+        <a:fillRef idx="1">
+          <a:scrgbClr r="0" g="0" b="0"/>
+        </a:fillRef>
+        <a:effectRef idx="0">
+          <a:scrgbClr r="0" g="0" b="0"/>
+        </a:effectRef>
+        <a:fontRef idx="minor"/>
+      </dsp:style>
+      <dsp:txBody>
+        <a:bodyPr spcFirstLastPara="0" vert="horz" wrap="square" lIns="6985" tIns="6985" rIns="6985" bIns="6985" numCol="1" spcCol="1270" anchor="t" anchorCtr="0">
+          <a:noAutofit/>
+        </a:bodyPr>
+        <a:lstStyle/>
+        <a:p>
+          <a:pPr marL="57150" lvl="1" indent="-57150" algn="l" defTabSz="488950">
+            <a:lnSpc>
+              <a:spcPct val="90000"/>
+            </a:lnSpc>
+            <a:spcBef>
+              <a:spcPct val="0"/>
+            </a:spcBef>
+            <a:spcAft>
+              <a:spcPct val="15000"/>
+            </a:spcAft>
+            <a:buChar char="•"/>
+          </a:pPr>
+          <a:r>
+            <a:rPr lang="en-US" sz="1100" b="1" i="0" kern="1200" dirty="0">
+              <a:latin typeface="Montserrat Medium" pitchFamily="2" charset="0"/>
+            </a:rPr>
+            <a:t>remote_ratio</a:t>
+          </a:r>
+          <a:endParaRPr lang="en-GB" sz="1100" kern="1200" dirty="0">
+            <a:latin typeface="Montserrat Medium" pitchFamily="2" charset="0"/>
+          </a:endParaRPr>
+        </a:p>
+        <a:p>
+          <a:pPr marL="57150" lvl="1" indent="-57150" algn="l" defTabSz="488950">
+            <a:lnSpc>
+              <a:spcPct val="90000"/>
+            </a:lnSpc>
+            <a:spcBef>
+              <a:spcPct val="0"/>
+            </a:spcBef>
+            <a:spcAft>
+              <a:spcPct val="15000"/>
+            </a:spcAft>
+            <a:buChar char="•"/>
+          </a:pPr>
+          <a:r>
+            <a:rPr lang="en-US" sz="1100" b="1" i="0" kern="1200" dirty="0">
+              <a:latin typeface="Montserrat Medium" pitchFamily="2" charset="0"/>
+            </a:rPr>
+            <a:t>salary</a:t>
+          </a:r>
+          <a:endParaRPr lang="en-GB" sz="1100" kern="1200" dirty="0">
+            <a:latin typeface="Montserrat Medium" pitchFamily="2" charset="0"/>
+          </a:endParaRPr>
+        </a:p>
+        <a:p>
+          <a:pPr marL="57150" lvl="1" indent="-57150" algn="l" defTabSz="488950">
+            <a:lnSpc>
+              <a:spcPct val="90000"/>
+            </a:lnSpc>
+            <a:spcBef>
+              <a:spcPct val="0"/>
+            </a:spcBef>
+            <a:spcAft>
+              <a:spcPct val="15000"/>
+            </a:spcAft>
+            <a:buChar char="•"/>
+          </a:pPr>
+          <a:r>
+            <a:rPr lang="en-US" sz="1100" b="1" i="0" kern="1200" dirty="0">
+              <a:latin typeface="Montserrat Medium" pitchFamily="2" charset="0"/>
+            </a:rPr>
+            <a:t>company_location</a:t>
+          </a:r>
+          <a:endParaRPr lang="en-GB" sz="1100" kern="1200" dirty="0">
+            <a:latin typeface="Montserrat Medium" pitchFamily="2" charset="0"/>
+          </a:endParaRPr>
+        </a:p>
+        <a:p>
+          <a:pPr marL="57150" lvl="1" indent="-57150" algn="l" defTabSz="488950">
+            <a:lnSpc>
+              <a:spcPct val="90000"/>
+            </a:lnSpc>
+            <a:spcBef>
+              <a:spcPct val="0"/>
+            </a:spcBef>
+            <a:spcAft>
+              <a:spcPct val="15000"/>
+            </a:spcAft>
+            <a:buChar char="•"/>
+          </a:pPr>
+          <a:r>
+            <a:rPr lang="en-US" sz="1100" b="1" i="0" kern="1200" dirty="0">
+              <a:latin typeface="Montserrat Medium" pitchFamily="2" charset="0"/>
+            </a:rPr>
+            <a:t>salary_currency</a:t>
+          </a:r>
+          <a:endParaRPr lang="en-GB" sz="1100" kern="1200" dirty="0">
+            <a:latin typeface="Montserrat Medium" pitchFamily="2" charset="0"/>
+          </a:endParaRPr>
+        </a:p>
+        <a:p>
+          <a:pPr marL="57150" lvl="1" indent="-57150" algn="l" defTabSz="488950">
+            <a:lnSpc>
+              <a:spcPct val="90000"/>
+            </a:lnSpc>
+            <a:spcBef>
+              <a:spcPct val="0"/>
+            </a:spcBef>
+            <a:spcAft>
+              <a:spcPct val="15000"/>
+            </a:spcAft>
+            <a:buChar char="•"/>
+          </a:pPr>
+          <a:r>
+            <a:rPr lang="en-US" sz="1100" b="1" i="0" kern="1200" dirty="0">
+              <a:latin typeface="Montserrat Medium" pitchFamily="2" charset="0"/>
+            </a:rPr>
+            <a:t>work_year</a:t>
+          </a:r>
+          <a:endParaRPr lang="en-GB" sz="1100" kern="1200" dirty="0">
+            <a:latin typeface="Montserrat Medium" pitchFamily="2" charset="0"/>
+          </a:endParaRPr>
+        </a:p>
+      </dsp:txBody>
+      <dsp:txXfrm>
+        <a:off x="2745739" y="155132"/>
+        <a:ext cx="3657859" cy="921501"/>
+      </dsp:txXfrm>
+    </dsp:sp>
+    <dsp:sp modelId="{1274FA8D-819D-4713-8AD9-8FFFFD678ED8}">
+      <dsp:nvSpPr>
+        <dsp:cNvPr id="0" name=""/>
+        <dsp:cNvSpPr/>
+      </dsp:nvSpPr>
+      <dsp:spPr>
+        <a:xfrm>
+          <a:off x="0" y="1548"/>
+          <a:ext cx="2745740" cy="1228669"/>
+        </a:xfrm>
+        <a:prstGeom prst="roundRect">
+          <a:avLst/>
+        </a:prstGeom>
+        <a:solidFill>
+          <a:schemeClr val="accent2">
+            <a:hueOff val="0"/>
+            <a:satOff val="0"/>
+            <a:lumOff val="0"/>
+            <a:alphaOff val="0"/>
+          </a:schemeClr>
+        </a:solidFill>
+        <a:ln w="15875" cap="flat" cmpd="sng" algn="ctr">
+          <a:solidFill>
+            <a:schemeClr val="lt1">
+              <a:hueOff val="0"/>
+              <a:satOff val="0"/>
+              <a:lumOff val="0"/>
+              <a:alphaOff val="0"/>
+            </a:schemeClr>
+          </a:solidFill>
+          <a:prstDash val="solid"/>
+        </a:ln>
+        <a:effectLst/>
+      </dsp:spPr>
+      <dsp:style>
+        <a:lnRef idx="2">
+          <a:scrgbClr r="0" g="0" b="0"/>
+        </a:lnRef>
+        <a:fillRef idx="1">
+          <a:scrgbClr r="0" g="0" b="0"/>
+        </a:fillRef>
+        <a:effectRef idx="0">
+          <a:scrgbClr r="0" g="0" b="0"/>
+        </a:effectRef>
+        <a:fontRef idx="minor">
+          <a:schemeClr val="lt1"/>
+        </a:fontRef>
+      </dsp:style>
+      <dsp:txBody>
+        <a:bodyPr spcFirstLastPara="0" vert="horz" wrap="square" lIns="95250" tIns="47625" rIns="95250" bIns="47625" numCol="1" spcCol="1270" anchor="ctr" anchorCtr="0">
+          <a:noAutofit/>
+        </a:bodyPr>
+        <a:lstStyle/>
+        <a:p>
+          <a:pPr marL="0" lvl="0" indent="0" algn="ctr" defTabSz="1111250">
+            <a:lnSpc>
+              <a:spcPct val="90000"/>
+            </a:lnSpc>
+            <a:spcBef>
+              <a:spcPct val="0"/>
+            </a:spcBef>
+            <a:spcAft>
+              <a:spcPct val="35000"/>
+            </a:spcAft>
+            <a:buNone/>
+          </a:pPr>
+          <a:r>
+            <a:rPr lang="en-GB" sz="2500" kern="1200" dirty="0">
+              <a:latin typeface="Montserrat Medium" pitchFamily="2" charset="0"/>
+            </a:rPr>
+            <a:t>5 cols erased</a:t>
+          </a:r>
+        </a:p>
+      </dsp:txBody>
+      <dsp:txXfrm>
+        <a:off x="59979" y="61527"/>
+        <a:ext cx="2625782" cy="1108711"/>
+      </dsp:txXfrm>
+    </dsp:sp>
+    <dsp:sp modelId="{F86398BA-DAFF-4535-AF0C-639B7C8172DF}">
+      <dsp:nvSpPr>
+        <dsp:cNvPr id="0" name=""/>
+        <dsp:cNvSpPr/>
+      </dsp:nvSpPr>
+      <dsp:spPr>
+        <a:xfrm>
+          <a:off x="2745739" y="1353085"/>
+          <a:ext cx="4118610" cy="1228669"/>
+        </a:xfrm>
+        <a:prstGeom prst="rightArrow">
+          <a:avLst>
+            <a:gd name="adj1" fmla="val 75000"/>
+            <a:gd name="adj2" fmla="val 50000"/>
+          </a:avLst>
+        </a:prstGeom>
+        <a:solidFill>
+          <a:schemeClr val="accent3">
+            <a:tint val="40000"/>
+            <a:alpha val="90000"/>
+            <a:hueOff val="0"/>
+            <a:satOff val="0"/>
+            <a:lumOff val="0"/>
+            <a:alphaOff val="0"/>
+          </a:schemeClr>
+        </a:solidFill>
+        <a:ln w="15875" cap="flat" cmpd="sng" algn="ctr">
+          <a:solidFill>
+            <a:schemeClr val="accent3">
+              <a:tint val="40000"/>
+              <a:alpha val="90000"/>
+              <a:hueOff val="0"/>
+              <a:satOff val="0"/>
+              <a:lumOff val="0"/>
+              <a:alphaOff val="0"/>
+            </a:schemeClr>
+          </a:solidFill>
+          <a:prstDash val="solid"/>
+        </a:ln>
+        <a:effectLst/>
+      </dsp:spPr>
+      <dsp:style>
+        <a:lnRef idx="2">
+          <a:scrgbClr r="0" g="0" b="0"/>
+        </a:lnRef>
+        <a:fillRef idx="1">
+          <a:scrgbClr r="0" g="0" b="0"/>
+        </a:fillRef>
+        <a:effectRef idx="0">
+          <a:scrgbClr r="0" g="0" b="0"/>
+        </a:effectRef>
+        <a:fontRef idx="minor"/>
+      </dsp:style>
+      <dsp:txBody>
+        <a:bodyPr spcFirstLastPara="0" vert="horz" wrap="square" lIns="6985" tIns="6985" rIns="6985" bIns="6985" numCol="1" spcCol="1270" anchor="t" anchorCtr="0">
+          <a:noAutofit/>
+        </a:bodyPr>
+        <a:lstStyle/>
+        <a:p>
+          <a:pPr marL="57150" lvl="1" indent="-57150" algn="l" defTabSz="488950">
+            <a:lnSpc>
+              <a:spcPct val="90000"/>
+            </a:lnSpc>
+            <a:spcBef>
+              <a:spcPct val="0"/>
+            </a:spcBef>
+            <a:spcAft>
+              <a:spcPct val="15000"/>
+            </a:spcAft>
+            <a:buChar char="•"/>
+          </a:pPr>
+          <a:r>
+            <a:rPr lang="en-GB" sz="1100" kern="1200" dirty="0">
+              <a:latin typeface="Montserrat Medium" pitchFamily="2" charset="0"/>
+            </a:rPr>
+            <a:t>Employment Type</a:t>
+          </a:r>
+        </a:p>
+        <a:p>
+          <a:pPr marL="57150" lvl="1" indent="-57150" algn="l" defTabSz="488950">
+            <a:lnSpc>
+              <a:spcPct val="90000"/>
+            </a:lnSpc>
+            <a:spcBef>
+              <a:spcPct val="0"/>
+            </a:spcBef>
+            <a:spcAft>
+              <a:spcPct val="15000"/>
+            </a:spcAft>
+            <a:buChar char="•"/>
+          </a:pPr>
+          <a:r>
+            <a:rPr lang="en-GB" sz="1100" kern="1200" dirty="0">
+              <a:latin typeface="Montserrat Medium" pitchFamily="2" charset="0"/>
+            </a:rPr>
+            <a:t>Company Size</a:t>
+          </a:r>
+        </a:p>
+        <a:p>
+          <a:pPr marL="57150" lvl="1" indent="-57150" algn="l" defTabSz="488950">
+            <a:lnSpc>
+              <a:spcPct val="90000"/>
+            </a:lnSpc>
+            <a:spcBef>
+              <a:spcPct val="0"/>
+            </a:spcBef>
+            <a:spcAft>
+              <a:spcPct val="15000"/>
+            </a:spcAft>
+            <a:buChar char="•"/>
+          </a:pPr>
+          <a:r>
+            <a:rPr lang="en-GB" sz="1100" kern="1200" dirty="0">
+              <a:latin typeface="Montserrat Medium" pitchFamily="2" charset="0"/>
+            </a:rPr>
+            <a:t>Experience level</a:t>
+          </a:r>
+        </a:p>
+      </dsp:txBody>
+      <dsp:txXfrm>
+        <a:off x="2745739" y="1506669"/>
+        <a:ext cx="3657859" cy="921501"/>
+      </dsp:txXfrm>
+    </dsp:sp>
+    <dsp:sp modelId="{C61217D4-ACB7-4DE6-84F1-EBD38A75032F}">
+      <dsp:nvSpPr>
+        <dsp:cNvPr id="0" name=""/>
+        <dsp:cNvSpPr/>
+      </dsp:nvSpPr>
+      <dsp:spPr>
+        <a:xfrm>
+          <a:off x="0" y="1353085"/>
+          <a:ext cx="2745740" cy="1228669"/>
+        </a:xfrm>
+        <a:prstGeom prst="roundRect">
+          <a:avLst/>
+        </a:prstGeom>
+        <a:solidFill>
+          <a:schemeClr val="accent3">
+            <a:hueOff val="0"/>
+            <a:satOff val="0"/>
+            <a:lumOff val="0"/>
+            <a:alphaOff val="0"/>
+          </a:schemeClr>
+        </a:solidFill>
+        <a:ln w="15875" cap="flat" cmpd="sng" algn="ctr">
+          <a:solidFill>
+            <a:schemeClr val="lt1">
+              <a:hueOff val="0"/>
+              <a:satOff val="0"/>
+              <a:lumOff val="0"/>
+              <a:alphaOff val="0"/>
+            </a:schemeClr>
+          </a:solidFill>
+          <a:prstDash val="solid"/>
+        </a:ln>
+        <a:effectLst/>
+      </dsp:spPr>
+      <dsp:style>
+        <a:lnRef idx="2">
+          <a:scrgbClr r="0" g="0" b="0"/>
+        </a:lnRef>
+        <a:fillRef idx="1">
+          <a:scrgbClr r="0" g="0" b="0"/>
+        </a:fillRef>
+        <a:effectRef idx="0">
+          <a:scrgbClr r="0" g="0" b="0"/>
+        </a:effectRef>
+        <a:fontRef idx="minor">
+          <a:schemeClr val="lt1"/>
+        </a:fontRef>
+      </dsp:style>
+      <dsp:txBody>
+        <a:bodyPr spcFirstLastPara="0" vert="horz" wrap="square" lIns="95250" tIns="47625" rIns="95250" bIns="47625" numCol="1" spcCol="1270" anchor="ctr" anchorCtr="0">
+          <a:noAutofit/>
+        </a:bodyPr>
+        <a:lstStyle/>
+        <a:p>
+          <a:pPr marL="0" lvl="0" indent="0" algn="ctr" defTabSz="1111250">
+            <a:lnSpc>
+              <a:spcPct val="90000"/>
+            </a:lnSpc>
+            <a:spcBef>
+              <a:spcPct val="0"/>
+            </a:spcBef>
+            <a:spcAft>
+              <a:spcPct val="35000"/>
+            </a:spcAft>
+            <a:buNone/>
+          </a:pPr>
+          <a:r>
+            <a:rPr lang="en-GB" sz="2500" kern="1200" dirty="0">
+              <a:latin typeface="Montserrat Medium" pitchFamily="2" charset="0"/>
+            </a:rPr>
+            <a:t>Label encoder custom</a:t>
+          </a:r>
+        </a:p>
+      </dsp:txBody>
+      <dsp:txXfrm>
+        <a:off x="59979" y="1413064"/>
+        <a:ext cx="2625782" cy="1108711"/>
+      </dsp:txXfrm>
+    </dsp:sp>
+    <dsp:sp modelId="{B276F184-8DA2-408A-8C01-3D6DB478B6E9}">
+      <dsp:nvSpPr>
+        <dsp:cNvPr id="0" name=""/>
+        <dsp:cNvSpPr/>
+      </dsp:nvSpPr>
+      <dsp:spPr>
+        <a:xfrm>
+          <a:off x="2745739" y="2704621"/>
+          <a:ext cx="4118610" cy="1228669"/>
+        </a:xfrm>
+        <a:prstGeom prst="rightArrow">
+          <a:avLst>
+            <a:gd name="adj1" fmla="val 75000"/>
+            <a:gd name="adj2" fmla="val 50000"/>
+          </a:avLst>
+        </a:prstGeom>
+        <a:solidFill>
+          <a:schemeClr val="accent4">
+            <a:tint val="40000"/>
+            <a:alpha val="90000"/>
+            <a:hueOff val="0"/>
+            <a:satOff val="0"/>
+            <a:lumOff val="0"/>
+            <a:alphaOff val="0"/>
+          </a:schemeClr>
+        </a:solidFill>
+        <a:ln w="15875" cap="flat" cmpd="sng" algn="ctr">
+          <a:solidFill>
+            <a:schemeClr val="accent4">
+              <a:tint val="40000"/>
+              <a:alpha val="90000"/>
+              <a:hueOff val="0"/>
+              <a:satOff val="0"/>
+              <a:lumOff val="0"/>
+              <a:alphaOff val="0"/>
+            </a:schemeClr>
+          </a:solidFill>
+          <a:prstDash val="solid"/>
+        </a:ln>
+        <a:effectLst/>
+      </dsp:spPr>
+      <dsp:style>
+        <a:lnRef idx="2">
+          <a:scrgbClr r="0" g="0" b="0"/>
+        </a:lnRef>
+        <a:fillRef idx="1">
+          <a:scrgbClr r="0" g="0" b="0"/>
+        </a:fillRef>
+        <a:effectRef idx="0">
+          <a:scrgbClr r="0" g="0" b="0"/>
+        </a:effectRef>
+        <a:fontRef idx="minor"/>
+      </dsp:style>
+    </dsp:sp>
+    <dsp:sp modelId="{AED38D7C-8DF3-40A8-9FFC-132CF615911D}">
+      <dsp:nvSpPr>
+        <dsp:cNvPr id="0" name=""/>
+        <dsp:cNvSpPr/>
+      </dsp:nvSpPr>
+      <dsp:spPr>
+        <a:xfrm>
+          <a:off x="0" y="2704621"/>
+          <a:ext cx="2745740" cy="1228669"/>
+        </a:xfrm>
+        <a:prstGeom prst="roundRect">
+          <a:avLst/>
+        </a:prstGeom>
+        <a:solidFill>
+          <a:schemeClr val="accent4">
+            <a:hueOff val="0"/>
+            <a:satOff val="0"/>
+            <a:lumOff val="0"/>
+            <a:alphaOff val="0"/>
+          </a:schemeClr>
+        </a:solidFill>
+        <a:ln w="15875" cap="flat" cmpd="sng" algn="ctr">
+          <a:solidFill>
+            <a:schemeClr val="lt1">
+              <a:hueOff val="0"/>
+              <a:satOff val="0"/>
+              <a:lumOff val="0"/>
+              <a:alphaOff val="0"/>
+            </a:schemeClr>
+          </a:solidFill>
+          <a:prstDash val="solid"/>
+        </a:ln>
+        <a:effectLst/>
+      </dsp:spPr>
+      <dsp:style>
+        <a:lnRef idx="2">
+          <a:scrgbClr r="0" g="0" b="0"/>
+        </a:lnRef>
+        <a:fillRef idx="1">
+          <a:scrgbClr r="0" g="0" b="0"/>
+        </a:fillRef>
+        <a:effectRef idx="0">
+          <a:scrgbClr r="0" g="0" b="0"/>
+        </a:effectRef>
+        <a:fontRef idx="minor">
+          <a:schemeClr val="lt1"/>
+        </a:fontRef>
+      </dsp:style>
+      <dsp:txBody>
+        <a:bodyPr spcFirstLastPara="0" vert="horz" wrap="square" lIns="95250" tIns="47625" rIns="95250" bIns="47625" numCol="1" spcCol="1270" anchor="ctr" anchorCtr="0">
+          <a:noAutofit/>
+        </a:bodyPr>
+        <a:lstStyle/>
+        <a:p>
+          <a:pPr marL="0" lvl="0" indent="0" algn="ctr" defTabSz="1111250">
+            <a:lnSpc>
+              <a:spcPct val="90000"/>
+            </a:lnSpc>
+            <a:spcBef>
+              <a:spcPct val="0"/>
+            </a:spcBef>
+            <a:spcAft>
+              <a:spcPct val="35000"/>
+            </a:spcAft>
+            <a:buNone/>
+          </a:pPr>
+          <a:r>
+            <a:rPr lang="en-GB" sz="2500" kern="1200" dirty="0">
+              <a:latin typeface="Montserrat Medium" pitchFamily="2" charset="0"/>
+            </a:rPr>
+            <a:t>Join DF to transform data</a:t>
+          </a:r>
+        </a:p>
+      </dsp:txBody>
+      <dsp:txXfrm>
+        <a:off x="59979" y="2764600"/>
+        <a:ext cx="2625782" cy="1108711"/>
+      </dsp:txXfrm>
+    </dsp:sp>
+    <dsp:sp modelId="{9B89FC2A-6A7F-4F9B-B096-D1D7988B0BFE}">
+      <dsp:nvSpPr>
+        <dsp:cNvPr id="0" name=""/>
+        <dsp:cNvSpPr/>
+      </dsp:nvSpPr>
+      <dsp:spPr>
+        <a:xfrm>
+          <a:off x="2745739" y="4056157"/>
+          <a:ext cx="4118610" cy="1228669"/>
+        </a:xfrm>
+        <a:prstGeom prst="rightArrow">
+          <a:avLst>
+            <a:gd name="adj1" fmla="val 75000"/>
+            <a:gd name="adj2" fmla="val 50000"/>
+          </a:avLst>
+        </a:prstGeom>
+        <a:solidFill>
+          <a:schemeClr val="accent5">
+            <a:tint val="40000"/>
+            <a:alpha val="90000"/>
+            <a:hueOff val="0"/>
+            <a:satOff val="0"/>
+            <a:lumOff val="0"/>
+            <a:alphaOff val="0"/>
+          </a:schemeClr>
+        </a:solidFill>
+        <a:ln w="15875" cap="flat" cmpd="sng" algn="ctr">
+          <a:solidFill>
+            <a:schemeClr val="accent5">
+              <a:tint val="40000"/>
+              <a:alpha val="90000"/>
+              <a:hueOff val="0"/>
+              <a:satOff val="0"/>
+              <a:lumOff val="0"/>
+              <a:alphaOff val="0"/>
+            </a:schemeClr>
+          </a:solidFill>
+          <a:prstDash val="solid"/>
+        </a:ln>
+        <a:effectLst/>
+      </dsp:spPr>
+      <dsp:style>
+        <a:lnRef idx="2">
+          <a:scrgbClr r="0" g="0" b="0"/>
+        </a:lnRef>
+        <a:fillRef idx="1">
+          <a:scrgbClr r="0" g="0" b="0"/>
+        </a:fillRef>
+        <a:effectRef idx="0">
+          <a:scrgbClr r="0" g="0" b="0"/>
+        </a:effectRef>
+        <a:fontRef idx="minor"/>
+      </dsp:style>
+      <dsp:txBody>
+        <a:bodyPr spcFirstLastPara="0" vert="horz" wrap="square" lIns="6985" tIns="6985" rIns="6985" bIns="6985" numCol="1" spcCol="1270" anchor="t" anchorCtr="0">
+          <a:noAutofit/>
+        </a:bodyPr>
+        <a:lstStyle/>
+        <a:p>
+          <a:pPr marL="57150" lvl="1" indent="-57150" algn="l" defTabSz="488950">
+            <a:lnSpc>
+              <a:spcPct val="90000"/>
+            </a:lnSpc>
+            <a:spcBef>
+              <a:spcPct val="0"/>
+            </a:spcBef>
+            <a:spcAft>
+              <a:spcPct val="15000"/>
+            </a:spcAft>
+            <a:buChar char="•"/>
+          </a:pPr>
+          <a:r>
+            <a:rPr lang="en-GB" sz="1100" kern="1200" dirty="0">
+              <a:latin typeface="Montserrat Medium" pitchFamily="2" charset="0"/>
+            </a:rPr>
+            <a:t>Job title</a:t>
+          </a:r>
+        </a:p>
+        <a:p>
+          <a:pPr marL="57150" lvl="1" indent="-57150" algn="l" defTabSz="488950">
+            <a:lnSpc>
+              <a:spcPct val="90000"/>
+            </a:lnSpc>
+            <a:spcBef>
+              <a:spcPct val="0"/>
+            </a:spcBef>
+            <a:spcAft>
+              <a:spcPct val="15000"/>
+            </a:spcAft>
+            <a:buChar char="•"/>
+          </a:pPr>
+          <a:r>
+            <a:rPr lang="en-GB" sz="1100" kern="1200" dirty="0">
+              <a:latin typeface="Montserrat Medium" pitchFamily="2" charset="0"/>
+            </a:rPr>
+            <a:t>Employee residence</a:t>
+          </a:r>
+        </a:p>
+      </dsp:txBody>
+      <dsp:txXfrm>
+        <a:off x="2745739" y="4209741"/>
+        <a:ext cx="3657859" cy="921501"/>
+      </dsp:txXfrm>
+    </dsp:sp>
+    <dsp:sp modelId="{4941E670-D6C1-4880-888F-F12659DE4854}">
+      <dsp:nvSpPr>
+        <dsp:cNvPr id="0" name=""/>
+        <dsp:cNvSpPr/>
+      </dsp:nvSpPr>
+      <dsp:spPr>
+        <a:xfrm>
+          <a:off x="0" y="4056157"/>
+          <a:ext cx="2745740" cy="1228669"/>
+        </a:xfrm>
+        <a:prstGeom prst="roundRect">
+          <a:avLst/>
+        </a:prstGeom>
+        <a:solidFill>
+          <a:schemeClr val="accent5">
+            <a:hueOff val="0"/>
+            <a:satOff val="0"/>
+            <a:lumOff val="0"/>
+            <a:alphaOff val="0"/>
+          </a:schemeClr>
+        </a:solidFill>
+        <a:ln w="15875" cap="flat" cmpd="sng" algn="ctr">
+          <a:solidFill>
+            <a:schemeClr val="lt1">
+              <a:hueOff val="0"/>
+              <a:satOff val="0"/>
+              <a:lumOff val="0"/>
+              <a:alphaOff val="0"/>
+            </a:schemeClr>
+          </a:solidFill>
+          <a:prstDash val="solid"/>
+        </a:ln>
+        <a:effectLst/>
+      </dsp:spPr>
+      <dsp:style>
+        <a:lnRef idx="2">
+          <a:scrgbClr r="0" g="0" b="0"/>
+        </a:lnRef>
+        <a:fillRef idx="1">
+          <a:scrgbClr r="0" g="0" b="0"/>
+        </a:fillRef>
+        <a:effectRef idx="0">
+          <a:scrgbClr r="0" g="0" b="0"/>
+        </a:effectRef>
+        <a:fontRef idx="minor">
+          <a:schemeClr val="lt1"/>
+        </a:fontRef>
+      </dsp:style>
+      <dsp:txBody>
+        <a:bodyPr spcFirstLastPara="0" vert="horz" wrap="square" lIns="95250" tIns="47625" rIns="95250" bIns="47625" numCol="1" spcCol="1270" anchor="ctr" anchorCtr="0">
+          <a:noAutofit/>
+        </a:bodyPr>
+        <a:lstStyle/>
+        <a:p>
+          <a:pPr marL="0" lvl="0" indent="0" algn="ctr" defTabSz="1111250">
+            <a:lnSpc>
+              <a:spcPct val="90000"/>
+            </a:lnSpc>
+            <a:spcBef>
+              <a:spcPct val="0"/>
+            </a:spcBef>
+            <a:spcAft>
+              <a:spcPct val="35000"/>
+            </a:spcAft>
+            <a:buNone/>
+          </a:pPr>
+          <a:r>
+            <a:rPr lang="en-GB" sz="2500" kern="1200" dirty="0">
+              <a:latin typeface="Montserrat Medium" pitchFamily="2" charset="0"/>
+            </a:rPr>
+            <a:t>Label encoder random</a:t>
+          </a:r>
+        </a:p>
+      </dsp:txBody>
+      <dsp:txXfrm>
+        <a:off x="59979" y="4116136"/>
+        <a:ext cx="2625782" cy="1108711"/>
       </dsp:txXfrm>
     </dsp:sp>
   </dsp:spTree>
@@ -2029,15 +4565,362 @@
 </file>
 
 <file path=ppt/diagrams/layout1.xml><?xml version="1.0" encoding="utf-8"?>
-<dgm:layoutDef xmlns:dgm="http://schemas.openxmlformats.org/drawingml/2006/diagram" xmlns:a="http://schemas.openxmlformats.org/drawingml/2006/main" uniqueId="urn:microsoft.com/office/officeart/2005/8/layout/chevron1">
+<dgm:layoutDef xmlns:dgm="http://schemas.openxmlformats.org/drawingml/2006/diagram" xmlns:a="http://schemas.openxmlformats.org/drawingml/2006/main" uniqueId="urn:microsoft.com/office/officeart/2005/8/layout/StepDownProcess">
   <dgm:title val=""/>
   <dgm:desc val=""/>
   <dgm:catLst>
-    <dgm:cat type="process" pri="9000"/>
+    <dgm:cat type="process" pri="1600"/>
   </dgm:catLst>
-  <dgm:sampData useDef="1">
+  <dgm:sampData>
     <dgm:dataModel>
-      <dgm:ptLst/>
+      <dgm:ptLst>
+        <dgm:pt modelId="0" type="doc"/>
+        <dgm:pt modelId="10">
+          <dgm:prSet phldr="1"/>
+        </dgm:pt>
+        <dgm:pt modelId="11">
+          <dgm:prSet phldr="1"/>
+        </dgm:pt>
+        <dgm:pt modelId="20">
+          <dgm:prSet phldr="1"/>
+        </dgm:pt>
+        <dgm:pt modelId="21">
+          <dgm:prSet phldr="1"/>
+        </dgm:pt>
+        <dgm:pt modelId="30">
+          <dgm:prSet phldr="1"/>
+        </dgm:pt>
+        <dgm:pt modelId="31">
+          <dgm:prSet phldr="1"/>
+        </dgm:pt>
+      </dgm:ptLst>
+      <dgm:cxnLst>
+        <dgm:cxn modelId="60" srcId="0" destId="10" srcOrd="0" destOrd="0"/>
+        <dgm:cxn modelId="12" srcId="10" destId="11" srcOrd="0" destOrd="0"/>
+        <dgm:cxn modelId="70" srcId="0" destId="20" srcOrd="1" destOrd="0"/>
+        <dgm:cxn modelId="22" srcId="20" destId="21" srcOrd="0" destOrd="0"/>
+        <dgm:cxn modelId="80" srcId="0" destId="30" srcOrd="2" destOrd="0"/>
+        <dgm:cxn modelId="32" srcId="30" destId="31" srcOrd="0" destOrd="0"/>
+      </dgm:cxnLst>
+      <dgm:bg/>
+      <dgm:whole/>
+    </dgm:dataModel>
+  </dgm:sampData>
+  <dgm:styleData>
+    <dgm:dataModel>
+      <dgm:ptLst>
+        <dgm:pt modelId="0" type="doc"/>
+        <dgm:pt modelId="10">
+          <dgm:prSet phldr="1"/>
+        </dgm:pt>
+        <dgm:pt modelId="20">
+          <dgm:prSet phldr="1"/>
+        </dgm:pt>
+      </dgm:ptLst>
+      <dgm:cxnLst>
+        <dgm:cxn modelId="60" srcId="0" destId="10" srcOrd="0" destOrd="0"/>
+        <dgm:cxn modelId="70" srcId="0" destId="20" srcOrd="1" destOrd="0"/>
+      </dgm:cxnLst>
+      <dgm:bg/>
+      <dgm:whole/>
+    </dgm:dataModel>
+  </dgm:styleData>
+  <dgm:clrData>
+    <dgm:dataModel>
+      <dgm:ptLst>
+        <dgm:pt modelId="0" type="doc"/>
+        <dgm:pt modelId="10">
+          <dgm:prSet phldr="1"/>
+        </dgm:pt>
+        <dgm:pt modelId="20">
+          <dgm:prSet phldr="1"/>
+        </dgm:pt>
+        <dgm:pt modelId="30">
+          <dgm:prSet phldr="1"/>
+        </dgm:pt>
+        <dgm:pt modelId="40">
+          <dgm:prSet phldr="1"/>
+        </dgm:pt>
+      </dgm:ptLst>
+      <dgm:cxnLst>
+        <dgm:cxn modelId="60" srcId="0" destId="10" srcOrd="0" destOrd="0"/>
+        <dgm:cxn modelId="70" srcId="0" destId="20" srcOrd="1" destOrd="0"/>
+        <dgm:cxn modelId="80" srcId="0" destId="30" srcOrd="2" destOrd="0"/>
+        <dgm:cxn modelId="90" srcId="0" destId="40" srcOrd="3" destOrd="0"/>
+      </dgm:cxnLst>
+      <dgm:bg/>
+      <dgm:whole/>
+    </dgm:dataModel>
+  </dgm:clrData>
+  <dgm:layoutNode name="rootnode">
+    <dgm:varLst>
+      <dgm:chMax/>
+      <dgm:chPref/>
+      <dgm:dir/>
+      <dgm:animLvl val="lvl"/>
+    </dgm:varLst>
+    <dgm:choose name="Name0">
+      <dgm:if name="Name1" func="var" arg="dir" op="equ" val="norm">
+        <dgm:alg type="snake">
+          <dgm:param type="grDir" val="tL"/>
+          <dgm:param type="flowDir" val="row"/>
+          <dgm:param type="off" val="off"/>
+          <dgm:param type="bkpt" val="fixed"/>
+          <dgm:param type="bkPtFixedVal" val="1"/>
+        </dgm:alg>
+      </dgm:if>
+      <dgm:else name="Name2">
+        <dgm:alg type="snake">
+          <dgm:param type="grDir" val="tR"/>
+          <dgm:param type="flowDir" val="row"/>
+          <dgm:param type="off" val="off"/>
+          <dgm:param type="bkpt" val="fixed"/>
+          <dgm:param type="bkPtFixedVal" val="1"/>
+        </dgm:alg>
+      </dgm:else>
+    </dgm:choose>
+    <dgm:shape xmlns:r="http://schemas.openxmlformats.org/officeDocument/2006/relationships" r:blip="">
+      <dgm:adjLst/>
+    </dgm:shape>
+    <dgm:choose name="Name3">
+      <dgm:if name="Name4" func="var" arg="dir" op="equ" val="norm">
+        <dgm:constrLst>
+          <dgm:constr type="alignOff" forName="rootnode" val="0.48"/>
+          <dgm:constr type="primFontSz" for="des" forName="ParentText" val="65"/>
+          <dgm:constr type="primFontSz" for="des" forName="ChildText" refType="primFontSz" refFor="des" refForName="ParentText" op="lte"/>
+          <dgm:constr type="w" for="ch" forName="composite" refType="w"/>
+          <dgm:constr type="h" for="ch" forName="composite" refType="h"/>
+          <dgm:constr type="sp" refType="h" refFor="ch" refForName="composite" op="equ" fact="-0.38"/>
+        </dgm:constrLst>
+      </dgm:if>
+      <dgm:else name="Name5">
+        <dgm:constrLst>
+          <dgm:constr type="alignOff" forName="rootnode" val="0.48"/>
+          <dgm:constr type="primFontSz" for="des" forName="ParentText" val="65"/>
+          <dgm:constr type="primFontSz" for="des" forName="ChildText" refType="primFontSz" refFor="des" refForName="ParentText" op="lte"/>
+          <dgm:constr type="w" for="ch" forName="composite" refType="w"/>
+          <dgm:constr type="h" for="ch" forName="composite" refType="h"/>
+          <dgm:constr type="sp" refType="h" refFor="ch" refForName="composite" op="equ" fact="-0.38"/>
+        </dgm:constrLst>
+      </dgm:else>
+    </dgm:choose>
+    <dgm:forEach name="nodesForEach" axis="ch" ptType="node">
+      <dgm:layoutNode name="composite">
+        <dgm:alg type="composite">
+          <dgm:param type="ar" val="1.2439"/>
+        </dgm:alg>
+        <dgm:shape xmlns:r="http://schemas.openxmlformats.org/officeDocument/2006/relationships" r:blip="">
+          <dgm:adjLst/>
+        </dgm:shape>
+        <dgm:choose name="Name6">
+          <dgm:if name="Name7" func="var" arg="dir" op="equ" val="norm">
+            <dgm:constrLst>
+              <dgm:constr type="l" for="ch" forName="bentUpArrow1" refType="w" fact="0.07"/>
+              <dgm:constr type="t" for="ch" forName="bentUpArrow1" refType="h" fact="0.524"/>
+              <dgm:constr type="w" for="ch" forName="bentUpArrow1" refType="w" fact="0.3844"/>
+              <dgm:constr type="h" for="ch" forName="bentUpArrow1" refType="h" fact="0.42"/>
+              <dgm:constr type="l" for="ch" forName="ParentText" refType="w" fact="0"/>
+              <dgm:constr type="t" for="ch" forName="ParentText" refType="h" fact="0"/>
+              <dgm:constr type="w" for="ch" forName="ParentText" refType="w" fact="0.5684"/>
+              <dgm:constr type="h" for="ch" forName="ParentText" refType="h" fact="0.4949"/>
+              <dgm:constr type="l" for="ch" forName="ChildText" refType="w" refFor="ch" refForName="ParentText"/>
+              <dgm:constr type="t" for="ch" forName="ChildText" refType="h" fact="0.05"/>
+              <dgm:constr type="w" for="ch" forName="ChildText" refType="w" fact="0.4134"/>
+              <dgm:constr type="h" for="ch" forName="ChildText" refType="h" fact="0.4"/>
+              <dgm:constr type="l" for="ch" forName="FinalChildText" refType="w" refFor="ch" refForName="ParentText"/>
+              <dgm:constr type="t" for="ch" forName="FinalChildText" refType="h" fact="0.05"/>
+              <dgm:constr type="w" for="ch" forName="FinalChildText" refType="w" fact="0.4134"/>
+              <dgm:constr type="h" for="ch" forName="FinalChildText" refType="h" fact="0.4"/>
+            </dgm:constrLst>
+          </dgm:if>
+          <dgm:else name="Name8">
+            <dgm:constrLst>
+              <dgm:constr type="r" for="ch" forName="bentUpArrow1" refType="w" fact="0.97"/>
+              <dgm:constr type="t" for="ch" forName="bentUpArrow1" refType="h" fact="0.524"/>
+              <dgm:constr type="w" for="ch" forName="bentUpArrow1" refType="w" fact="0.3844"/>
+              <dgm:constr type="h" for="ch" forName="bentUpArrow1" refType="h" fact="0.42"/>
+              <dgm:constr type="l" for="ch" forName="ParentText" refType="w" fact="0.4316"/>
+              <dgm:constr type="t" for="ch" forName="ParentText" refType="h" fact="0"/>
+              <dgm:constr type="w" for="ch" forName="ParentText" refType="w" fact="0.5684"/>
+              <dgm:constr type="h" for="ch" forName="ParentText" refType="h" fact="0.4949"/>
+              <dgm:constr type="l" for="ch" forName="ChildText" refType="w" fact="0"/>
+              <dgm:constr type="t" for="ch" forName="ChildText" refType="h" fact="0.05"/>
+              <dgm:constr type="w" for="ch" forName="ChildText" refType="w" fact="0.4134"/>
+              <dgm:constr type="h" for="ch" forName="ChildText" refType="h" fact="0.4"/>
+              <dgm:constr type="l" for="ch" forName="FinalChildText" refType="w" fact="0"/>
+              <dgm:constr type="t" for="ch" forName="FinalChildText" refType="h" fact="0.05"/>
+              <dgm:constr type="w" for="ch" forName="FinalChildText" refType="w" fact="0.4134"/>
+              <dgm:constr type="h" for="ch" forName="FinalChildText" refType="h" fact="0.4"/>
+            </dgm:constrLst>
+          </dgm:else>
+        </dgm:choose>
+        <dgm:choose name="Name9">
+          <dgm:if name="Name10" axis="followSib" ptType="node" func="cnt" op="gte" val="1">
+            <dgm:layoutNode name="bentUpArrow1" styleLbl="alignImgPlace1">
+              <dgm:alg type="sp"/>
+              <dgm:choose name="Name11">
+                <dgm:if name="Name12" func="var" arg="dir" op="equ" val="norm">
+                  <dgm:shape xmlns:r="http://schemas.openxmlformats.org/officeDocument/2006/relationships" rot="90" type="bentUpArrow" r:blip="">
+                    <dgm:adjLst>
+                      <dgm:adj idx="1" val="0.3284"/>
+                      <dgm:adj idx="2" val="0.25"/>
+                      <dgm:adj idx="3" val="0.3578"/>
+                    </dgm:adjLst>
+                  </dgm:shape>
+                </dgm:if>
+                <dgm:else name="Name13">
+                  <dgm:shape xmlns:r="http://schemas.openxmlformats.org/officeDocument/2006/relationships" rot="180" type="bentArrow" r:blip="">
+                    <dgm:adjLst>
+                      <dgm:adj idx="1" val="0.3284"/>
+                      <dgm:adj idx="2" val="0.25"/>
+                      <dgm:adj idx="3" val="0.3578"/>
+                      <dgm:adj idx="4" val="0"/>
+                    </dgm:adjLst>
+                  </dgm:shape>
+                </dgm:else>
+              </dgm:choose>
+              <dgm:presOf/>
+            </dgm:layoutNode>
+          </dgm:if>
+          <dgm:else name="Name14"/>
+        </dgm:choose>
+        <dgm:layoutNode name="ParentText" styleLbl="node1">
+          <dgm:varLst>
+            <dgm:chMax val="1"/>
+            <dgm:chPref val="1"/>
+            <dgm:bulletEnabled val="1"/>
+          </dgm:varLst>
+          <dgm:alg type="tx"/>
+          <dgm:shape xmlns:r="http://schemas.openxmlformats.org/officeDocument/2006/relationships" type="roundRect" r:blip="">
+            <dgm:adjLst>
+              <dgm:adj idx="1" val="0.1667"/>
+            </dgm:adjLst>
+          </dgm:shape>
+          <dgm:presOf axis="self" ptType="node"/>
+          <dgm:constrLst>
+            <dgm:constr type="lMarg" refType="primFontSz" fact="0.3"/>
+            <dgm:constr type="rMarg" refType="primFontSz" fact="0.3"/>
+            <dgm:constr type="tMarg" refType="primFontSz" fact="0.3"/>
+            <dgm:constr type="bMarg" refType="primFontSz" fact="0.3"/>
+          </dgm:constrLst>
+          <dgm:ruleLst>
+            <dgm:rule type="primFontSz" val="5" fact="NaN" max="NaN"/>
+          </dgm:ruleLst>
+        </dgm:layoutNode>
+        <dgm:choose name="Name15">
+          <dgm:if name="Name16" axis="followSib" ptType="node" func="cnt" op="equ" val="0">
+            <dgm:choose name="Name17">
+              <dgm:if name="Name18" axis="ch" ptType="node" func="cnt" op="gte" val="1">
+                <dgm:layoutNode name="FinalChildText" styleLbl="revTx">
+                  <dgm:varLst>
+                    <dgm:chMax val="0"/>
+                    <dgm:chPref val="0"/>
+                    <dgm:bulletEnabled val="1"/>
+                  </dgm:varLst>
+                  <dgm:alg type="tx">
+                    <dgm:param type="stBulletLvl" val="1"/>
+                    <dgm:param type="txAnchorVertCh" val="mid"/>
+                    <dgm:param type="parTxLTRAlign" val="l"/>
+                  </dgm:alg>
+                  <dgm:shape xmlns:r="http://schemas.openxmlformats.org/officeDocument/2006/relationships" type="rect" r:blip="">
+                    <dgm:adjLst/>
+                  </dgm:shape>
+                  <dgm:presOf axis="des" ptType="node"/>
+                  <dgm:constrLst>
+                    <dgm:constr type="lMarg" refType="primFontSz" fact="0.3"/>
+                    <dgm:constr type="rMarg" refType="primFontSz" fact="0.3"/>
+                    <dgm:constr type="tMarg" refType="primFontSz" fact="0.3"/>
+                    <dgm:constr type="bMarg" refType="primFontSz" fact="0.3"/>
+                  </dgm:constrLst>
+                  <dgm:ruleLst>
+                    <dgm:rule type="primFontSz" val="5" fact="NaN" max="NaN"/>
+                  </dgm:ruleLst>
+                </dgm:layoutNode>
+              </dgm:if>
+              <dgm:else name="Name19"/>
+            </dgm:choose>
+          </dgm:if>
+          <dgm:else name="Name20">
+            <dgm:layoutNode name="ChildText" styleLbl="revTx">
+              <dgm:varLst>
+                <dgm:chMax val="0"/>
+                <dgm:chPref val="0"/>
+                <dgm:bulletEnabled val="1"/>
+              </dgm:varLst>
+              <dgm:alg type="tx">
+                <dgm:param type="stBulletLvl" val="1"/>
+                <dgm:param type="txAnchorVertCh" val="mid"/>
+                <dgm:param type="parTxLTRAlign" val="l"/>
+              </dgm:alg>
+              <dgm:shape xmlns:r="http://schemas.openxmlformats.org/officeDocument/2006/relationships" type="rect" r:blip="">
+                <dgm:adjLst/>
+              </dgm:shape>
+              <dgm:presOf axis="des" ptType="node"/>
+              <dgm:constrLst>
+                <dgm:constr type="lMarg" refType="primFontSz" fact="0.3"/>
+                <dgm:constr type="rMarg" refType="primFontSz" fact="0.3"/>
+                <dgm:constr type="tMarg" refType="primFontSz" fact="0.3"/>
+                <dgm:constr type="bMarg" refType="primFontSz" fact="0.3"/>
+              </dgm:constrLst>
+              <dgm:ruleLst>
+                <dgm:rule type="primFontSz" val="5" fact="NaN" max="NaN"/>
+              </dgm:ruleLst>
+            </dgm:layoutNode>
+          </dgm:else>
+        </dgm:choose>
+      </dgm:layoutNode>
+      <dgm:forEach name="sibTransForEach" axis="followSib" ptType="sibTrans" cnt="1">
+        <dgm:layoutNode name="sibTrans">
+          <dgm:alg type="sp"/>
+          <dgm:shape xmlns:r="http://schemas.openxmlformats.org/officeDocument/2006/relationships" r:blip="">
+            <dgm:adjLst/>
+          </dgm:shape>
+        </dgm:layoutNode>
+      </dgm:forEach>
+    </dgm:forEach>
+  </dgm:layoutNode>
+</dgm:layoutDef>
+</file>
+
+<file path=ppt/diagrams/layout2.xml><?xml version="1.0" encoding="utf-8"?>
+<dgm:layoutDef xmlns:dgm="http://schemas.openxmlformats.org/drawingml/2006/diagram" xmlns:a="http://schemas.openxmlformats.org/drawingml/2006/main" uniqueId="urn:microsoft.com/office/officeart/2005/8/layout/vList6">
+  <dgm:title val=""/>
+  <dgm:desc val=""/>
+  <dgm:catLst>
+    <dgm:cat type="process" pri="22000"/>
+    <dgm:cat type="list" pri="17000"/>
+  </dgm:catLst>
+  <dgm:sampData>
+    <dgm:dataModel>
+      <dgm:ptLst>
+        <dgm:pt modelId="0" type="doc"/>
+        <dgm:pt modelId="1">
+          <dgm:prSet phldr="1"/>
+        </dgm:pt>
+        <dgm:pt modelId="11">
+          <dgm:prSet phldr="1"/>
+        </dgm:pt>
+        <dgm:pt modelId="12">
+          <dgm:prSet phldr="1"/>
+        </dgm:pt>
+        <dgm:pt modelId="2">
+          <dgm:prSet phldr="1"/>
+        </dgm:pt>
+        <dgm:pt modelId="21">
+          <dgm:prSet phldr="1"/>
+        </dgm:pt>
+        <dgm:pt modelId="22">
+          <dgm:prSet phldr="1"/>
+        </dgm:pt>
+      </dgm:ptLst>
+      <dgm:cxnLst>
+        <dgm:cxn modelId="4" srcId="0" destId="1" srcOrd="0" destOrd="0"/>
+        <dgm:cxn modelId="5" srcId="0" destId="2" srcOrd="1" destOrd="0"/>
+        <dgm:cxn modelId="13" srcId="1" destId="11" srcOrd="0" destOrd="0"/>
+        <dgm:cxn modelId="14" srcId="1" destId="12" srcOrd="0" destOrd="0"/>
+        <dgm:cxn modelId="23" srcId="2" destId="21" srcOrd="0" destOrd="0"/>
+        <dgm:cxn modelId="24" srcId="2" destId="22" srcOrd="0" destOrd="0"/>
+      </dgm:cxnLst>
       <dgm:bg/>
       <dgm:whole/>
     </dgm:dataModel>
@@ -2080,238 +4963,1166 @@
     <dgm:varLst>
       <dgm:dir/>
       <dgm:animLvl val="lvl"/>
-      <dgm:resizeHandles val="exact"/>
+      <dgm:resizeHandles/>
     </dgm:varLst>
-    <dgm:choose name="Name1">
-      <dgm:if name="Name2" func="var" arg="dir" op="equ" val="norm">
-        <dgm:alg type="lin"/>
-      </dgm:if>
-      <dgm:else name="Name3">
-        <dgm:alg type="lin">
-          <dgm:param type="linDir" val="fromR"/>
-        </dgm:alg>
-      </dgm:else>
-    </dgm:choose>
+    <dgm:alg type="lin">
+      <dgm:param type="linDir" val="fromT"/>
+    </dgm:alg>
     <dgm:shape xmlns:r="http://schemas.openxmlformats.org/officeDocument/2006/relationships" r:blip="">
       <dgm:adjLst/>
     </dgm:shape>
     <dgm:presOf/>
-    <dgm:choose name="Name4">
-      <dgm:if name="Name5" axis="des" func="maxDepth" op="gte" val="2">
-        <dgm:constrLst>
-          <dgm:constr type="h" for="ch" forName="composite" refType="h"/>
-          <dgm:constr type="w" for="ch" forName="composite" refType="w"/>
-          <dgm:constr type="w" for="des" forName="parTx"/>
-          <dgm:constr type="h" for="des" forName="parTx" op="equ"/>
-          <dgm:constr type="w" for="des" forName="desTx"/>
-          <dgm:constr type="h" for="des" forName="desTx" op="equ"/>
-          <dgm:constr type="primFontSz" for="des" forName="parTx" val="65"/>
-          <dgm:constr type="secFontSz" for="des" forName="desTx" refType="primFontSz" refFor="des" refForName="parTx" op="equ"/>
-          <dgm:constr type="h" for="des" forName="parTx" refType="primFontSz" refFor="des" refForName="parTx" fact="1.5"/>
-          <dgm:constr type="h" for="des" forName="desTx" refType="primFontSz" refFor="des" refForName="parTx" fact="0.5"/>
-          <dgm:constr type="w" for="ch" forName="space" op="equ" val="-6"/>
-        </dgm:constrLst>
-        <dgm:ruleLst>
-          <dgm:rule type="w" for="ch" forName="composite" val="0" fact="NaN" max="NaN"/>
-          <dgm:rule type="primFontSz" for="des" forName="parTx" val="5" fact="NaN" max="NaN"/>
-        </dgm:ruleLst>
-        <dgm:forEach name="Name6" axis="ch" ptType="node">
-          <dgm:layoutNode name="composite">
-            <dgm:alg type="composite"/>
-            <dgm:shape xmlns:r="http://schemas.openxmlformats.org/officeDocument/2006/relationships" r:blip="">
-              <dgm:adjLst/>
-            </dgm:shape>
-            <dgm:presOf/>
-            <dgm:choose name="Name7">
-              <dgm:if name="Name8" func="var" arg="dir" op="equ" val="norm">
-                <dgm:constrLst>
-                  <dgm:constr type="l" for="ch" forName="parTx"/>
-                  <dgm:constr type="w" for="ch" forName="parTx" refType="w"/>
-                  <dgm:constr type="t" for="ch" forName="parTx"/>
-                  <dgm:constr type="l" for="ch" forName="desTx"/>
-                  <dgm:constr type="w" for="ch" forName="desTx" refType="w" refFor="ch" refForName="parTx" fact="0.8"/>
-                  <dgm:constr type="t" for="ch" forName="desTx" refType="h" refFor="ch" refForName="parTx" fact="1.125"/>
-                </dgm:constrLst>
-              </dgm:if>
-              <dgm:else name="Name9">
-                <dgm:constrLst>
-                  <dgm:constr type="l" for="ch" forName="parTx"/>
-                  <dgm:constr type="w" for="ch" forName="parTx" refType="w"/>
-                  <dgm:constr type="t" for="ch" forName="parTx"/>
-                  <dgm:constr type="l" for="ch" forName="desTx" refType="w" fact="0.2"/>
-                  <dgm:constr type="w" for="ch" forName="desTx" refType="w" refFor="ch" refForName="parTx" fact="0.8"/>
-                  <dgm:constr type="t" for="ch" forName="desTx" refType="h" refFor="ch" refForName="parTx" fact="1.125"/>
-                </dgm:constrLst>
-              </dgm:else>
-            </dgm:choose>
-            <dgm:ruleLst>
-              <dgm:rule type="h" val="INF" fact="NaN" max="NaN"/>
-            </dgm:ruleLst>
-            <dgm:layoutNode name="parTx">
-              <dgm:varLst>
-                <dgm:chMax val="0"/>
-                <dgm:chPref val="0"/>
-                <dgm:bulletEnabled val="1"/>
-              </dgm:varLst>
-              <dgm:alg type="tx"/>
-              <dgm:choose name="Name10">
-                <dgm:if name="Name11" func="var" arg="dir" op="equ" val="norm">
-                  <dgm:shape xmlns:r="http://schemas.openxmlformats.org/officeDocument/2006/relationships" type="chevron" r:blip="">
-                    <dgm:adjLst/>
-                  </dgm:shape>
-                </dgm:if>
-                <dgm:else name="Name12">
-                  <dgm:shape xmlns:r="http://schemas.openxmlformats.org/officeDocument/2006/relationships" rot="180" type="chevron" r:blip="">
-                    <dgm:adjLst/>
-                  </dgm:shape>
-                </dgm:else>
-              </dgm:choose>
-              <dgm:presOf axis="self" ptType="node"/>
-              <dgm:choose name="Name13">
-                <dgm:if name="Name14" func="var" arg="dir" op="equ" val="norm">
-                  <dgm:constrLst>
-                    <dgm:constr type="h" refType="w" op="lte" fact="0.4"/>
-                    <dgm:constr type="h"/>
-                    <dgm:constr type="tMarg" refType="primFontSz" fact="0.105"/>
-                    <dgm:constr type="bMarg" refType="primFontSz" fact="0.105"/>
-                    <dgm:constr type="lMarg" refType="primFontSz" fact="0.315"/>
-                    <dgm:constr type="rMarg" refType="primFontSz" fact="0.105"/>
-                  </dgm:constrLst>
-                </dgm:if>
-                <dgm:else name="Name15">
-                  <dgm:constrLst>
-                    <dgm:constr type="h" refType="w" op="lte" fact="0.4"/>
-                    <dgm:constr type="h"/>
-                    <dgm:constr type="tMarg" refType="primFontSz" fact="0.105"/>
-                    <dgm:constr type="bMarg" refType="primFontSz" fact="0.105"/>
-                    <dgm:constr type="lMarg" refType="primFontSz" fact="0.105"/>
-                    <dgm:constr type="rMarg" refType="primFontSz" fact="0.315"/>
-                  </dgm:constrLst>
-                </dgm:else>
-              </dgm:choose>
-              <dgm:ruleLst>
-                <dgm:rule type="h" val="INF" fact="NaN" max="NaN"/>
-              </dgm:ruleLst>
-            </dgm:layoutNode>
-            <dgm:layoutNode name="desTx" styleLbl="revTx">
-              <dgm:varLst>
-                <dgm:bulletEnabled val="1"/>
-              </dgm:varLst>
-              <dgm:alg type="tx">
-                <dgm:param type="stBulletLvl" val="1"/>
-              </dgm:alg>
-              <dgm:choose name="Name16">
-                <dgm:if name="Name17" axis="ch" ptType="node" func="cnt" op="gte" val="1">
-                  <dgm:shape xmlns:r="http://schemas.openxmlformats.org/officeDocument/2006/relationships" type="rect" r:blip="">
-                    <dgm:adjLst/>
-                  </dgm:shape>
-                </dgm:if>
-                <dgm:else name="Name18">
-                  <dgm:shape xmlns:r="http://schemas.openxmlformats.org/officeDocument/2006/relationships" type="rect" r:blip="" hideGeom="1">
-                    <dgm:adjLst/>
-                  </dgm:shape>
-                </dgm:else>
-              </dgm:choose>
-              <dgm:presOf axis="des" ptType="node"/>
-              <dgm:constrLst>
-                <dgm:constr type="secFontSz" val="65"/>
-                <dgm:constr type="primFontSz" refType="secFontSz"/>
-                <dgm:constr type="h"/>
-                <dgm:constr type="tMarg"/>
-                <dgm:constr type="bMarg"/>
-                <dgm:constr type="rMarg"/>
-                <dgm:constr type="lMarg"/>
-              </dgm:constrLst>
-              <dgm:ruleLst>
-                <dgm:rule type="h" val="INF" fact="NaN" max="NaN"/>
-              </dgm:ruleLst>
-            </dgm:layoutNode>
-          </dgm:layoutNode>
-          <dgm:forEach name="Name19" axis="followSib" ptType="sibTrans" cnt="1">
-            <dgm:layoutNode name="space">
-              <dgm:alg type="sp"/>
-              <dgm:shape xmlns:r="http://schemas.openxmlformats.org/officeDocument/2006/relationships" r:blip="">
-                <dgm:adjLst/>
+    <dgm:constrLst>
+      <dgm:constr type="w" for="ch" forName="linNode" refType="w"/>
+      <dgm:constr type="h" for="ch" forName="linNode" refType="h"/>
+      <dgm:constr type="h" for="ch" forName="spacing" refType="h" refFor="ch" refForName="linNode" fact="0.1"/>
+      <dgm:constr type="primFontSz" for="des" forName="parentShp" op="equ" val="65"/>
+      <dgm:constr type="primFontSz" for="des" forName="childShp" op="equ" val="65"/>
+    </dgm:constrLst>
+    <dgm:ruleLst/>
+    <dgm:forEach name="Name1" axis="ch" ptType="node">
+      <dgm:layoutNode name="linNode">
+        <dgm:choose name="Name2">
+          <dgm:if name="Name3" func="var" arg="dir" op="equ" val="norm">
+            <dgm:alg type="lin">
+              <dgm:param type="linDir" val="fromL"/>
+            </dgm:alg>
+          </dgm:if>
+          <dgm:else name="Name4">
+            <dgm:alg type="lin">
+              <dgm:param type="linDir" val="fromR"/>
+            </dgm:alg>
+          </dgm:else>
+        </dgm:choose>
+        <dgm:shape xmlns:r="http://schemas.openxmlformats.org/officeDocument/2006/relationships" r:blip="">
+          <dgm:adjLst/>
+        </dgm:shape>
+        <dgm:presOf/>
+        <dgm:choose name="Name5">
+          <dgm:if name="Name6" func="var" arg="dir" op="equ" val="norm">
+            <dgm:constrLst>
+              <dgm:constr type="w" for="ch" forName="parentShp" refType="w" fact="0.4"/>
+              <dgm:constr type="h" for="ch" forName="parentShp" refType="h"/>
+              <dgm:constr type="w" for="ch" forName="childShp" refType="w" fact="0.6"/>
+              <dgm:constr type="h" for="ch" forName="childShp" refType="h" refFor="ch" refForName="parentShp"/>
+            </dgm:constrLst>
+          </dgm:if>
+          <dgm:else name="Name7">
+            <dgm:constrLst>
+              <dgm:constr type="w" for="ch" forName="parentShp" refType="w" fact="0.4"/>
+              <dgm:constr type="h" for="ch" forName="parentShp" refType="h"/>
+              <dgm:constr type="w" for="ch" forName="childShp" refType="w" fact="0.6"/>
+              <dgm:constr type="h" for="ch" forName="childShp" refType="h" refFor="ch" refForName="parentShp"/>
+            </dgm:constrLst>
+          </dgm:else>
+        </dgm:choose>
+        <dgm:ruleLst/>
+        <dgm:layoutNode name="parentShp" styleLbl="node1">
+          <dgm:varLst>
+            <dgm:bulletEnabled val="1"/>
+          </dgm:varLst>
+          <dgm:alg type="tx"/>
+          <dgm:shape xmlns:r="http://schemas.openxmlformats.org/officeDocument/2006/relationships" type="roundRect" r:blip="">
+            <dgm:adjLst/>
+          </dgm:shape>
+          <dgm:presOf axis="self" ptType="node"/>
+          <dgm:constrLst>
+            <dgm:constr type="tMarg" refType="primFontSz" fact="0.15"/>
+            <dgm:constr type="bMarg" refType="primFontSz" fact="0.15"/>
+            <dgm:constr type="lMarg" refType="primFontSz" fact="0.3"/>
+            <dgm:constr type="rMarg" refType="primFontSz" fact="0.3"/>
+          </dgm:constrLst>
+          <dgm:ruleLst>
+            <dgm:rule type="primFontSz" val="5" fact="NaN" max="NaN"/>
+          </dgm:ruleLst>
+        </dgm:layoutNode>
+        <dgm:layoutNode name="childShp" styleLbl="bgAccFollowNode1">
+          <dgm:varLst>
+            <dgm:bulletEnabled val="1"/>
+          </dgm:varLst>
+          <dgm:alg type="tx">
+            <dgm:param type="stBulletLvl" val="1"/>
+          </dgm:alg>
+          <dgm:choose name="Name8">
+            <dgm:if name="Name9" func="var" arg="dir" op="equ" val="norm">
+              <dgm:shape xmlns:r="http://schemas.openxmlformats.org/officeDocument/2006/relationships" type="rightArrow" r:blip="" zOrderOff="-2">
+                <dgm:adjLst>
+                  <dgm:adj idx="1" val="0.75"/>
+                </dgm:adjLst>
               </dgm:shape>
-              <dgm:presOf/>
-              <dgm:constrLst/>
-              <dgm:ruleLst/>
-            </dgm:layoutNode>
-          </dgm:forEach>
-        </dgm:forEach>
-      </dgm:if>
-      <dgm:else name="Name20">
-        <dgm:constrLst>
-          <dgm:constr type="w" for="ch" forName="parTxOnly" refType="w"/>
-          <dgm:constr type="h" for="des" forName="parTxOnly" op="equ"/>
-          <dgm:constr type="primFontSz" for="des" forName="parTxOnly" op="equ" val="65"/>
-          <dgm:constr type="w" for="ch" forName="parTxOnlySpace" refType="w" refFor="ch" refForName="parTxOnly" fact="-0.1"/>
-        </dgm:constrLst>
-        <dgm:ruleLst/>
-        <dgm:forEach name="Name21" axis="ch" ptType="node">
-          <dgm:layoutNode name="parTxOnly">
-            <dgm:varLst>
-              <dgm:chMax val="0"/>
-              <dgm:chPref val="0"/>
-              <dgm:bulletEnabled val="1"/>
-            </dgm:varLst>
-            <dgm:alg type="tx"/>
-            <dgm:choose name="Name22">
-              <dgm:if name="Name23" func="var" arg="dir" op="equ" val="norm">
-                <dgm:shape xmlns:r="http://schemas.openxmlformats.org/officeDocument/2006/relationships" type="chevron" r:blip="">
-                  <dgm:adjLst/>
-                </dgm:shape>
-              </dgm:if>
-              <dgm:else name="Name24">
-                <dgm:shape xmlns:r="http://schemas.openxmlformats.org/officeDocument/2006/relationships" rot="180" type="chevron" r:blip="">
-                  <dgm:adjLst/>
-                </dgm:shape>
-              </dgm:else>
-            </dgm:choose>
-            <dgm:presOf axis="self" ptType="node"/>
-            <dgm:choose name="Name25">
-              <dgm:if name="Name26" func="var" arg="dir" op="equ" val="norm">
-                <dgm:constrLst>
-                  <dgm:constr type="h" refType="w" op="equ" fact="0.4"/>
-                  <dgm:constr type="tMarg" refType="primFontSz" fact="0.105"/>
-                  <dgm:constr type="bMarg" refType="primFontSz" fact="0.105"/>
-                  <dgm:constr type="lMarg" refType="primFontSz" fact="0.315"/>
-                  <dgm:constr type="rMarg" refType="primFontSz" fact="0.105"/>
-                </dgm:constrLst>
-              </dgm:if>
-              <dgm:else name="Name27">
-                <dgm:constrLst>
-                  <dgm:constr type="h" refType="w" op="equ" fact="0.4"/>
-                  <dgm:constr type="tMarg" refType="primFontSz" fact="0.105"/>
-                  <dgm:constr type="bMarg" refType="primFontSz" fact="0.105"/>
-                  <dgm:constr type="lMarg" refType="primFontSz" fact="0.105"/>
-                  <dgm:constr type="rMarg" refType="primFontSz" fact="0.315"/>
-                </dgm:constrLst>
-              </dgm:else>
-            </dgm:choose>
-            <dgm:ruleLst>
-              <dgm:rule type="primFontSz" val="5" fact="NaN" max="NaN"/>
-            </dgm:ruleLst>
-          </dgm:layoutNode>
-          <dgm:forEach name="Name28" axis="followSib" ptType="sibTrans" cnt="1">
-            <dgm:layoutNode name="parTxOnlySpace">
-              <dgm:alg type="sp"/>
-              <dgm:shape xmlns:r="http://schemas.openxmlformats.org/officeDocument/2006/relationships" r:blip="">
-                <dgm:adjLst/>
+            </dgm:if>
+            <dgm:else name="Name10">
+              <dgm:shape xmlns:r="http://schemas.openxmlformats.org/officeDocument/2006/relationships" rot="180" type="rightArrow" r:blip="" zOrderOff="-2">
+                <dgm:adjLst>
+                  <dgm:adj idx="1" val="0.75"/>
+                </dgm:adjLst>
               </dgm:shape>
-              <dgm:presOf/>
-              <dgm:constrLst/>
-              <dgm:ruleLst/>
-            </dgm:layoutNode>
-          </dgm:forEach>
-        </dgm:forEach>
-      </dgm:else>
-    </dgm:choose>
+            </dgm:else>
+          </dgm:choose>
+          <dgm:presOf axis="des" ptType="node"/>
+          <dgm:constrLst>
+            <dgm:constr type="secFontSz" refType="primFontSz"/>
+            <dgm:constr type="tMarg" refType="primFontSz" fact="0.05"/>
+            <dgm:constr type="bMarg" refType="primFontSz" fact="0.05"/>
+            <dgm:constr type="lMarg" refType="primFontSz" fact="0.05"/>
+            <dgm:constr type="rMarg" refType="primFontSz" fact="0.05"/>
+          </dgm:constrLst>
+          <dgm:ruleLst>
+            <dgm:rule type="primFontSz" val="5" fact="NaN" max="NaN"/>
+          </dgm:ruleLst>
+        </dgm:layoutNode>
+      </dgm:layoutNode>
+      <dgm:forEach name="Name11" axis="followSib" ptType="sibTrans" cnt="1">
+        <dgm:layoutNode name="spacing">
+          <dgm:alg type="sp"/>
+          <dgm:shape xmlns:r="http://schemas.openxmlformats.org/officeDocument/2006/relationships" r:blip="">
+            <dgm:adjLst/>
+          </dgm:shape>
+          <dgm:presOf/>
+          <dgm:constrLst/>
+          <dgm:ruleLst/>
+        </dgm:layoutNode>
+      </dgm:forEach>
+    </dgm:forEach>
   </dgm:layoutNode>
 </dgm:layoutDef>
 </file>
 
 <file path=ppt/diagrams/quickStyle1.xml><?xml version="1.0" encoding="utf-8"?>
+<dgm:styleDef xmlns:dgm="http://schemas.openxmlformats.org/drawingml/2006/diagram" xmlns:a="http://schemas.openxmlformats.org/drawingml/2006/main" uniqueId="urn:microsoft.com/office/officeart/2005/8/quickstyle/simple1">
+  <dgm:title val=""/>
+  <dgm:desc val=""/>
+  <dgm:catLst>
+    <dgm:cat type="simple" pri="10100"/>
+  </dgm:catLst>
+  <dgm:scene3d>
+    <a:camera prst="orthographicFront"/>
+    <a:lightRig rig="threePt" dir="t"/>
+  </dgm:scene3d>
+  <dgm:styleLbl name="node0">
+    <dgm:scene3d>
+      <a:camera prst="orthographicFront"/>
+      <a:lightRig rig="threePt" dir="t"/>
+    </dgm:scene3d>
+    <dgm:sp3d/>
+    <dgm:txPr/>
+    <dgm:style>
+      <a:lnRef idx="2">
+        <a:scrgbClr r="0" g="0" b="0"/>
+      </a:lnRef>
+      <a:fillRef idx="1">
+        <a:scrgbClr r="0" g="0" b="0"/>
+      </a:fillRef>
+      <a:effectRef idx="0">
+        <a:scrgbClr r="0" g="0" b="0"/>
+      </a:effectRef>
+      <a:fontRef idx="minor">
+        <a:schemeClr val="lt1"/>
+      </a:fontRef>
+    </dgm:style>
+  </dgm:styleLbl>
+  <dgm:styleLbl name="lnNode1">
+    <dgm:scene3d>
+      <a:camera prst="orthographicFront"/>
+      <a:lightRig rig="threePt" dir="t"/>
+    </dgm:scene3d>
+    <dgm:sp3d/>
+    <dgm:txPr/>
+    <dgm:style>
+      <a:lnRef idx="2">
+        <a:scrgbClr r="0" g="0" b="0"/>
+      </a:lnRef>
+      <a:fillRef idx="1">
+        <a:scrgbClr r="0" g="0" b="0"/>
+      </a:fillRef>
+      <a:effectRef idx="0">
+        <a:scrgbClr r="0" g="0" b="0"/>
+      </a:effectRef>
+      <a:fontRef idx="minor">
+        <a:schemeClr val="lt1"/>
+      </a:fontRef>
+    </dgm:style>
+  </dgm:styleLbl>
+  <dgm:styleLbl name="vennNode1">
+    <dgm:scene3d>
+      <a:camera prst="orthographicFront"/>
+      <a:lightRig rig="threePt" dir="t"/>
+    </dgm:scene3d>
+    <dgm:sp3d/>
+    <dgm:txPr/>
+    <dgm:style>
+      <a:lnRef idx="2">
+        <a:scrgbClr r="0" g="0" b="0"/>
+      </a:lnRef>
+      <a:fillRef idx="1">
+        <a:scrgbClr r="0" g="0" b="0"/>
+      </a:fillRef>
+      <a:effectRef idx="0">
+        <a:scrgbClr r="0" g="0" b="0"/>
+      </a:effectRef>
+      <a:fontRef idx="minor">
+        <a:schemeClr val="tx1"/>
+      </a:fontRef>
+    </dgm:style>
+  </dgm:styleLbl>
+  <dgm:styleLbl name="alignNode1">
+    <dgm:scene3d>
+      <a:camera prst="orthographicFront"/>
+      <a:lightRig rig="threePt" dir="t"/>
+    </dgm:scene3d>
+    <dgm:sp3d/>
+    <dgm:txPr/>
+    <dgm:style>
+      <a:lnRef idx="2">
+        <a:scrgbClr r="0" g="0" b="0"/>
+      </a:lnRef>
+      <a:fillRef idx="1">
+        <a:scrgbClr r="0" g="0" b="0"/>
+      </a:fillRef>
+      <a:effectRef idx="0">
+        <a:scrgbClr r="0" g="0" b="0"/>
+      </a:effectRef>
+      <a:fontRef idx="minor">
+        <a:schemeClr val="lt1"/>
+      </a:fontRef>
+    </dgm:style>
+  </dgm:styleLbl>
+  <dgm:styleLbl name="node1">
+    <dgm:scene3d>
+      <a:camera prst="orthographicFront"/>
+      <a:lightRig rig="threePt" dir="t"/>
+    </dgm:scene3d>
+    <dgm:sp3d/>
+    <dgm:txPr/>
+    <dgm:style>
+      <a:lnRef idx="2">
+        <a:scrgbClr r="0" g="0" b="0"/>
+      </a:lnRef>
+      <a:fillRef idx="1">
+        <a:scrgbClr r="0" g="0" b="0"/>
+      </a:fillRef>
+      <a:effectRef idx="0">
+        <a:scrgbClr r="0" g="0" b="0"/>
+      </a:effectRef>
+      <a:fontRef idx="minor">
+        <a:schemeClr val="lt1"/>
+      </a:fontRef>
+    </dgm:style>
+  </dgm:styleLbl>
+  <dgm:styleLbl name="node2">
+    <dgm:scene3d>
+      <a:camera prst="orthographicFront"/>
+      <a:lightRig rig="threePt" dir="t"/>
+    </dgm:scene3d>
+    <dgm:sp3d/>
+    <dgm:txPr/>
+    <dgm:style>
+      <a:lnRef idx="2">
+        <a:scrgbClr r="0" g="0" b="0"/>
+      </a:lnRef>
+      <a:fillRef idx="1">
+        <a:scrgbClr r="0" g="0" b="0"/>
+      </a:fillRef>
+      <a:effectRef idx="0">
+        <a:scrgbClr r="0" g="0" b="0"/>
+      </a:effectRef>
+      <a:fontRef idx="minor">
+        <a:schemeClr val="lt1"/>
+      </a:fontRef>
+    </dgm:style>
+  </dgm:styleLbl>
+  <dgm:styleLbl name="node3">
+    <dgm:scene3d>
+      <a:camera prst="orthographicFront"/>
+      <a:lightRig rig="threePt" dir="t"/>
+    </dgm:scene3d>
+    <dgm:sp3d/>
+    <dgm:txPr/>
+    <dgm:style>
+      <a:lnRef idx="2">
+        <a:scrgbClr r="0" g="0" b="0"/>
+      </a:lnRef>
+      <a:fillRef idx="1">
+        <a:scrgbClr r="0" g="0" b="0"/>
+      </a:fillRef>
+      <a:effectRef idx="0">
+        <a:scrgbClr r="0" g="0" b="0"/>
+      </a:effectRef>
+      <a:fontRef idx="minor">
+        <a:schemeClr val="lt1"/>
+      </a:fontRef>
+    </dgm:style>
+  </dgm:styleLbl>
+  <dgm:styleLbl name="node4">
+    <dgm:scene3d>
+      <a:camera prst="orthographicFront"/>
+      <a:lightRig rig="threePt" dir="t"/>
+    </dgm:scene3d>
+    <dgm:sp3d/>
+    <dgm:txPr/>
+    <dgm:style>
+      <a:lnRef idx="2">
+        <a:scrgbClr r="0" g="0" b="0"/>
+      </a:lnRef>
+      <a:fillRef idx="1">
+        <a:scrgbClr r="0" g="0" b="0"/>
+      </a:fillRef>
+      <a:effectRef idx="0">
+        <a:scrgbClr r="0" g="0" b="0"/>
+      </a:effectRef>
+      <a:fontRef idx="minor">
+        <a:schemeClr val="lt1"/>
+      </a:fontRef>
+    </dgm:style>
+  </dgm:styleLbl>
+  <dgm:styleLbl name="fgImgPlace1">
+    <dgm:scene3d>
+      <a:camera prst="orthographicFront"/>
+      <a:lightRig rig="threePt" dir="t"/>
+    </dgm:scene3d>
+    <dgm:sp3d/>
+    <dgm:txPr/>
+    <dgm:style>
+      <a:lnRef idx="2">
+        <a:scrgbClr r="0" g="0" b="0"/>
+      </a:lnRef>
+      <a:fillRef idx="1">
+        <a:scrgbClr r="0" g="0" b="0"/>
+      </a:fillRef>
+      <a:effectRef idx="0">
+        <a:scrgbClr r="0" g="0" b="0"/>
+      </a:effectRef>
+      <a:fontRef idx="minor"/>
+    </dgm:style>
+  </dgm:styleLbl>
+  <dgm:styleLbl name="alignImgPlace1">
+    <dgm:scene3d>
+      <a:camera prst="orthographicFront"/>
+      <a:lightRig rig="threePt" dir="t"/>
+    </dgm:scene3d>
+    <dgm:sp3d/>
+    <dgm:txPr/>
+    <dgm:style>
+      <a:lnRef idx="2">
+        <a:scrgbClr r="0" g="0" b="0"/>
+      </a:lnRef>
+      <a:fillRef idx="1">
+        <a:scrgbClr r="0" g="0" b="0"/>
+      </a:fillRef>
+      <a:effectRef idx="0">
+        <a:scrgbClr r="0" g="0" b="0"/>
+      </a:effectRef>
+      <a:fontRef idx="minor"/>
+    </dgm:style>
+  </dgm:styleLbl>
+  <dgm:styleLbl name="bgImgPlace1">
+    <dgm:scene3d>
+      <a:camera prst="orthographicFront"/>
+      <a:lightRig rig="threePt" dir="t"/>
+    </dgm:scene3d>
+    <dgm:sp3d/>
+    <dgm:txPr/>
+    <dgm:style>
+      <a:lnRef idx="2">
+        <a:scrgbClr r="0" g="0" b="0"/>
+      </a:lnRef>
+      <a:fillRef idx="1">
+        <a:scrgbClr r="0" g="0" b="0"/>
+      </a:fillRef>
+      <a:effectRef idx="0">
+        <a:scrgbClr r="0" g="0" b="0"/>
+      </a:effectRef>
+      <a:fontRef idx="minor"/>
+    </dgm:style>
+  </dgm:styleLbl>
+  <dgm:styleLbl name="sibTrans2D1">
+    <dgm:scene3d>
+      <a:camera prst="orthographicFront"/>
+      <a:lightRig rig="threePt" dir="t"/>
+    </dgm:scene3d>
+    <dgm:sp3d/>
+    <dgm:txPr/>
+    <dgm:style>
+      <a:lnRef idx="0">
+        <a:scrgbClr r="0" g="0" b="0"/>
+      </a:lnRef>
+      <a:fillRef idx="1">
+        <a:scrgbClr r="0" g="0" b="0"/>
+      </a:fillRef>
+      <a:effectRef idx="0">
+        <a:scrgbClr r="0" g="0" b="0"/>
+      </a:effectRef>
+      <a:fontRef idx="minor">
+        <a:schemeClr val="lt1"/>
+      </a:fontRef>
+    </dgm:style>
+  </dgm:styleLbl>
+  <dgm:styleLbl name="fgSibTrans2D1">
+    <dgm:scene3d>
+      <a:camera prst="orthographicFront"/>
+      <a:lightRig rig="threePt" dir="t"/>
+    </dgm:scene3d>
+    <dgm:sp3d/>
+    <dgm:txPr/>
+    <dgm:style>
+      <a:lnRef idx="0">
+        <a:scrgbClr r="0" g="0" b="0"/>
+      </a:lnRef>
+      <a:fillRef idx="1">
+        <a:scrgbClr r="0" g="0" b="0"/>
+      </a:fillRef>
+      <a:effectRef idx="0">
+        <a:scrgbClr r="0" g="0" b="0"/>
+      </a:effectRef>
+      <a:fontRef idx="minor">
+        <a:schemeClr val="lt1"/>
+      </a:fontRef>
+    </dgm:style>
+  </dgm:styleLbl>
+  <dgm:styleLbl name="bgSibTrans2D1">
+    <dgm:scene3d>
+      <a:camera prst="orthographicFront"/>
+      <a:lightRig rig="threePt" dir="t"/>
+    </dgm:scene3d>
+    <dgm:sp3d/>
+    <dgm:txPr/>
+    <dgm:style>
+      <a:lnRef idx="0">
+        <a:scrgbClr r="0" g="0" b="0"/>
+      </a:lnRef>
+      <a:fillRef idx="1">
+        <a:scrgbClr r="0" g="0" b="0"/>
+      </a:fillRef>
+      <a:effectRef idx="0">
+        <a:scrgbClr r="0" g="0" b="0"/>
+      </a:effectRef>
+      <a:fontRef idx="minor">
+        <a:schemeClr val="lt1"/>
+      </a:fontRef>
+    </dgm:style>
+  </dgm:styleLbl>
+  <dgm:styleLbl name="sibTrans1D1">
+    <dgm:scene3d>
+      <a:camera prst="orthographicFront"/>
+      <a:lightRig rig="threePt" dir="t"/>
+    </dgm:scene3d>
+    <dgm:sp3d/>
+    <dgm:txPr/>
+    <dgm:style>
+      <a:lnRef idx="1">
+        <a:scrgbClr r="0" g="0" b="0"/>
+      </a:lnRef>
+      <a:fillRef idx="0">
+        <a:scrgbClr r="0" g="0" b="0"/>
+      </a:fillRef>
+      <a:effectRef idx="0">
+        <a:scrgbClr r="0" g="0" b="0"/>
+      </a:effectRef>
+      <a:fontRef idx="minor"/>
+    </dgm:style>
+  </dgm:styleLbl>
+  <dgm:styleLbl name="callout">
+    <dgm:scene3d>
+      <a:camera prst="orthographicFront"/>
+      <a:lightRig rig="threePt" dir="t"/>
+    </dgm:scene3d>
+    <dgm:sp3d/>
+    <dgm:txPr/>
+    <dgm:style>
+      <a:lnRef idx="2">
+        <a:scrgbClr r="0" g="0" b="0"/>
+      </a:lnRef>
+      <a:fillRef idx="1">
+        <a:scrgbClr r="0" g="0" b="0"/>
+      </a:fillRef>
+      <a:effectRef idx="0">
+        <a:scrgbClr r="0" g="0" b="0"/>
+      </a:effectRef>
+      <a:fontRef idx="minor"/>
+    </dgm:style>
+  </dgm:styleLbl>
+  <dgm:styleLbl name="asst0">
+    <dgm:scene3d>
+      <a:camera prst="orthographicFront"/>
+      <a:lightRig rig="threePt" dir="t"/>
+    </dgm:scene3d>
+    <dgm:sp3d/>
+    <dgm:txPr/>
+    <dgm:style>
+      <a:lnRef idx="2">
+        <a:scrgbClr r="0" g="0" b="0"/>
+      </a:lnRef>
+      <a:fillRef idx="1">
+        <a:scrgbClr r="0" g="0" b="0"/>
+      </a:fillRef>
+      <a:effectRef idx="0">
+        <a:scrgbClr r="0" g="0" b="0"/>
+      </a:effectRef>
+      <a:fontRef idx="minor">
+        <a:schemeClr val="lt1"/>
+      </a:fontRef>
+    </dgm:style>
+  </dgm:styleLbl>
+  <dgm:styleLbl name="asst1">
+    <dgm:scene3d>
+      <a:camera prst="orthographicFront"/>
+      <a:lightRig rig="threePt" dir="t"/>
+    </dgm:scene3d>
+    <dgm:sp3d/>
+    <dgm:txPr/>
+    <dgm:style>
+      <a:lnRef idx="2">
+        <a:scrgbClr r="0" g="0" b="0"/>
+      </a:lnRef>
+      <a:fillRef idx="1">
+        <a:scrgbClr r="0" g="0" b="0"/>
+      </a:fillRef>
+      <a:effectRef idx="0">
+        <a:scrgbClr r="0" g="0" b="0"/>
+      </a:effectRef>
+      <a:fontRef idx="minor">
+        <a:schemeClr val="lt1"/>
+      </a:fontRef>
+    </dgm:style>
+  </dgm:styleLbl>
+  <dgm:styleLbl name="asst2">
+    <dgm:scene3d>
+      <a:camera prst="orthographicFront"/>
+      <a:lightRig rig="threePt" dir="t"/>
+    </dgm:scene3d>
+    <dgm:sp3d/>
+    <dgm:txPr/>
+    <dgm:style>
+      <a:lnRef idx="2">
+        <a:scrgbClr r="0" g="0" b="0"/>
+      </a:lnRef>
+      <a:fillRef idx="1">
+        <a:scrgbClr r="0" g="0" b="0"/>
+      </a:fillRef>
+      <a:effectRef idx="0">
+        <a:scrgbClr r="0" g="0" b="0"/>
+      </a:effectRef>
+      <a:fontRef idx="minor">
+        <a:schemeClr val="lt1"/>
+      </a:fontRef>
+    </dgm:style>
+  </dgm:styleLbl>
+  <dgm:styleLbl name="asst3">
+    <dgm:scene3d>
+      <a:camera prst="orthographicFront"/>
+      <a:lightRig rig="threePt" dir="t"/>
+    </dgm:scene3d>
+    <dgm:sp3d/>
+    <dgm:txPr/>
+    <dgm:style>
+      <a:lnRef idx="2">
+        <a:scrgbClr r="0" g="0" b="0"/>
+      </a:lnRef>
+      <a:fillRef idx="1">
+        <a:scrgbClr r="0" g="0" b="0"/>
+      </a:fillRef>
+      <a:effectRef idx="0">
+        <a:scrgbClr r="0" g="0" b="0"/>
+      </a:effectRef>
+      <a:fontRef idx="minor">
+        <a:schemeClr val="lt1"/>
+      </a:fontRef>
+    </dgm:style>
+  </dgm:styleLbl>
+  <dgm:styleLbl name="asst4">
+    <dgm:scene3d>
+      <a:camera prst="orthographicFront"/>
+      <a:lightRig rig="threePt" dir="t"/>
+    </dgm:scene3d>
+    <dgm:sp3d/>
+    <dgm:txPr/>
+    <dgm:style>
+      <a:lnRef idx="2">
+        <a:scrgbClr r="0" g="0" b="0"/>
+      </a:lnRef>
+      <a:fillRef idx="1">
+        <a:scrgbClr r="0" g="0" b="0"/>
+      </a:fillRef>
+      <a:effectRef idx="0">
+        <a:scrgbClr r="0" g="0" b="0"/>
+      </a:effectRef>
+      <a:fontRef idx="minor">
+        <a:schemeClr val="lt1"/>
+      </a:fontRef>
+    </dgm:style>
+  </dgm:styleLbl>
+  <dgm:styleLbl name="parChTrans2D1">
+    <dgm:scene3d>
+      <a:camera prst="orthographicFront"/>
+      <a:lightRig rig="threePt" dir="t"/>
+    </dgm:scene3d>
+    <dgm:sp3d/>
+    <dgm:txPr/>
+    <dgm:style>
+      <a:lnRef idx="2">
+        <a:scrgbClr r="0" g="0" b="0"/>
+      </a:lnRef>
+      <a:fillRef idx="1">
+        <a:scrgbClr r="0" g="0" b="0"/>
+      </a:fillRef>
+      <a:effectRef idx="0">
+        <a:scrgbClr r="0" g="0" b="0"/>
+      </a:effectRef>
+      <a:fontRef idx="minor">
+        <a:schemeClr val="lt1"/>
+      </a:fontRef>
+    </dgm:style>
+  </dgm:styleLbl>
+  <dgm:styleLbl name="parChTrans2D2">
+    <dgm:scene3d>
+      <a:camera prst="orthographicFront"/>
+      <a:lightRig rig="threePt" dir="t"/>
+    </dgm:scene3d>
+    <dgm:sp3d/>
+    <dgm:txPr/>
+    <dgm:style>
+      <a:lnRef idx="2">
+        <a:scrgbClr r="0" g="0" b="0"/>
+      </a:lnRef>
+      <a:fillRef idx="1">
+        <a:scrgbClr r="0" g="0" b="0"/>
+      </a:fillRef>
+      <a:effectRef idx="0">
+        <a:scrgbClr r="0" g="0" b="0"/>
+      </a:effectRef>
+      <a:fontRef idx="minor">
+        <a:schemeClr val="lt1"/>
+      </a:fontRef>
+    </dgm:style>
+  </dgm:styleLbl>
+  <dgm:styleLbl name="parChTrans2D3">
+    <dgm:scene3d>
+      <a:camera prst="orthographicFront"/>
+      <a:lightRig rig="threePt" dir="t"/>
+    </dgm:scene3d>
+    <dgm:sp3d/>
+    <dgm:txPr/>
+    <dgm:style>
+      <a:lnRef idx="2">
+        <a:scrgbClr r="0" g="0" b="0"/>
+      </a:lnRef>
+      <a:fillRef idx="1">
+        <a:scrgbClr r="0" g="0" b="0"/>
+      </a:fillRef>
+      <a:effectRef idx="0">
+        <a:scrgbClr r="0" g="0" b="0"/>
+      </a:effectRef>
+      <a:fontRef idx="minor">
+        <a:schemeClr val="lt1"/>
+      </a:fontRef>
+    </dgm:style>
+  </dgm:styleLbl>
+  <dgm:styleLbl name="parChTrans2D4">
+    <dgm:scene3d>
+      <a:camera prst="orthographicFront"/>
+      <a:lightRig rig="threePt" dir="t"/>
+    </dgm:scene3d>
+    <dgm:sp3d/>
+    <dgm:txPr/>
+    <dgm:style>
+      <a:lnRef idx="2">
+        <a:scrgbClr r="0" g="0" b="0"/>
+      </a:lnRef>
+      <a:fillRef idx="1">
+        <a:scrgbClr r="0" g="0" b="0"/>
+      </a:fillRef>
+      <a:effectRef idx="0">
+        <a:scrgbClr r="0" g="0" b="0"/>
+      </a:effectRef>
+      <a:fontRef idx="minor">
+        <a:schemeClr val="lt1"/>
+      </a:fontRef>
+    </dgm:style>
+  </dgm:styleLbl>
+  <dgm:styleLbl name="parChTrans1D1">
+    <dgm:scene3d>
+      <a:camera prst="orthographicFront"/>
+      <a:lightRig rig="threePt" dir="t"/>
+    </dgm:scene3d>
+    <dgm:sp3d/>
+    <dgm:txPr/>
+    <dgm:style>
+      <a:lnRef idx="2">
+        <a:scrgbClr r="0" g="0" b="0"/>
+      </a:lnRef>
+      <a:fillRef idx="0">
+        <a:scrgbClr r="0" g="0" b="0"/>
+      </a:fillRef>
+      <a:effectRef idx="0">
+        <a:scrgbClr r="0" g="0" b="0"/>
+      </a:effectRef>
+      <a:fontRef idx="minor"/>
+    </dgm:style>
+  </dgm:styleLbl>
+  <dgm:styleLbl name="parChTrans1D2">
+    <dgm:scene3d>
+      <a:camera prst="orthographicFront"/>
+      <a:lightRig rig="threePt" dir="t"/>
+    </dgm:scene3d>
+    <dgm:sp3d/>
+    <dgm:txPr/>
+    <dgm:style>
+      <a:lnRef idx="2">
+        <a:scrgbClr r="0" g="0" b="0"/>
+      </a:lnRef>
+      <a:fillRef idx="0">
+        <a:scrgbClr r="0" g="0" b="0"/>
+      </a:fillRef>
+      <a:effectRef idx="0">
+        <a:scrgbClr r="0" g="0" b="0"/>
+      </a:effectRef>
+      <a:fontRef idx="minor"/>
+    </dgm:style>
+  </dgm:styleLbl>
+  <dgm:styleLbl name="parChTrans1D3">
+    <dgm:scene3d>
+      <a:camera prst="orthographicFront"/>
+      <a:lightRig rig="threePt" dir="t"/>
+    </dgm:scene3d>
+    <dgm:sp3d/>
+    <dgm:txPr/>
+    <dgm:style>
+      <a:lnRef idx="2">
+        <a:scrgbClr r="0" g="0" b="0"/>
+      </a:lnRef>
+      <a:fillRef idx="0">
+        <a:scrgbClr r="0" g="0" b="0"/>
+      </a:fillRef>
+      <a:effectRef idx="0">
+        <a:scrgbClr r="0" g="0" b="0"/>
+      </a:effectRef>
+      <a:fontRef idx="minor"/>
+    </dgm:style>
+  </dgm:styleLbl>
+  <dgm:styleLbl name="parChTrans1D4">
+    <dgm:scene3d>
+      <a:camera prst="orthographicFront"/>
+      <a:lightRig rig="threePt" dir="t"/>
+    </dgm:scene3d>
+    <dgm:sp3d/>
+    <dgm:txPr/>
+    <dgm:style>
+      <a:lnRef idx="2">
+        <a:scrgbClr r="0" g="0" b="0"/>
+      </a:lnRef>
+      <a:fillRef idx="0">
+        <a:scrgbClr r="0" g="0" b="0"/>
+      </a:fillRef>
+      <a:effectRef idx="0">
+        <a:scrgbClr r="0" g="0" b="0"/>
+      </a:effectRef>
+      <a:fontRef idx="minor"/>
+    </dgm:style>
+  </dgm:styleLbl>
+  <dgm:styleLbl name="fgAcc1">
+    <dgm:scene3d>
+      <a:camera prst="orthographicFront"/>
+      <a:lightRig rig="threePt" dir="t"/>
+    </dgm:scene3d>
+    <dgm:sp3d/>
+    <dgm:txPr/>
+    <dgm:style>
+      <a:lnRef idx="2">
+        <a:scrgbClr r="0" g="0" b="0"/>
+      </a:lnRef>
+      <a:fillRef idx="1">
+        <a:scrgbClr r="0" g="0" b="0"/>
+      </a:fillRef>
+      <a:effectRef idx="0">
+        <a:scrgbClr r="0" g="0" b="0"/>
+      </a:effectRef>
+      <a:fontRef idx="minor"/>
+    </dgm:style>
+  </dgm:styleLbl>
+  <dgm:styleLbl name="conFgAcc1">
+    <dgm:scene3d>
+      <a:camera prst="orthographicFront"/>
+      <a:lightRig rig="threePt" dir="t"/>
+    </dgm:scene3d>
+    <dgm:sp3d/>
+    <dgm:txPr/>
+    <dgm:style>
+      <a:lnRef idx="2">
+        <a:scrgbClr r="0" g="0" b="0"/>
+      </a:lnRef>
+      <a:fillRef idx="1">
+        <a:scrgbClr r="0" g="0" b="0"/>
+      </a:fillRef>
+      <a:effectRef idx="0">
+        <a:scrgbClr r="0" g="0" b="0"/>
+      </a:effectRef>
+      <a:fontRef idx="minor"/>
+    </dgm:style>
+  </dgm:styleLbl>
+  <dgm:styleLbl name="alignAcc1">
+    <dgm:scene3d>
+      <a:camera prst="orthographicFront"/>
+      <a:lightRig rig="threePt" dir="t"/>
+    </dgm:scene3d>
+    <dgm:sp3d/>
+    <dgm:txPr/>
+    <dgm:style>
+      <a:lnRef idx="2">
+        <a:scrgbClr r="0" g="0" b="0"/>
+      </a:lnRef>
+      <a:fillRef idx="1">
+        <a:scrgbClr r="0" g="0" b="0"/>
+      </a:fillRef>
+      <a:effectRef idx="0">
+        <a:scrgbClr r="0" g="0" b="0"/>
+      </a:effectRef>
+      <a:fontRef idx="minor"/>
+    </dgm:style>
+  </dgm:styleLbl>
+  <dgm:styleLbl name="trAlignAcc1">
+    <dgm:scene3d>
+      <a:camera prst="orthographicFront"/>
+      <a:lightRig rig="threePt" dir="t"/>
+    </dgm:scene3d>
+    <dgm:sp3d/>
+    <dgm:txPr/>
+    <dgm:style>
+      <a:lnRef idx="1">
+        <a:scrgbClr r="0" g="0" b="0"/>
+      </a:lnRef>
+      <a:fillRef idx="1">
+        <a:scrgbClr r="0" g="0" b="0"/>
+      </a:fillRef>
+      <a:effectRef idx="0">
+        <a:scrgbClr r="0" g="0" b="0"/>
+      </a:effectRef>
+      <a:fontRef idx="minor"/>
+    </dgm:style>
+  </dgm:styleLbl>
+  <dgm:styleLbl name="bgAcc1">
+    <dgm:scene3d>
+      <a:camera prst="orthographicFront"/>
+      <a:lightRig rig="threePt" dir="t"/>
+    </dgm:scene3d>
+    <dgm:sp3d/>
+    <dgm:txPr/>
+    <dgm:style>
+      <a:lnRef idx="2">
+        <a:scrgbClr r="0" g="0" b="0"/>
+      </a:lnRef>
+      <a:fillRef idx="1">
+        <a:scrgbClr r="0" g="0" b="0"/>
+      </a:fillRef>
+      <a:effectRef idx="0">
+        <a:scrgbClr r="0" g="0" b="0"/>
+      </a:effectRef>
+      <a:fontRef idx="minor"/>
+    </dgm:style>
+  </dgm:styleLbl>
+  <dgm:styleLbl name="solidFgAcc1">
+    <dgm:scene3d>
+      <a:camera prst="orthographicFront"/>
+      <a:lightRig rig="threePt" dir="t"/>
+    </dgm:scene3d>
+    <dgm:sp3d/>
+    <dgm:txPr/>
+    <dgm:style>
+      <a:lnRef idx="2">
+        <a:scrgbClr r="0" g="0" b="0"/>
+      </a:lnRef>
+      <a:fillRef idx="1">
+        <a:scrgbClr r="0" g="0" b="0"/>
+      </a:fillRef>
+      <a:effectRef idx="0">
+        <a:scrgbClr r="0" g="0" b="0"/>
+      </a:effectRef>
+      <a:fontRef idx="minor"/>
+    </dgm:style>
+  </dgm:styleLbl>
+  <dgm:styleLbl name="solidAlignAcc1">
+    <dgm:scene3d>
+      <a:camera prst="orthographicFront"/>
+      <a:lightRig rig="threePt" dir="t"/>
+    </dgm:scene3d>
+    <dgm:sp3d/>
+    <dgm:txPr/>
+    <dgm:style>
+      <a:lnRef idx="2">
+        <a:scrgbClr r="0" g="0" b="0"/>
+      </a:lnRef>
+      <a:fillRef idx="1">
+        <a:scrgbClr r="0" g="0" b="0"/>
+      </a:fillRef>
+      <a:effectRef idx="0">
+        <a:scrgbClr r="0" g="0" b="0"/>
+      </a:effectRef>
+      <a:fontRef idx="minor"/>
+    </dgm:style>
+  </dgm:styleLbl>
+  <dgm:styleLbl name="solidBgAcc1">
+    <dgm:scene3d>
+      <a:camera prst="orthographicFront"/>
+      <a:lightRig rig="threePt" dir="t"/>
+    </dgm:scene3d>
+    <dgm:sp3d/>
+    <dgm:txPr/>
+    <dgm:style>
+      <a:lnRef idx="2">
+        <a:scrgbClr r="0" g="0" b="0"/>
+      </a:lnRef>
+      <a:fillRef idx="1">
+        <a:scrgbClr r="0" g="0" b="0"/>
+      </a:fillRef>
+      <a:effectRef idx="0">
+        <a:scrgbClr r="0" g="0" b="0"/>
+      </a:effectRef>
+      <a:fontRef idx="minor"/>
+    </dgm:style>
+  </dgm:styleLbl>
+  <dgm:styleLbl name="fgAccFollowNode1">
+    <dgm:scene3d>
+      <a:camera prst="orthographicFront"/>
+      <a:lightRig rig="threePt" dir="t"/>
+    </dgm:scene3d>
+    <dgm:sp3d/>
+    <dgm:txPr/>
+    <dgm:style>
+      <a:lnRef idx="2">
+        <a:scrgbClr r="0" g="0" b="0"/>
+      </a:lnRef>
+      <a:fillRef idx="1">
+        <a:scrgbClr r="0" g="0" b="0"/>
+      </a:fillRef>
+      <a:effectRef idx="0">
+        <a:scrgbClr r="0" g="0" b="0"/>
+      </a:effectRef>
+      <a:fontRef idx="minor"/>
+    </dgm:style>
+  </dgm:styleLbl>
+  <dgm:styleLbl name="alignAccFollowNode1">
+    <dgm:scene3d>
+      <a:camera prst="orthographicFront"/>
+      <a:lightRig rig="threePt" dir="t"/>
+    </dgm:scene3d>
+    <dgm:sp3d/>
+    <dgm:txPr/>
+    <dgm:style>
+      <a:lnRef idx="2">
+        <a:scrgbClr r="0" g="0" b="0"/>
+      </a:lnRef>
+      <a:fillRef idx="1">
+        <a:scrgbClr r="0" g="0" b="0"/>
+      </a:fillRef>
+      <a:effectRef idx="0">
+        <a:scrgbClr r="0" g="0" b="0"/>
+      </a:effectRef>
+      <a:fontRef idx="minor"/>
+    </dgm:style>
+  </dgm:styleLbl>
+  <dgm:styleLbl name="bgAccFollowNode1">
+    <dgm:scene3d>
+      <a:camera prst="orthographicFront"/>
+      <a:lightRig rig="threePt" dir="t"/>
+    </dgm:scene3d>
+    <dgm:sp3d/>
+    <dgm:txPr/>
+    <dgm:style>
+      <a:lnRef idx="2">
+        <a:scrgbClr r="0" g="0" b="0"/>
+      </a:lnRef>
+      <a:fillRef idx="1">
+        <a:scrgbClr r="0" g="0" b="0"/>
+      </a:fillRef>
+      <a:effectRef idx="0">
+        <a:scrgbClr r="0" g="0" b="0"/>
+      </a:effectRef>
+      <a:fontRef idx="minor"/>
+    </dgm:style>
+  </dgm:styleLbl>
+  <dgm:styleLbl name="fgAcc0">
+    <dgm:scene3d>
+      <a:camera prst="orthographicFront"/>
+      <a:lightRig rig="threePt" dir="t"/>
+    </dgm:scene3d>
+    <dgm:sp3d/>
+    <dgm:txPr/>
+    <dgm:style>
+      <a:lnRef idx="2">
+        <a:scrgbClr r="0" g="0" b="0"/>
+      </a:lnRef>
+      <a:fillRef idx="1">
+        <a:scrgbClr r="0" g="0" b="0"/>
+      </a:fillRef>
+      <a:effectRef idx="0">
+        <a:scrgbClr r="0" g="0" b="0"/>
+      </a:effectRef>
+      <a:fontRef idx="minor"/>
+    </dgm:style>
+  </dgm:styleLbl>
+  <dgm:styleLbl name="fgAcc2">
+    <dgm:scene3d>
+      <a:camera prst="orthographicFront"/>
+      <a:lightRig rig="threePt" dir="t"/>
+    </dgm:scene3d>
+    <dgm:sp3d/>
+    <dgm:txPr/>
+    <dgm:style>
+      <a:lnRef idx="2">
+        <a:scrgbClr r="0" g="0" b="0"/>
+      </a:lnRef>
+      <a:fillRef idx="1">
+        <a:scrgbClr r="0" g="0" b="0"/>
+      </a:fillRef>
+      <a:effectRef idx="0">
+        <a:scrgbClr r="0" g="0" b="0"/>
+      </a:effectRef>
+      <a:fontRef idx="minor"/>
+    </dgm:style>
+  </dgm:styleLbl>
+  <dgm:styleLbl name="fgAcc3">
+    <dgm:scene3d>
+      <a:camera prst="orthographicFront"/>
+      <a:lightRig rig="threePt" dir="t"/>
+    </dgm:scene3d>
+    <dgm:sp3d/>
+    <dgm:txPr/>
+    <dgm:style>
+      <a:lnRef idx="2">
+        <a:scrgbClr r="0" g="0" b="0"/>
+      </a:lnRef>
+      <a:fillRef idx="1">
+        <a:scrgbClr r="0" g="0" b="0"/>
+      </a:fillRef>
+      <a:effectRef idx="0">
+        <a:scrgbClr r="0" g="0" b="0"/>
+      </a:effectRef>
+      <a:fontRef idx="minor"/>
+    </dgm:style>
+  </dgm:styleLbl>
+  <dgm:styleLbl name="fgAcc4">
+    <dgm:scene3d>
+      <a:camera prst="orthographicFront"/>
+      <a:lightRig rig="threePt" dir="t"/>
+    </dgm:scene3d>
+    <dgm:sp3d/>
+    <dgm:txPr/>
+    <dgm:style>
+      <a:lnRef idx="2">
+        <a:scrgbClr r="0" g="0" b="0"/>
+      </a:lnRef>
+      <a:fillRef idx="1">
+        <a:scrgbClr r="0" g="0" b="0"/>
+      </a:fillRef>
+      <a:effectRef idx="0">
+        <a:scrgbClr r="0" g="0" b="0"/>
+      </a:effectRef>
+      <a:fontRef idx="minor"/>
+    </dgm:style>
+  </dgm:styleLbl>
+  <dgm:styleLbl name="bgShp">
+    <dgm:scene3d>
+      <a:camera prst="orthographicFront"/>
+      <a:lightRig rig="threePt" dir="t"/>
+    </dgm:scene3d>
+    <dgm:sp3d/>
+    <dgm:txPr/>
+    <dgm:style>
+      <a:lnRef idx="0">
+        <a:scrgbClr r="0" g="0" b="0"/>
+      </a:lnRef>
+      <a:fillRef idx="1">
+        <a:scrgbClr r="0" g="0" b="0"/>
+      </a:fillRef>
+      <a:effectRef idx="0">
+        <a:scrgbClr r="0" g="0" b="0"/>
+      </a:effectRef>
+      <a:fontRef idx="minor"/>
+    </dgm:style>
+  </dgm:styleLbl>
+  <dgm:styleLbl name="dkBgShp">
+    <dgm:scene3d>
+      <a:camera prst="orthographicFront"/>
+      <a:lightRig rig="threePt" dir="t"/>
+    </dgm:scene3d>
+    <dgm:sp3d/>
+    <dgm:txPr/>
+    <dgm:style>
+      <a:lnRef idx="0">
+        <a:scrgbClr r="0" g="0" b="0"/>
+      </a:lnRef>
+      <a:fillRef idx="1">
+        <a:scrgbClr r="0" g="0" b="0"/>
+      </a:fillRef>
+      <a:effectRef idx="0">
+        <a:scrgbClr r="0" g="0" b="0"/>
+      </a:effectRef>
+      <a:fontRef idx="minor"/>
+    </dgm:style>
+  </dgm:styleLbl>
+  <dgm:styleLbl name="trBgShp">
+    <dgm:scene3d>
+      <a:camera prst="orthographicFront"/>
+      <a:lightRig rig="threePt" dir="t"/>
+    </dgm:scene3d>
+    <dgm:sp3d/>
+    <dgm:txPr/>
+    <dgm:style>
+      <a:lnRef idx="0">
+        <a:scrgbClr r="0" g="0" b="0"/>
+      </a:lnRef>
+      <a:fillRef idx="1">
+        <a:scrgbClr r="0" g="0" b="0"/>
+      </a:fillRef>
+      <a:effectRef idx="0">
+        <a:scrgbClr r="0" g="0" b="0"/>
+      </a:effectRef>
+      <a:fontRef idx="minor"/>
+    </dgm:style>
+  </dgm:styleLbl>
+  <dgm:styleLbl name="fgShp">
+    <dgm:scene3d>
+      <a:camera prst="orthographicFront"/>
+      <a:lightRig rig="threePt" dir="t"/>
+    </dgm:scene3d>
+    <dgm:sp3d/>
+    <dgm:txPr/>
+    <dgm:style>
+      <a:lnRef idx="2">
+        <a:scrgbClr r="0" g="0" b="0"/>
+      </a:lnRef>
+      <a:fillRef idx="1">
+        <a:scrgbClr r="0" g="0" b="0"/>
+      </a:fillRef>
+      <a:effectRef idx="0">
+        <a:scrgbClr r="0" g="0" b="0"/>
+      </a:effectRef>
+      <a:fontRef idx="minor"/>
+    </dgm:style>
+  </dgm:styleLbl>
+  <dgm:styleLbl name="revTx">
+    <dgm:scene3d>
+      <a:camera prst="orthographicFront"/>
+      <a:lightRig rig="threePt" dir="t"/>
+    </dgm:scene3d>
+    <dgm:sp3d/>
+    <dgm:txPr/>
+    <dgm:style>
+      <a:lnRef idx="0">
+        <a:scrgbClr r="0" g="0" b="0"/>
+      </a:lnRef>
+      <a:fillRef idx="0">
+        <a:scrgbClr r="0" g="0" b="0"/>
+      </a:fillRef>
+      <a:effectRef idx="0">
+        <a:scrgbClr r="0" g="0" b="0"/>
+      </a:effectRef>
+      <a:fontRef idx="minor"/>
+    </dgm:style>
+  </dgm:styleLbl>
+</dgm:styleDef>
+</file>
+
+<file path=ppt/diagrams/quickStyle2.xml><?xml version="1.0" encoding="utf-8"?>
 <dgm:styleDef xmlns:dgm="http://schemas.openxmlformats.org/drawingml/2006/diagram" xmlns:a="http://schemas.openxmlformats.org/drawingml/2006/main" uniqueId="urn:microsoft.com/office/officeart/2005/8/quickstyle/simple1">
   <dgm:title val=""/>
   <dgm:desc val=""/>
@@ -3573,7 +7384,7 @@
           <a:p>
             <a:fld id="{D057E24E-88D8-4E8F-AC96-F2D674CB9009}" type="datetimeFigureOut">
               <a:rPr lang="en-GB" smtClean="0"/>
-              <a:t>18/07/2022</a:t>
+              <a:t>20/07/2022</a:t>
             </a:fld>
             <a:endParaRPr lang="en-GB"/>
           </a:p>
@@ -3781,7 +7592,7 @@
           <a:p>
             <a:fld id="{D057E24E-88D8-4E8F-AC96-F2D674CB9009}" type="datetimeFigureOut">
               <a:rPr lang="en-GB" smtClean="0"/>
-              <a:t>18/07/2022</a:t>
+              <a:t>20/07/2022</a:t>
             </a:fld>
             <a:endParaRPr lang="en-GB"/>
           </a:p>
@@ -4039,7 +7850,7 @@
           <a:p>
             <a:fld id="{D057E24E-88D8-4E8F-AC96-F2D674CB9009}" type="datetimeFigureOut">
               <a:rPr lang="en-GB" smtClean="0"/>
-              <a:t>18/07/2022</a:t>
+              <a:t>20/07/2022</a:t>
             </a:fld>
             <a:endParaRPr lang="en-GB"/>
           </a:p>
@@ -4209,7 +8020,7 @@
           <a:p>
             <a:fld id="{D057E24E-88D8-4E8F-AC96-F2D674CB9009}" type="datetimeFigureOut">
               <a:rPr lang="en-GB" smtClean="0"/>
-              <a:t>18/07/2022</a:t>
+              <a:t>20/07/2022</a:t>
             </a:fld>
             <a:endParaRPr lang="en-GB"/>
           </a:p>
@@ -4546,7 +8357,7 @@
           <a:p>
             <a:fld id="{D057E24E-88D8-4E8F-AC96-F2D674CB9009}" type="datetimeFigureOut">
               <a:rPr lang="en-GB" smtClean="0"/>
-              <a:t>18/07/2022</a:t>
+              <a:t>20/07/2022</a:t>
             </a:fld>
             <a:endParaRPr lang="en-GB"/>
           </a:p>
@@ -4821,7 +8632,7 @@
           <a:p>
             <a:fld id="{D057E24E-88D8-4E8F-AC96-F2D674CB9009}" type="datetimeFigureOut">
               <a:rPr lang="en-GB" smtClean="0"/>
-              <a:t>18/07/2022</a:t>
+              <a:t>20/07/2022</a:t>
             </a:fld>
             <a:endParaRPr lang="en-GB"/>
           </a:p>
@@ -5200,7 +9011,7 @@
           <a:p>
             <a:fld id="{D057E24E-88D8-4E8F-AC96-F2D674CB9009}" type="datetimeFigureOut">
               <a:rPr lang="en-GB" smtClean="0"/>
-              <a:t>18/07/2022</a:t>
+              <a:t>20/07/2022</a:t>
             </a:fld>
             <a:endParaRPr lang="en-GB"/>
           </a:p>
@@ -5318,7 +9129,7 @@
           <a:p>
             <a:fld id="{D057E24E-88D8-4E8F-AC96-F2D674CB9009}" type="datetimeFigureOut">
               <a:rPr lang="en-GB" smtClean="0"/>
-              <a:t>18/07/2022</a:t>
+              <a:t>20/07/2022</a:t>
             </a:fld>
             <a:endParaRPr lang="en-GB"/>
           </a:p>
@@ -5491,7 +9302,7 @@
           <a:p>
             <a:fld id="{D057E24E-88D8-4E8F-AC96-F2D674CB9009}" type="datetimeFigureOut">
               <a:rPr lang="en-GB" smtClean="0"/>
-              <a:t>18/07/2022</a:t>
+              <a:t>20/07/2022</a:t>
             </a:fld>
             <a:endParaRPr lang="en-GB"/>
           </a:p>
@@ -5847,7 +9658,7 @@
           <a:p>
             <a:fld id="{D057E24E-88D8-4E8F-AC96-F2D674CB9009}" type="datetimeFigureOut">
               <a:rPr lang="en-GB" smtClean="0"/>
-              <a:t>18/07/2022</a:t>
+              <a:t>20/07/2022</a:t>
             </a:fld>
             <a:endParaRPr lang="en-GB"/>
           </a:p>
@@ -6226,7 +10037,7 @@
           <a:p>
             <a:fld id="{D057E24E-88D8-4E8F-AC96-F2D674CB9009}" type="datetimeFigureOut">
               <a:rPr lang="en-GB" smtClean="0"/>
-              <a:t>18/07/2022</a:t>
+              <a:t>20/07/2022</a:t>
             </a:fld>
             <a:endParaRPr lang="en-GB"/>
           </a:p>
@@ -6515,7 +10326,7 @@
           <a:p>
             <a:fld id="{D057E24E-88D8-4E8F-AC96-F2D674CB9009}" type="datetimeFigureOut">
               <a:rPr lang="en-GB" smtClean="0"/>
-              <a:t>18/07/2022</a:t>
+              <a:t>20/07/2022</a:t>
             </a:fld>
             <a:endParaRPr lang="en-GB"/>
           </a:p>
@@ -7113,10 +10924,10 @@
       </p:sp>
       <p:pic>
         <p:nvPicPr>
-          <p:cNvPr id="1026" name="Picture 2" descr="Salary Prediction | Learn how to calculate your salary">
+          <p:cNvPr id="4" name="Picture 2" descr="Salary Estimate Calculator | Find Out Your Exact Worth">
             <a:extLst>
               <a:ext uri="{FF2B5EF4-FFF2-40B4-BE49-F238E27FC236}">
-                <a16:creationId xmlns:a16="http://schemas.microsoft.com/office/drawing/2014/main" id="{155B5494-C0C9-457B-A99C-37A1AEEF371C}"/>
+                <a16:creationId xmlns:a16="http://schemas.microsoft.com/office/drawing/2014/main" id="{6AF38CBB-23CE-47B8-8999-961D1E073146}"/>
               </a:ext>
             </a:extLst>
           </p:cNvPr>
@@ -7140,8 +10951,8 @@
         </p:blipFill>
         <p:spPr bwMode="auto">
           <a:xfrm>
-            <a:off x="2556586" y="1791479"/>
-            <a:ext cx="6120879" cy="3442995"/>
+            <a:off x="3367088" y="1900238"/>
+            <a:ext cx="4929187" cy="3769378"/>
           </a:xfrm>
           <a:prstGeom prst="rect">
             <a:avLst/>
@@ -7188,6 +10999,431 @@
           <a:chExt cx="0" cy="0"/>
         </a:xfrm>
       </p:grpSpPr>
+      <p:sp>
+        <p:nvSpPr>
+          <p:cNvPr id="2" name="Título 1">
+            <a:extLst>
+              <a:ext uri="{FF2B5EF4-FFF2-40B4-BE49-F238E27FC236}">
+                <a16:creationId xmlns:a16="http://schemas.microsoft.com/office/drawing/2014/main" id="{E9D6F269-9765-441D-A08A-C46FED567ADE}"/>
+              </a:ext>
+            </a:extLst>
+          </p:cNvPr>
+          <p:cNvSpPr>
+            <a:spLocks noGrp="1"/>
+          </p:cNvSpPr>
+          <p:nvPr>
+            <p:ph type="title" idx="4294967295"/>
+          </p:nvPr>
+        </p:nvSpPr>
+        <p:spPr>
+          <a:xfrm>
+            <a:off x="323462" y="279918"/>
+            <a:ext cx="10058400" cy="822325"/>
+          </a:xfrm>
+        </p:spPr>
+        <p:txBody>
+          <a:bodyPr/>
+          <a:lstStyle/>
+          <a:p>
+            <a:r>
+              <a:rPr lang="en-GB" sz="4000" dirty="0">
+                <a:latin typeface="Montserrat Medium" pitchFamily="2" charset="0"/>
+              </a:rPr>
+              <a:t>Feature</a:t>
+            </a:r>
+            <a:r>
+              <a:rPr lang="en-GB" dirty="0">
+                <a:latin typeface="Montserrat Medium" pitchFamily="2" charset="0"/>
+              </a:rPr>
+              <a:t> Analysis</a:t>
+            </a:r>
+          </a:p>
+        </p:txBody>
+      </p:sp>
+      <p:sp>
+        <p:nvSpPr>
+          <p:cNvPr id="3" name="Marcador de contenido 2">
+            <a:extLst>
+              <a:ext uri="{FF2B5EF4-FFF2-40B4-BE49-F238E27FC236}">
+                <a16:creationId xmlns:a16="http://schemas.microsoft.com/office/drawing/2014/main" id="{9BFCC91F-6E59-4E32-862A-AD80F3DBDEDA}"/>
+              </a:ext>
+            </a:extLst>
+          </p:cNvPr>
+          <p:cNvSpPr>
+            <a:spLocks noGrp="1"/>
+          </p:cNvSpPr>
+          <p:nvPr>
+            <p:ph sz="half" idx="4294967295"/>
+          </p:nvPr>
+        </p:nvSpPr>
+        <p:spPr>
+          <a:xfrm>
+            <a:off x="391887" y="1230441"/>
+            <a:ext cx="4938713" cy="4022725"/>
+          </a:xfrm>
+        </p:spPr>
+        <p:txBody>
+          <a:bodyPr/>
+          <a:lstStyle/>
+          <a:p>
+            <a:r>
+              <a:rPr lang="en-GB" sz="1600" dirty="0">
+                <a:latin typeface="Montserrat Medium" pitchFamily="2" charset="0"/>
+              </a:rPr>
+              <a:t>Salaries Data</a:t>
+            </a:r>
+          </a:p>
+          <a:p>
+            <a:pPr marL="0" indent="0">
+              <a:buNone/>
+            </a:pPr>
+            <a:endParaRPr lang="en-GB" dirty="0">
+              <a:latin typeface="Montserrat Medium" pitchFamily="2" charset="0"/>
+            </a:endParaRPr>
+          </a:p>
+        </p:txBody>
+      </p:sp>
+      <p:sp>
+        <p:nvSpPr>
+          <p:cNvPr id="5" name="Marcador de contenido 2">
+            <a:extLst>
+              <a:ext uri="{FF2B5EF4-FFF2-40B4-BE49-F238E27FC236}">
+                <a16:creationId xmlns:a16="http://schemas.microsoft.com/office/drawing/2014/main" id="{239B13B7-065C-4B11-86DD-04E69341E74F}"/>
+              </a:ext>
+            </a:extLst>
+          </p:cNvPr>
+          <p:cNvSpPr>
+            <a:spLocks noGrp="1"/>
+          </p:cNvSpPr>
+          <p:nvPr>
+            <p:ph sz="half" idx="4294967295"/>
+          </p:nvPr>
+        </p:nvSpPr>
+        <p:spPr>
+          <a:xfrm>
+            <a:off x="266247" y="4038956"/>
+            <a:ext cx="4937125" cy="4022725"/>
+          </a:xfrm>
+        </p:spPr>
+        <p:txBody>
+          <a:bodyPr>
+            <a:normAutofit/>
+          </a:bodyPr>
+          <a:lstStyle/>
+          <a:p>
+            <a:r>
+              <a:rPr lang="en-GB" sz="1600" dirty="0">
+                <a:latin typeface="Montserrat Medium" pitchFamily="2" charset="0"/>
+              </a:rPr>
+              <a:t>Test Data</a:t>
+            </a:r>
+          </a:p>
+        </p:txBody>
+      </p:sp>
+      <p:pic>
+        <p:nvPicPr>
+          <p:cNvPr id="7" name="Imagen 6">
+            <a:extLst>
+              <a:ext uri="{FF2B5EF4-FFF2-40B4-BE49-F238E27FC236}">
+                <a16:creationId xmlns:a16="http://schemas.microsoft.com/office/drawing/2014/main" id="{25C4098F-2905-49E3-9E7E-6B9F9CD08319}"/>
+              </a:ext>
+            </a:extLst>
+          </p:cNvPr>
+          <p:cNvPicPr>
+            <a:picLocks noChangeAspect="1"/>
+          </p:cNvPicPr>
+          <p:nvPr/>
+        </p:nvPicPr>
+        <p:blipFill>
+          <a:blip r:embed="rId2"/>
+          <a:stretch>
+            <a:fillRect/>
+          </a:stretch>
+        </p:blipFill>
+        <p:spPr>
+          <a:xfrm>
+            <a:off x="2323321" y="1140107"/>
+            <a:ext cx="8845420" cy="2129808"/>
+          </a:xfrm>
+          <a:prstGeom prst="rect">
+            <a:avLst/>
+          </a:prstGeom>
+        </p:spPr>
+      </p:pic>
+      <p:pic>
+        <p:nvPicPr>
+          <p:cNvPr id="9" name="Imagen 8">
+            <a:extLst>
+              <a:ext uri="{FF2B5EF4-FFF2-40B4-BE49-F238E27FC236}">
+                <a16:creationId xmlns:a16="http://schemas.microsoft.com/office/drawing/2014/main" id="{F598FE8B-0417-4D32-A2E0-C4649E48CC2B}"/>
+              </a:ext>
+            </a:extLst>
+          </p:cNvPr>
+          <p:cNvPicPr>
+            <a:picLocks noChangeAspect="1"/>
+          </p:cNvPicPr>
+          <p:nvPr/>
+        </p:nvPicPr>
+        <p:blipFill>
+          <a:blip r:embed="rId3"/>
+          <a:stretch>
+            <a:fillRect/>
+          </a:stretch>
+        </p:blipFill>
+        <p:spPr>
+          <a:xfrm>
+            <a:off x="2006082" y="3694441"/>
+            <a:ext cx="9471299" cy="1950580"/>
+          </a:xfrm>
+          <a:prstGeom prst="rect">
+            <a:avLst/>
+          </a:prstGeom>
+        </p:spPr>
+      </p:pic>
+      <p:sp>
+        <p:nvSpPr>
+          <p:cNvPr id="10" name="Rectángulo 9">
+            <a:extLst>
+              <a:ext uri="{FF2B5EF4-FFF2-40B4-BE49-F238E27FC236}">
+                <a16:creationId xmlns:a16="http://schemas.microsoft.com/office/drawing/2014/main" id="{92493550-471F-42C1-B1E5-F02DF723DD7B}"/>
+              </a:ext>
+            </a:extLst>
+          </p:cNvPr>
+          <p:cNvSpPr/>
+          <p:nvPr/>
+        </p:nvSpPr>
+        <p:spPr>
+          <a:xfrm>
+            <a:off x="6783355" y="1119673"/>
+            <a:ext cx="755780" cy="2183364"/>
+          </a:xfrm>
+          <a:prstGeom prst="rect">
+            <a:avLst/>
+          </a:prstGeom>
+          <a:noFill/>
+        </p:spPr>
+        <p:style>
+          <a:lnRef idx="2">
+            <a:schemeClr val="accent1">
+              <a:shade val="50000"/>
+            </a:schemeClr>
+          </a:lnRef>
+          <a:fillRef idx="1">
+            <a:schemeClr val="accent1"/>
+          </a:fillRef>
+          <a:effectRef idx="0">
+            <a:schemeClr val="accent1"/>
+          </a:effectRef>
+          <a:fontRef idx="minor">
+            <a:schemeClr val="lt1"/>
+          </a:fontRef>
+        </p:style>
+        <p:txBody>
+          <a:bodyPr rtlCol="0" anchor="ctr"/>
+          <a:lstStyle/>
+          <a:p>
+            <a:pPr algn="ctr"/>
+            <a:endParaRPr lang="en-GB"/>
+          </a:p>
+        </p:txBody>
+      </p:sp>
+    </p:spTree>
+    <p:extLst>
+      <p:ext uri="{BB962C8B-B14F-4D97-AF65-F5344CB8AC3E}">
+        <p14:creationId xmlns:p14="http://schemas.microsoft.com/office/powerpoint/2010/main" val="1205068725"/>
+      </p:ext>
+    </p:extLst>
+  </p:cSld>
+  <p:clrMapOvr>
+    <a:masterClrMapping/>
+  </p:clrMapOvr>
+</p:sld>
+</file>
+
+<file path=ppt/slides/slide3.xml><?xml version="1.0" encoding="utf-8"?>
+<p:sld xmlns:a="http://schemas.openxmlformats.org/drawingml/2006/main" xmlns:r="http://schemas.openxmlformats.org/officeDocument/2006/relationships" xmlns:p="http://schemas.openxmlformats.org/presentationml/2006/main">
+  <p:cSld>
+    <p:spTree>
+      <p:nvGrpSpPr>
+        <p:cNvPr id="1" name=""/>
+        <p:cNvGrpSpPr/>
+        <p:nvPr/>
+      </p:nvGrpSpPr>
+      <p:grpSpPr>
+        <a:xfrm>
+          <a:off x="0" y="0"/>
+          <a:ext cx="0" cy="0"/>
+          <a:chOff x="0" y="0"/>
+          <a:chExt cx="0" cy="0"/>
+        </a:xfrm>
+      </p:grpSpPr>
+      <p:sp>
+        <p:nvSpPr>
+          <p:cNvPr id="2" name="Título 1">
+            <a:extLst>
+              <a:ext uri="{FF2B5EF4-FFF2-40B4-BE49-F238E27FC236}">
+                <a16:creationId xmlns:a16="http://schemas.microsoft.com/office/drawing/2014/main" id="{568CDC05-1363-43DA-B214-A5B73F08003A}"/>
+              </a:ext>
+            </a:extLst>
+          </p:cNvPr>
+          <p:cNvSpPr>
+            <a:spLocks noGrp="1"/>
+          </p:cNvSpPr>
+          <p:nvPr>
+            <p:ph type="title"/>
+          </p:nvPr>
+        </p:nvSpPr>
+        <p:spPr>
+          <a:xfrm>
+            <a:off x="528540" y="2297274"/>
+            <a:ext cx="3200400" cy="799632"/>
+          </a:xfrm>
+        </p:spPr>
+        <p:txBody>
+          <a:bodyPr/>
+          <a:lstStyle/>
+          <a:p>
+            <a:r>
+              <a:rPr lang="en-GB" dirty="0">
+                <a:latin typeface="Montserrat Medium" pitchFamily="2" charset="0"/>
+              </a:rPr>
+              <a:t>Objective</a:t>
+            </a:r>
+          </a:p>
+        </p:txBody>
+      </p:sp>
+      <p:sp>
+        <p:nvSpPr>
+          <p:cNvPr id="3" name="Marcador de contenido 2">
+            <a:extLst>
+              <a:ext uri="{FF2B5EF4-FFF2-40B4-BE49-F238E27FC236}">
+                <a16:creationId xmlns:a16="http://schemas.microsoft.com/office/drawing/2014/main" id="{A35BCD45-4D48-4BC3-84AD-73E80BF4EC9A}"/>
+              </a:ext>
+            </a:extLst>
+          </p:cNvPr>
+          <p:cNvSpPr>
+            <a:spLocks noGrp="1"/>
+          </p:cNvSpPr>
+          <p:nvPr>
+            <p:ph idx="1"/>
+          </p:nvPr>
+        </p:nvSpPr>
+        <p:spPr>
+          <a:xfrm>
+            <a:off x="4712737" y="558864"/>
+            <a:ext cx="6955387" cy="2174811"/>
+          </a:xfrm>
+        </p:spPr>
+        <p:txBody>
+          <a:bodyPr>
+            <a:normAutofit/>
+          </a:bodyPr>
+          <a:lstStyle/>
+          <a:p>
+            <a:r>
+              <a:rPr lang="en-GB" sz="3200" b="1" dirty="0">
+                <a:solidFill>
+                  <a:schemeClr val="tx2">
+                    <a:lumMod val="50000"/>
+                  </a:schemeClr>
+                </a:solidFill>
+                <a:latin typeface="Montserrat" panose="02000505000000020004" pitchFamily="2" charset="0"/>
+              </a:rPr>
+              <a:t>Predict the salary for Data Science positions according to data from period 2020-2022</a:t>
+            </a:r>
+          </a:p>
+        </p:txBody>
+      </p:sp>
+      <p:pic>
+        <p:nvPicPr>
+          <p:cNvPr id="6" name="Imagen 5">
+            <a:extLst>
+              <a:ext uri="{FF2B5EF4-FFF2-40B4-BE49-F238E27FC236}">
+                <a16:creationId xmlns:a16="http://schemas.microsoft.com/office/drawing/2014/main" id="{981914CD-2559-48A7-940F-1427C9A76D62}"/>
+              </a:ext>
+            </a:extLst>
+          </p:cNvPr>
+          <p:cNvPicPr>
+            <a:picLocks noChangeAspect="1"/>
+          </p:cNvPicPr>
+          <p:nvPr/>
+        </p:nvPicPr>
+        <p:blipFill>
+          <a:blip r:embed="rId2"/>
+          <a:stretch>
+            <a:fillRect/>
+          </a:stretch>
+        </p:blipFill>
+        <p:spPr>
+          <a:xfrm>
+            <a:off x="4279738" y="3049752"/>
+            <a:ext cx="4592896" cy="3808248"/>
+          </a:xfrm>
+          <a:prstGeom prst="rect">
+            <a:avLst/>
+          </a:prstGeom>
+        </p:spPr>
+      </p:pic>
+      <p:pic>
+        <p:nvPicPr>
+          <p:cNvPr id="8" name="Imagen 7">
+            <a:extLst>
+              <a:ext uri="{FF2B5EF4-FFF2-40B4-BE49-F238E27FC236}">
+                <a16:creationId xmlns:a16="http://schemas.microsoft.com/office/drawing/2014/main" id="{0F18DFE5-C118-41E6-839D-272E2C30DD7E}"/>
+              </a:ext>
+            </a:extLst>
+          </p:cNvPr>
+          <p:cNvPicPr>
+            <a:picLocks noChangeAspect="1"/>
+          </p:cNvPicPr>
+          <p:nvPr/>
+        </p:nvPicPr>
+        <p:blipFill>
+          <a:blip r:embed="rId3"/>
+          <a:stretch>
+            <a:fillRect/>
+          </a:stretch>
+        </p:blipFill>
+        <p:spPr>
+          <a:xfrm>
+            <a:off x="8941934" y="3886784"/>
+            <a:ext cx="3063250" cy="2266366"/>
+          </a:xfrm>
+          <a:prstGeom prst="rect">
+            <a:avLst/>
+          </a:prstGeom>
+        </p:spPr>
+      </p:pic>
+    </p:spTree>
+    <p:extLst>
+      <p:ext uri="{BB962C8B-B14F-4D97-AF65-F5344CB8AC3E}">
+        <p14:creationId xmlns:p14="http://schemas.microsoft.com/office/powerpoint/2010/main" val="2580583442"/>
+      </p:ext>
+    </p:extLst>
+  </p:cSld>
+  <p:clrMapOvr>
+    <a:masterClrMapping/>
+  </p:clrMapOvr>
+</p:sld>
+</file>
+
+<file path=ppt/slides/slide4.xml><?xml version="1.0" encoding="utf-8"?>
+<p:sld xmlns:a="http://schemas.openxmlformats.org/drawingml/2006/main" xmlns:r="http://schemas.openxmlformats.org/officeDocument/2006/relationships" xmlns:p="http://schemas.openxmlformats.org/presentationml/2006/main">
+  <p:cSld>
+    <p:spTree>
+      <p:nvGrpSpPr>
+        <p:cNvPr id="1" name=""/>
+        <p:cNvGrpSpPr/>
+        <p:nvPr/>
+      </p:nvGrpSpPr>
+      <p:grpSpPr>
+        <a:xfrm>
+          <a:off x="0" y="0"/>
+          <a:ext cx="0" cy="0"/>
+          <a:chOff x="0" y="0"/>
+          <a:chExt cx="0" cy="0"/>
+        </a:xfrm>
+      </p:grpSpPr>
       <p:graphicFrame>
         <p:nvGraphicFramePr>
           <p:cNvPr id="3" name="Diagrama 2">
@@ -7201,14 +11437,273 @@
           <p:nvPr>
             <p:extLst>
               <p:ext uri="{D42A27DB-BD31-4B8C-83A1-F6EECF244321}">
-                <p14:modId xmlns:p14="http://schemas.microsoft.com/office/powerpoint/2010/main" val="2432898283"/>
+                <p14:modId xmlns:p14="http://schemas.microsoft.com/office/powerpoint/2010/main" val="49606831"/>
               </p:ext>
             </p:extLst>
           </p:nvPr>
         </p:nvGraphicFramePr>
         <p:xfrm>
-          <a:off x="1117599" y="374433"/>
-          <a:ext cx="10694955" cy="5690465"/>
+          <a:off x="-1490697" y="104775"/>
+          <a:ext cx="14669798" cy="6138182"/>
+        </p:xfrm>
+        <a:graphic>
+          <a:graphicData uri="http://schemas.openxmlformats.org/drawingml/2006/diagram">
+            <dgm:relIds xmlns:dgm="http://schemas.openxmlformats.org/drawingml/2006/diagram" xmlns:r="http://schemas.openxmlformats.org/officeDocument/2006/relationships" r:dm="rId2" r:lo="rId3" r:qs="rId4" r:cs="rId5"/>
+          </a:graphicData>
+        </a:graphic>
+      </p:graphicFrame>
+      <p:sp>
+        <p:nvSpPr>
+          <p:cNvPr id="11" name="Flecha: curvada hacia la izquierda 10">
+            <a:extLst>
+              <a:ext uri="{FF2B5EF4-FFF2-40B4-BE49-F238E27FC236}">
+                <a16:creationId xmlns:a16="http://schemas.microsoft.com/office/drawing/2014/main" id="{F288C7F4-E7FE-424E-9A62-E487F2CDB420}"/>
+              </a:ext>
+            </a:extLst>
+          </p:cNvPr>
+          <p:cNvSpPr/>
+          <p:nvPr/>
+        </p:nvSpPr>
+        <p:spPr>
+          <a:xfrm>
+            <a:off x="7553326" y="3162300"/>
+            <a:ext cx="1981200" cy="1676400"/>
+          </a:xfrm>
+          <a:prstGeom prst="curvedLeftArrow">
+            <a:avLst>
+              <a:gd name="adj1" fmla="val 10836"/>
+              <a:gd name="adj2" fmla="val 32112"/>
+              <a:gd name="adj3" fmla="val 29255"/>
+            </a:avLst>
+          </a:prstGeom>
+          <a:solidFill>
+            <a:srgbClr val="BCD3CA"/>
+          </a:solidFill>
+          <a:ln>
+            <a:solidFill>
+              <a:schemeClr val="bg1"/>
+            </a:solidFill>
+          </a:ln>
+        </p:spPr>
+        <p:style>
+          <a:lnRef idx="2">
+            <a:schemeClr val="accent1">
+              <a:shade val="50000"/>
+            </a:schemeClr>
+          </a:lnRef>
+          <a:fillRef idx="1">
+            <a:schemeClr val="accent1"/>
+          </a:fillRef>
+          <a:effectRef idx="0">
+            <a:schemeClr val="accent1"/>
+          </a:effectRef>
+          <a:fontRef idx="minor">
+            <a:schemeClr val="lt1"/>
+          </a:fontRef>
+        </p:style>
+        <p:txBody>
+          <a:bodyPr rtlCol="0" anchor="ctr"/>
+          <a:lstStyle/>
+          <a:p>
+            <a:pPr algn="ctr"/>
+            <a:endParaRPr lang="en-GB">
+              <a:solidFill>
+                <a:schemeClr val="tx1"/>
+              </a:solidFill>
+            </a:endParaRPr>
+          </a:p>
+        </p:txBody>
+      </p:sp>
+    </p:spTree>
+    <p:extLst>
+      <p:ext uri="{BB962C8B-B14F-4D97-AF65-F5344CB8AC3E}">
+        <p14:creationId xmlns:p14="http://schemas.microsoft.com/office/powerpoint/2010/main" val="152643028"/>
+      </p:ext>
+    </p:extLst>
+  </p:cSld>
+  <p:clrMapOvr>
+    <a:masterClrMapping/>
+  </p:clrMapOvr>
+</p:sld>
+</file>
+
+<file path=ppt/slides/slide5.xml><?xml version="1.0" encoding="utf-8"?>
+<p:sld xmlns:a="http://schemas.openxmlformats.org/drawingml/2006/main" xmlns:r="http://schemas.openxmlformats.org/officeDocument/2006/relationships" xmlns:p="http://schemas.openxmlformats.org/presentationml/2006/main">
+  <p:cSld>
+    <p:spTree>
+      <p:nvGrpSpPr>
+        <p:cNvPr id="1" name=""/>
+        <p:cNvGrpSpPr/>
+        <p:nvPr/>
+      </p:nvGrpSpPr>
+      <p:grpSpPr>
+        <a:xfrm>
+          <a:off x="0" y="0"/>
+          <a:ext cx="0" cy="0"/>
+          <a:chOff x="0" y="0"/>
+          <a:chExt cx="0" cy="0"/>
+        </a:xfrm>
+      </p:grpSpPr>
+      <p:grpSp>
+        <p:nvGrpSpPr>
+          <p:cNvPr id="2" name="Grupo 1">
+            <a:extLst>
+              <a:ext uri="{FF2B5EF4-FFF2-40B4-BE49-F238E27FC236}">
+                <a16:creationId xmlns:a16="http://schemas.microsoft.com/office/drawing/2014/main" id="{10EEB93B-E1C3-4C8E-8181-29B71C99BDE2}"/>
+              </a:ext>
+            </a:extLst>
+          </p:cNvPr>
+          <p:cNvGrpSpPr/>
+          <p:nvPr/>
+        </p:nvGrpSpPr>
+        <p:grpSpPr>
+          <a:xfrm>
+            <a:off x="379474" y="246625"/>
+            <a:ext cx="2670053" cy="1868950"/>
+            <a:chOff x="5028901" y="2134615"/>
+            <a:chExt cx="2670053" cy="1868950"/>
+          </a:xfrm>
+        </p:grpSpPr>
+        <p:sp>
+          <p:nvSpPr>
+            <p:cNvPr id="3" name="Rectángulo: esquinas redondeadas 2">
+              <a:extLst>
+                <a:ext uri="{FF2B5EF4-FFF2-40B4-BE49-F238E27FC236}">
+                  <a16:creationId xmlns:a16="http://schemas.microsoft.com/office/drawing/2014/main" id="{990045C0-1085-4990-B6B7-221429FEEB54}"/>
+                </a:ext>
+              </a:extLst>
+            </p:cNvPr>
+            <p:cNvSpPr/>
+            <p:nvPr/>
+          </p:nvSpPr>
+          <p:spPr>
+            <a:xfrm>
+              <a:off x="5028901" y="2134615"/>
+              <a:ext cx="2670053" cy="1868950"/>
+            </a:xfrm>
+            <a:prstGeom prst="roundRect">
+              <a:avLst>
+                <a:gd name="adj" fmla="val 16670"/>
+              </a:avLst>
+            </a:prstGeom>
+          </p:spPr>
+          <p:style>
+            <a:lnRef idx="2">
+              <a:schemeClr val="lt1">
+                <a:hueOff val="0"/>
+                <a:satOff val="0"/>
+                <a:lumOff val="0"/>
+                <a:alphaOff val="0"/>
+              </a:schemeClr>
+            </a:lnRef>
+            <a:fillRef idx="1">
+              <a:schemeClr val="accent4">
+                <a:hueOff val="0"/>
+                <a:satOff val="0"/>
+                <a:lumOff val="0"/>
+                <a:alphaOff val="0"/>
+              </a:schemeClr>
+            </a:fillRef>
+            <a:effectRef idx="0">
+              <a:schemeClr val="accent4">
+                <a:hueOff val="0"/>
+                <a:satOff val="0"/>
+                <a:lumOff val="0"/>
+                <a:alphaOff val="0"/>
+              </a:schemeClr>
+            </a:effectRef>
+            <a:fontRef idx="minor">
+              <a:schemeClr val="lt1"/>
+            </a:fontRef>
+          </p:style>
+        </p:sp>
+        <p:sp>
+          <p:nvSpPr>
+            <p:cNvPr id="4" name="Rectángulo: esquinas redondeadas 4">
+              <a:extLst>
+                <a:ext uri="{FF2B5EF4-FFF2-40B4-BE49-F238E27FC236}">
+                  <a16:creationId xmlns:a16="http://schemas.microsoft.com/office/drawing/2014/main" id="{2A455383-701C-4E62-8AE0-37971497B023}"/>
+                </a:ext>
+              </a:extLst>
+            </p:cNvPr>
+            <p:cNvSpPr txBox="1"/>
+            <p:nvPr/>
+          </p:nvSpPr>
+          <p:spPr>
+            <a:xfrm>
+              <a:off x="5120152" y="2225866"/>
+              <a:ext cx="2487551" cy="1686448"/>
+            </a:xfrm>
+            <a:prstGeom prst="rect">
+              <a:avLst/>
+            </a:prstGeom>
+          </p:spPr>
+          <p:style>
+            <a:lnRef idx="0">
+              <a:scrgbClr r="0" g="0" b="0"/>
+            </a:lnRef>
+            <a:fillRef idx="0">
+              <a:scrgbClr r="0" g="0" b="0"/>
+            </a:fillRef>
+            <a:effectRef idx="0">
+              <a:scrgbClr r="0" g="0" b="0"/>
+            </a:effectRef>
+            <a:fontRef idx="minor">
+              <a:schemeClr val="lt1"/>
+            </a:fontRef>
+          </p:style>
+          <p:txBody>
+            <a:bodyPr spcFirstLastPara="0" vert="horz" wrap="square" lIns="68580" tIns="68580" rIns="68580" bIns="68580" numCol="1" spcCol="1270" anchor="ctr" anchorCtr="0">
+              <a:noAutofit/>
+            </a:bodyPr>
+            <a:lstStyle/>
+            <a:p>
+              <a:pPr marL="0" lvl="0" indent="0" algn="ctr" defTabSz="800100">
+                <a:lnSpc>
+                  <a:spcPct val="90000"/>
+                </a:lnSpc>
+                <a:spcBef>
+                  <a:spcPct val="0"/>
+                </a:spcBef>
+                <a:spcAft>
+                  <a:spcPct val="35000"/>
+                </a:spcAft>
+                <a:buNone/>
+              </a:pPr>
+              <a:r>
+                <a:rPr lang="en-GB" sz="1800" kern="1200" dirty="0">
+                  <a:latin typeface="Montserrat" panose="02000505000000020004" pitchFamily="2" charset="0"/>
+                </a:rPr>
+                <a:t>Cleaning and preprocessing</a:t>
+              </a:r>
+              <a:endParaRPr lang="en-GB" sz="1200" kern="1200" dirty="0">
+                <a:latin typeface="Montserrat" panose="02000505000000020004" pitchFamily="2" charset="0"/>
+              </a:endParaRPr>
+            </a:p>
+          </p:txBody>
+        </p:sp>
+      </p:grpSp>
+      <p:graphicFrame>
+        <p:nvGraphicFramePr>
+          <p:cNvPr id="6" name="Diagrama 5">
+            <a:extLst>
+              <a:ext uri="{FF2B5EF4-FFF2-40B4-BE49-F238E27FC236}">
+                <a16:creationId xmlns:a16="http://schemas.microsoft.com/office/drawing/2014/main" id="{CDF957AD-D679-47DB-939C-B1ED03CA37A4}"/>
+              </a:ext>
+            </a:extLst>
+          </p:cNvPr>
+          <p:cNvGraphicFramePr/>
+          <p:nvPr>
+            <p:extLst>
+              <p:ext uri="{D42A27DB-BD31-4B8C-83A1-F6EECF244321}">
+                <p14:modId xmlns:p14="http://schemas.microsoft.com/office/powerpoint/2010/main" val="3249480690"/>
+              </p:ext>
+            </p:extLst>
+          </p:nvPr>
+        </p:nvGraphicFramePr>
+        <p:xfrm>
+          <a:off x="3813175" y="371475"/>
+          <a:ext cx="6864350" cy="5286376"/>
         </p:xfrm>
         <a:graphic>
           <a:graphicData uri="http://schemas.openxmlformats.org/drawingml/2006/diagram">
@@ -7219,7 +11714,973 @@
     </p:spTree>
     <p:extLst>
       <p:ext uri="{BB962C8B-B14F-4D97-AF65-F5344CB8AC3E}">
-        <p14:creationId xmlns:p14="http://schemas.microsoft.com/office/powerpoint/2010/main" val="152643028"/>
+        <p14:creationId xmlns:p14="http://schemas.microsoft.com/office/powerpoint/2010/main" val="2165572970"/>
+      </p:ext>
+    </p:extLst>
+  </p:cSld>
+  <p:clrMapOvr>
+    <a:masterClrMapping/>
+  </p:clrMapOvr>
+</p:sld>
+</file>
+
+<file path=ppt/slides/slide6.xml><?xml version="1.0" encoding="utf-8"?>
+<p:sld xmlns:a="http://schemas.openxmlformats.org/drawingml/2006/main" xmlns:r="http://schemas.openxmlformats.org/officeDocument/2006/relationships" xmlns:p="http://schemas.openxmlformats.org/presentationml/2006/main">
+  <p:cSld>
+    <p:spTree>
+      <p:nvGrpSpPr>
+        <p:cNvPr id="1" name=""/>
+        <p:cNvGrpSpPr/>
+        <p:nvPr/>
+      </p:nvGrpSpPr>
+      <p:grpSpPr>
+        <a:xfrm>
+          <a:off x="0" y="0"/>
+          <a:ext cx="0" cy="0"/>
+          <a:chOff x="0" y="0"/>
+          <a:chExt cx="0" cy="0"/>
+        </a:xfrm>
+      </p:grpSpPr>
+      <p:grpSp>
+        <p:nvGrpSpPr>
+          <p:cNvPr id="2" name="Grupo 1">
+            <a:extLst>
+              <a:ext uri="{FF2B5EF4-FFF2-40B4-BE49-F238E27FC236}">
+                <a16:creationId xmlns:a16="http://schemas.microsoft.com/office/drawing/2014/main" id="{10EEB93B-E1C3-4C8E-8181-29B71C99BDE2}"/>
+              </a:ext>
+            </a:extLst>
+          </p:cNvPr>
+          <p:cNvGrpSpPr/>
+          <p:nvPr/>
+        </p:nvGrpSpPr>
+        <p:grpSpPr>
+          <a:xfrm>
+            <a:off x="379474" y="246625"/>
+            <a:ext cx="2754251" cy="1010675"/>
+            <a:chOff x="5028901" y="2134615"/>
+            <a:chExt cx="2670053" cy="1868950"/>
+          </a:xfrm>
+        </p:grpSpPr>
+        <p:sp>
+          <p:nvSpPr>
+            <p:cNvPr id="3" name="Rectángulo: esquinas redondeadas 2">
+              <a:extLst>
+                <a:ext uri="{FF2B5EF4-FFF2-40B4-BE49-F238E27FC236}">
+                  <a16:creationId xmlns:a16="http://schemas.microsoft.com/office/drawing/2014/main" id="{990045C0-1085-4990-B6B7-221429FEEB54}"/>
+                </a:ext>
+              </a:extLst>
+            </p:cNvPr>
+            <p:cNvSpPr/>
+            <p:nvPr/>
+          </p:nvSpPr>
+          <p:spPr>
+            <a:xfrm>
+              <a:off x="5028901" y="2134615"/>
+              <a:ext cx="2670053" cy="1868950"/>
+            </a:xfrm>
+            <a:prstGeom prst="roundRect">
+              <a:avLst>
+                <a:gd name="adj" fmla="val 16670"/>
+              </a:avLst>
+            </a:prstGeom>
+          </p:spPr>
+          <p:style>
+            <a:lnRef idx="2">
+              <a:schemeClr val="lt1">
+                <a:hueOff val="0"/>
+                <a:satOff val="0"/>
+                <a:lumOff val="0"/>
+                <a:alphaOff val="0"/>
+              </a:schemeClr>
+            </a:lnRef>
+            <a:fillRef idx="1">
+              <a:schemeClr val="accent4">
+                <a:hueOff val="0"/>
+                <a:satOff val="0"/>
+                <a:lumOff val="0"/>
+                <a:alphaOff val="0"/>
+              </a:schemeClr>
+            </a:fillRef>
+            <a:effectRef idx="0">
+              <a:schemeClr val="accent4">
+                <a:hueOff val="0"/>
+                <a:satOff val="0"/>
+                <a:lumOff val="0"/>
+                <a:alphaOff val="0"/>
+              </a:schemeClr>
+            </a:effectRef>
+            <a:fontRef idx="minor">
+              <a:schemeClr val="lt1"/>
+            </a:fontRef>
+          </p:style>
+        </p:sp>
+        <p:sp>
+          <p:nvSpPr>
+            <p:cNvPr id="4" name="Rectángulo: esquinas redondeadas 4">
+              <a:extLst>
+                <a:ext uri="{FF2B5EF4-FFF2-40B4-BE49-F238E27FC236}">
+                  <a16:creationId xmlns:a16="http://schemas.microsoft.com/office/drawing/2014/main" id="{2A455383-701C-4E62-8AE0-37971497B023}"/>
+                </a:ext>
+              </a:extLst>
+            </p:cNvPr>
+            <p:cNvSpPr txBox="1"/>
+            <p:nvPr/>
+          </p:nvSpPr>
+          <p:spPr>
+            <a:xfrm>
+              <a:off x="5120152" y="2225866"/>
+              <a:ext cx="2487551" cy="1686448"/>
+            </a:xfrm>
+            <a:prstGeom prst="rect">
+              <a:avLst/>
+            </a:prstGeom>
+          </p:spPr>
+          <p:style>
+            <a:lnRef idx="0">
+              <a:scrgbClr r="0" g="0" b="0"/>
+            </a:lnRef>
+            <a:fillRef idx="0">
+              <a:scrgbClr r="0" g="0" b="0"/>
+            </a:fillRef>
+            <a:effectRef idx="0">
+              <a:scrgbClr r="0" g="0" b="0"/>
+            </a:effectRef>
+            <a:fontRef idx="minor">
+              <a:schemeClr val="lt1"/>
+            </a:fontRef>
+          </p:style>
+          <p:txBody>
+            <a:bodyPr spcFirstLastPara="0" vert="horz" wrap="square" lIns="68580" tIns="68580" rIns="68580" bIns="68580" numCol="1" spcCol="1270" anchor="ctr" anchorCtr="0">
+              <a:noAutofit/>
+            </a:bodyPr>
+            <a:lstStyle/>
+            <a:p>
+              <a:pPr marL="0" lvl="0" indent="0" algn="ctr" defTabSz="800100">
+                <a:lnSpc>
+                  <a:spcPct val="90000"/>
+                </a:lnSpc>
+                <a:spcBef>
+                  <a:spcPct val="0"/>
+                </a:spcBef>
+                <a:spcAft>
+                  <a:spcPct val="35000"/>
+                </a:spcAft>
+                <a:buNone/>
+              </a:pPr>
+              <a:r>
+                <a:rPr lang="en-GB" sz="1800" kern="1200" dirty="0">
+                  <a:latin typeface="Montserrat" panose="02000505000000020004" pitchFamily="2" charset="0"/>
+                </a:rPr>
+                <a:t>Training and Testing</a:t>
+              </a:r>
+              <a:endParaRPr lang="en-GB" sz="1200" kern="1200" dirty="0">
+                <a:latin typeface="Montserrat" panose="02000505000000020004" pitchFamily="2" charset="0"/>
+              </a:endParaRPr>
+            </a:p>
+          </p:txBody>
+        </p:sp>
+      </p:grpSp>
+      <p:sp>
+        <p:nvSpPr>
+          <p:cNvPr id="6" name="CuadroTexto 5">
+            <a:extLst>
+              <a:ext uri="{FF2B5EF4-FFF2-40B4-BE49-F238E27FC236}">
+                <a16:creationId xmlns:a16="http://schemas.microsoft.com/office/drawing/2014/main" id="{00F86DA2-CAF1-4B90-840C-9E0474109B0D}"/>
+              </a:ext>
+            </a:extLst>
+          </p:cNvPr>
+          <p:cNvSpPr txBox="1"/>
+          <p:nvPr/>
+        </p:nvSpPr>
+        <p:spPr>
+          <a:xfrm>
+            <a:off x="3921772" y="358451"/>
+            <a:ext cx="6355703" cy="923330"/>
+          </a:xfrm>
+          <a:prstGeom prst="rect">
+            <a:avLst/>
+          </a:prstGeom>
+          <a:noFill/>
+        </p:spPr>
+        <p:txBody>
+          <a:bodyPr wrap="square" rtlCol="0">
+            <a:spAutoFit/>
+          </a:bodyPr>
+          <a:lstStyle/>
+          <a:p>
+            <a:pPr marL="285750" indent="-285750">
+              <a:buFont typeface="Arial" panose="020B0604020202020204" pitchFamily="34" charset="0"/>
+              <a:buChar char="•"/>
+            </a:pPr>
+            <a:r>
+              <a:rPr lang="en-GB" dirty="0">
+                <a:latin typeface="Montserrat Medium" pitchFamily="2" charset="0"/>
+              </a:rPr>
+              <a:t>Test with all models:</a:t>
+            </a:r>
+          </a:p>
+          <a:p>
+            <a:pPr marL="742950" lvl="1" indent="-285750">
+              <a:buFont typeface="Arial" panose="020B0604020202020204" pitchFamily="34" charset="0"/>
+              <a:buChar char="•"/>
+            </a:pPr>
+            <a:r>
+              <a:rPr lang="en-GB" dirty="0">
+                <a:latin typeface="Montserrat Medium" pitchFamily="2" charset="0"/>
+              </a:rPr>
+              <a:t>Best results with Light Gradient Boosted Machine (LGBM)</a:t>
+            </a:r>
+          </a:p>
+        </p:txBody>
+      </p:sp>
+      <p:pic>
+        <p:nvPicPr>
+          <p:cNvPr id="8" name="Imagen 7">
+            <a:extLst>
+              <a:ext uri="{FF2B5EF4-FFF2-40B4-BE49-F238E27FC236}">
+                <a16:creationId xmlns:a16="http://schemas.microsoft.com/office/drawing/2014/main" id="{7A8A4018-5FEB-4101-8668-A952F941E299}"/>
+              </a:ext>
+            </a:extLst>
+          </p:cNvPr>
+          <p:cNvPicPr>
+            <a:picLocks noChangeAspect="1"/>
+          </p:cNvPicPr>
+          <p:nvPr/>
+        </p:nvPicPr>
+        <p:blipFill>
+          <a:blip r:embed="rId2"/>
+          <a:stretch>
+            <a:fillRect/>
+          </a:stretch>
+        </p:blipFill>
+        <p:spPr>
+          <a:xfrm>
+            <a:off x="2421877" y="4202275"/>
+            <a:ext cx="4759973" cy="2115543"/>
+          </a:xfrm>
+          <a:prstGeom prst="rect">
+            <a:avLst/>
+          </a:prstGeom>
+        </p:spPr>
+      </p:pic>
+      <p:pic>
+        <p:nvPicPr>
+          <p:cNvPr id="12" name="Imagen 11">
+            <a:extLst>
+              <a:ext uri="{FF2B5EF4-FFF2-40B4-BE49-F238E27FC236}">
+                <a16:creationId xmlns:a16="http://schemas.microsoft.com/office/drawing/2014/main" id="{D83241E3-83AD-4A4C-B2D6-CDC19D738F19}"/>
+              </a:ext>
+            </a:extLst>
+          </p:cNvPr>
+          <p:cNvPicPr>
+            <a:picLocks noChangeAspect="1"/>
+          </p:cNvPicPr>
+          <p:nvPr/>
+        </p:nvPicPr>
+        <p:blipFill>
+          <a:blip r:embed="rId3"/>
+          <a:stretch>
+            <a:fillRect/>
+          </a:stretch>
+        </p:blipFill>
+        <p:spPr>
+          <a:xfrm>
+            <a:off x="4572000" y="1338262"/>
+            <a:ext cx="3943350" cy="981075"/>
+          </a:xfrm>
+          <a:prstGeom prst="rect">
+            <a:avLst/>
+          </a:prstGeom>
+        </p:spPr>
+      </p:pic>
+      <p:sp>
+        <p:nvSpPr>
+          <p:cNvPr id="15" name="CuadroTexto 14">
+            <a:extLst>
+              <a:ext uri="{FF2B5EF4-FFF2-40B4-BE49-F238E27FC236}">
+                <a16:creationId xmlns:a16="http://schemas.microsoft.com/office/drawing/2014/main" id="{72A99D1A-7165-4147-A01F-5A8F20C23322}"/>
+              </a:ext>
+            </a:extLst>
+          </p:cNvPr>
+          <p:cNvSpPr txBox="1"/>
+          <p:nvPr/>
+        </p:nvSpPr>
+        <p:spPr>
+          <a:xfrm>
+            <a:off x="304800" y="1524000"/>
+            <a:ext cx="2876550" cy="923330"/>
+          </a:xfrm>
+          <a:prstGeom prst="rect">
+            <a:avLst/>
+          </a:prstGeom>
+          <a:noFill/>
+        </p:spPr>
+        <p:txBody>
+          <a:bodyPr wrap="square" rtlCol="0">
+            <a:spAutoFit/>
+          </a:bodyPr>
+          <a:lstStyle/>
+          <a:p>
+            <a:pPr marL="342900" indent="-342900">
+              <a:buAutoNum type="arabicPeriod"/>
+            </a:pPr>
+            <a:r>
+              <a:rPr lang="en-GB" i="1" dirty="0">
+                <a:solidFill>
+                  <a:schemeClr val="accent4"/>
+                </a:solidFill>
+                <a:latin typeface="Montserrat Medium" pitchFamily="2" charset="0"/>
+              </a:rPr>
+              <a:t>Train Salaries data</a:t>
+            </a:r>
+          </a:p>
+          <a:p>
+            <a:pPr marL="342900" indent="-342900">
+              <a:buAutoNum type="arabicPeriod"/>
+            </a:pPr>
+            <a:r>
+              <a:rPr lang="en-GB" i="1" dirty="0">
+                <a:solidFill>
+                  <a:schemeClr val="accent4"/>
+                </a:solidFill>
+                <a:latin typeface="Montserrat Medium" pitchFamily="2" charset="0"/>
+              </a:rPr>
+              <a:t>Choose Model</a:t>
+            </a:r>
+          </a:p>
+          <a:p>
+            <a:pPr marL="342900" indent="-342900">
+              <a:buAutoNum type="arabicPeriod"/>
+            </a:pPr>
+            <a:r>
+              <a:rPr lang="en-GB" i="1" dirty="0">
+                <a:solidFill>
+                  <a:schemeClr val="accent4"/>
+                </a:solidFill>
+                <a:latin typeface="Montserrat Medium" pitchFamily="2" charset="0"/>
+              </a:rPr>
+              <a:t>Predict Test data</a:t>
+            </a:r>
+          </a:p>
+        </p:txBody>
+      </p:sp>
+      <p:sp>
+        <p:nvSpPr>
+          <p:cNvPr id="16" name="CuadroTexto 15">
+            <a:extLst>
+              <a:ext uri="{FF2B5EF4-FFF2-40B4-BE49-F238E27FC236}">
+                <a16:creationId xmlns:a16="http://schemas.microsoft.com/office/drawing/2014/main" id="{03F9E3DB-290E-40BA-926C-1F700A3D23C9}"/>
+              </a:ext>
+            </a:extLst>
+          </p:cNvPr>
+          <p:cNvSpPr txBox="1"/>
+          <p:nvPr/>
+        </p:nvSpPr>
+        <p:spPr>
+          <a:xfrm>
+            <a:off x="342900" y="3629025"/>
+            <a:ext cx="2876550" cy="646331"/>
+          </a:xfrm>
+          <a:prstGeom prst="rect">
+            <a:avLst/>
+          </a:prstGeom>
+          <a:noFill/>
+        </p:spPr>
+        <p:txBody>
+          <a:bodyPr wrap="square" rtlCol="0">
+            <a:spAutoFit/>
+          </a:bodyPr>
+          <a:lstStyle/>
+          <a:p>
+            <a:r>
+              <a:rPr lang="en-GB" i="1" dirty="0">
+                <a:solidFill>
+                  <a:schemeClr val="accent4"/>
+                </a:solidFill>
+                <a:latin typeface="Montserrat Medium" pitchFamily="2" charset="0"/>
+              </a:rPr>
+              <a:t>H20</a:t>
+            </a:r>
+          </a:p>
+          <a:p>
+            <a:endParaRPr lang="en-GB" i="1" dirty="0">
+              <a:solidFill>
+                <a:schemeClr val="accent4"/>
+              </a:solidFill>
+              <a:latin typeface="Montserrat Medium" pitchFamily="2" charset="0"/>
+            </a:endParaRPr>
+          </a:p>
+        </p:txBody>
+      </p:sp>
+      <p:sp>
+        <p:nvSpPr>
+          <p:cNvPr id="17" name="CuadroTexto 16">
+            <a:extLst>
+              <a:ext uri="{FF2B5EF4-FFF2-40B4-BE49-F238E27FC236}">
+                <a16:creationId xmlns:a16="http://schemas.microsoft.com/office/drawing/2014/main" id="{D118A0A7-24A0-4AF4-BE24-9BFA62C73740}"/>
+              </a:ext>
+            </a:extLst>
+          </p:cNvPr>
+          <p:cNvSpPr txBox="1"/>
+          <p:nvPr/>
+        </p:nvSpPr>
+        <p:spPr>
+          <a:xfrm>
+            <a:off x="2035822" y="3177851"/>
+            <a:ext cx="3841103" cy="646331"/>
+          </a:xfrm>
+          <a:prstGeom prst="rect">
+            <a:avLst/>
+          </a:prstGeom>
+          <a:noFill/>
+        </p:spPr>
+        <p:txBody>
+          <a:bodyPr wrap="square" rtlCol="0">
+            <a:spAutoFit/>
+          </a:bodyPr>
+          <a:lstStyle/>
+          <a:p>
+            <a:pPr marL="285750" indent="-285750">
+              <a:buFont typeface="Arial" panose="020B0604020202020204" pitchFamily="34" charset="0"/>
+              <a:buChar char="•"/>
+            </a:pPr>
+            <a:r>
+              <a:rPr lang="en-GB" dirty="0">
+                <a:latin typeface="Montserrat Medium" pitchFamily="2" charset="0"/>
+              </a:rPr>
+              <a:t>Model: GBM</a:t>
+            </a:r>
+          </a:p>
+          <a:p>
+            <a:pPr marL="742950" lvl="1" indent="-285750">
+              <a:buFont typeface="Arial" panose="020B0604020202020204" pitchFamily="34" charset="0"/>
+              <a:buChar char="•"/>
+            </a:pPr>
+            <a:endParaRPr lang="en-GB" dirty="0">
+              <a:latin typeface="Montserrat Medium" pitchFamily="2" charset="0"/>
+            </a:endParaRPr>
+          </a:p>
+        </p:txBody>
+      </p:sp>
+      <p:cxnSp>
+        <p:nvCxnSpPr>
+          <p:cNvPr id="19" name="Conector recto 18">
+            <a:extLst>
+              <a:ext uri="{FF2B5EF4-FFF2-40B4-BE49-F238E27FC236}">
+                <a16:creationId xmlns:a16="http://schemas.microsoft.com/office/drawing/2014/main" id="{828717D0-0210-4406-82AB-55B2F6DB43D5}"/>
+              </a:ext>
+            </a:extLst>
+          </p:cNvPr>
+          <p:cNvCxnSpPr/>
+          <p:nvPr/>
+        </p:nvCxnSpPr>
+        <p:spPr>
+          <a:xfrm>
+            <a:off x="0" y="2981325"/>
+            <a:ext cx="12192000" cy="0"/>
+          </a:xfrm>
+          <a:prstGeom prst="line">
+            <a:avLst/>
+          </a:prstGeom>
+          <a:ln w="38100">
+            <a:solidFill>
+              <a:srgbClr val="029676"/>
+            </a:solidFill>
+          </a:ln>
+        </p:spPr>
+        <p:style>
+          <a:lnRef idx="1">
+            <a:schemeClr val="accent1"/>
+          </a:lnRef>
+          <a:fillRef idx="0">
+            <a:schemeClr val="accent1"/>
+          </a:fillRef>
+          <a:effectRef idx="0">
+            <a:schemeClr val="accent1"/>
+          </a:effectRef>
+          <a:fontRef idx="minor">
+            <a:schemeClr val="tx1"/>
+          </a:fontRef>
+        </p:style>
+      </p:cxnSp>
+      <p:pic>
+        <p:nvPicPr>
+          <p:cNvPr id="23" name="Imagen 22">
+            <a:extLst>
+              <a:ext uri="{FF2B5EF4-FFF2-40B4-BE49-F238E27FC236}">
+                <a16:creationId xmlns:a16="http://schemas.microsoft.com/office/drawing/2014/main" id="{412D33BB-0076-4124-AA83-5BE27640F80A}"/>
+              </a:ext>
+            </a:extLst>
+          </p:cNvPr>
+          <p:cNvPicPr>
+            <a:picLocks noChangeAspect="1"/>
+          </p:cNvPicPr>
+          <p:nvPr/>
+        </p:nvPicPr>
+        <p:blipFill>
+          <a:blip r:embed="rId4"/>
+          <a:stretch>
+            <a:fillRect/>
+          </a:stretch>
+        </p:blipFill>
+        <p:spPr>
+          <a:xfrm>
+            <a:off x="8286750" y="3271837"/>
+            <a:ext cx="3281131" cy="2957513"/>
+          </a:xfrm>
+          <a:prstGeom prst="rect">
+            <a:avLst/>
+          </a:prstGeom>
+        </p:spPr>
+      </p:pic>
+      <p:sp>
+        <p:nvSpPr>
+          <p:cNvPr id="26" name="CuadroTexto 25">
+            <a:extLst>
+              <a:ext uri="{FF2B5EF4-FFF2-40B4-BE49-F238E27FC236}">
+                <a16:creationId xmlns:a16="http://schemas.microsoft.com/office/drawing/2014/main" id="{7B5B74AB-D982-4A81-9B0E-557D840A0CD4}"/>
+              </a:ext>
+            </a:extLst>
+          </p:cNvPr>
+          <p:cNvSpPr txBox="1"/>
+          <p:nvPr/>
+        </p:nvSpPr>
+        <p:spPr>
+          <a:xfrm>
+            <a:off x="8804367" y="2264229"/>
+            <a:ext cx="2586445" cy="408623"/>
+          </a:xfrm>
+          <a:prstGeom prst="roundRect">
+            <a:avLst/>
+          </a:prstGeom>
+        </p:spPr>
+        <p:style>
+          <a:lnRef idx="2">
+            <a:schemeClr val="accent4"/>
+          </a:lnRef>
+          <a:fillRef idx="1">
+            <a:schemeClr val="lt1"/>
+          </a:fillRef>
+          <a:effectRef idx="0">
+            <a:schemeClr val="accent4"/>
+          </a:effectRef>
+          <a:fontRef idx="minor">
+            <a:schemeClr val="dk1"/>
+          </a:fontRef>
+        </p:style>
+        <p:txBody>
+          <a:bodyPr wrap="square" rtlCol="0">
+            <a:spAutoFit/>
+          </a:bodyPr>
+          <a:lstStyle/>
+          <a:p>
+            <a:r>
+              <a:rPr lang="en-GB" dirty="0">
+                <a:latin typeface="Montserrat" panose="02000505000000020004" pitchFamily="2" charset="0"/>
+              </a:rPr>
+              <a:t>RMSE </a:t>
+            </a:r>
+            <a:r>
+              <a:rPr lang="en-GB" dirty="0">
+                <a:latin typeface="Montserrat" panose="02000505000000020004" pitchFamily="2" charset="0"/>
+                <a:sym typeface="Wingdings" panose="05000000000000000000" pitchFamily="2" charset="2"/>
+              </a:rPr>
+              <a:t> </a:t>
+            </a:r>
+            <a:r>
+              <a:rPr lang="en-GB">
+                <a:latin typeface="Montserrat" panose="02000505000000020004" pitchFamily="2" charset="0"/>
+                <a:sym typeface="Wingdings" panose="05000000000000000000" pitchFamily="2" charset="2"/>
+              </a:rPr>
+              <a:t>48923,41 $</a:t>
+            </a:r>
+            <a:endParaRPr lang="en-GB" dirty="0">
+              <a:latin typeface="Montserrat" panose="02000505000000020004" pitchFamily="2" charset="0"/>
+            </a:endParaRPr>
+          </a:p>
+        </p:txBody>
+      </p:sp>
+      <p:sp>
+        <p:nvSpPr>
+          <p:cNvPr id="27" name="Rectángulo: esquinas redondeadas 26">
+            <a:extLst>
+              <a:ext uri="{FF2B5EF4-FFF2-40B4-BE49-F238E27FC236}">
+                <a16:creationId xmlns:a16="http://schemas.microsoft.com/office/drawing/2014/main" id="{C86968AD-C5EB-4413-83A9-37CA48566C3D}"/>
+              </a:ext>
+            </a:extLst>
+          </p:cNvPr>
+          <p:cNvSpPr/>
+          <p:nvPr/>
+        </p:nvSpPr>
+        <p:spPr>
+          <a:xfrm>
+            <a:off x="8264434" y="5434149"/>
+            <a:ext cx="2046515" cy="209005"/>
+          </a:xfrm>
+          <a:prstGeom prst="roundRect">
+            <a:avLst/>
+          </a:prstGeom>
+          <a:noFill/>
+          <a:ln>
+            <a:solidFill>
+              <a:srgbClr val="029676"/>
+            </a:solidFill>
+          </a:ln>
+        </p:spPr>
+        <p:style>
+          <a:lnRef idx="2">
+            <a:schemeClr val="accent1">
+              <a:shade val="50000"/>
+            </a:schemeClr>
+          </a:lnRef>
+          <a:fillRef idx="1">
+            <a:schemeClr val="accent1"/>
+          </a:fillRef>
+          <a:effectRef idx="0">
+            <a:schemeClr val="accent1"/>
+          </a:effectRef>
+          <a:fontRef idx="minor">
+            <a:schemeClr val="lt1"/>
+          </a:fontRef>
+        </p:style>
+        <p:txBody>
+          <a:bodyPr rtlCol="0" anchor="ctr"/>
+          <a:lstStyle/>
+          <a:p>
+            <a:pPr algn="ctr"/>
+            <a:endParaRPr lang="en-GB"/>
+          </a:p>
+        </p:txBody>
+      </p:sp>
+    </p:spTree>
+    <p:extLst>
+      <p:ext uri="{BB962C8B-B14F-4D97-AF65-F5344CB8AC3E}">
+        <p14:creationId xmlns:p14="http://schemas.microsoft.com/office/powerpoint/2010/main" val="592578905"/>
+      </p:ext>
+    </p:extLst>
+  </p:cSld>
+  <p:clrMapOvr>
+    <a:masterClrMapping/>
+  </p:clrMapOvr>
+</p:sld>
+</file>
+
+<file path=ppt/slides/slide7.xml><?xml version="1.0" encoding="utf-8"?>
+<p:sld xmlns:a="http://schemas.openxmlformats.org/drawingml/2006/main" xmlns:r="http://schemas.openxmlformats.org/officeDocument/2006/relationships" xmlns:p="http://schemas.openxmlformats.org/presentationml/2006/main">
+  <p:cSld>
+    <p:spTree>
+      <p:nvGrpSpPr>
+        <p:cNvPr id="1" name=""/>
+        <p:cNvGrpSpPr/>
+        <p:nvPr/>
+      </p:nvGrpSpPr>
+      <p:grpSpPr>
+        <a:xfrm>
+          <a:off x="0" y="0"/>
+          <a:ext cx="0" cy="0"/>
+          <a:chOff x="0" y="0"/>
+          <a:chExt cx="0" cy="0"/>
+        </a:xfrm>
+      </p:grpSpPr>
+      <p:grpSp>
+        <p:nvGrpSpPr>
+          <p:cNvPr id="2" name="Grupo 1">
+            <a:extLst>
+              <a:ext uri="{FF2B5EF4-FFF2-40B4-BE49-F238E27FC236}">
+                <a16:creationId xmlns:a16="http://schemas.microsoft.com/office/drawing/2014/main" id="{10EEB93B-E1C3-4C8E-8181-29B71C99BDE2}"/>
+              </a:ext>
+            </a:extLst>
+          </p:cNvPr>
+          <p:cNvGrpSpPr/>
+          <p:nvPr/>
+        </p:nvGrpSpPr>
+        <p:grpSpPr>
+          <a:xfrm>
+            <a:off x="379474" y="246625"/>
+            <a:ext cx="2670053" cy="1868950"/>
+            <a:chOff x="5028901" y="2134615"/>
+            <a:chExt cx="2670053" cy="1868950"/>
+          </a:xfrm>
+        </p:grpSpPr>
+        <p:sp>
+          <p:nvSpPr>
+            <p:cNvPr id="3" name="Rectángulo: esquinas redondeadas 2">
+              <a:extLst>
+                <a:ext uri="{FF2B5EF4-FFF2-40B4-BE49-F238E27FC236}">
+                  <a16:creationId xmlns:a16="http://schemas.microsoft.com/office/drawing/2014/main" id="{990045C0-1085-4990-B6B7-221429FEEB54}"/>
+                </a:ext>
+              </a:extLst>
+            </p:cNvPr>
+            <p:cNvSpPr/>
+            <p:nvPr/>
+          </p:nvSpPr>
+          <p:spPr>
+            <a:xfrm>
+              <a:off x="5028901" y="2134615"/>
+              <a:ext cx="2670053" cy="1868950"/>
+            </a:xfrm>
+            <a:prstGeom prst="roundRect">
+              <a:avLst>
+                <a:gd name="adj" fmla="val 16670"/>
+              </a:avLst>
+            </a:prstGeom>
+          </p:spPr>
+          <p:style>
+            <a:lnRef idx="2">
+              <a:schemeClr val="lt1">
+                <a:hueOff val="0"/>
+                <a:satOff val="0"/>
+                <a:lumOff val="0"/>
+                <a:alphaOff val="0"/>
+              </a:schemeClr>
+            </a:lnRef>
+            <a:fillRef idx="1">
+              <a:schemeClr val="accent4">
+                <a:hueOff val="0"/>
+                <a:satOff val="0"/>
+                <a:lumOff val="0"/>
+                <a:alphaOff val="0"/>
+              </a:schemeClr>
+            </a:fillRef>
+            <a:effectRef idx="0">
+              <a:schemeClr val="accent4">
+                <a:hueOff val="0"/>
+                <a:satOff val="0"/>
+                <a:lumOff val="0"/>
+                <a:alphaOff val="0"/>
+              </a:schemeClr>
+            </a:effectRef>
+            <a:fontRef idx="minor">
+              <a:schemeClr val="lt1"/>
+            </a:fontRef>
+          </p:style>
+        </p:sp>
+        <p:sp>
+          <p:nvSpPr>
+            <p:cNvPr id="4" name="Rectángulo: esquinas redondeadas 4">
+              <a:extLst>
+                <a:ext uri="{FF2B5EF4-FFF2-40B4-BE49-F238E27FC236}">
+                  <a16:creationId xmlns:a16="http://schemas.microsoft.com/office/drawing/2014/main" id="{2A455383-701C-4E62-8AE0-37971497B023}"/>
+                </a:ext>
+              </a:extLst>
+            </p:cNvPr>
+            <p:cNvSpPr txBox="1"/>
+            <p:nvPr/>
+          </p:nvSpPr>
+          <p:spPr>
+            <a:xfrm>
+              <a:off x="5120152" y="2225866"/>
+              <a:ext cx="2487551" cy="1686448"/>
+            </a:xfrm>
+            <a:prstGeom prst="rect">
+              <a:avLst/>
+            </a:prstGeom>
+          </p:spPr>
+          <p:style>
+            <a:lnRef idx="0">
+              <a:scrgbClr r="0" g="0" b="0"/>
+            </a:lnRef>
+            <a:fillRef idx="0">
+              <a:scrgbClr r="0" g="0" b="0"/>
+            </a:fillRef>
+            <a:effectRef idx="0">
+              <a:scrgbClr r="0" g="0" b="0"/>
+            </a:effectRef>
+            <a:fontRef idx="minor">
+              <a:schemeClr val="lt1"/>
+            </a:fontRef>
+          </p:style>
+          <p:txBody>
+            <a:bodyPr spcFirstLastPara="0" vert="horz" wrap="square" lIns="68580" tIns="68580" rIns="68580" bIns="68580" numCol="1" spcCol="1270" anchor="ctr" anchorCtr="0">
+              <a:noAutofit/>
+            </a:bodyPr>
+            <a:lstStyle/>
+            <a:p>
+              <a:pPr marL="0" lvl="0" indent="0" algn="ctr" defTabSz="800100">
+                <a:lnSpc>
+                  <a:spcPct val="90000"/>
+                </a:lnSpc>
+                <a:spcBef>
+                  <a:spcPct val="0"/>
+                </a:spcBef>
+                <a:spcAft>
+                  <a:spcPct val="35000"/>
+                </a:spcAft>
+                <a:buNone/>
+              </a:pPr>
+              <a:r>
+                <a:rPr lang="en-GB" sz="1800" kern="1200" dirty="0">
+                  <a:latin typeface="Montserrat" panose="02000505000000020004" pitchFamily="2" charset="0"/>
+                </a:rPr>
+                <a:t>Validation</a:t>
+              </a:r>
+              <a:endParaRPr lang="en-GB" sz="1200" kern="1200" dirty="0">
+                <a:latin typeface="Montserrat" panose="02000505000000020004" pitchFamily="2" charset="0"/>
+              </a:endParaRPr>
+            </a:p>
+          </p:txBody>
+        </p:sp>
+      </p:grpSp>
+      <p:pic>
+        <p:nvPicPr>
+          <p:cNvPr id="8" name="Imagen 7">
+            <a:extLst>
+              <a:ext uri="{FF2B5EF4-FFF2-40B4-BE49-F238E27FC236}">
+                <a16:creationId xmlns:a16="http://schemas.microsoft.com/office/drawing/2014/main" id="{59B12EAB-74D4-4DB9-837B-EDC28D187187}"/>
+              </a:ext>
+            </a:extLst>
+          </p:cNvPr>
+          <p:cNvPicPr>
+            <a:picLocks noChangeAspect="1"/>
+          </p:cNvPicPr>
+          <p:nvPr/>
+        </p:nvPicPr>
+        <p:blipFill rotWithShape="1">
+          <a:blip r:embed="rId2"/>
+          <a:srcRect t="36956"/>
+          <a:stretch/>
+        </p:blipFill>
+        <p:spPr>
+          <a:xfrm>
+            <a:off x="1528762" y="2828924"/>
+            <a:ext cx="9901238" cy="733425"/>
+          </a:xfrm>
+          <a:prstGeom prst="rect">
+            <a:avLst/>
+          </a:prstGeom>
+        </p:spPr>
+      </p:pic>
+      <p:sp>
+        <p:nvSpPr>
+          <p:cNvPr id="10" name="CuadroTexto 9">
+            <a:extLst>
+              <a:ext uri="{FF2B5EF4-FFF2-40B4-BE49-F238E27FC236}">
+                <a16:creationId xmlns:a16="http://schemas.microsoft.com/office/drawing/2014/main" id="{643D6509-FA1B-4FC9-A962-FF23CB132161}"/>
+              </a:ext>
+            </a:extLst>
+          </p:cNvPr>
+          <p:cNvSpPr txBox="1"/>
+          <p:nvPr/>
+        </p:nvSpPr>
+        <p:spPr>
+          <a:xfrm>
+            <a:off x="4632961" y="4476206"/>
+            <a:ext cx="2542901" cy="408623"/>
+          </a:xfrm>
+          <a:prstGeom prst="roundRect">
+            <a:avLst/>
+          </a:prstGeom>
+        </p:spPr>
+        <p:style>
+          <a:lnRef idx="2">
+            <a:schemeClr val="accent4"/>
+          </a:lnRef>
+          <a:fillRef idx="1">
+            <a:schemeClr val="lt1"/>
+          </a:fillRef>
+          <a:effectRef idx="0">
+            <a:schemeClr val="accent4"/>
+          </a:effectRef>
+          <a:fontRef idx="minor">
+            <a:schemeClr val="dk1"/>
+          </a:fontRef>
+        </p:style>
+        <p:txBody>
+          <a:bodyPr wrap="square" rtlCol="0">
+            <a:spAutoFit/>
+          </a:bodyPr>
+          <a:lstStyle/>
+          <a:p>
+            <a:r>
+              <a:rPr lang="en-GB" dirty="0">
+                <a:latin typeface="Montserrat" panose="02000505000000020004" pitchFamily="2" charset="0"/>
+              </a:rPr>
+              <a:t>RMSE </a:t>
+            </a:r>
+            <a:r>
+              <a:rPr lang="en-GB" dirty="0">
+                <a:latin typeface="Montserrat" panose="02000505000000020004" pitchFamily="2" charset="0"/>
+                <a:sym typeface="Wingdings" panose="05000000000000000000" pitchFamily="2" charset="2"/>
+              </a:rPr>
+              <a:t> 48700,3 $</a:t>
+            </a:r>
+            <a:endParaRPr lang="en-GB" dirty="0">
+              <a:latin typeface="Montserrat" panose="02000505000000020004" pitchFamily="2" charset="0"/>
+            </a:endParaRPr>
+          </a:p>
+        </p:txBody>
+      </p:sp>
+    </p:spTree>
+    <p:extLst>
+      <p:ext uri="{BB962C8B-B14F-4D97-AF65-F5344CB8AC3E}">
+        <p14:creationId xmlns:p14="http://schemas.microsoft.com/office/powerpoint/2010/main" val="4204567483"/>
+      </p:ext>
+    </p:extLst>
+  </p:cSld>
+  <p:clrMapOvr>
+    <a:masterClrMapping/>
+  </p:clrMapOvr>
+</p:sld>
+</file>
+
+<file path=ppt/slides/slide8.xml><?xml version="1.0" encoding="utf-8"?>
+<p:sld xmlns:a="http://schemas.openxmlformats.org/drawingml/2006/main" xmlns:r="http://schemas.openxmlformats.org/officeDocument/2006/relationships" xmlns:p="http://schemas.openxmlformats.org/presentationml/2006/main">
+  <p:cSld>
+    <p:spTree>
+      <p:nvGrpSpPr>
+        <p:cNvPr id="1" name=""/>
+        <p:cNvGrpSpPr/>
+        <p:nvPr/>
+      </p:nvGrpSpPr>
+      <p:grpSpPr>
+        <a:xfrm>
+          <a:off x="0" y="0"/>
+          <a:ext cx="0" cy="0"/>
+          <a:chOff x="0" y="0"/>
+          <a:chExt cx="0" cy="0"/>
+        </a:xfrm>
+      </p:grpSpPr>
+      <p:sp>
+        <p:nvSpPr>
+          <p:cNvPr id="2" name="CuadroTexto 1">
+            <a:extLst>
+              <a:ext uri="{FF2B5EF4-FFF2-40B4-BE49-F238E27FC236}">
+                <a16:creationId xmlns:a16="http://schemas.microsoft.com/office/drawing/2014/main" id="{B650FB81-1DF3-4AE9-ACD5-0FB8A326E551}"/>
+              </a:ext>
+            </a:extLst>
+          </p:cNvPr>
+          <p:cNvSpPr txBox="1"/>
+          <p:nvPr/>
+        </p:nvSpPr>
+        <p:spPr>
+          <a:xfrm>
+            <a:off x="2211355" y="1679510"/>
+            <a:ext cx="7595119" cy="2215991"/>
+          </a:xfrm>
+          <a:prstGeom prst="rect">
+            <a:avLst/>
+          </a:prstGeom>
+          <a:noFill/>
+        </p:spPr>
+        <p:txBody>
+          <a:bodyPr wrap="square" rtlCol="0">
+            <a:spAutoFit/>
+          </a:bodyPr>
+          <a:lstStyle/>
+          <a:p>
+            <a:r>
+              <a:rPr lang="en-GB" sz="13800" dirty="0">
+                <a:latin typeface="Montserrat Medium" pitchFamily="2" charset="0"/>
+              </a:rPr>
+              <a:t>Thanks!</a:t>
+            </a:r>
+          </a:p>
+        </p:txBody>
+      </p:sp>
+    </p:spTree>
+    <p:extLst>
+      <p:ext uri="{BB962C8B-B14F-4D97-AF65-F5344CB8AC3E}">
+        <p14:creationId xmlns:p14="http://schemas.microsoft.com/office/powerpoint/2010/main" val="3311163932"/>
       </p:ext>
     </p:extLst>
   </p:cSld>
